--- a/Documents/Progress Update/Project Update.pptx
+++ b/Documents/Progress Update/Project Update.pptx
@@ -17,16 +17,17 @@
     <p:sldId id="262" r:id="rId12"/>
     <p:sldId id="263" r:id="rId13"/>
     <p:sldId id="264" r:id="rId14"/>
+    <p:sldId id="265" r:id="rId15"/>
   </p:sldIdLst>
   <p:sldSz cy="5143500" cx="9144000"/>
   <p:notesSz cx="6858000" cy="9144000"/>
   <p:embeddedFontLst>
     <p:embeddedFont>
       <p:font typeface="Nunito"/>
-      <p:regular r:id="rId15"/>
-      <p:bold r:id="rId16"/>
-      <p:italic r:id="rId17"/>
-      <p:boldItalic r:id="rId18"/>
+      <p:regular r:id="rId16"/>
+      <p:bold r:id="rId17"/>
+      <p:italic r:id="rId18"/>
+      <p:boldItalic r:id="rId19"/>
     </p:embeddedFont>
   </p:embeddedFontLst>
   <p:defaultTextStyle>
@@ -802,12 +803,12 @@
 </p:notes>
 </file>
 
-<file path=ppt/notesSlides/notesSlide2.xml><?xml version="1.0" encoding="utf-8"?>
+<file path=ppt/notesSlides/notesSlide10.xml><?xml version="1.0" encoding="utf-8"?>
 <p:notes xmlns:a="http://schemas.openxmlformats.org/drawingml/2006/main" xmlns:r="http://schemas.openxmlformats.org/officeDocument/2006/relationships" xmlns:mc="http://schemas.openxmlformats.org/markup-compatibility/2006" xmlns:mv="urn:schemas-microsoft-com:mac:vml" xmlns:p="http://schemas.openxmlformats.org/presentationml/2006/main" xmlns:c="http://schemas.openxmlformats.org/drawingml/2006/chart" xmlns:dgm="http://schemas.openxmlformats.org/drawingml/2006/diagram" xmlns:o="urn:schemas-microsoft-com:office:office" xmlns:v="urn:schemas-microsoft-com:vml" xmlns:pvml="urn:schemas-microsoft-com:office:powerpoint" xmlns:com="http://schemas.openxmlformats.org/drawingml/2006/compatibility" xmlns:p14="http://schemas.microsoft.com/office/powerpoint/2010/main" xmlns:p15="http://schemas.microsoft.com/office/powerpoint/2012/main" xmlns:ahyp="http://schemas.microsoft.com/office/drawing/2018/hyperlinkcolor" showMasterPhAnim="0" showMasterSp="0">
   <p:cSld>
     <p:spTree>
       <p:nvGrpSpPr>
-        <p:cNvPr id="130" name="Shape 130"/>
+        <p:cNvPr id="179" name="Shape 179"/>
         <p:cNvGrpSpPr/>
         <p:nvPr/>
       </p:nvGrpSpPr>
@@ -821,7 +822,7 @@
       </p:grpSpPr>
       <p:sp>
         <p:nvSpPr>
-          <p:cNvPr id="131" name="Google Shape;131;g39d45391ef2_0_607:notes"/>
+          <p:cNvPr id="180" name="Google Shape;180;g39d45391ef2_0_654:notes"/>
           <p:cNvSpPr/>
           <p:nvPr>
             <p:ph idx="2" type="sldImg"/>
@@ -856,7 +857,7 @@
       </p:sp>
       <p:sp>
         <p:nvSpPr>
-          <p:cNvPr id="132" name="Google Shape;132;g39d45391ef2_0_607:notes"/>
+          <p:cNvPr id="181" name="Google Shape;181;g39d45391ef2_0_654:notes"/>
           <p:cNvSpPr txBox="1"/>
           <p:nvPr>
             <p:ph idx="1" type="body"/>
@@ -901,12 +902,12 @@
 </p:notes>
 </file>
 
-<file path=ppt/notesSlides/notesSlide3.xml><?xml version="1.0" encoding="utf-8"?>
+<file path=ppt/notesSlides/notesSlide2.xml><?xml version="1.0" encoding="utf-8"?>
 <p:notes xmlns:a="http://schemas.openxmlformats.org/drawingml/2006/main" xmlns:r="http://schemas.openxmlformats.org/officeDocument/2006/relationships" xmlns:mc="http://schemas.openxmlformats.org/markup-compatibility/2006" xmlns:mv="urn:schemas-microsoft-com:mac:vml" xmlns:p="http://schemas.openxmlformats.org/presentationml/2006/main" xmlns:c="http://schemas.openxmlformats.org/drawingml/2006/chart" xmlns:dgm="http://schemas.openxmlformats.org/drawingml/2006/diagram" xmlns:o="urn:schemas-microsoft-com:office:office" xmlns:v="urn:schemas-microsoft-com:vml" xmlns:pvml="urn:schemas-microsoft-com:office:powerpoint" xmlns:com="http://schemas.openxmlformats.org/drawingml/2006/compatibility" xmlns:p14="http://schemas.microsoft.com/office/powerpoint/2010/main" xmlns:p15="http://schemas.microsoft.com/office/powerpoint/2012/main" xmlns:ahyp="http://schemas.microsoft.com/office/drawing/2018/hyperlinkcolor" showMasterPhAnim="0" showMasterSp="0">
   <p:cSld>
     <p:spTree>
       <p:nvGrpSpPr>
-        <p:cNvPr id="136" name="Shape 136"/>
+        <p:cNvPr id="130" name="Shape 130"/>
         <p:cNvGrpSpPr/>
         <p:nvPr/>
       </p:nvGrpSpPr>
@@ -920,7 +921,7 @@
       </p:grpSpPr>
       <p:sp>
         <p:nvSpPr>
-          <p:cNvPr id="137" name="Google Shape;137;g39d45391ef2_0_617:notes"/>
+          <p:cNvPr id="131" name="Google Shape;131;g39f18eb2018_0_0:notes"/>
           <p:cNvSpPr/>
           <p:nvPr>
             <p:ph idx="2" type="sldImg"/>
@@ -955,7 +956,7 @@
       </p:sp>
       <p:sp>
         <p:nvSpPr>
-          <p:cNvPr id="138" name="Google Shape;138;g39d45391ef2_0_617:notes"/>
+          <p:cNvPr id="132" name="Google Shape;132;g39f18eb2018_0_0:notes"/>
           <p:cNvSpPr txBox="1"/>
           <p:nvPr>
             <p:ph idx="1" type="body"/>
@@ -1000,12 +1001,12 @@
 </p:notes>
 </file>
 
-<file path=ppt/notesSlides/notesSlide4.xml><?xml version="1.0" encoding="utf-8"?>
+<file path=ppt/notesSlides/notesSlide3.xml><?xml version="1.0" encoding="utf-8"?>
 <p:notes xmlns:a="http://schemas.openxmlformats.org/drawingml/2006/main" xmlns:r="http://schemas.openxmlformats.org/officeDocument/2006/relationships" xmlns:mc="http://schemas.openxmlformats.org/markup-compatibility/2006" xmlns:mv="urn:schemas-microsoft-com:mac:vml" xmlns:p="http://schemas.openxmlformats.org/presentationml/2006/main" xmlns:c="http://schemas.openxmlformats.org/drawingml/2006/chart" xmlns:dgm="http://schemas.openxmlformats.org/drawingml/2006/diagram" xmlns:o="urn:schemas-microsoft-com:office:office" xmlns:v="urn:schemas-microsoft-com:vml" xmlns:pvml="urn:schemas-microsoft-com:office:powerpoint" xmlns:com="http://schemas.openxmlformats.org/drawingml/2006/compatibility" xmlns:p14="http://schemas.microsoft.com/office/powerpoint/2010/main" xmlns:p15="http://schemas.microsoft.com/office/powerpoint/2012/main" xmlns:ahyp="http://schemas.microsoft.com/office/drawing/2018/hyperlinkcolor" showMasterPhAnim="0" showMasterSp="0">
   <p:cSld>
     <p:spTree>
       <p:nvGrpSpPr>
-        <p:cNvPr id="142" name="Shape 142"/>
+        <p:cNvPr id="136" name="Shape 136"/>
         <p:cNvGrpSpPr/>
         <p:nvPr/>
       </p:nvGrpSpPr>
@@ -1019,7 +1020,7 @@
       </p:grpSpPr>
       <p:sp>
         <p:nvSpPr>
-          <p:cNvPr id="143" name="Google Shape;143;g39d45391ef2_0_622:notes"/>
+          <p:cNvPr id="137" name="Google Shape;137;g39d45391ef2_0_607:notes"/>
           <p:cNvSpPr/>
           <p:nvPr>
             <p:ph idx="2" type="sldImg"/>
@@ -1054,7 +1055,7 @@
       </p:sp>
       <p:sp>
         <p:nvSpPr>
-          <p:cNvPr id="144" name="Google Shape;144;g39d45391ef2_0_622:notes"/>
+          <p:cNvPr id="138" name="Google Shape;138;g39d45391ef2_0_607:notes"/>
           <p:cNvSpPr txBox="1"/>
           <p:nvPr>
             <p:ph idx="1" type="body"/>
@@ -1099,12 +1100,12 @@
 </p:notes>
 </file>
 
-<file path=ppt/notesSlides/notesSlide5.xml><?xml version="1.0" encoding="utf-8"?>
+<file path=ppt/notesSlides/notesSlide4.xml><?xml version="1.0" encoding="utf-8"?>
 <p:notes xmlns:a="http://schemas.openxmlformats.org/drawingml/2006/main" xmlns:r="http://schemas.openxmlformats.org/officeDocument/2006/relationships" xmlns:mc="http://schemas.openxmlformats.org/markup-compatibility/2006" xmlns:mv="urn:schemas-microsoft-com:mac:vml" xmlns:p="http://schemas.openxmlformats.org/presentationml/2006/main" xmlns:c="http://schemas.openxmlformats.org/drawingml/2006/chart" xmlns:dgm="http://schemas.openxmlformats.org/drawingml/2006/diagram" xmlns:o="urn:schemas-microsoft-com:office:office" xmlns:v="urn:schemas-microsoft-com:vml" xmlns:pvml="urn:schemas-microsoft-com:office:powerpoint" xmlns:com="http://schemas.openxmlformats.org/drawingml/2006/compatibility" xmlns:p14="http://schemas.microsoft.com/office/powerpoint/2010/main" xmlns:p15="http://schemas.microsoft.com/office/powerpoint/2012/main" xmlns:ahyp="http://schemas.microsoft.com/office/drawing/2018/hyperlinkcolor" showMasterPhAnim="0" showMasterSp="0">
   <p:cSld>
     <p:spTree>
       <p:nvGrpSpPr>
-        <p:cNvPr id="149" name="Shape 149"/>
+        <p:cNvPr id="142" name="Shape 142"/>
         <p:cNvGrpSpPr/>
         <p:nvPr/>
       </p:nvGrpSpPr>
@@ -1118,7 +1119,7 @@
       </p:grpSpPr>
       <p:sp>
         <p:nvSpPr>
-          <p:cNvPr id="150" name="Google Shape;150;g39d45391ef2_0_628:notes"/>
+          <p:cNvPr id="143" name="Google Shape;143;g39d45391ef2_0_617:notes"/>
           <p:cNvSpPr/>
           <p:nvPr>
             <p:ph idx="2" type="sldImg"/>
@@ -1153,7 +1154,7 @@
       </p:sp>
       <p:sp>
         <p:nvSpPr>
-          <p:cNvPr id="151" name="Google Shape;151;g39d45391ef2_0_628:notes"/>
+          <p:cNvPr id="144" name="Google Shape;144;g39d45391ef2_0_617:notes"/>
           <p:cNvSpPr txBox="1"/>
           <p:nvPr>
             <p:ph idx="1" type="body"/>
@@ -1198,12 +1199,12 @@
 </p:notes>
 </file>
 
-<file path=ppt/notesSlides/notesSlide6.xml><?xml version="1.0" encoding="utf-8"?>
+<file path=ppt/notesSlides/notesSlide5.xml><?xml version="1.0" encoding="utf-8"?>
 <p:notes xmlns:a="http://schemas.openxmlformats.org/drawingml/2006/main" xmlns:r="http://schemas.openxmlformats.org/officeDocument/2006/relationships" xmlns:mc="http://schemas.openxmlformats.org/markup-compatibility/2006" xmlns:mv="urn:schemas-microsoft-com:mac:vml" xmlns:p="http://schemas.openxmlformats.org/presentationml/2006/main" xmlns:c="http://schemas.openxmlformats.org/drawingml/2006/chart" xmlns:dgm="http://schemas.openxmlformats.org/drawingml/2006/diagram" xmlns:o="urn:schemas-microsoft-com:office:office" xmlns:v="urn:schemas-microsoft-com:vml" xmlns:pvml="urn:schemas-microsoft-com:office:powerpoint" xmlns:com="http://schemas.openxmlformats.org/drawingml/2006/compatibility" xmlns:p14="http://schemas.microsoft.com/office/powerpoint/2010/main" xmlns:p15="http://schemas.microsoft.com/office/powerpoint/2012/main" xmlns:ahyp="http://schemas.microsoft.com/office/drawing/2018/hyperlinkcolor" showMasterPhAnim="0" showMasterSp="0">
   <p:cSld>
     <p:spTree>
       <p:nvGrpSpPr>
-        <p:cNvPr id="155" name="Shape 155"/>
+        <p:cNvPr id="148" name="Shape 148"/>
         <p:cNvGrpSpPr/>
         <p:nvPr/>
       </p:nvGrpSpPr>
@@ -1217,7 +1218,7 @@
       </p:grpSpPr>
       <p:sp>
         <p:nvSpPr>
-          <p:cNvPr id="156" name="Google Shape;156;g39d45391ef2_0_634:notes"/>
+          <p:cNvPr id="149" name="Google Shape;149;g39d45391ef2_0_622:notes"/>
           <p:cNvSpPr/>
           <p:nvPr>
             <p:ph idx="2" type="sldImg"/>
@@ -1252,7 +1253,7 @@
       </p:sp>
       <p:sp>
         <p:nvSpPr>
-          <p:cNvPr id="157" name="Google Shape;157;g39d45391ef2_0_634:notes"/>
+          <p:cNvPr id="150" name="Google Shape;150;g39d45391ef2_0_622:notes"/>
           <p:cNvSpPr txBox="1"/>
           <p:nvPr>
             <p:ph idx="1" type="body"/>
@@ -1297,12 +1298,12 @@
 </p:notes>
 </file>
 
-<file path=ppt/notesSlides/notesSlide7.xml><?xml version="1.0" encoding="utf-8"?>
+<file path=ppt/notesSlides/notesSlide6.xml><?xml version="1.0" encoding="utf-8"?>
 <p:notes xmlns:a="http://schemas.openxmlformats.org/drawingml/2006/main" xmlns:r="http://schemas.openxmlformats.org/officeDocument/2006/relationships" xmlns:mc="http://schemas.openxmlformats.org/markup-compatibility/2006" xmlns:mv="urn:schemas-microsoft-com:mac:vml" xmlns:p="http://schemas.openxmlformats.org/presentationml/2006/main" xmlns:c="http://schemas.openxmlformats.org/drawingml/2006/chart" xmlns:dgm="http://schemas.openxmlformats.org/drawingml/2006/diagram" xmlns:o="urn:schemas-microsoft-com:office:office" xmlns:v="urn:schemas-microsoft-com:vml" xmlns:pvml="urn:schemas-microsoft-com:office:powerpoint" xmlns:com="http://schemas.openxmlformats.org/drawingml/2006/compatibility" xmlns:p14="http://schemas.microsoft.com/office/powerpoint/2010/main" xmlns:p15="http://schemas.microsoft.com/office/powerpoint/2012/main" xmlns:ahyp="http://schemas.microsoft.com/office/drawing/2018/hyperlinkcolor" showMasterPhAnim="0" showMasterSp="0">
   <p:cSld>
     <p:spTree>
       <p:nvGrpSpPr>
-        <p:cNvPr id="161" name="Shape 161"/>
+        <p:cNvPr id="155" name="Shape 155"/>
         <p:cNvGrpSpPr/>
         <p:nvPr/>
       </p:nvGrpSpPr>
@@ -1316,7 +1317,7 @@
       </p:grpSpPr>
       <p:sp>
         <p:nvSpPr>
-          <p:cNvPr id="162" name="Google Shape;162;g39d45391ef2_0_639:notes"/>
+          <p:cNvPr id="156" name="Google Shape;156;g39d45391ef2_0_628:notes"/>
           <p:cNvSpPr/>
           <p:nvPr>
             <p:ph idx="2" type="sldImg"/>
@@ -1351,7 +1352,7 @@
       </p:sp>
       <p:sp>
         <p:nvSpPr>
-          <p:cNvPr id="163" name="Google Shape;163;g39d45391ef2_0_639:notes"/>
+          <p:cNvPr id="157" name="Google Shape;157;g39d45391ef2_0_628:notes"/>
           <p:cNvSpPr txBox="1"/>
           <p:nvPr>
             <p:ph idx="1" type="body"/>
@@ -1396,12 +1397,12 @@
 </p:notes>
 </file>
 
-<file path=ppt/notesSlides/notesSlide8.xml><?xml version="1.0" encoding="utf-8"?>
+<file path=ppt/notesSlides/notesSlide7.xml><?xml version="1.0" encoding="utf-8"?>
 <p:notes xmlns:a="http://schemas.openxmlformats.org/drawingml/2006/main" xmlns:r="http://schemas.openxmlformats.org/officeDocument/2006/relationships" xmlns:mc="http://schemas.openxmlformats.org/markup-compatibility/2006" xmlns:mv="urn:schemas-microsoft-com:mac:vml" xmlns:p="http://schemas.openxmlformats.org/presentationml/2006/main" xmlns:c="http://schemas.openxmlformats.org/drawingml/2006/chart" xmlns:dgm="http://schemas.openxmlformats.org/drawingml/2006/diagram" xmlns:o="urn:schemas-microsoft-com:office:office" xmlns:v="urn:schemas-microsoft-com:vml" xmlns:pvml="urn:schemas-microsoft-com:office:powerpoint" xmlns:com="http://schemas.openxmlformats.org/drawingml/2006/compatibility" xmlns:p14="http://schemas.microsoft.com/office/powerpoint/2010/main" xmlns:p15="http://schemas.microsoft.com/office/powerpoint/2012/main" xmlns:ahyp="http://schemas.microsoft.com/office/drawing/2018/hyperlinkcolor" showMasterPhAnim="0" showMasterSp="0">
   <p:cSld>
     <p:spTree>
       <p:nvGrpSpPr>
-        <p:cNvPr id="167" name="Shape 167"/>
+        <p:cNvPr id="161" name="Shape 161"/>
         <p:cNvGrpSpPr/>
         <p:nvPr/>
       </p:nvGrpSpPr>
@@ -1415,7 +1416,7 @@
       </p:grpSpPr>
       <p:sp>
         <p:nvSpPr>
-          <p:cNvPr id="168" name="Google Shape;168;g39d45391ef2_0_649:notes"/>
+          <p:cNvPr id="162" name="Google Shape;162;g39d45391ef2_0_634:notes"/>
           <p:cNvSpPr/>
           <p:nvPr>
             <p:ph idx="2" type="sldImg"/>
@@ -1450,7 +1451,7 @@
       </p:sp>
       <p:sp>
         <p:nvSpPr>
-          <p:cNvPr id="169" name="Google Shape;169;g39d45391ef2_0_649:notes"/>
+          <p:cNvPr id="163" name="Google Shape;163;g39d45391ef2_0_634:notes"/>
           <p:cNvSpPr txBox="1"/>
           <p:nvPr>
             <p:ph idx="1" type="body"/>
@@ -1495,12 +1496,12 @@
 </p:notes>
 </file>
 
-<file path=ppt/notesSlides/notesSlide9.xml><?xml version="1.0" encoding="utf-8"?>
+<file path=ppt/notesSlides/notesSlide8.xml><?xml version="1.0" encoding="utf-8"?>
 <p:notes xmlns:a="http://schemas.openxmlformats.org/drawingml/2006/main" xmlns:r="http://schemas.openxmlformats.org/officeDocument/2006/relationships" xmlns:mc="http://schemas.openxmlformats.org/markup-compatibility/2006" xmlns:mv="urn:schemas-microsoft-com:mac:vml" xmlns:p="http://schemas.openxmlformats.org/presentationml/2006/main" xmlns:c="http://schemas.openxmlformats.org/drawingml/2006/chart" xmlns:dgm="http://schemas.openxmlformats.org/drawingml/2006/diagram" xmlns:o="urn:schemas-microsoft-com:office:office" xmlns:v="urn:schemas-microsoft-com:vml" xmlns:pvml="urn:schemas-microsoft-com:office:powerpoint" xmlns:com="http://schemas.openxmlformats.org/drawingml/2006/compatibility" xmlns:p14="http://schemas.microsoft.com/office/powerpoint/2010/main" xmlns:p15="http://schemas.microsoft.com/office/powerpoint/2012/main" xmlns:ahyp="http://schemas.microsoft.com/office/drawing/2018/hyperlinkcolor" showMasterPhAnim="0" showMasterSp="0">
   <p:cSld>
     <p:spTree>
       <p:nvGrpSpPr>
-        <p:cNvPr id="173" name="Shape 173"/>
+        <p:cNvPr id="167" name="Shape 167"/>
         <p:cNvGrpSpPr/>
         <p:nvPr/>
       </p:nvGrpSpPr>
@@ -1514,7 +1515,7 @@
       </p:grpSpPr>
       <p:sp>
         <p:nvSpPr>
-          <p:cNvPr id="174" name="Google Shape;174;g39d45391ef2_0_654:notes"/>
+          <p:cNvPr id="168" name="Google Shape;168;g39d45391ef2_0_639:notes"/>
           <p:cNvSpPr/>
           <p:nvPr>
             <p:ph idx="2" type="sldImg"/>
@@ -1549,7 +1550,106 @@
       </p:sp>
       <p:sp>
         <p:nvSpPr>
-          <p:cNvPr id="175" name="Google Shape;175;g39d45391ef2_0_654:notes"/>
+          <p:cNvPr id="169" name="Google Shape;169;g39d45391ef2_0_639:notes"/>
+          <p:cNvSpPr txBox="1"/>
+          <p:nvPr>
+            <p:ph idx="1" type="body"/>
+          </p:nvPr>
+        </p:nvSpPr>
+        <p:spPr>
+          <a:xfrm>
+            <a:off x="685800" y="4343400"/>
+            <a:ext cx="5486400" cy="4114800"/>
+          </a:xfrm>
+          <a:prstGeom prst="rect">
+            <a:avLst/>
+          </a:prstGeom>
+        </p:spPr>
+        <p:txBody>
+          <a:bodyPr anchorCtr="0" anchor="t" bIns="91425" lIns="91425" spcFirstLastPara="1" rIns="91425" wrap="square" tIns="91425">
+            <a:noAutofit/>
+          </a:bodyPr>
+          <a:lstStyle/>
+          <a:p>
+            <a:pPr indent="0" lvl="0" marL="0" rtl="0" algn="l">
+              <a:spcBef>
+                <a:spcPts val="0"/>
+              </a:spcBef>
+              <a:spcAft>
+                <a:spcPts val="0"/>
+              </a:spcAft>
+              <a:buNone/>
+            </a:pPr>
+            <a:r>
+              <a:t/>
+            </a:r>
+            <a:endParaRPr/>
+          </a:p>
+        </p:txBody>
+      </p:sp>
+    </p:spTree>
+  </p:cSld>
+  <p:clrMapOvr>
+    <a:masterClrMapping/>
+  </p:clrMapOvr>
+</p:notes>
+</file>
+
+<file path=ppt/notesSlides/notesSlide9.xml><?xml version="1.0" encoding="utf-8"?>
+<p:notes xmlns:a="http://schemas.openxmlformats.org/drawingml/2006/main" xmlns:r="http://schemas.openxmlformats.org/officeDocument/2006/relationships" xmlns:mc="http://schemas.openxmlformats.org/markup-compatibility/2006" xmlns:mv="urn:schemas-microsoft-com:mac:vml" xmlns:p="http://schemas.openxmlformats.org/presentationml/2006/main" xmlns:c="http://schemas.openxmlformats.org/drawingml/2006/chart" xmlns:dgm="http://schemas.openxmlformats.org/drawingml/2006/diagram" xmlns:o="urn:schemas-microsoft-com:office:office" xmlns:v="urn:schemas-microsoft-com:vml" xmlns:pvml="urn:schemas-microsoft-com:office:powerpoint" xmlns:com="http://schemas.openxmlformats.org/drawingml/2006/compatibility" xmlns:p14="http://schemas.microsoft.com/office/powerpoint/2010/main" xmlns:p15="http://schemas.microsoft.com/office/powerpoint/2012/main" xmlns:ahyp="http://schemas.microsoft.com/office/drawing/2018/hyperlinkcolor" showMasterPhAnim="0" showMasterSp="0">
+  <p:cSld>
+    <p:spTree>
+      <p:nvGrpSpPr>
+        <p:cNvPr id="173" name="Shape 173"/>
+        <p:cNvGrpSpPr/>
+        <p:nvPr/>
+      </p:nvGrpSpPr>
+      <p:grpSpPr>
+        <a:xfrm>
+          <a:off x="0" y="0"/>
+          <a:ext cx="0" cy="0"/>
+          <a:chOff x="0" y="0"/>
+          <a:chExt cx="0" cy="0"/>
+        </a:xfrm>
+      </p:grpSpPr>
+      <p:sp>
+        <p:nvSpPr>
+          <p:cNvPr id="174" name="Google Shape;174;g39d45391ef2_0_649:notes"/>
+          <p:cNvSpPr/>
+          <p:nvPr>
+            <p:ph idx="2" type="sldImg"/>
+          </p:nvPr>
+        </p:nvSpPr>
+        <p:spPr>
+          <a:xfrm>
+            <a:off x="381300" y="685800"/>
+            <a:ext cx="6096000" cy="3429000"/>
+          </a:xfrm>
+          <a:custGeom>
+            <a:rect b="b" l="l" r="r" t="t"/>
+            <a:pathLst>
+              <a:path extrusionOk="0" h="120000" w="120000">
+                <a:moveTo>
+                  <a:pt x="0" y="0"/>
+                </a:moveTo>
+                <a:lnTo>
+                  <a:pt x="120000" y="0"/>
+                </a:lnTo>
+                <a:lnTo>
+                  <a:pt x="120000" y="120000"/>
+                </a:lnTo>
+                <a:lnTo>
+                  <a:pt x="0" y="120000"/>
+                </a:lnTo>
+                <a:close/>
+              </a:path>
+            </a:pathLst>
+          </a:custGeom>
+        </p:spPr>
+      </p:sp>
+      <p:sp>
+        <p:nvSpPr>
+          <p:cNvPr id="175" name="Google Shape;175;g39d45391ef2_0_649:notes"/>
           <p:cNvSpPr txBox="1"/>
           <p:nvPr>
             <p:ph idx="1" type="body"/>
@@ -9809,6 +9909,198 @@
 </p:sld>
 </file>
 
+<file path=ppt/slides/slide10.xml><?xml version="1.0" encoding="utf-8"?>
+<p:sld xmlns:a="http://schemas.openxmlformats.org/drawingml/2006/main" xmlns:r="http://schemas.openxmlformats.org/officeDocument/2006/relationships" xmlns:mc="http://schemas.openxmlformats.org/markup-compatibility/2006" xmlns:mv="urn:schemas-microsoft-com:mac:vml" xmlns:p="http://schemas.openxmlformats.org/presentationml/2006/main" xmlns:c="http://schemas.openxmlformats.org/drawingml/2006/chart" xmlns:dgm="http://schemas.openxmlformats.org/drawingml/2006/diagram" xmlns:o="urn:schemas-microsoft-com:office:office" xmlns:v="urn:schemas-microsoft-com:vml" xmlns:pvml="urn:schemas-microsoft-com:office:powerpoint" xmlns:com="http://schemas.openxmlformats.org/drawingml/2006/compatibility" xmlns:p14="http://schemas.microsoft.com/office/powerpoint/2010/main" xmlns:p15="http://schemas.microsoft.com/office/powerpoint/2012/main" xmlns:ahyp="http://schemas.microsoft.com/office/drawing/2018/hyperlinkcolor">
+  <p:cSld>
+    <p:spTree>
+      <p:nvGrpSpPr>
+        <p:cNvPr id="182" name="Shape 182"/>
+        <p:cNvGrpSpPr/>
+        <p:nvPr/>
+      </p:nvGrpSpPr>
+      <p:grpSpPr>
+        <a:xfrm>
+          <a:off x="0" y="0"/>
+          <a:ext cx="0" cy="0"/>
+          <a:chOff x="0" y="0"/>
+          <a:chExt cx="0" cy="0"/>
+        </a:xfrm>
+      </p:grpSpPr>
+      <p:sp>
+        <p:nvSpPr>
+          <p:cNvPr id="183" name="Google Shape;183;p22"/>
+          <p:cNvSpPr txBox="1"/>
+          <p:nvPr>
+            <p:ph type="title"/>
+          </p:nvPr>
+        </p:nvSpPr>
+        <p:spPr>
+          <a:xfrm>
+            <a:off x="819150" y="845600"/>
+            <a:ext cx="7505700" cy="954600"/>
+          </a:xfrm>
+          <a:prstGeom prst="rect">
+            <a:avLst/>
+          </a:prstGeom>
+        </p:spPr>
+        <p:txBody>
+          <a:bodyPr anchorCtr="0" anchor="t" bIns="91425" lIns="91425" spcFirstLastPara="1" rIns="91425" wrap="square" tIns="91425">
+            <a:normAutofit/>
+          </a:bodyPr>
+          <a:lstStyle/>
+          <a:p>
+            <a:pPr indent="0" lvl="0" marL="0" rtl="0" algn="l">
+              <a:spcBef>
+                <a:spcPts val="0"/>
+              </a:spcBef>
+              <a:spcAft>
+                <a:spcPts val="0"/>
+              </a:spcAft>
+              <a:buNone/>
+            </a:pPr>
+            <a:r>
+              <a:rPr lang="en"/>
+              <a:t>Partially Complete</a:t>
+            </a:r>
+            <a:endParaRPr/>
+          </a:p>
+        </p:txBody>
+      </p:sp>
+      <p:sp>
+        <p:nvSpPr>
+          <p:cNvPr id="184" name="Google Shape;184;p22"/>
+          <p:cNvSpPr txBox="1"/>
+          <p:nvPr>
+            <p:ph idx="1" type="body"/>
+          </p:nvPr>
+        </p:nvSpPr>
+        <p:spPr>
+          <a:xfrm>
+            <a:off x="819150" y="1990725"/>
+            <a:ext cx="7505700" cy="2448000"/>
+          </a:xfrm>
+          <a:prstGeom prst="rect">
+            <a:avLst/>
+          </a:prstGeom>
+        </p:spPr>
+        <p:txBody>
+          <a:bodyPr anchorCtr="0" anchor="t" bIns="91425" lIns="91425" spcFirstLastPara="1" rIns="91425" wrap="square" tIns="91425">
+            <a:normAutofit/>
+          </a:bodyPr>
+          <a:lstStyle/>
+          <a:p>
+            <a:pPr indent="-298450" lvl="0" marL="457200" rtl="0" algn="l">
+              <a:spcBef>
+                <a:spcPts val="0"/>
+              </a:spcBef>
+              <a:spcAft>
+                <a:spcPts val="0"/>
+              </a:spcAft>
+              <a:buClr>
+                <a:srgbClr val="000000"/>
+              </a:buClr>
+              <a:buSzPts val="1100"/>
+              <a:buFont typeface="Arial"/>
+              <a:buChar char="●"/>
+            </a:pPr>
+            <a:r>
+              <a:rPr lang="en" sz="1100">
+                <a:solidFill>
+                  <a:srgbClr val="000000"/>
+                </a:solidFill>
+                <a:latin typeface="Arial"/>
+                <a:ea typeface="Arial"/>
+                <a:cs typeface="Arial"/>
+                <a:sym typeface="Arial"/>
+              </a:rPr>
+              <a:t>Home page</a:t>
+            </a:r>
+            <a:endParaRPr sz="1100">
+              <a:solidFill>
+                <a:srgbClr val="000000"/>
+              </a:solidFill>
+              <a:latin typeface="Arial"/>
+              <a:ea typeface="Arial"/>
+              <a:cs typeface="Arial"/>
+              <a:sym typeface="Arial"/>
+            </a:endParaRPr>
+          </a:p>
+          <a:p>
+            <a:pPr indent="-298450" lvl="0" marL="457200" rtl="0" algn="l">
+              <a:spcBef>
+                <a:spcPts val="0"/>
+              </a:spcBef>
+              <a:spcAft>
+                <a:spcPts val="0"/>
+              </a:spcAft>
+              <a:buClr>
+                <a:srgbClr val="000000"/>
+              </a:buClr>
+              <a:buSzPts val="1100"/>
+              <a:buFont typeface="Arial"/>
+              <a:buChar char="●"/>
+            </a:pPr>
+            <a:r>
+              <a:rPr lang="en" sz="1100">
+                <a:solidFill>
+                  <a:srgbClr val="000000"/>
+                </a:solidFill>
+                <a:latin typeface="Arial"/>
+                <a:ea typeface="Arial"/>
+                <a:cs typeface="Arial"/>
+                <a:sym typeface="Arial"/>
+              </a:rPr>
+              <a:t>List itineraries page</a:t>
+            </a:r>
+            <a:endParaRPr sz="1100">
+              <a:solidFill>
+                <a:srgbClr val="000000"/>
+              </a:solidFill>
+              <a:latin typeface="Arial"/>
+              <a:ea typeface="Arial"/>
+              <a:cs typeface="Arial"/>
+              <a:sym typeface="Arial"/>
+            </a:endParaRPr>
+          </a:p>
+          <a:p>
+            <a:pPr indent="-298450" lvl="0" marL="457200" rtl="0" algn="l">
+              <a:spcBef>
+                <a:spcPts val="0"/>
+              </a:spcBef>
+              <a:spcAft>
+                <a:spcPts val="0"/>
+              </a:spcAft>
+              <a:buClr>
+                <a:srgbClr val="000000"/>
+              </a:buClr>
+              <a:buSzPts val="1100"/>
+              <a:buFont typeface="Arial"/>
+              <a:buChar char="●"/>
+            </a:pPr>
+            <a:r>
+              <a:rPr lang="en" sz="1100">
+                <a:solidFill>
+                  <a:srgbClr val="000000"/>
+                </a:solidFill>
+                <a:latin typeface="Arial"/>
+                <a:ea typeface="Arial"/>
+                <a:cs typeface="Arial"/>
+                <a:sym typeface="Arial"/>
+              </a:rPr>
+              <a:t>Nav bar</a:t>
+            </a:r>
+            <a:endParaRPr/>
+          </a:p>
+        </p:txBody>
+      </p:sp>
+    </p:spTree>
+  </p:cSld>
+  <p:clrMapOvr>
+    <a:masterClrMapping/>
+  </p:clrMapOvr>
+</p:sld>
+</file>
+
 <file path=ppt/slides/slide2.xml><?xml version="1.0" encoding="utf-8"?>
 <p:sld xmlns:a="http://schemas.openxmlformats.org/drawingml/2006/main" xmlns:r="http://schemas.openxmlformats.org/officeDocument/2006/relationships" xmlns:mc="http://schemas.openxmlformats.org/markup-compatibility/2006" xmlns:mv="urn:schemas-microsoft-com:mac:vml" xmlns:p="http://schemas.openxmlformats.org/presentationml/2006/main" xmlns:c="http://schemas.openxmlformats.org/drawingml/2006/chart" xmlns:dgm="http://schemas.openxmlformats.org/drawingml/2006/diagram" xmlns:o="urn:schemas-microsoft-com:office:office" xmlns:v="urn:schemas-microsoft-com:vml" xmlns:pvml="urn:schemas-microsoft-com:office:powerpoint" xmlns:com="http://schemas.openxmlformats.org/drawingml/2006/compatibility" xmlns:p14="http://schemas.microsoft.com/office/powerpoint/2010/main" xmlns:p15="http://schemas.microsoft.com/office/powerpoint/2012/main" xmlns:ahyp="http://schemas.microsoft.com/office/drawing/2018/hyperlinkcolor">
   <p:cSld>
@@ -9845,7 +10137,7 @@
         </p:spPr>
         <p:txBody>
           <a:bodyPr anchorCtr="0" anchor="t" bIns="91425" lIns="91425" spcFirstLastPara="1" rIns="91425" wrap="square" tIns="91425">
-            <a:normAutofit fontScale="90000"/>
+            <a:normAutofit/>
           </a:bodyPr>
           <a:lstStyle/>
           <a:p>
@@ -9860,7 +10152,7 @@
             </a:pPr>
             <a:r>
               <a:rPr lang="en"/>
-              <a:t>What we originally planned to do( and what has been changed)</a:t>
+              <a:t>Changes</a:t>
             </a:r>
             <a:endParaRPr/>
           </a:p>
@@ -9901,92 +10193,7 @@
             </a:pPr>
             <a:r>
               <a:rPr lang="en"/>
-              <a:t>Google Sign-up/sign-in</a:t>
-            </a:r>
-            <a:endParaRPr/>
-          </a:p>
-          <a:p>
-            <a:pPr indent="-311150" lvl="0" marL="457200" rtl="0" algn="l">
-              <a:spcBef>
-                <a:spcPts val="0"/>
-              </a:spcBef>
-              <a:spcAft>
-                <a:spcPts val="0"/>
-              </a:spcAft>
-              <a:buSzPts val="1300"/>
-              <a:buChar char="●"/>
-            </a:pPr>
-            <a:r>
-              <a:rPr lang="en"/>
-              <a:t>Home page</a:t>
-            </a:r>
-            <a:endParaRPr/>
-          </a:p>
-          <a:p>
-            <a:pPr indent="-311150" lvl="0" marL="457200" rtl="0" algn="l">
-              <a:spcBef>
-                <a:spcPts val="0"/>
-              </a:spcBef>
-              <a:spcAft>
-                <a:spcPts val="0"/>
-              </a:spcAft>
-              <a:buSzPts val="1300"/>
-              <a:buChar char="●"/>
-            </a:pPr>
-            <a:r>
-              <a:rPr lang="en"/>
-              <a:t>Navigation bar</a:t>
-            </a:r>
-            <a:endParaRPr/>
-          </a:p>
-          <a:p>
-            <a:pPr indent="-311150" lvl="0" marL="457200" rtl="0" algn="l">
-              <a:spcBef>
-                <a:spcPts val="0"/>
-              </a:spcBef>
-              <a:spcAft>
-                <a:spcPts val="0"/>
-              </a:spcAft>
-              <a:buSzPts val="1300"/>
-              <a:buChar char="●"/>
-            </a:pPr>
-            <a:r>
-              <a:rPr lang="en"/>
-              <a:t>Create Itineraries</a:t>
-            </a:r>
-            <a:endParaRPr/>
-          </a:p>
-          <a:p>
-            <a:pPr indent="-311150" lvl="0" marL="457200" rtl="0" algn="l">
-              <a:spcBef>
-                <a:spcPts val="0"/>
-              </a:spcBef>
-              <a:spcAft>
-                <a:spcPts val="0"/>
-              </a:spcAft>
-              <a:buSzPts val="1300"/>
-              <a:buChar char="●"/>
-            </a:pPr>
-            <a:r>
-              <a:rPr lang="en"/>
-              <a:t>View Itineraries</a:t>
-            </a:r>
-            <a:endParaRPr/>
-          </a:p>
-          <a:p>
-            <a:pPr indent="-311150" lvl="0" marL="457200" rtl="0" algn="l">
-              <a:spcBef>
-                <a:spcPts val="0"/>
-              </a:spcBef>
-              <a:spcAft>
-                <a:spcPts val="0"/>
-              </a:spcAft>
-              <a:buSzPts val="1300"/>
-              <a:buChar char="●"/>
-            </a:pPr>
-            <a:r>
-              <a:rPr lang="en"/>
-              <a:t>Account</a:t>
+              <a:t>Changed View Itineraries to List </a:t>
             </a:r>
             <a:endParaRPr/>
           </a:p>
@@ -10036,7 +10243,7 @@
         </p:spPr>
         <p:txBody>
           <a:bodyPr anchorCtr="0" anchor="t" bIns="91425" lIns="91425" spcFirstLastPara="1" rIns="91425" wrap="square" tIns="91425">
-            <a:normAutofit/>
+            <a:normAutofit fontScale="90000"/>
           </a:bodyPr>
           <a:lstStyle/>
           <a:p>
@@ -10051,7 +10258,15 @@
             </a:pPr>
             <a:r>
               <a:rPr lang="en"/>
-              <a:t>Changes to Sign-up/sign-in and Home</a:t>
+              <a:t>What we originally </a:t>
+            </a:r>
+            <a:r>
+              <a:rPr lang="en"/>
+              <a:t>promised</a:t>
+            </a:r>
+            <a:r>
+              <a:rPr lang="en"/>
+              <a:t> to do( and what has been changed)</a:t>
             </a:r>
             <a:endParaRPr/>
           </a:p>
@@ -10080,290 +10295,104 @@
           </a:bodyPr>
           <a:lstStyle/>
           <a:p>
-            <a:pPr indent="-298450" lvl="0" marL="457200" rtl="0" algn="l">
-              <a:spcBef>
-                <a:spcPts val="0"/>
-              </a:spcBef>
-              <a:spcAft>
-                <a:spcPts val="0"/>
-              </a:spcAft>
-              <a:buClr>
-                <a:srgbClr val="000000"/>
-              </a:buClr>
-              <a:buSzPts val="1100"/>
-              <a:buFont typeface="Arial"/>
+            <a:pPr indent="-311150" lvl="0" marL="457200" rtl="0" algn="l">
+              <a:spcBef>
+                <a:spcPts val="0"/>
+              </a:spcBef>
+              <a:spcAft>
+                <a:spcPts val="0"/>
+              </a:spcAft>
+              <a:buSzPts val="1300"/>
               <a:buChar char="●"/>
             </a:pPr>
             <a:r>
-              <a:rPr lang="en" sz="1100">
-                <a:solidFill>
-                  <a:srgbClr val="000000"/>
-                </a:solidFill>
-                <a:latin typeface="Arial"/>
-                <a:ea typeface="Arial"/>
-                <a:cs typeface="Arial"/>
-                <a:sym typeface="Arial"/>
-              </a:rPr>
-              <a:t>Google sign-up page on arrival</a:t>
+              <a:rPr lang="en"/>
+              <a:t>Google Sign-up/sign-in</a:t>
             </a:r>
-            <a:endParaRPr sz="1100">
-              <a:solidFill>
-                <a:srgbClr val="000000"/>
-              </a:solidFill>
-              <a:latin typeface="Arial"/>
-              <a:ea typeface="Arial"/>
-              <a:cs typeface="Arial"/>
-              <a:sym typeface="Arial"/>
-            </a:endParaRPr>
-          </a:p>
-          <a:p>
-            <a:pPr indent="-298450" lvl="1" marL="914400" rtl="0" algn="l">
-              <a:spcBef>
-                <a:spcPts val="0"/>
-              </a:spcBef>
-              <a:spcAft>
-                <a:spcPts val="0"/>
-              </a:spcAft>
-              <a:buClr>
-                <a:srgbClr val="000000"/>
-              </a:buClr>
-              <a:buSzPts val="1100"/>
-              <a:buFont typeface="Arial"/>
-              <a:buChar char="○"/>
+            <a:endParaRPr/>
+          </a:p>
+          <a:p>
+            <a:pPr indent="-311150" lvl="0" marL="457200" rtl="0" algn="l">
+              <a:spcBef>
+                <a:spcPts val="0"/>
+              </a:spcBef>
+              <a:spcAft>
+                <a:spcPts val="0"/>
+              </a:spcAft>
+              <a:buSzPts val="1300"/>
+              <a:buChar char="●"/>
             </a:pPr>
             <a:r>
-              <a:rPr lang="en">
-                <a:solidFill>
-                  <a:srgbClr val="000000"/>
-                </a:solidFill>
-                <a:latin typeface="Arial"/>
-                <a:ea typeface="Arial"/>
-                <a:cs typeface="Arial"/>
-                <a:sym typeface="Arial"/>
-              </a:rPr>
-              <a:t>Link to sign-in page beneath sign-up option</a:t>
+              <a:rPr lang="en"/>
+              <a:t>Home page</a:t>
             </a:r>
-            <a:endParaRPr>
-              <a:solidFill>
-                <a:srgbClr val="000000"/>
-              </a:solidFill>
-              <a:latin typeface="Arial"/>
-              <a:ea typeface="Arial"/>
-              <a:cs typeface="Arial"/>
-              <a:sym typeface="Arial"/>
-            </a:endParaRPr>
-          </a:p>
-          <a:p>
-            <a:pPr indent="-298450" lvl="1" marL="914400" rtl="0" algn="l">
-              <a:spcBef>
-                <a:spcPts val="0"/>
-              </a:spcBef>
-              <a:spcAft>
-                <a:spcPts val="0"/>
-              </a:spcAft>
-              <a:buClr>
-                <a:srgbClr val="000000"/>
-              </a:buClr>
-              <a:buSzPts val="1100"/>
-              <a:buFont typeface="Arial"/>
-              <a:buChar char="○"/>
+            <a:endParaRPr/>
+          </a:p>
+          <a:p>
+            <a:pPr indent="-311150" lvl="0" marL="457200" rtl="0" algn="l">
+              <a:spcBef>
+                <a:spcPts val="0"/>
+              </a:spcBef>
+              <a:spcAft>
+                <a:spcPts val="0"/>
+              </a:spcAft>
+              <a:buSzPts val="1300"/>
+              <a:buChar char="●"/>
             </a:pPr>
             <a:r>
-              <a:rPr lang="en">
-                <a:solidFill>
-                  <a:srgbClr val="000000"/>
-                </a:solidFill>
-                <a:latin typeface="Arial"/>
-                <a:ea typeface="Arial"/>
-                <a:cs typeface="Arial"/>
-                <a:sym typeface="Arial"/>
-              </a:rPr>
-              <a:t>Using of Google account for either option</a:t>
+              <a:rPr lang="en"/>
+              <a:t>Navigation bar</a:t>
             </a:r>
-            <a:endParaRPr>
-              <a:solidFill>
-                <a:srgbClr val="000000"/>
-              </a:solidFill>
-              <a:latin typeface="Arial"/>
-              <a:ea typeface="Arial"/>
-              <a:cs typeface="Arial"/>
-              <a:sym typeface="Arial"/>
-            </a:endParaRPr>
-          </a:p>
-          <a:p>
-            <a:pPr indent="-298450" lvl="0" marL="457200" rtl="0" algn="l">
-              <a:spcBef>
-                <a:spcPts val="0"/>
-              </a:spcBef>
-              <a:spcAft>
-                <a:spcPts val="0"/>
-              </a:spcAft>
-              <a:buClr>
-                <a:srgbClr val="000000"/>
-              </a:buClr>
-              <a:buSzPts val="1100"/>
-              <a:buFont typeface="Arial"/>
+            <a:endParaRPr/>
+          </a:p>
+          <a:p>
+            <a:pPr indent="-311150" lvl="0" marL="457200" rtl="0" algn="l">
+              <a:spcBef>
+                <a:spcPts val="0"/>
+              </a:spcBef>
+              <a:spcAft>
+                <a:spcPts val="0"/>
+              </a:spcAft>
+              <a:buSzPts val="1300"/>
               <a:buChar char="●"/>
             </a:pPr>
             <a:r>
-              <a:rPr lang="en" sz="1100">
-                <a:solidFill>
-                  <a:srgbClr val="000000"/>
-                </a:solidFill>
-                <a:latin typeface="Arial"/>
-                <a:ea typeface="Arial"/>
-                <a:cs typeface="Arial"/>
-                <a:sym typeface="Arial"/>
-              </a:rPr>
-              <a:t>Home page appears after signing in or signing up</a:t>
+              <a:rPr lang="en"/>
+              <a:t>Create Itineraries</a:t>
             </a:r>
-            <a:endParaRPr sz="1100">
-              <a:solidFill>
-                <a:srgbClr val="000000"/>
-              </a:solidFill>
-              <a:latin typeface="Arial"/>
-              <a:ea typeface="Arial"/>
-              <a:cs typeface="Arial"/>
-              <a:sym typeface="Arial"/>
-            </a:endParaRPr>
-          </a:p>
-          <a:p>
-            <a:pPr indent="-298450" lvl="1" marL="914400" rtl="0" algn="l">
-              <a:spcBef>
-                <a:spcPts val="0"/>
-              </a:spcBef>
-              <a:spcAft>
-                <a:spcPts val="0"/>
-              </a:spcAft>
-              <a:buClr>
-                <a:srgbClr val="000000"/>
-              </a:buClr>
-              <a:buSzPts val="1100"/>
-              <a:buFont typeface="Arial"/>
-              <a:buChar char="○"/>
+            <a:endParaRPr/>
+          </a:p>
+          <a:p>
+            <a:pPr indent="-311150" lvl="0" marL="457200" rtl="0" algn="l">
+              <a:spcBef>
+                <a:spcPts val="0"/>
+              </a:spcBef>
+              <a:spcAft>
+                <a:spcPts val="0"/>
+              </a:spcAft>
+              <a:buSzPts val="1300"/>
+              <a:buChar char="●"/>
             </a:pPr>
             <a:r>
-              <a:rPr lang="en">
-                <a:solidFill>
-                  <a:srgbClr val="000000"/>
-                </a:solidFill>
-                <a:latin typeface="Arial"/>
-                <a:ea typeface="Arial"/>
-                <a:cs typeface="Arial"/>
-                <a:sym typeface="Arial"/>
-              </a:rPr>
-              <a:t>Home page contains about content</a:t>
+              <a:rPr lang="en"/>
+              <a:t>View Itineraries</a:t>
             </a:r>
-            <a:endParaRPr>
-              <a:solidFill>
-                <a:srgbClr val="000000"/>
-              </a:solidFill>
-              <a:latin typeface="Arial"/>
-              <a:ea typeface="Arial"/>
-              <a:cs typeface="Arial"/>
-              <a:sym typeface="Arial"/>
-            </a:endParaRPr>
-          </a:p>
-          <a:p>
-            <a:pPr indent="-298450" lvl="2" marL="1371600" rtl="0" algn="l">
-              <a:spcBef>
-                <a:spcPts val="0"/>
-              </a:spcBef>
-              <a:spcAft>
-                <a:spcPts val="0"/>
-              </a:spcAft>
-              <a:buClr>
-                <a:srgbClr val="000000"/>
-              </a:buClr>
-              <a:buSzPts val="1100"/>
-              <a:buFont typeface="Arial"/>
-              <a:buChar char="■"/>
+            <a:endParaRPr/>
+          </a:p>
+          <a:p>
+            <a:pPr indent="-311150" lvl="0" marL="457200" rtl="0" algn="l">
+              <a:spcBef>
+                <a:spcPts val="0"/>
+              </a:spcBef>
+              <a:spcAft>
+                <a:spcPts val="0"/>
+              </a:spcAft>
+              <a:buSzPts val="1300"/>
+              <a:buChar char="●"/>
             </a:pPr>
             <a:r>
-              <a:rPr lang="en">
-                <a:solidFill>
-                  <a:srgbClr val="000000"/>
-                </a:solidFill>
-                <a:latin typeface="Arial"/>
-                <a:ea typeface="Arial"/>
-                <a:cs typeface="Arial"/>
-                <a:sym typeface="Arial"/>
-              </a:rPr>
-              <a:t>Information pertains to staff background</a:t>
-            </a:r>
-            <a:endParaRPr>
-              <a:solidFill>
-                <a:srgbClr val="000000"/>
-              </a:solidFill>
-              <a:latin typeface="Arial"/>
-              <a:ea typeface="Arial"/>
-              <a:cs typeface="Arial"/>
-              <a:sym typeface="Arial"/>
-            </a:endParaRPr>
-          </a:p>
-          <a:p>
-            <a:pPr indent="-298450" lvl="2" marL="1371600" rtl="0" algn="l">
-              <a:spcBef>
-                <a:spcPts val="0"/>
-              </a:spcBef>
-              <a:spcAft>
-                <a:spcPts val="0"/>
-              </a:spcAft>
-              <a:buClr>
-                <a:srgbClr val="000000"/>
-              </a:buClr>
-              <a:buSzPts val="1100"/>
-              <a:buFont typeface="Arial"/>
-              <a:buChar char="■"/>
-            </a:pPr>
-            <a:r>
-              <a:rPr lang="en">
-                <a:solidFill>
-                  <a:srgbClr val="000000"/>
-                </a:solidFill>
-                <a:latin typeface="Arial"/>
-                <a:ea typeface="Arial"/>
-                <a:cs typeface="Arial"/>
-                <a:sym typeface="Arial"/>
-              </a:rPr>
-              <a:t>Ins and outs of the website</a:t>
-            </a:r>
-            <a:endParaRPr>
-              <a:solidFill>
-                <a:srgbClr val="000000"/>
-              </a:solidFill>
-              <a:latin typeface="Arial"/>
-              <a:ea typeface="Arial"/>
-              <a:cs typeface="Arial"/>
-              <a:sym typeface="Arial"/>
-            </a:endParaRPr>
-          </a:p>
-          <a:p>
-            <a:pPr indent="-298450" lvl="2" marL="1371600" rtl="0" algn="l">
-              <a:spcBef>
-                <a:spcPts val="0"/>
-              </a:spcBef>
-              <a:spcAft>
-                <a:spcPts val="0"/>
-              </a:spcAft>
-              <a:buClr>
-                <a:srgbClr val="000000"/>
-              </a:buClr>
-              <a:buSzPts val="1100"/>
-              <a:buFont typeface="Arial"/>
-              <a:buChar char="■"/>
-            </a:pPr>
-            <a:r>
-              <a:rPr lang="en">
-                <a:solidFill>
-                  <a:srgbClr val="000000"/>
-                </a:solidFill>
-                <a:latin typeface="Arial"/>
-                <a:ea typeface="Arial"/>
-                <a:cs typeface="Arial"/>
-                <a:sym typeface="Arial"/>
-              </a:rPr>
-              <a:t>Basic instructions</a:t>
+              <a:rPr lang="en"/>
+              <a:t>Account</a:t>
             </a:r>
             <a:endParaRPr/>
           </a:p>
@@ -10428,7 +10457,7 @@
             </a:pPr>
             <a:r>
               <a:rPr lang="en"/>
-              <a:t>Changes to Create Itineraries</a:t>
+              <a:t>Changes to Sign-up/sign-in and Home</a:t>
             </a:r>
             <a:endParaRPr/>
           </a:p>
@@ -10437,6 +10466,383 @@
       <p:sp>
         <p:nvSpPr>
           <p:cNvPr id="147" name="Google Shape;147;p16"/>
+          <p:cNvSpPr txBox="1"/>
+          <p:nvPr>
+            <p:ph idx="1" type="body"/>
+          </p:nvPr>
+        </p:nvSpPr>
+        <p:spPr>
+          <a:xfrm>
+            <a:off x="819150" y="1990725"/>
+            <a:ext cx="7505700" cy="2448000"/>
+          </a:xfrm>
+          <a:prstGeom prst="rect">
+            <a:avLst/>
+          </a:prstGeom>
+        </p:spPr>
+        <p:txBody>
+          <a:bodyPr anchorCtr="0" anchor="t" bIns="91425" lIns="91425" spcFirstLastPara="1" rIns="91425" wrap="square" tIns="91425">
+            <a:normAutofit/>
+          </a:bodyPr>
+          <a:lstStyle/>
+          <a:p>
+            <a:pPr indent="-298450" lvl="0" marL="457200" rtl="0" algn="l">
+              <a:spcBef>
+                <a:spcPts val="0"/>
+              </a:spcBef>
+              <a:spcAft>
+                <a:spcPts val="0"/>
+              </a:spcAft>
+              <a:buClr>
+                <a:srgbClr val="000000"/>
+              </a:buClr>
+              <a:buSzPts val="1100"/>
+              <a:buFont typeface="Arial"/>
+              <a:buChar char="●"/>
+            </a:pPr>
+            <a:r>
+              <a:rPr lang="en" sz="1100">
+                <a:solidFill>
+                  <a:srgbClr val="000000"/>
+                </a:solidFill>
+                <a:latin typeface="Arial"/>
+                <a:ea typeface="Arial"/>
+                <a:cs typeface="Arial"/>
+                <a:sym typeface="Arial"/>
+              </a:rPr>
+              <a:t>Google sign-up page on arrival</a:t>
+            </a:r>
+            <a:endParaRPr sz="1100">
+              <a:solidFill>
+                <a:srgbClr val="000000"/>
+              </a:solidFill>
+              <a:latin typeface="Arial"/>
+              <a:ea typeface="Arial"/>
+              <a:cs typeface="Arial"/>
+              <a:sym typeface="Arial"/>
+            </a:endParaRPr>
+          </a:p>
+          <a:p>
+            <a:pPr indent="-298450" lvl="1" marL="914400" rtl="0" algn="l">
+              <a:spcBef>
+                <a:spcPts val="0"/>
+              </a:spcBef>
+              <a:spcAft>
+                <a:spcPts val="0"/>
+              </a:spcAft>
+              <a:buClr>
+                <a:srgbClr val="000000"/>
+              </a:buClr>
+              <a:buSzPts val="1100"/>
+              <a:buFont typeface="Arial"/>
+              <a:buChar char="○"/>
+            </a:pPr>
+            <a:r>
+              <a:rPr lang="en">
+                <a:solidFill>
+                  <a:srgbClr val="000000"/>
+                </a:solidFill>
+                <a:latin typeface="Arial"/>
+                <a:ea typeface="Arial"/>
+                <a:cs typeface="Arial"/>
+                <a:sym typeface="Arial"/>
+              </a:rPr>
+              <a:t>Link to sign-in page beneath sign-up option</a:t>
+            </a:r>
+            <a:endParaRPr>
+              <a:solidFill>
+                <a:srgbClr val="000000"/>
+              </a:solidFill>
+              <a:latin typeface="Arial"/>
+              <a:ea typeface="Arial"/>
+              <a:cs typeface="Arial"/>
+              <a:sym typeface="Arial"/>
+            </a:endParaRPr>
+          </a:p>
+          <a:p>
+            <a:pPr indent="-298450" lvl="1" marL="914400" rtl="0" algn="l">
+              <a:spcBef>
+                <a:spcPts val="0"/>
+              </a:spcBef>
+              <a:spcAft>
+                <a:spcPts val="0"/>
+              </a:spcAft>
+              <a:buClr>
+                <a:srgbClr val="000000"/>
+              </a:buClr>
+              <a:buSzPts val="1100"/>
+              <a:buFont typeface="Arial"/>
+              <a:buChar char="○"/>
+            </a:pPr>
+            <a:r>
+              <a:rPr lang="en">
+                <a:solidFill>
+                  <a:srgbClr val="000000"/>
+                </a:solidFill>
+                <a:latin typeface="Arial"/>
+                <a:ea typeface="Arial"/>
+                <a:cs typeface="Arial"/>
+                <a:sym typeface="Arial"/>
+              </a:rPr>
+              <a:t>Using of Google account for either option</a:t>
+            </a:r>
+            <a:endParaRPr>
+              <a:solidFill>
+                <a:srgbClr val="000000"/>
+              </a:solidFill>
+              <a:latin typeface="Arial"/>
+              <a:ea typeface="Arial"/>
+              <a:cs typeface="Arial"/>
+              <a:sym typeface="Arial"/>
+            </a:endParaRPr>
+          </a:p>
+          <a:p>
+            <a:pPr indent="-298450" lvl="0" marL="457200" rtl="0" algn="l">
+              <a:spcBef>
+                <a:spcPts val="0"/>
+              </a:spcBef>
+              <a:spcAft>
+                <a:spcPts val="0"/>
+              </a:spcAft>
+              <a:buClr>
+                <a:srgbClr val="000000"/>
+              </a:buClr>
+              <a:buSzPts val="1100"/>
+              <a:buFont typeface="Arial"/>
+              <a:buChar char="●"/>
+            </a:pPr>
+            <a:r>
+              <a:rPr lang="en" sz="1100">
+                <a:solidFill>
+                  <a:srgbClr val="000000"/>
+                </a:solidFill>
+                <a:latin typeface="Arial"/>
+                <a:ea typeface="Arial"/>
+                <a:cs typeface="Arial"/>
+                <a:sym typeface="Arial"/>
+              </a:rPr>
+              <a:t>Home page appears after signing in or signing up</a:t>
+            </a:r>
+            <a:endParaRPr sz="1100">
+              <a:solidFill>
+                <a:srgbClr val="000000"/>
+              </a:solidFill>
+              <a:latin typeface="Arial"/>
+              <a:ea typeface="Arial"/>
+              <a:cs typeface="Arial"/>
+              <a:sym typeface="Arial"/>
+            </a:endParaRPr>
+          </a:p>
+          <a:p>
+            <a:pPr indent="-298450" lvl="1" marL="914400" rtl="0" algn="l">
+              <a:spcBef>
+                <a:spcPts val="0"/>
+              </a:spcBef>
+              <a:spcAft>
+                <a:spcPts val="0"/>
+              </a:spcAft>
+              <a:buClr>
+                <a:srgbClr val="000000"/>
+              </a:buClr>
+              <a:buSzPts val="1100"/>
+              <a:buFont typeface="Arial"/>
+              <a:buChar char="○"/>
+            </a:pPr>
+            <a:r>
+              <a:rPr lang="en">
+                <a:solidFill>
+                  <a:srgbClr val="000000"/>
+                </a:solidFill>
+                <a:latin typeface="Arial"/>
+                <a:ea typeface="Arial"/>
+                <a:cs typeface="Arial"/>
+                <a:sym typeface="Arial"/>
+              </a:rPr>
+              <a:t>Home page contains about content</a:t>
+            </a:r>
+            <a:endParaRPr>
+              <a:solidFill>
+                <a:srgbClr val="000000"/>
+              </a:solidFill>
+              <a:latin typeface="Arial"/>
+              <a:ea typeface="Arial"/>
+              <a:cs typeface="Arial"/>
+              <a:sym typeface="Arial"/>
+            </a:endParaRPr>
+          </a:p>
+          <a:p>
+            <a:pPr indent="-298450" lvl="2" marL="1371600" rtl="0" algn="l">
+              <a:spcBef>
+                <a:spcPts val="0"/>
+              </a:spcBef>
+              <a:spcAft>
+                <a:spcPts val="0"/>
+              </a:spcAft>
+              <a:buClr>
+                <a:srgbClr val="000000"/>
+              </a:buClr>
+              <a:buSzPts val="1100"/>
+              <a:buFont typeface="Arial"/>
+              <a:buChar char="■"/>
+            </a:pPr>
+            <a:r>
+              <a:rPr lang="en">
+                <a:solidFill>
+                  <a:srgbClr val="000000"/>
+                </a:solidFill>
+                <a:latin typeface="Arial"/>
+                <a:ea typeface="Arial"/>
+                <a:cs typeface="Arial"/>
+                <a:sym typeface="Arial"/>
+              </a:rPr>
+              <a:t>Information pertains to staff background</a:t>
+            </a:r>
+            <a:endParaRPr>
+              <a:solidFill>
+                <a:srgbClr val="000000"/>
+              </a:solidFill>
+              <a:latin typeface="Arial"/>
+              <a:ea typeface="Arial"/>
+              <a:cs typeface="Arial"/>
+              <a:sym typeface="Arial"/>
+            </a:endParaRPr>
+          </a:p>
+          <a:p>
+            <a:pPr indent="-298450" lvl="2" marL="1371600" rtl="0" algn="l">
+              <a:spcBef>
+                <a:spcPts val="0"/>
+              </a:spcBef>
+              <a:spcAft>
+                <a:spcPts val="0"/>
+              </a:spcAft>
+              <a:buClr>
+                <a:srgbClr val="000000"/>
+              </a:buClr>
+              <a:buSzPts val="1100"/>
+              <a:buFont typeface="Arial"/>
+              <a:buChar char="■"/>
+            </a:pPr>
+            <a:r>
+              <a:rPr lang="en">
+                <a:solidFill>
+                  <a:srgbClr val="000000"/>
+                </a:solidFill>
+                <a:latin typeface="Arial"/>
+                <a:ea typeface="Arial"/>
+                <a:cs typeface="Arial"/>
+                <a:sym typeface="Arial"/>
+              </a:rPr>
+              <a:t>Ins and outs of the website</a:t>
+            </a:r>
+            <a:endParaRPr>
+              <a:solidFill>
+                <a:srgbClr val="000000"/>
+              </a:solidFill>
+              <a:latin typeface="Arial"/>
+              <a:ea typeface="Arial"/>
+              <a:cs typeface="Arial"/>
+              <a:sym typeface="Arial"/>
+            </a:endParaRPr>
+          </a:p>
+          <a:p>
+            <a:pPr indent="-298450" lvl="2" marL="1371600" rtl="0" algn="l">
+              <a:spcBef>
+                <a:spcPts val="0"/>
+              </a:spcBef>
+              <a:spcAft>
+                <a:spcPts val="0"/>
+              </a:spcAft>
+              <a:buClr>
+                <a:srgbClr val="000000"/>
+              </a:buClr>
+              <a:buSzPts val="1100"/>
+              <a:buFont typeface="Arial"/>
+              <a:buChar char="■"/>
+            </a:pPr>
+            <a:r>
+              <a:rPr lang="en">
+                <a:solidFill>
+                  <a:srgbClr val="000000"/>
+                </a:solidFill>
+                <a:latin typeface="Arial"/>
+                <a:ea typeface="Arial"/>
+                <a:cs typeface="Arial"/>
+                <a:sym typeface="Arial"/>
+              </a:rPr>
+              <a:t>Basic instructions</a:t>
+            </a:r>
+            <a:endParaRPr/>
+          </a:p>
+        </p:txBody>
+      </p:sp>
+    </p:spTree>
+  </p:cSld>
+  <p:clrMapOvr>
+    <a:masterClrMapping/>
+  </p:clrMapOvr>
+</p:sld>
+</file>
+
+<file path=ppt/slides/slide5.xml><?xml version="1.0" encoding="utf-8"?>
+<p:sld xmlns:a="http://schemas.openxmlformats.org/drawingml/2006/main" xmlns:r="http://schemas.openxmlformats.org/officeDocument/2006/relationships" xmlns:mc="http://schemas.openxmlformats.org/markup-compatibility/2006" xmlns:mv="urn:schemas-microsoft-com:mac:vml" xmlns:p="http://schemas.openxmlformats.org/presentationml/2006/main" xmlns:c="http://schemas.openxmlformats.org/drawingml/2006/chart" xmlns:dgm="http://schemas.openxmlformats.org/drawingml/2006/diagram" xmlns:o="urn:schemas-microsoft-com:office:office" xmlns:v="urn:schemas-microsoft-com:vml" xmlns:pvml="urn:schemas-microsoft-com:office:powerpoint" xmlns:com="http://schemas.openxmlformats.org/drawingml/2006/compatibility" xmlns:p14="http://schemas.microsoft.com/office/powerpoint/2010/main" xmlns:p15="http://schemas.microsoft.com/office/powerpoint/2012/main" xmlns:ahyp="http://schemas.microsoft.com/office/drawing/2018/hyperlinkcolor">
+  <p:cSld>
+    <p:spTree>
+      <p:nvGrpSpPr>
+        <p:cNvPr id="151" name="Shape 151"/>
+        <p:cNvGrpSpPr/>
+        <p:nvPr/>
+      </p:nvGrpSpPr>
+      <p:grpSpPr>
+        <a:xfrm>
+          <a:off x="0" y="0"/>
+          <a:ext cx="0" cy="0"/>
+          <a:chOff x="0" y="0"/>
+          <a:chExt cx="0" cy="0"/>
+        </a:xfrm>
+      </p:grpSpPr>
+      <p:sp>
+        <p:nvSpPr>
+          <p:cNvPr id="152" name="Google Shape;152;p17"/>
+          <p:cNvSpPr txBox="1"/>
+          <p:nvPr>
+            <p:ph type="title"/>
+          </p:nvPr>
+        </p:nvSpPr>
+        <p:spPr>
+          <a:xfrm>
+            <a:off x="819150" y="845600"/>
+            <a:ext cx="7505700" cy="954600"/>
+          </a:xfrm>
+          <a:prstGeom prst="rect">
+            <a:avLst/>
+          </a:prstGeom>
+        </p:spPr>
+        <p:txBody>
+          <a:bodyPr anchorCtr="0" anchor="t" bIns="91425" lIns="91425" spcFirstLastPara="1" rIns="91425" wrap="square" tIns="91425">
+            <a:normAutofit/>
+          </a:bodyPr>
+          <a:lstStyle/>
+          <a:p>
+            <a:pPr indent="0" lvl="0" marL="0" rtl="0" algn="l">
+              <a:spcBef>
+                <a:spcPts val="0"/>
+              </a:spcBef>
+              <a:spcAft>
+                <a:spcPts val="0"/>
+              </a:spcAft>
+              <a:buNone/>
+            </a:pPr>
+            <a:r>
+              <a:rPr lang="en"/>
+              <a:t>Changes to Create Itineraries</a:t>
+            </a:r>
+            <a:endParaRPr/>
+          </a:p>
+        </p:txBody>
+      </p:sp>
+      <p:sp>
+        <p:nvSpPr>
+          <p:cNvPr id="153" name="Google Shape;153;p17"/>
           <p:cNvSpPr txBox="1"/>
           <p:nvPr>
             <p:ph idx="1" type="body"/>
@@ -11081,7 +11487,7 @@
       </p:sp>
       <p:sp>
         <p:nvSpPr>
-          <p:cNvPr id="148" name="Google Shape;148;p16"/>
+          <p:cNvPr id="154" name="Google Shape;154;p17"/>
           <p:cNvSpPr txBox="1"/>
           <p:nvPr>
             <p:ph idx="2" type="body"/>
@@ -11645,642 +12051,6 @@
                 <a:sym typeface="Arial"/>
               </a:rPr>
               <a:t>Save as button</a:t>
-            </a:r>
-            <a:endParaRPr/>
-          </a:p>
-        </p:txBody>
-      </p:sp>
-    </p:spTree>
-  </p:cSld>
-  <p:clrMapOvr>
-    <a:masterClrMapping/>
-  </p:clrMapOvr>
-</p:sld>
-</file>
-
-<file path=ppt/slides/slide5.xml><?xml version="1.0" encoding="utf-8"?>
-<p:sld xmlns:a="http://schemas.openxmlformats.org/drawingml/2006/main" xmlns:r="http://schemas.openxmlformats.org/officeDocument/2006/relationships" xmlns:mc="http://schemas.openxmlformats.org/markup-compatibility/2006" xmlns:mv="urn:schemas-microsoft-com:mac:vml" xmlns:p="http://schemas.openxmlformats.org/presentationml/2006/main" xmlns:c="http://schemas.openxmlformats.org/drawingml/2006/chart" xmlns:dgm="http://schemas.openxmlformats.org/drawingml/2006/diagram" xmlns:o="urn:schemas-microsoft-com:office:office" xmlns:v="urn:schemas-microsoft-com:vml" xmlns:pvml="urn:schemas-microsoft-com:office:powerpoint" xmlns:com="http://schemas.openxmlformats.org/drawingml/2006/compatibility" xmlns:p14="http://schemas.microsoft.com/office/powerpoint/2010/main" xmlns:p15="http://schemas.microsoft.com/office/powerpoint/2012/main" xmlns:ahyp="http://schemas.microsoft.com/office/drawing/2018/hyperlinkcolor">
-  <p:cSld>
-    <p:spTree>
-      <p:nvGrpSpPr>
-        <p:cNvPr id="152" name="Shape 152"/>
-        <p:cNvGrpSpPr/>
-        <p:nvPr/>
-      </p:nvGrpSpPr>
-      <p:grpSpPr>
-        <a:xfrm>
-          <a:off x="0" y="0"/>
-          <a:ext cx="0" cy="0"/>
-          <a:chOff x="0" y="0"/>
-          <a:chExt cx="0" cy="0"/>
-        </a:xfrm>
-      </p:grpSpPr>
-      <p:sp>
-        <p:nvSpPr>
-          <p:cNvPr id="153" name="Google Shape;153;p17"/>
-          <p:cNvSpPr txBox="1"/>
-          <p:nvPr>
-            <p:ph type="title"/>
-          </p:nvPr>
-        </p:nvSpPr>
-        <p:spPr>
-          <a:xfrm>
-            <a:off x="819150" y="845600"/>
-            <a:ext cx="7505700" cy="954600"/>
-          </a:xfrm>
-          <a:prstGeom prst="rect">
-            <a:avLst/>
-          </a:prstGeom>
-        </p:spPr>
-        <p:txBody>
-          <a:bodyPr anchorCtr="0" anchor="t" bIns="91425" lIns="91425" spcFirstLastPara="1" rIns="91425" wrap="square" tIns="91425">
-            <a:normAutofit/>
-          </a:bodyPr>
-          <a:lstStyle/>
-          <a:p>
-            <a:pPr indent="0" lvl="0" marL="0" rtl="0" algn="l">
-              <a:spcBef>
-                <a:spcPts val="0"/>
-              </a:spcBef>
-              <a:spcAft>
-                <a:spcPts val="0"/>
-              </a:spcAft>
-              <a:buNone/>
-            </a:pPr>
-            <a:r>
-              <a:rPr lang="en"/>
-              <a:t>View Itineraries(Now Called Itinerary List)</a:t>
-            </a:r>
-            <a:endParaRPr/>
-          </a:p>
-        </p:txBody>
-      </p:sp>
-      <p:sp>
-        <p:nvSpPr>
-          <p:cNvPr id="154" name="Google Shape;154;p17"/>
-          <p:cNvSpPr txBox="1"/>
-          <p:nvPr>
-            <p:ph idx="1" type="body"/>
-          </p:nvPr>
-        </p:nvSpPr>
-        <p:spPr>
-          <a:xfrm>
-            <a:off x="819150" y="1990725"/>
-            <a:ext cx="7505700" cy="2448000"/>
-          </a:xfrm>
-          <a:prstGeom prst="rect">
-            <a:avLst/>
-          </a:prstGeom>
-        </p:spPr>
-        <p:txBody>
-          <a:bodyPr anchorCtr="0" anchor="t" bIns="91425" lIns="91425" spcFirstLastPara="1" rIns="91425" wrap="square" tIns="91425">
-            <a:normAutofit fontScale="92500" lnSpcReduction="20000"/>
-          </a:bodyPr>
-          <a:lstStyle/>
-          <a:p>
-            <a:pPr indent="-293211" lvl="1" marL="914400" rtl="0" algn="l">
-              <a:spcBef>
-                <a:spcPts val="0"/>
-              </a:spcBef>
-              <a:spcAft>
-                <a:spcPts val="0"/>
-              </a:spcAft>
-              <a:buClr>
-                <a:srgbClr val="000000"/>
-              </a:buClr>
-              <a:buSzPct val="100000"/>
-              <a:buFont typeface="Arial"/>
-              <a:buChar char="○"/>
-            </a:pPr>
-            <a:r>
-              <a:rPr lang="en">
-                <a:solidFill>
-                  <a:srgbClr val="000000"/>
-                </a:solidFill>
-                <a:latin typeface="Arial"/>
-                <a:ea typeface="Arial"/>
-                <a:cs typeface="Arial"/>
-                <a:sym typeface="Arial"/>
-              </a:rPr>
-              <a:t>Empty page</a:t>
-            </a:r>
-            <a:endParaRPr>
-              <a:solidFill>
-                <a:srgbClr val="000000"/>
-              </a:solidFill>
-              <a:latin typeface="Arial"/>
-              <a:ea typeface="Arial"/>
-              <a:cs typeface="Arial"/>
-              <a:sym typeface="Arial"/>
-            </a:endParaRPr>
-          </a:p>
-          <a:p>
-            <a:pPr indent="-293211" lvl="1" marL="914400" rtl="0" algn="l">
-              <a:spcBef>
-                <a:spcPts val="0"/>
-              </a:spcBef>
-              <a:spcAft>
-                <a:spcPts val="0"/>
-              </a:spcAft>
-              <a:buClr>
-                <a:srgbClr val="000000"/>
-              </a:buClr>
-              <a:buSzPct val="100000"/>
-              <a:buFont typeface="Arial"/>
-              <a:buChar char="○"/>
-            </a:pPr>
-            <a:r>
-              <a:rPr lang="en">
-                <a:solidFill>
-                  <a:srgbClr val="000000"/>
-                </a:solidFill>
-                <a:latin typeface="Arial"/>
-                <a:ea typeface="Arial"/>
-                <a:cs typeface="Arial"/>
-                <a:sym typeface="Arial"/>
-              </a:rPr>
-              <a:t>“You do not have any itineraries yet”</a:t>
-            </a:r>
-            <a:endParaRPr>
-              <a:solidFill>
-                <a:srgbClr val="000000"/>
-              </a:solidFill>
-              <a:latin typeface="Arial"/>
-              <a:ea typeface="Arial"/>
-              <a:cs typeface="Arial"/>
-              <a:sym typeface="Arial"/>
-            </a:endParaRPr>
-          </a:p>
-          <a:p>
-            <a:pPr indent="-293211" lvl="1" marL="914400" rtl="0" algn="l">
-              <a:spcBef>
-                <a:spcPts val="0"/>
-              </a:spcBef>
-              <a:spcAft>
-                <a:spcPts val="0"/>
-              </a:spcAft>
-              <a:buClr>
-                <a:srgbClr val="000000"/>
-              </a:buClr>
-              <a:buSzPct val="100000"/>
-              <a:buFont typeface="Arial"/>
-              <a:buChar char="○"/>
-            </a:pPr>
-            <a:r>
-              <a:rPr lang="en">
-                <a:solidFill>
-                  <a:srgbClr val="000000"/>
-                </a:solidFill>
-                <a:latin typeface="Arial"/>
-                <a:ea typeface="Arial"/>
-                <a:cs typeface="Arial"/>
-                <a:sym typeface="Arial"/>
-              </a:rPr>
-              <a:t>List of itineraries</a:t>
-            </a:r>
-            <a:endParaRPr>
-              <a:solidFill>
-                <a:srgbClr val="000000"/>
-              </a:solidFill>
-              <a:latin typeface="Arial"/>
-              <a:ea typeface="Arial"/>
-              <a:cs typeface="Arial"/>
-              <a:sym typeface="Arial"/>
-            </a:endParaRPr>
-          </a:p>
-          <a:p>
-            <a:pPr indent="-293211" lvl="2" marL="1371600" rtl="0" algn="l">
-              <a:spcBef>
-                <a:spcPts val="0"/>
-              </a:spcBef>
-              <a:spcAft>
-                <a:spcPts val="0"/>
-              </a:spcAft>
-              <a:buClr>
-                <a:srgbClr val="000000"/>
-              </a:buClr>
-              <a:buSzPct val="100000"/>
-              <a:buFont typeface="Arial"/>
-              <a:buChar char="■"/>
-            </a:pPr>
-            <a:r>
-              <a:rPr lang="en">
-                <a:solidFill>
-                  <a:srgbClr val="000000"/>
-                </a:solidFill>
-                <a:latin typeface="Arial"/>
-                <a:ea typeface="Arial"/>
-                <a:cs typeface="Arial"/>
-                <a:sym typeface="Arial"/>
-              </a:rPr>
-              <a:t>Card like</a:t>
-            </a:r>
-            <a:endParaRPr>
-              <a:solidFill>
-                <a:srgbClr val="000000"/>
-              </a:solidFill>
-              <a:latin typeface="Arial"/>
-              <a:ea typeface="Arial"/>
-              <a:cs typeface="Arial"/>
-              <a:sym typeface="Arial"/>
-            </a:endParaRPr>
-          </a:p>
-          <a:p>
-            <a:pPr indent="-293211" lvl="3" marL="1828800" rtl="0" algn="l">
-              <a:spcBef>
-                <a:spcPts val="0"/>
-              </a:spcBef>
-              <a:spcAft>
-                <a:spcPts val="0"/>
-              </a:spcAft>
-              <a:buClr>
-                <a:srgbClr val="000000"/>
-              </a:buClr>
-              <a:buSzPct val="100000"/>
-              <a:buFont typeface="Arial"/>
-              <a:buChar char="●"/>
-            </a:pPr>
-            <a:r>
-              <a:rPr lang="en">
-                <a:solidFill>
-                  <a:srgbClr val="000000"/>
-                </a:solidFill>
-                <a:latin typeface="Arial"/>
-                <a:ea typeface="Arial"/>
-                <a:cs typeface="Arial"/>
-                <a:sym typeface="Arial"/>
-              </a:rPr>
-              <a:t>Default of 9</a:t>
-            </a:r>
-            <a:endParaRPr>
-              <a:solidFill>
-                <a:srgbClr val="000000"/>
-              </a:solidFill>
-              <a:latin typeface="Arial"/>
-              <a:ea typeface="Arial"/>
-              <a:cs typeface="Arial"/>
-              <a:sym typeface="Arial"/>
-            </a:endParaRPr>
-          </a:p>
-          <a:p>
-            <a:pPr indent="-293211" lvl="3" marL="1828800" rtl="0" algn="l">
-              <a:spcBef>
-                <a:spcPts val="0"/>
-              </a:spcBef>
-              <a:spcAft>
-                <a:spcPts val="0"/>
-              </a:spcAft>
-              <a:buClr>
-                <a:srgbClr val="000000"/>
-              </a:buClr>
-              <a:buSzPct val="100000"/>
-              <a:buFont typeface="Arial"/>
-              <a:buChar char="●"/>
-            </a:pPr>
-            <a:r>
-              <a:rPr lang="en">
-                <a:solidFill>
-                  <a:srgbClr val="000000"/>
-                </a:solidFill>
-                <a:latin typeface="Arial"/>
-                <a:ea typeface="Arial"/>
-                <a:cs typeface="Arial"/>
-                <a:sym typeface="Arial"/>
-              </a:rPr>
-              <a:t>Start date</a:t>
-            </a:r>
-            <a:endParaRPr>
-              <a:solidFill>
-                <a:srgbClr val="000000"/>
-              </a:solidFill>
-              <a:latin typeface="Arial"/>
-              <a:ea typeface="Arial"/>
-              <a:cs typeface="Arial"/>
-              <a:sym typeface="Arial"/>
-            </a:endParaRPr>
-          </a:p>
-          <a:p>
-            <a:pPr indent="-293211" lvl="3" marL="1828800" rtl="0" algn="l">
-              <a:spcBef>
-                <a:spcPts val="0"/>
-              </a:spcBef>
-              <a:spcAft>
-                <a:spcPts val="0"/>
-              </a:spcAft>
-              <a:buClr>
-                <a:srgbClr val="000000"/>
-              </a:buClr>
-              <a:buSzPct val="100000"/>
-              <a:buFont typeface="Arial"/>
-              <a:buChar char="●"/>
-            </a:pPr>
-            <a:r>
-              <a:rPr lang="en">
-                <a:solidFill>
-                  <a:srgbClr val="000000"/>
-                </a:solidFill>
-                <a:latin typeface="Arial"/>
-                <a:ea typeface="Arial"/>
-                <a:cs typeface="Arial"/>
-                <a:sym typeface="Arial"/>
-              </a:rPr>
-              <a:t>End date</a:t>
-            </a:r>
-            <a:endParaRPr>
-              <a:solidFill>
-                <a:srgbClr val="000000"/>
-              </a:solidFill>
-              <a:latin typeface="Arial"/>
-              <a:ea typeface="Arial"/>
-              <a:cs typeface="Arial"/>
-              <a:sym typeface="Arial"/>
-            </a:endParaRPr>
-          </a:p>
-          <a:p>
-            <a:pPr indent="-293211" lvl="1" marL="914400" rtl="0" algn="l">
-              <a:spcBef>
-                <a:spcPts val="0"/>
-              </a:spcBef>
-              <a:spcAft>
-                <a:spcPts val="0"/>
-              </a:spcAft>
-              <a:buClr>
-                <a:srgbClr val="000000"/>
-              </a:buClr>
-              <a:buSzPct val="100000"/>
-              <a:buFont typeface="Arial"/>
-              <a:buChar char="○"/>
-            </a:pPr>
-            <a:r>
-              <a:rPr lang="en">
-                <a:solidFill>
-                  <a:srgbClr val="000000"/>
-                </a:solidFill>
-                <a:latin typeface="Arial"/>
-                <a:ea typeface="Arial"/>
-                <a:cs typeface="Arial"/>
-                <a:sym typeface="Arial"/>
-              </a:rPr>
-              <a:t>Expanded itinerary has a calendar view</a:t>
-            </a:r>
-            <a:endParaRPr>
-              <a:solidFill>
-                <a:srgbClr val="000000"/>
-              </a:solidFill>
-              <a:latin typeface="Arial"/>
-              <a:ea typeface="Arial"/>
-              <a:cs typeface="Arial"/>
-              <a:sym typeface="Arial"/>
-            </a:endParaRPr>
-          </a:p>
-          <a:p>
-            <a:pPr indent="-293211" lvl="1" marL="914400" rtl="0" algn="l">
-              <a:spcBef>
-                <a:spcPts val="0"/>
-              </a:spcBef>
-              <a:spcAft>
-                <a:spcPts val="0"/>
-              </a:spcAft>
-              <a:buClr>
-                <a:srgbClr val="000000"/>
-              </a:buClr>
-              <a:buSzPct val="100000"/>
-              <a:buFont typeface="Arial"/>
-              <a:buChar char="○"/>
-            </a:pPr>
-            <a:r>
-              <a:rPr lang="en">
-                <a:solidFill>
-                  <a:srgbClr val="000000"/>
-                </a:solidFill>
-                <a:latin typeface="Arial"/>
-                <a:ea typeface="Arial"/>
-                <a:cs typeface="Arial"/>
-                <a:sym typeface="Arial"/>
-              </a:rPr>
-              <a:t>Bullet points on each day</a:t>
-            </a:r>
-            <a:endParaRPr>
-              <a:solidFill>
-                <a:srgbClr val="000000"/>
-              </a:solidFill>
-              <a:latin typeface="Arial"/>
-              <a:ea typeface="Arial"/>
-              <a:cs typeface="Arial"/>
-              <a:sym typeface="Arial"/>
-            </a:endParaRPr>
-          </a:p>
-          <a:p>
-            <a:pPr indent="-293211" lvl="1" marL="914400" rtl="0" algn="l">
-              <a:spcBef>
-                <a:spcPts val="0"/>
-              </a:spcBef>
-              <a:spcAft>
-                <a:spcPts val="0"/>
-              </a:spcAft>
-              <a:buClr>
-                <a:srgbClr val="000000"/>
-              </a:buClr>
-              <a:buSzPct val="100000"/>
-              <a:buFont typeface="Arial"/>
-              <a:buChar char="○"/>
-            </a:pPr>
-            <a:r>
-              <a:rPr lang="en">
-                <a:solidFill>
-                  <a:srgbClr val="000000"/>
-                </a:solidFill>
-                <a:latin typeface="Arial"/>
-                <a:ea typeface="Arial"/>
-                <a:cs typeface="Arial"/>
-                <a:sym typeface="Arial"/>
-              </a:rPr>
-              <a:t>Expandable day</a:t>
-            </a:r>
-            <a:endParaRPr>
-              <a:solidFill>
-                <a:srgbClr val="000000"/>
-              </a:solidFill>
-              <a:latin typeface="Arial"/>
-              <a:ea typeface="Arial"/>
-              <a:cs typeface="Arial"/>
-              <a:sym typeface="Arial"/>
-            </a:endParaRPr>
-          </a:p>
-          <a:p>
-            <a:pPr indent="-293211" lvl="2" marL="1371600" rtl="0" algn="l">
-              <a:spcBef>
-                <a:spcPts val="0"/>
-              </a:spcBef>
-              <a:spcAft>
-                <a:spcPts val="0"/>
-              </a:spcAft>
-              <a:buClr>
-                <a:srgbClr val="000000"/>
-              </a:buClr>
-              <a:buSzPct val="100000"/>
-              <a:buFont typeface="Arial"/>
-              <a:buChar char="■"/>
-            </a:pPr>
-            <a:r>
-              <a:rPr lang="en">
-                <a:solidFill>
-                  <a:srgbClr val="000000"/>
-                </a:solidFill>
-                <a:latin typeface="Arial"/>
-                <a:ea typeface="Arial"/>
-                <a:cs typeface="Arial"/>
-                <a:sym typeface="Arial"/>
-              </a:rPr>
-              <a:t>Edit mode button</a:t>
-            </a:r>
-            <a:endParaRPr>
-              <a:solidFill>
-                <a:srgbClr val="000000"/>
-              </a:solidFill>
-              <a:latin typeface="Arial"/>
-              <a:ea typeface="Arial"/>
-              <a:cs typeface="Arial"/>
-              <a:sym typeface="Arial"/>
-            </a:endParaRPr>
-          </a:p>
-          <a:p>
-            <a:pPr indent="-293211" lvl="3" marL="1828800" rtl="0" algn="l">
-              <a:spcBef>
-                <a:spcPts val="0"/>
-              </a:spcBef>
-              <a:spcAft>
-                <a:spcPts val="0"/>
-              </a:spcAft>
-              <a:buClr>
-                <a:srgbClr val="000000"/>
-              </a:buClr>
-              <a:buSzPct val="100000"/>
-              <a:buFont typeface="Arial"/>
-              <a:buChar char="●"/>
-            </a:pPr>
-            <a:r>
-              <a:rPr lang="en">
-                <a:solidFill>
-                  <a:srgbClr val="000000"/>
-                </a:solidFill>
-                <a:latin typeface="Arial"/>
-                <a:ea typeface="Arial"/>
-                <a:cs typeface="Arial"/>
-                <a:sym typeface="Arial"/>
-              </a:rPr>
-              <a:t>Select events</a:t>
-            </a:r>
-            <a:endParaRPr>
-              <a:solidFill>
-                <a:srgbClr val="000000"/>
-              </a:solidFill>
-              <a:latin typeface="Arial"/>
-              <a:ea typeface="Arial"/>
-              <a:cs typeface="Arial"/>
-              <a:sym typeface="Arial"/>
-            </a:endParaRPr>
-          </a:p>
-          <a:p>
-            <a:pPr indent="-293211" lvl="4" marL="2286000" rtl="0" algn="l">
-              <a:spcBef>
-                <a:spcPts val="0"/>
-              </a:spcBef>
-              <a:spcAft>
-                <a:spcPts val="0"/>
-              </a:spcAft>
-              <a:buClr>
-                <a:srgbClr val="000000"/>
-              </a:buClr>
-              <a:buSzPct val="100000"/>
-              <a:buFont typeface="Arial"/>
-              <a:buChar char="○"/>
-            </a:pPr>
-            <a:r>
-              <a:rPr lang="en">
-                <a:solidFill>
-                  <a:srgbClr val="000000"/>
-                </a:solidFill>
-                <a:latin typeface="Arial"/>
-                <a:ea typeface="Arial"/>
-                <a:cs typeface="Arial"/>
-                <a:sym typeface="Arial"/>
-              </a:rPr>
-              <a:t>Move </a:t>
-            </a:r>
-            <a:endParaRPr>
-              <a:solidFill>
-                <a:srgbClr val="000000"/>
-              </a:solidFill>
-              <a:latin typeface="Arial"/>
-              <a:ea typeface="Arial"/>
-              <a:cs typeface="Arial"/>
-              <a:sym typeface="Arial"/>
-            </a:endParaRPr>
-          </a:p>
-          <a:p>
-            <a:pPr indent="-293211" lvl="4" marL="2286000" rtl="0" algn="l">
-              <a:spcBef>
-                <a:spcPts val="0"/>
-              </a:spcBef>
-              <a:spcAft>
-                <a:spcPts val="0"/>
-              </a:spcAft>
-              <a:buClr>
-                <a:srgbClr val="000000"/>
-              </a:buClr>
-              <a:buSzPct val="100000"/>
-              <a:buFont typeface="Arial"/>
-              <a:buChar char="○"/>
-            </a:pPr>
-            <a:r>
-              <a:rPr lang="en">
-                <a:solidFill>
-                  <a:srgbClr val="000000"/>
-                </a:solidFill>
-                <a:latin typeface="Arial"/>
-                <a:ea typeface="Arial"/>
-                <a:cs typeface="Arial"/>
-                <a:sym typeface="Arial"/>
-              </a:rPr>
-              <a:t>Delete</a:t>
-            </a:r>
-            <a:endParaRPr>
-              <a:solidFill>
-                <a:srgbClr val="000000"/>
-              </a:solidFill>
-              <a:latin typeface="Arial"/>
-              <a:ea typeface="Arial"/>
-              <a:cs typeface="Arial"/>
-              <a:sym typeface="Arial"/>
-            </a:endParaRPr>
-          </a:p>
-          <a:p>
-            <a:pPr indent="-293211" lvl="5" marL="2743200" rtl="0" algn="l">
-              <a:spcBef>
-                <a:spcPts val="0"/>
-              </a:spcBef>
-              <a:spcAft>
-                <a:spcPts val="0"/>
-              </a:spcAft>
-              <a:buClr>
-                <a:srgbClr val="000000"/>
-              </a:buClr>
-              <a:buSzPct val="100000"/>
-              <a:buFont typeface="Arial"/>
-              <a:buChar char="■"/>
-            </a:pPr>
-            <a:r>
-              <a:rPr lang="en">
-                <a:solidFill>
-                  <a:srgbClr val="000000"/>
-                </a:solidFill>
-                <a:latin typeface="Arial"/>
-                <a:ea typeface="Arial"/>
-                <a:cs typeface="Arial"/>
-                <a:sym typeface="Arial"/>
-              </a:rPr>
-              <a:t>Warning</a:t>
             </a:r>
             <a:endParaRPr/>
           </a:p>
@@ -12345,7 +12115,7 @@
             </a:pPr>
             <a:r>
               <a:rPr lang="en"/>
-              <a:t>React</a:t>
+              <a:t>View Itineraries(Now Called Itinerary List)</a:t>
             </a:r>
             <a:endParaRPr/>
           </a:p>
@@ -12370,11 +12140,11 @@
         </p:spPr>
         <p:txBody>
           <a:bodyPr anchorCtr="0" anchor="t" bIns="91425" lIns="91425" spcFirstLastPara="1" rIns="91425" wrap="square" tIns="91425">
-            <a:normAutofit/>
+            <a:normAutofit fontScale="92500" lnSpcReduction="20000"/>
           </a:bodyPr>
           <a:lstStyle/>
           <a:p>
-            <a:pPr indent="-298450" lvl="0" marL="457200" rtl="0" algn="l">
+            <a:pPr indent="-293211" lvl="1" marL="914400" rtl="0" algn="l">
               <a:spcBef>
                 <a:spcPts val="0"/>
               </a:spcBef>
@@ -12384,12 +12154,12 @@
               <a:buClr>
                 <a:srgbClr val="000000"/>
               </a:buClr>
-              <a:buSzPts val="1100"/>
+              <a:buSzPct val="100000"/>
               <a:buFont typeface="Arial"/>
-              <a:buChar char="●"/>
+              <a:buChar char="○"/>
             </a:pPr>
             <a:r>
-              <a:rPr lang="en" sz="1100">
+              <a:rPr lang="en">
                 <a:solidFill>
                   <a:srgbClr val="000000"/>
                 </a:solidFill>
@@ -12398,9 +12168,9 @@
                 <a:cs typeface="Arial"/>
                 <a:sym typeface="Arial"/>
               </a:rPr>
-              <a:t>React</a:t>
+              <a:t>Empty page</a:t>
             </a:r>
-            <a:endParaRPr sz="1100">
+            <a:endParaRPr>
               <a:solidFill>
                 <a:srgbClr val="000000"/>
               </a:solidFill>
@@ -12411,7 +12181,7 @@
             </a:endParaRPr>
           </a:p>
           <a:p>
-            <a:pPr indent="-298450" lvl="1" marL="914400" rtl="0" algn="l">
+            <a:pPr indent="-293211" lvl="1" marL="914400" rtl="0" algn="l">
               <a:spcBef>
                 <a:spcPts val="0"/>
               </a:spcBef>
@@ -12421,7 +12191,7 @@
               <a:buClr>
                 <a:srgbClr val="000000"/>
               </a:buClr>
-              <a:buSzPts val="1100"/>
+              <a:buSzPct val="100000"/>
               <a:buFont typeface="Arial"/>
               <a:buChar char="○"/>
             </a:pPr>
@@ -12435,7 +12205,7 @@
                 <a:cs typeface="Arial"/>
                 <a:sym typeface="Arial"/>
               </a:rPr>
-              <a:t>Physical framework of project</a:t>
+              <a:t>“You do not have any itineraries yet”</a:t>
             </a:r>
             <a:endParaRPr>
               <a:solidFill>
@@ -12448,7 +12218,7 @@
             </a:endParaRPr>
           </a:p>
           <a:p>
-            <a:pPr indent="-298450" lvl="2" marL="1371600" rtl="0" algn="l">
+            <a:pPr indent="-293211" lvl="1" marL="914400" rtl="0" algn="l">
               <a:spcBef>
                 <a:spcPts val="0"/>
               </a:spcBef>
@@ -12458,9 +12228,9 @@
               <a:buClr>
                 <a:srgbClr val="000000"/>
               </a:buClr>
-              <a:buSzPts val="1100"/>
+              <a:buSzPct val="100000"/>
               <a:buFont typeface="Arial"/>
-              <a:buChar char="■"/>
+              <a:buChar char="○"/>
             </a:pPr>
             <a:r>
               <a:rPr lang="en">
@@ -12472,7 +12242,7 @@
                 <a:cs typeface="Arial"/>
                 <a:sym typeface="Arial"/>
               </a:rPr>
-              <a:t>Sign in</a:t>
+              <a:t>List of itineraries</a:t>
             </a:r>
             <a:endParaRPr>
               <a:solidFill>
@@ -12485,7 +12255,7 @@
             </a:endParaRPr>
           </a:p>
           <a:p>
-            <a:pPr indent="-298450" lvl="2" marL="1371600" rtl="0" algn="l">
+            <a:pPr indent="-293211" lvl="2" marL="1371600" rtl="0" algn="l">
               <a:spcBef>
                 <a:spcPts val="0"/>
               </a:spcBef>
@@ -12495,7 +12265,7 @@
               <a:buClr>
                 <a:srgbClr val="000000"/>
               </a:buClr>
-              <a:buSzPts val="1100"/>
+              <a:buSzPct val="100000"/>
               <a:buFont typeface="Arial"/>
               <a:buChar char="■"/>
             </a:pPr>
@@ -12509,7 +12279,7 @@
                 <a:cs typeface="Arial"/>
                 <a:sym typeface="Arial"/>
               </a:rPr>
-              <a:t>Sing out</a:t>
+              <a:t>Card like</a:t>
             </a:r>
             <a:endParaRPr>
               <a:solidFill>
@@ -12522,7 +12292,7 @@
             </a:endParaRPr>
           </a:p>
           <a:p>
-            <a:pPr indent="-298450" lvl="2" marL="1371600" rtl="0" algn="l">
+            <a:pPr indent="-293211" lvl="3" marL="1828800" rtl="0" algn="l">
               <a:spcBef>
                 <a:spcPts val="0"/>
               </a:spcBef>
@@ -12532,9 +12302,9 @@
               <a:buClr>
                 <a:srgbClr val="000000"/>
               </a:buClr>
-              <a:buSzPts val="1100"/>
+              <a:buSzPct val="100000"/>
               <a:buFont typeface="Arial"/>
-              <a:buChar char="■"/>
+              <a:buChar char="●"/>
             </a:pPr>
             <a:r>
               <a:rPr lang="en">
@@ -12546,7 +12316,7 @@
                 <a:cs typeface="Arial"/>
                 <a:sym typeface="Arial"/>
               </a:rPr>
-              <a:t>Home</a:t>
+              <a:t>Default of 9</a:t>
             </a:r>
             <a:endParaRPr>
               <a:solidFill>
@@ -12559,7 +12329,7 @@
             </a:endParaRPr>
           </a:p>
           <a:p>
-            <a:pPr indent="-298450" lvl="2" marL="1371600" rtl="0" algn="l">
+            <a:pPr indent="-293211" lvl="3" marL="1828800" rtl="0" algn="l">
               <a:spcBef>
                 <a:spcPts val="0"/>
               </a:spcBef>
@@ -12569,9 +12339,9 @@
               <a:buClr>
                 <a:srgbClr val="000000"/>
               </a:buClr>
-              <a:buSzPts val="1100"/>
+              <a:buSzPct val="100000"/>
               <a:buFont typeface="Arial"/>
-              <a:buChar char="■"/>
+              <a:buChar char="●"/>
             </a:pPr>
             <a:r>
               <a:rPr lang="en">
@@ -12583,7 +12353,7 @@
                 <a:cs typeface="Arial"/>
                 <a:sym typeface="Arial"/>
               </a:rPr>
-              <a:t>Create Itineraries</a:t>
+              <a:t>Start date</a:t>
             </a:r>
             <a:endParaRPr>
               <a:solidFill>
@@ -12596,7 +12366,7 @@
             </a:endParaRPr>
           </a:p>
           <a:p>
-            <a:pPr indent="-298450" lvl="2" marL="1371600" rtl="0" algn="l">
+            <a:pPr indent="-293211" lvl="3" marL="1828800" rtl="0" algn="l">
               <a:spcBef>
                 <a:spcPts val="0"/>
               </a:spcBef>
@@ -12606,9 +12376,9 @@
               <a:buClr>
                 <a:srgbClr val="000000"/>
               </a:buClr>
-              <a:buSzPts val="1100"/>
+              <a:buSzPct val="100000"/>
               <a:buFont typeface="Arial"/>
-              <a:buChar char="■"/>
+              <a:buChar char="●"/>
             </a:pPr>
             <a:r>
               <a:rPr lang="en">
@@ -12620,7 +12390,303 @@
                 <a:cs typeface="Arial"/>
                 <a:sym typeface="Arial"/>
               </a:rPr>
-              <a:t>List Itineraries</a:t>
+              <a:t>End date</a:t>
+            </a:r>
+            <a:endParaRPr>
+              <a:solidFill>
+                <a:srgbClr val="000000"/>
+              </a:solidFill>
+              <a:latin typeface="Arial"/>
+              <a:ea typeface="Arial"/>
+              <a:cs typeface="Arial"/>
+              <a:sym typeface="Arial"/>
+            </a:endParaRPr>
+          </a:p>
+          <a:p>
+            <a:pPr indent="-293211" lvl="1" marL="914400" rtl="0" algn="l">
+              <a:spcBef>
+                <a:spcPts val="0"/>
+              </a:spcBef>
+              <a:spcAft>
+                <a:spcPts val="0"/>
+              </a:spcAft>
+              <a:buClr>
+                <a:srgbClr val="000000"/>
+              </a:buClr>
+              <a:buSzPct val="100000"/>
+              <a:buFont typeface="Arial"/>
+              <a:buChar char="○"/>
+            </a:pPr>
+            <a:r>
+              <a:rPr lang="en">
+                <a:solidFill>
+                  <a:srgbClr val="000000"/>
+                </a:solidFill>
+                <a:latin typeface="Arial"/>
+                <a:ea typeface="Arial"/>
+                <a:cs typeface="Arial"/>
+                <a:sym typeface="Arial"/>
+              </a:rPr>
+              <a:t>Expanded itinerary has a calendar view</a:t>
+            </a:r>
+            <a:endParaRPr>
+              <a:solidFill>
+                <a:srgbClr val="000000"/>
+              </a:solidFill>
+              <a:latin typeface="Arial"/>
+              <a:ea typeface="Arial"/>
+              <a:cs typeface="Arial"/>
+              <a:sym typeface="Arial"/>
+            </a:endParaRPr>
+          </a:p>
+          <a:p>
+            <a:pPr indent="-293211" lvl="1" marL="914400" rtl="0" algn="l">
+              <a:spcBef>
+                <a:spcPts val="0"/>
+              </a:spcBef>
+              <a:spcAft>
+                <a:spcPts val="0"/>
+              </a:spcAft>
+              <a:buClr>
+                <a:srgbClr val="000000"/>
+              </a:buClr>
+              <a:buSzPct val="100000"/>
+              <a:buFont typeface="Arial"/>
+              <a:buChar char="○"/>
+            </a:pPr>
+            <a:r>
+              <a:rPr lang="en">
+                <a:solidFill>
+                  <a:srgbClr val="000000"/>
+                </a:solidFill>
+                <a:latin typeface="Arial"/>
+                <a:ea typeface="Arial"/>
+                <a:cs typeface="Arial"/>
+                <a:sym typeface="Arial"/>
+              </a:rPr>
+              <a:t>Bullet points on each day</a:t>
+            </a:r>
+            <a:endParaRPr>
+              <a:solidFill>
+                <a:srgbClr val="000000"/>
+              </a:solidFill>
+              <a:latin typeface="Arial"/>
+              <a:ea typeface="Arial"/>
+              <a:cs typeface="Arial"/>
+              <a:sym typeface="Arial"/>
+            </a:endParaRPr>
+          </a:p>
+          <a:p>
+            <a:pPr indent="-293211" lvl="1" marL="914400" rtl="0" algn="l">
+              <a:spcBef>
+                <a:spcPts val="0"/>
+              </a:spcBef>
+              <a:spcAft>
+                <a:spcPts val="0"/>
+              </a:spcAft>
+              <a:buClr>
+                <a:srgbClr val="000000"/>
+              </a:buClr>
+              <a:buSzPct val="100000"/>
+              <a:buFont typeface="Arial"/>
+              <a:buChar char="○"/>
+            </a:pPr>
+            <a:r>
+              <a:rPr lang="en">
+                <a:solidFill>
+                  <a:srgbClr val="000000"/>
+                </a:solidFill>
+                <a:latin typeface="Arial"/>
+                <a:ea typeface="Arial"/>
+                <a:cs typeface="Arial"/>
+                <a:sym typeface="Arial"/>
+              </a:rPr>
+              <a:t>Expandable day</a:t>
+            </a:r>
+            <a:endParaRPr>
+              <a:solidFill>
+                <a:srgbClr val="000000"/>
+              </a:solidFill>
+              <a:latin typeface="Arial"/>
+              <a:ea typeface="Arial"/>
+              <a:cs typeface="Arial"/>
+              <a:sym typeface="Arial"/>
+            </a:endParaRPr>
+          </a:p>
+          <a:p>
+            <a:pPr indent="-293211" lvl="2" marL="1371600" rtl="0" algn="l">
+              <a:spcBef>
+                <a:spcPts val="0"/>
+              </a:spcBef>
+              <a:spcAft>
+                <a:spcPts val="0"/>
+              </a:spcAft>
+              <a:buClr>
+                <a:srgbClr val="000000"/>
+              </a:buClr>
+              <a:buSzPct val="100000"/>
+              <a:buFont typeface="Arial"/>
+              <a:buChar char="■"/>
+            </a:pPr>
+            <a:r>
+              <a:rPr lang="en">
+                <a:solidFill>
+                  <a:srgbClr val="000000"/>
+                </a:solidFill>
+                <a:latin typeface="Arial"/>
+                <a:ea typeface="Arial"/>
+                <a:cs typeface="Arial"/>
+                <a:sym typeface="Arial"/>
+              </a:rPr>
+              <a:t>Edit mode button</a:t>
+            </a:r>
+            <a:endParaRPr>
+              <a:solidFill>
+                <a:srgbClr val="000000"/>
+              </a:solidFill>
+              <a:latin typeface="Arial"/>
+              <a:ea typeface="Arial"/>
+              <a:cs typeface="Arial"/>
+              <a:sym typeface="Arial"/>
+            </a:endParaRPr>
+          </a:p>
+          <a:p>
+            <a:pPr indent="-293211" lvl="3" marL="1828800" rtl="0" algn="l">
+              <a:spcBef>
+                <a:spcPts val="0"/>
+              </a:spcBef>
+              <a:spcAft>
+                <a:spcPts val="0"/>
+              </a:spcAft>
+              <a:buClr>
+                <a:srgbClr val="000000"/>
+              </a:buClr>
+              <a:buSzPct val="100000"/>
+              <a:buFont typeface="Arial"/>
+              <a:buChar char="●"/>
+            </a:pPr>
+            <a:r>
+              <a:rPr lang="en">
+                <a:solidFill>
+                  <a:srgbClr val="000000"/>
+                </a:solidFill>
+                <a:latin typeface="Arial"/>
+                <a:ea typeface="Arial"/>
+                <a:cs typeface="Arial"/>
+                <a:sym typeface="Arial"/>
+              </a:rPr>
+              <a:t>Select events</a:t>
+            </a:r>
+            <a:endParaRPr>
+              <a:solidFill>
+                <a:srgbClr val="000000"/>
+              </a:solidFill>
+              <a:latin typeface="Arial"/>
+              <a:ea typeface="Arial"/>
+              <a:cs typeface="Arial"/>
+              <a:sym typeface="Arial"/>
+            </a:endParaRPr>
+          </a:p>
+          <a:p>
+            <a:pPr indent="-293211" lvl="4" marL="2286000" rtl="0" algn="l">
+              <a:spcBef>
+                <a:spcPts val="0"/>
+              </a:spcBef>
+              <a:spcAft>
+                <a:spcPts val="0"/>
+              </a:spcAft>
+              <a:buClr>
+                <a:srgbClr val="000000"/>
+              </a:buClr>
+              <a:buSzPct val="100000"/>
+              <a:buFont typeface="Arial"/>
+              <a:buChar char="○"/>
+            </a:pPr>
+            <a:r>
+              <a:rPr lang="en">
+                <a:solidFill>
+                  <a:srgbClr val="000000"/>
+                </a:solidFill>
+                <a:latin typeface="Arial"/>
+                <a:ea typeface="Arial"/>
+                <a:cs typeface="Arial"/>
+                <a:sym typeface="Arial"/>
+              </a:rPr>
+              <a:t>Move </a:t>
+            </a:r>
+            <a:endParaRPr>
+              <a:solidFill>
+                <a:srgbClr val="000000"/>
+              </a:solidFill>
+              <a:latin typeface="Arial"/>
+              <a:ea typeface="Arial"/>
+              <a:cs typeface="Arial"/>
+              <a:sym typeface="Arial"/>
+            </a:endParaRPr>
+          </a:p>
+          <a:p>
+            <a:pPr indent="-293211" lvl="4" marL="2286000" rtl="0" algn="l">
+              <a:spcBef>
+                <a:spcPts val="0"/>
+              </a:spcBef>
+              <a:spcAft>
+                <a:spcPts val="0"/>
+              </a:spcAft>
+              <a:buClr>
+                <a:srgbClr val="000000"/>
+              </a:buClr>
+              <a:buSzPct val="100000"/>
+              <a:buFont typeface="Arial"/>
+              <a:buChar char="○"/>
+            </a:pPr>
+            <a:r>
+              <a:rPr lang="en">
+                <a:solidFill>
+                  <a:srgbClr val="000000"/>
+                </a:solidFill>
+                <a:latin typeface="Arial"/>
+                <a:ea typeface="Arial"/>
+                <a:cs typeface="Arial"/>
+                <a:sym typeface="Arial"/>
+              </a:rPr>
+              <a:t>Delete</a:t>
+            </a:r>
+            <a:endParaRPr>
+              <a:solidFill>
+                <a:srgbClr val="000000"/>
+              </a:solidFill>
+              <a:latin typeface="Arial"/>
+              <a:ea typeface="Arial"/>
+              <a:cs typeface="Arial"/>
+              <a:sym typeface="Arial"/>
+            </a:endParaRPr>
+          </a:p>
+          <a:p>
+            <a:pPr indent="-293211" lvl="5" marL="2743200" rtl="0" algn="l">
+              <a:spcBef>
+                <a:spcPts val="0"/>
+              </a:spcBef>
+              <a:spcAft>
+                <a:spcPts val="0"/>
+              </a:spcAft>
+              <a:buClr>
+                <a:srgbClr val="000000"/>
+              </a:buClr>
+              <a:buSzPct val="100000"/>
+              <a:buFont typeface="Arial"/>
+              <a:buChar char="■"/>
+            </a:pPr>
+            <a:r>
+              <a:rPr lang="en">
+                <a:solidFill>
+                  <a:srgbClr val="000000"/>
+                </a:solidFill>
+                <a:latin typeface="Arial"/>
+                <a:ea typeface="Arial"/>
+                <a:cs typeface="Arial"/>
+                <a:sym typeface="Arial"/>
+              </a:rPr>
+              <a:t>Warning</a:t>
             </a:r>
             <a:endParaRPr/>
           </a:p>
@@ -12685,7 +12751,7 @@
             </a:pPr>
             <a:r>
               <a:rPr lang="en"/>
-              <a:t>Supabase and Vercel</a:t>
+              <a:t>React</a:t>
             </a:r>
             <a:endParaRPr/>
           </a:p>
@@ -12714,7 +12780,7 @@
           </a:bodyPr>
           <a:lstStyle/>
           <a:p>
-            <a:pPr indent="-298450" lvl="1" marL="914400" rtl="0" algn="l">
+            <a:pPr indent="-298450" lvl="0" marL="457200" rtl="0" algn="l">
               <a:spcBef>
                 <a:spcPts val="0"/>
               </a:spcBef>
@@ -12726,10 +12792,10 @@
               </a:buClr>
               <a:buSzPts val="1100"/>
               <a:buFont typeface="Arial"/>
-              <a:buChar char="○"/>
+              <a:buChar char="●"/>
             </a:pPr>
             <a:r>
-              <a:rPr lang="en">
+              <a:rPr lang="en" sz="1100">
                 <a:solidFill>
                   <a:srgbClr val="000000"/>
                 </a:solidFill>
@@ -12738,9 +12804,9 @@
                 <a:cs typeface="Arial"/>
                 <a:sym typeface="Arial"/>
               </a:rPr>
-              <a:t>Connecting the Physical framework to the database</a:t>
+              <a:t>React</a:t>
             </a:r>
-            <a:endParaRPr>
+            <a:endParaRPr sz="1100">
               <a:solidFill>
                 <a:srgbClr val="000000"/>
               </a:solidFill>
@@ -12751,7 +12817,7 @@
             </a:endParaRPr>
           </a:p>
           <a:p>
-            <a:pPr indent="-298450" lvl="2" marL="1371600" rtl="0" algn="l">
+            <a:pPr indent="-298450" lvl="1" marL="914400" rtl="0" algn="l">
               <a:spcBef>
                 <a:spcPts val="0"/>
               </a:spcBef>
@@ -12763,7 +12829,7 @@
               </a:buClr>
               <a:buSzPts val="1100"/>
               <a:buFont typeface="Arial"/>
-              <a:buChar char="■"/>
+              <a:buChar char="○"/>
             </a:pPr>
             <a:r>
               <a:rPr lang="en">
@@ -12775,7 +12841,7 @@
                 <a:cs typeface="Arial"/>
                 <a:sym typeface="Arial"/>
               </a:rPr>
-              <a:t>User data</a:t>
+              <a:t>Physical framework of project</a:t>
             </a:r>
             <a:endParaRPr>
               <a:solidFill>
@@ -12788,7 +12854,7 @@
             </a:endParaRPr>
           </a:p>
           <a:p>
-            <a:pPr indent="-298450" lvl="3" marL="1828800" rtl="0" algn="l">
+            <a:pPr indent="-298450" lvl="2" marL="1371600" rtl="0" algn="l">
               <a:spcBef>
                 <a:spcPts val="0"/>
               </a:spcBef>
@@ -12800,7 +12866,7 @@
               </a:buClr>
               <a:buSzPts val="1100"/>
               <a:buFont typeface="Arial"/>
-              <a:buChar char="●"/>
+              <a:buChar char="■"/>
             </a:pPr>
             <a:r>
               <a:rPr lang="en">
@@ -12812,7 +12878,7 @@
                 <a:cs typeface="Arial"/>
                 <a:sym typeface="Arial"/>
               </a:rPr>
-              <a:t>Location</a:t>
+              <a:t>Sign in</a:t>
             </a:r>
             <a:endParaRPr>
               <a:solidFill>
@@ -12825,7 +12891,7 @@
             </a:endParaRPr>
           </a:p>
           <a:p>
-            <a:pPr indent="-298450" lvl="3" marL="1828800" rtl="0" algn="l">
+            <a:pPr indent="-298450" lvl="2" marL="1371600" rtl="0" algn="l">
               <a:spcBef>
                 <a:spcPts val="0"/>
               </a:spcBef>
@@ -12837,7 +12903,7 @@
               </a:buClr>
               <a:buSzPts val="1100"/>
               <a:buFont typeface="Arial"/>
-              <a:buChar char="●"/>
+              <a:buChar char="■"/>
             </a:pPr>
             <a:r>
               <a:rPr lang="en">
@@ -12849,7 +12915,7 @@
                 <a:cs typeface="Arial"/>
                 <a:sym typeface="Arial"/>
               </a:rPr>
-              <a:t>Name</a:t>
+              <a:t>Sing out</a:t>
             </a:r>
             <a:endParaRPr>
               <a:solidFill>
@@ -12862,7 +12928,7 @@
             </a:endParaRPr>
           </a:p>
           <a:p>
-            <a:pPr indent="-298450" lvl="3" marL="1828800" rtl="0" algn="l">
+            <a:pPr indent="-298450" lvl="2" marL="1371600" rtl="0" algn="l">
               <a:spcBef>
                 <a:spcPts val="0"/>
               </a:spcBef>
@@ -12874,7 +12940,7 @@
               </a:buClr>
               <a:buSzPts val="1100"/>
               <a:buFont typeface="Arial"/>
-              <a:buChar char="●"/>
+              <a:buChar char="■"/>
             </a:pPr>
             <a:r>
               <a:rPr lang="en">
@@ -12886,7 +12952,7 @@
                 <a:cs typeface="Arial"/>
                 <a:sym typeface="Arial"/>
               </a:rPr>
-              <a:t>Numer of itineraries</a:t>
+              <a:t>Home</a:t>
             </a:r>
             <a:endParaRPr>
               <a:solidFill>
@@ -12899,7 +12965,7 @@
             </a:endParaRPr>
           </a:p>
           <a:p>
-            <a:pPr indent="-298450" lvl="4" marL="2286000" rtl="0" algn="l">
+            <a:pPr indent="-298450" lvl="2" marL="1371600" rtl="0" algn="l">
               <a:spcBef>
                 <a:spcPts val="0"/>
               </a:spcBef>
@@ -12911,7 +12977,7 @@
               </a:buClr>
               <a:buSzPts val="1100"/>
               <a:buFont typeface="Arial"/>
-              <a:buChar char="○"/>
+              <a:buChar char="■"/>
             </a:pPr>
             <a:r>
               <a:rPr lang="en">
@@ -12923,7 +12989,7 @@
                 <a:cs typeface="Arial"/>
                 <a:sym typeface="Arial"/>
               </a:rPr>
-              <a:t>Names of itineraries</a:t>
+              <a:t>Create Itineraries</a:t>
             </a:r>
             <a:endParaRPr>
               <a:solidFill>
@@ -12936,7 +13002,7 @@
             </a:endParaRPr>
           </a:p>
           <a:p>
-            <a:pPr indent="-298450" lvl="4" marL="2286000" rtl="0" algn="l">
+            <a:pPr indent="-298450" lvl="2" marL="1371600" rtl="0" algn="l">
               <a:spcBef>
                 <a:spcPts val="0"/>
               </a:spcBef>
@@ -12948,7 +13014,7 @@
               </a:buClr>
               <a:buSzPts val="1100"/>
               <a:buFont typeface="Arial"/>
-              <a:buChar char="○"/>
+              <a:buChar char="■"/>
             </a:pPr>
             <a:r>
               <a:rPr lang="en">
@@ -12960,46 +13026,9 @@
                 <a:cs typeface="Arial"/>
                 <a:sym typeface="Arial"/>
               </a:rPr>
-              <a:t>Details in itineraries</a:t>
+              <a:t>List Itineraries</a:t>
             </a:r>
-            <a:endParaRPr>
-              <a:solidFill>
-                <a:srgbClr val="000000"/>
-              </a:solidFill>
-              <a:latin typeface="Arial"/>
-              <a:ea typeface="Arial"/>
-              <a:cs typeface="Arial"/>
-              <a:sym typeface="Arial"/>
-            </a:endParaRPr>
-          </a:p>
-          <a:p>
-            <a:pPr indent="-298450" lvl="1" marL="914400" rtl="0" algn="l">
-              <a:spcBef>
-                <a:spcPts val="0"/>
-              </a:spcBef>
-              <a:spcAft>
-                <a:spcPts val="0"/>
-              </a:spcAft>
-              <a:buClr>
-                <a:srgbClr val="000000"/>
-              </a:buClr>
-              <a:buSzPts val="1100"/>
-              <a:buFont typeface="Arial"/>
-              <a:buChar char="○"/>
-            </a:pPr>
-            <a:r>
-              <a:rPr lang="en">
-                <a:solidFill>
-                  <a:srgbClr val="000000"/>
-                </a:solidFill>
-                <a:latin typeface="Arial"/>
-                <a:ea typeface="Arial"/>
-                <a:cs typeface="Arial"/>
-                <a:sym typeface="Arial"/>
-              </a:rPr>
-              <a:t>Connecting both to the web</a:t>
-            </a:r>
-            <a:endParaRPr b="1"/>
+            <a:endParaRPr/>
           </a:p>
         </p:txBody>
       </p:sp>
@@ -13062,7 +13091,7 @@
             </a:pPr>
             <a:r>
               <a:rPr lang="en"/>
-              <a:t>Complete</a:t>
+              <a:t>Supabase and Vercel</a:t>
             </a:r>
             <a:endParaRPr/>
           </a:p>
@@ -13091,7 +13120,7 @@
           </a:bodyPr>
           <a:lstStyle/>
           <a:p>
-            <a:pPr indent="-298450" lvl="0" marL="457200" rtl="0" algn="l">
+            <a:pPr indent="-298450" lvl="1" marL="914400" rtl="0" algn="l">
               <a:spcBef>
                 <a:spcPts val="0"/>
               </a:spcBef>
@@ -13103,10 +13132,10 @@
               </a:buClr>
               <a:buSzPts val="1100"/>
               <a:buFont typeface="Arial"/>
-              <a:buChar char="●"/>
+              <a:buChar char="○"/>
             </a:pPr>
             <a:r>
-              <a:rPr lang="en" sz="1100">
+              <a:rPr lang="en">
                 <a:solidFill>
                   <a:srgbClr val="000000"/>
                 </a:solidFill>
@@ -13115,9 +13144,9 @@
                 <a:cs typeface="Arial"/>
                 <a:sym typeface="Arial"/>
               </a:rPr>
-              <a:t>Sign in page</a:t>
+              <a:t>Connecting the Physical framework to the database</a:t>
             </a:r>
-            <a:endParaRPr sz="1100">
+            <a:endParaRPr>
               <a:solidFill>
                 <a:srgbClr val="000000"/>
               </a:solidFill>
@@ -13128,7 +13157,7 @@
             </a:endParaRPr>
           </a:p>
           <a:p>
-            <a:pPr indent="-298450" lvl="1" marL="914400" rtl="0" algn="l">
+            <a:pPr indent="-298450" lvl="2" marL="1371600" rtl="0" algn="l">
               <a:spcBef>
                 <a:spcPts val="0"/>
               </a:spcBef>
@@ -13140,7 +13169,7 @@
               </a:buClr>
               <a:buSzPts val="1100"/>
               <a:buFont typeface="Arial"/>
-              <a:buChar char="○"/>
+              <a:buChar char="■"/>
             </a:pPr>
             <a:r>
               <a:rPr lang="en">
@@ -13152,7 +13181,7 @@
                 <a:cs typeface="Arial"/>
                 <a:sym typeface="Arial"/>
               </a:rPr>
-              <a:t>Google sign in</a:t>
+              <a:t>User data</a:t>
             </a:r>
             <a:endParaRPr>
               <a:solidFill>
@@ -13165,7 +13194,7 @@
             </a:endParaRPr>
           </a:p>
           <a:p>
-            <a:pPr indent="-298450" lvl="0" marL="457200" rtl="0" algn="l">
+            <a:pPr indent="-298450" lvl="3" marL="1828800" rtl="0" algn="l">
               <a:spcBef>
                 <a:spcPts val="0"/>
               </a:spcBef>
@@ -13180,7 +13209,7 @@
               <a:buChar char="●"/>
             </a:pPr>
             <a:r>
-              <a:rPr lang="en" sz="1100">
+              <a:rPr lang="en">
                 <a:solidFill>
                   <a:srgbClr val="000000"/>
                 </a:solidFill>
@@ -13189,9 +13218,9 @@
                 <a:cs typeface="Arial"/>
                 <a:sym typeface="Arial"/>
               </a:rPr>
-              <a:t>Sign out feature button</a:t>
+              <a:t>Location</a:t>
             </a:r>
-            <a:endParaRPr sz="1100">
+            <a:endParaRPr>
               <a:solidFill>
                 <a:srgbClr val="000000"/>
               </a:solidFill>
@@ -13202,7 +13231,7 @@
             </a:endParaRPr>
           </a:p>
           <a:p>
-            <a:pPr indent="-298450" lvl="0" marL="457200" rtl="0" algn="l">
+            <a:pPr indent="-298450" lvl="3" marL="1828800" rtl="0" algn="l">
               <a:spcBef>
                 <a:spcPts val="0"/>
               </a:spcBef>
@@ -13217,7 +13246,7 @@
               <a:buChar char="●"/>
             </a:pPr>
             <a:r>
-              <a:rPr lang="en" sz="1100">
+              <a:rPr lang="en">
                 <a:solidFill>
                   <a:srgbClr val="000000"/>
                 </a:solidFill>
@@ -13226,9 +13255,9 @@
                 <a:cs typeface="Arial"/>
                 <a:sym typeface="Arial"/>
               </a:rPr>
-              <a:t>Home page: Empty page component </a:t>
+              <a:t>Name</a:t>
             </a:r>
-            <a:endParaRPr sz="1100">
+            <a:endParaRPr>
               <a:solidFill>
                 <a:srgbClr val="000000"/>
               </a:solidFill>
@@ -13239,7 +13268,7 @@
             </a:endParaRPr>
           </a:p>
           <a:p>
-            <a:pPr indent="-298450" lvl="0" marL="457200" rtl="0" algn="l">
+            <a:pPr indent="-298450" lvl="3" marL="1828800" rtl="0" algn="l">
               <a:spcBef>
                 <a:spcPts val="0"/>
               </a:spcBef>
@@ -13254,7 +13283,7 @@
               <a:buChar char="●"/>
             </a:pPr>
             <a:r>
-              <a:rPr lang="en" sz="1100">
+              <a:rPr lang="en">
                 <a:solidFill>
                   <a:srgbClr val="000000"/>
                 </a:solidFill>
@@ -13263,9 +13292,9 @@
                 <a:cs typeface="Arial"/>
                 <a:sym typeface="Arial"/>
               </a:rPr>
-              <a:t>List itineraries page: Empty page component </a:t>
+              <a:t>Numer of itineraries</a:t>
             </a:r>
-            <a:endParaRPr sz="1100">
+            <a:endParaRPr>
               <a:solidFill>
                 <a:srgbClr val="000000"/>
               </a:solidFill>
@@ -13276,7 +13305,7 @@
             </a:endParaRPr>
           </a:p>
           <a:p>
-            <a:pPr indent="-298450" lvl="0" marL="457200" rtl="0" algn="l">
+            <a:pPr indent="-298450" lvl="4" marL="2286000" rtl="0" algn="l">
               <a:spcBef>
                 <a:spcPts val="0"/>
               </a:spcBef>
@@ -13288,10 +13317,10 @@
               </a:buClr>
               <a:buSzPts val="1100"/>
               <a:buFont typeface="Arial"/>
-              <a:buChar char="●"/>
+              <a:buChar char="○"/>
             </a:pPr>
             <a:r>
-              <a:rPr lang="en" sz="1100">
+              <a:rPr lang="en">
                 <a:solidFill>
                   <a:srgbClr val="000000"/>
                 </a:solidFill>
@@ -13300,9 +13329,9 @@
                 <a:cs typeface="Arial"/>
                 <a:sym typeface="Arial"/>
               </a:rPr>
-              <a:t>List of itineraries: Card like component </a:t>
+              <a:t>Names of itineraries</a:t>
             </a:r>
-            <a:endParaRPr sz="1100">
+            <a:endParaRPr>
               <a:solidFill>
                 <a:srgbClr val="000000"/>
               </a:solidFill>
@@ -13313,7 +13342,7 @@
             </a:endParaRPr>
           </a:p>
           <a:p>
-            <a:pPr indent="-298450" lvl="0" marL="457200" rtl="0" algn="l">
+            <a:pPr indent="-298450" lvl="4" marL="2286000" rtl="0" algn="l">
               <a:spcBef>
                 <a:spcPts val="0"/>
               </a:spcBef>
@@ -13325,10 +13354,10 @@
               </a:buClr>
               <a:buSzPts val="1100"/>
               <a:buFont typeface="Arial"/>
-              <a:buChar char="●"/>
+              <a:buChar char="○"/>
             </a:pPr>
             <a:r>
-              <a:rPr lang="en" sz="1100">
+              <a:rPr lang="en">
                 <a:solidFill>
                   <a:srgbClr val="000000"/>
                 </a:solidFill>
@@ -13337,9 +13366,9 @@
                 <a:cs typeface="Arial"/>
                 <a:sym typeface="Arial"/>
               </a:rPr>
-              <a:t>Bullet points of itinerary card</a:t>
+              <a:t>Details in itineraries</a:t>
             </a:r>
-            <a:endParaRPr sz="1100">
+            <a:endParaRPr>
               <a:solidFill>
                 <a:srgbClr val="000000"/>
               </a:solidFill>
@@ -13350,7 +13379,7 @@
             </a:endParaRPr>
           </a:p>
           <a:p>
-            <a:pPr indent="-298450" lvl="0" marL="457200" rtl="0" algn="l">
+            <a:pPr indent="-298450" lvl="1" marL="914400" rtl="0" algn="l">
               <a:spcBef>
                 <a:spcPts val="0"/>
               </a:spcBef>
@@ -13362,10 +13391,10 @@
               </a:buClr>
               <a:buSzPts val="1100"/>
               <a:buFont typeface="Arial"/>
-              <a:buChar char="●"/>
+              <a:buChar char="○"/>
             </a:pPr>
             <a:r>
-              <a:rPr lang="en" sz="1100">
+              <a:rPr lang="en">
                 <a:solidFill>
                   <a:srgbClr val="000000"/>
                 </a:solidFill>
@@ -13374,9 +13403,9 @@
                 <a:cs typeface="Arial"/>
                 <a:sym typeface="Arial"/>
               </a:rPr>
-              <a:t>Expandable itinerary card</a:t>
+              <a:t>Connecting both to the web</a:t>
             </a:r>
-            <a:endParaRPr/>
+            <a:endParaRPr b="1"/>
           </a:p>
         </p:txBody>
       </p:sp>
@@ -13439,7 +13468,7 @@
             </a:pPr>
             <a:r>
               <a:rPr lang="en"/>
-              <a:t>Partially Complete</a:t>
+              <a:t>Complete</a:t>
             </a:r>
             <a:endParaRPr/>
           </a:p>
@@ -13492,7 +13521,7 @@
                 <a:cs typeface="Arial"/>
                 <a:sym typeface="Arial"/>
               </a:rPr>
-              <a:t>Home page</a:t>
+              <a:t>Sign in page</a:t>
             </a:r>
             <a:endParaRPr sz="1100">
               <a:solidFill>
@@ -13505,7 +13534,7 @@
             </a:endParaRPr>
           </a:p>
           <a:p>
-            <a:pPr indent="-298450" lvl="0" marL="457200" rtl="0" algn="l">
+            <a:pPr indent="-298450" lvl="1" marL="914400" rtl="0" algn="l">
               <a:spcBef>
                 <a:spcPts val="0"/>
               </a:spcBef>
@@ -13517,10 +13546,10 @@
               </a:buClr>
               <a:buSzPts val="1100"/>
               <a:buFont typeface="Arial"/>
-              <a:buChar char="●"/>
+              <a:buChar char="○"/>
             </a:pPr>
             <a:r>
-              <a:rPr lang="en" sz="1100">
+              <a:rPr lang="en">
                 <a:solidFill>
                   <a:srgbClr val="000000"/>
                 </a:solidFill>
@@ -13529,9 +13558,9 @@
                 <a:cs typeface="Arial"/>
                 <a:sym typeface="Arial"/>
               </a:rPr>
-              <a:t>List itineraries page</a:t>
+              <a:t>Google sign in</a:t>
             </a:r>
-            <a:endParaRPr sz="1100">
+            <a:endParaRPr>
               <a:solidFill>
                 <a:srgbClr val="000000"/>
               </a:solidFill>
@@ -13566,7 +13595,192 @@
                 <a:cs typeface="Arial"/>
                 <a:sym typeface="Arial"/>
               </a:rPr>
-              <a:t>Nav bar</a:t>
+              <a:t>Sign out feature button</a:t>
+            </a:r>
+            <a:endParaRPr sz="1100">
+              <a:solidFill>
+                <a:srgbClr val="000000"/>
+              </a:solidFill>
+              <a:latin typeface="Arial"/>
+              <a:ea typeface="Arial"/>
+              <a:cs typeface="Arial"/>
+              <a:sym typeface="Arial"/>
+            </a:endParaRPr>
+          </a:p>
+          <a:p>
+            <a:pPr indent="-298450" lvl="0" marL="457200" rtl="0" algn="l">
+              <a:spcBef>
+                <a:spcPts val="0"/>
+              </a:spcBef>
+              <a:spcAft>
+                <a:spcPts val="0"/>
+              </a:spcAft>
+              <a:buClr>
+                <a:srgbClr val="000000"/>
+              </a:buClr>
+              <a:buSzPts val="1100"/>
+              <a:buFont typeface="Arial"/>
+              <a:buChar char="●"/>
+            </a:pPr>
+            <a:r>
+              <a:rPr lang="en" sz="1100">
+                <a:solidFill>
+                  <a:srgbClr val="000000"/>
+                </a:solidFill>
+                <a:latin typeface="Arial"/>
+                <a:ea typeface="Arial"/>
+                <a:cs typeface="Arial"/>
+                <a:sym typeface="Arial"/>
+              </a:rPr>
+              <a:t>Home page: Empty page component </a:t>
+            </a:r>
+            <a:endParaRPr sz="1100">
+              <a:solidFill>
+                <a:srgbClr val="000000"/>
+              </a:solidFill>
+              <a:latin typeface="Arial"/>
+              <a:ea typeface="Arial"/>
+              <a:cs typeface="Arial"/>
+              <a:sym typeface="Arial"/>
+            </a:endParaRPr>
+          </a:p>
+          <a:p>
+            <a:pPr indent="-298450" lvl="0" marL="457200" rtl="0" algn="l">
+              <a:spcBef>
+                <a:spcPts val="0"/>
+              </a:spcBef>
+              <a:spcAft>
+                <a:spcPts val="0"/>
+              </a:spcAft>
+              <a:buClr>
+                <a:srgbClr val="000000"/>
+              </a:buClr>
+              <a:buSzPts val="1100"/>
+              <a:buFont typeface="Arial"/>
+              <a:buChar char="●"/>
+            </a:pPr>
+            <a:r>
+              <a:rPr lang="en" sz="1100">
+                <a:solidFill>
+                  <a:srgbClr val="000000"/>
+                </a:solidFill>
+                <a:latin typeface="Arial"/>
+                <a:ea typeface="Arial"/>
+                <a:cs typeface="Arial"/>
+                <a:sym typeface="Arial"/>
+              </a:rPr>
+              <a:t>List itineraries page: Empty page component </a:t>
+            </a:r>
+            <a:endParaRPr sz="1100">
+              <a:solidFill>
+                <a:srgbClr val="000000"/>
+              </a:solidFill>
+              <a:latin typeface="Arial"/>
+              <a:ea typeface="Arial"/>
+              <a:cs typeface="Arial"/>
+              <a:sym typeface="Arial"/>
+            </a:endParaRPr>
+          </a:p>
+          <a:p>
+            <a:pPr indent="-298450" lvl="0" marL="457200" rtl="0" algn="l">
+              <a:spcBef>
+                <a:spcPts val="0"/>
+              </a:spcBef>
+              <a:spcAft>
+                <a:spcPts val="0"/>
+              </a:spcAft>
+              <a:buClr>
+                <a:srgbClr val="000000"/>
+              </a:buClr>
+              <a:buSzPts val="1100"/>
+              <a:buFont typeface="Arial"/>
+              <a:buChar char="●"/>
+            </a:pPr>
+            <a:r>
+              <a:rPr lang="en" sz="1100">
+                <a:solidFill>
+                  <a:srgbClr val="000000"/>
+                </a:solidFill>
+                <a:latin typeface="Arial"/>
+                <a:ea typeface="Arial"/>
+                <a:cs typeface="Arial"/>
+                <a:sym typeface="Arial"/>
+              </a:rPr>
+              <a:t>List of itineraries: Card like component </a:t>
+            </a:r>
+            <a:endParaRPr sz="1100">
+              <a:solidFill>
+                <a:srgbClr val="000000"/>
+              </a:solidFill>
+              <a:latin typeface="Arial"/>
+              <a:ea typeface="Arial"/>
+              <a:cs typeface="Arial"/>
+              <a:sym typeface="Arial"/>
+            </a:endParaRPr>
+          </a:p>
+          <a:p>
+            <a:pPr indent="-298450" lvl="0" marL="457200" rtl="0" algn="l">
+              <a:spcBef>
+                <a:spcPts val="0"/>
+              </a:spcBef>
+              <a:spcAft>
+                <a:spcPts val="0"/>
+              </a:spcAft>
+              <a:buClr>
+                <a:srgbClr val="000000"/>
+              </a:buClr>
+              <a:buSzPts val="1100"/>
+              <a:buFont typeface="Arial"/>
+              <a:buChar char="●"/>
+            </a:pPr>
+            <a:r>
+              <a:rPr lang="en" sz="1100">
+                <a:solidFill>
+                  <a:srgbClr val="000000"/>
+                </a:solidFill>
+                <a:latin typeface="Arial"/>
+                <a:ea typeface="Arial"/>
+                <a:cs typeface="Arial"/>
+                <a:sym typeface="Arial"/>
+              </a:rPr>
+              <a:t>Bullet points of itinerary card</a:t>
+            </a:r>
+            <a:endParaRPr sz="1100">
+              <a:solidFill>
+                <a:srgbClr val="000000"/>
+              </a:solidFill>
+              <a:latin typeface="Arial"/>
+              <a:ea typeface="Arial"/>
+              <a:cs typeface="Arial"/>
+              <a:sym typeface="Arial"/>
+            </a:endParaRPr>
+          </a:p>
+          <a:p>
+            <a:pPr indent="-298450" lvl="0" marL="457200" rtl="0" algn="l">
+              <a:spcBef>
+                <a:spcPts val="0"/>
+              </a:spcBef>
+              <a:spcAft>
+                <a:spcPts val="0"/>
+              </a:spcAft>
+              <a:buClr>
+                <a:srgbClr val="000000"/>
+              </a:buClr>
+              <a:buSzPts val="1100"/>
+              <a:buFont typeface="Arial"/>
+              <a:buChar char="●"/>
+            </a:pPr>
+            <a:r>
+              <a:rPr lang="en" sz="1100">
+                <a:solidFill>
+                  <a:srgbClr val="000000"/>
+                </a:solidFill>
+                <a:latin typeface="Arial"/>
+                <a:ea typeface="Arial"/>
+                <a:cs typeface="Arial"/>
+                <a:sym typeface="Arial"/>
+              </a:rPr>
+              <a:t>Expandable itinerary card</a:t>
             </a:r>
             <a:endParaRPr/>
           </a:p>

--- a/Documents/Progress Update/Project Update.pptx
+++ b/Documents/Progress Update/Project Update.pptx
@@ -18,16 +18,25 @@
     <p:sldId id="263" r:id="rId13"/>
     <p:sldId id="264" r:id="rId14"/>
     <p:sldId id="265" r:id="rId15"/>
+    <p:sldId id="266" r:id="rId16"/>
+    <p:sldId id="267" r:id="rId17"/>
+    <p:sldId id="268" r:id="rId18"/>
+    <p:sldId id="269" r:id="rId19"/>
+    <p:sldId id="270" r:id="rId20"/>
+    <p:sldId id="271" r:id="rId21"/>
+    <p:sldId id="272" r:id="rId22"/>
+    <p:sldId id="273" r:id="rId23"/>
+    <p:sldId id="274" r:id="rId24"/>
   </p:sldIdLst>
   <p:sldSz cy="5143500" cx="9144000"/>
   <p:notesSz cx="6858000" cy="9144000"/>
   <p:embeddedFontLst>
     <p:embeddedFont>
       <p:font typeface="Nunito"/>
-      <p:regular r:id="rId16"/>
-      <p:bold r:id="rId17"/>
-      <p:italic r:id="rId18"/>
-      <p:boldItalic r:id="rId19"/>
+      <p:regular r:id="rId25"/>
+      <p:bold r:id="rId26"/>
+      <p:italic r:id="rId27"/>
+      <p:boldItalic r:id="rId28"/>
     </p:embeddedFont>
   </p:embeddedFontLst>
   <p:defaultTextStyle>
@@ -808,7 +817,7 @@
   <p:cSld>
     <p:spTree>
       <p:nvGrpSpPr>
-        <p:cNvPr id="179" name="Shape 179"/>
+        <p:cNvPr id="181" name="Shape 181"/>
         <p:cNvGrpSpPr/>
         <p:nvPr/>
       </p:nvGrpSpPr>
@@ -822,7 +831,7 @@
       </p:grpSpPr>
       <p:sp>
         <p:nvSpPr>
-          <p:cNvPr id="180" name="Google Shape;180;g39d45391ef2_0_654:notes"/>
+          <p:cNvPr id="182" name="Google Shape;182;g39f9ecad944_0_55:notes"/>
           <p:cNvSpPr/>
           <p:nvPr>
             <p:ph idx="2" type="sldImg"/>
@@ -857,7 +866,898 @@
       </p:sp>
       <p:sp>
         <p:nvSpPr>
-          <p:cNvPr id="181" name="Google Shape;181;g39d45391ef2_0_654:notes"/>
+          <p:cNvPr id="183" name="Google Shape;183;g39f9ecad944_0_55:notes"/>
+          <p:cNvSpPr txBox="1"/>
+          <p:nvPr>
+            <p:ph idx="1" type="body"/>
+          </p:nvPr>
+        </p:nvSpPr>
+        <p:spPr>
+          <a:xfrm>
+            <a:off x="685800" y="4343400"/>
+            <a:ext cx="5486400" cy="4114800"/>
+          </a:xfrm>
+          <a:prstGeom prst="rect">
+            <a:avLst/>
+          </a:prstGeom>
+        </p:spPr>
+        <p:txBody>
+          <a:bodyPr anchorCtr="0" anchor="t" bIns="91425" lIns="91425" spcFirstLastPara="1" rIns="91425" wrap="square" tIns="91425">
+            <a:noAutofit/>
+          </a:bodyPr>
+          <a:lstStyle/>
+          <a:p>
+            <a:pPr indent="0" lvl="0" marL="0" rtl="0" algn="l">
+              <a:spcBef>
+                <a:spcPts val="0"/>
+              </a:spcBef>
+              <a:spcAft>
+                <a:spcPts val="0"/>
+              </a:spcAft>
+              <a:buNone/>
+            </a:pPr>
+            <a:r>
+              <a:t/>
+            </a:r>
+            <a:endParaRPr/>
+          </a:p>
+        </p:txBody>
+      </p:sp>
+    </p:spTree>
+  </p:cSld>
+  <p:clrMapOvr>
+    <a:masterClrMapping/>
+  </p:clrMapOvr>
+</p:notes>
+</file>
+
+<file path=ppt/notesSlides/notesSlide11.xml><?xml version="1.0" encoding="utf-8"?>
+<p:notes xmlns:a="http://schemas.openxmlformats.org/drawingml/2006/main" xmlns:r="http://schemas.openxmlformats.org/officeDocument/2006/relationships" xmlns:mc="http://schemas.openxmlformats.org/markup-compatibility/2006" xmlns:mv="urn:schemas-microsoft-com:mac:vml" xmlns:p="http://schemas.openxmlformats.org/presentationml/2006/main" xmlns:c="http://schemas.openxmlformats.org/drawingml/2006/chart" xmlns:dgm="http://schemas.openxmlformats.org/drawingml/2006/diagram" xmlns:o="urn:schemas-microsoft-com:office:office" xmlns:v="urn:schemas-microsoft-com:vml" xmlns:pvml="urn:schemas-microsoft-com:office:powerpoint" xmlns:com="http://schemas.openxmlformats.org/drawingml/2006/compatibility" xmlns:p14="http://schemas.microsoft.com/office/powerpoint/2010/main" xmlns:p15="http://schemas.microsoft.com/office/powerpoint/2012/main" xmlns:ahyp="http://schemas.microsoft.com/office/drawing/2018/hyperlinkcolor" showMasterPhAnim="0" showMasterSp="0">
+  <p:cSld>
+    <p:spTree>
+      <p:nvGrpSpPr>
+        <p:cNvPr id="187" name="Shape 187"/>
+        <p:cNvGrpSpPr/>
+        <p:nvPr/>
+      </p:nvGrpSpPr>
+      <p:grpSpPr>
+        <a:xfrm>
+          <a:off x="0" y="0"/>
+          <a:ext cx="0" cy="0"/>
+          <a:chOff x="0" y="0"/>
+          <a:chExt cx="0" cy="0"/>
+        </a:xfrm>
+      </p:grpSpPr>
+      <p:sp>
+        <p:nvSpPr>
+          <p:cNvPr id="188" name="Google Shape;188;g39f9ecad944_0_60:notes"/>
+          <p:cNvSpPr/>
+          <p:nvPr>
+            <p:ph idx="2" type="sldImg"/>
+          </p:nvPr>
+        </p:nvSpPr>
+        <p:spPr>
+          <a:xfrm>
+            <a:off x="381300" y="685800"/>
+            <a:ext cx="6096000" cy="3429000"/>
+          </a:xfrm>
+          <a:custGeom>
+            <a:rect b="b" l="l" r="r" t="t"/>
+            <a:pathLst>
+              <a:path extrusionOk="0" h="120000" w="120000">
+                <a:moveTo>
+                  <a:pt x="0" y="0"/>
+                </a:moveTo>
+                <a:lnTo>
+                  <a:pt x="120000" y="0"/>
+                </a:lnTo>
+                <a:lnTo>
+                  <a:pt x="120000" y="120000"/>
+                </a:lnTo>
+                <a:lnTo>
+                  <a:pt x="0" y="120000"/>
+                </a:lnTo>
+                <a:close/>
+              </a:path>
+            </a:pathLst>
+          </a:custGeom>
+        </p:spPr>
+      </p:sp>
+      <p:sp>
+        <p:nvSpPr>
+          <p:cNvPr id="189" name="Google Shape;189;g39f9ecad944_0_60:notes"/>
+          <p:cNvSpPr txBox="1"/>
+          <p:nvPr>
+            <p:ph idx="1" type="body"/>
+          </p:nvPr>
+        </p:nvSpPr>
+        <p:spPr>
+          <a:xfrm>
+            <a:off x="685800" y="4343400"/>
+            <a:ext cx="5486400" cy="4114800"/>
+          </a:xfrm>
+          <a:prstGeom prst="rect">
+            <a:avLst/>
+          </a:prstGeom>
+        </p:spPr>
+        <p:txBody>
+          <a:bodyPr anchorCtr="0" anchor="t" bIns="91425" lIns="91425" spcFirstLastPara="1" rIns="91425" wrap="square" tIns="91425">
+            <a:noAutofit/>
+          </a:bodyPr>
+          <a:lstStyle/>
+          <a:p>
+            <a:pPr indent="0" lvl="0" marL="0" rtl="0" algn="l">
+              <a:spcBef>
+                <a:spcPts val="0"/>
+              </a:spcBef>
+              <a:spcAft>
+                <a:spcPts val="0"/>
+              </a:spcAft>
+              <a:buNone/>
+            </a:pPr>
+            <a:r>
+              <a:t/>
+            </a:r>
+            <a:endParaRPr/>
+          </a:p>
+        </p:txBody>
+      </p:sp>
+    </p:spTree>
+  </p:cSld>
+  <p:clrMapOvr>
+    <a:masterClrMapping/>
+  </p:clrMapOvr>
+</p:notes>
+</file>
+
+<file path=ppt/notesSlides/notesSlide12.xml><?xml version="1.0" encoding="utf-8"?>
+<p:notes xmlns:a="http://schemas.openxmlformats.org/drawingml/2006/main" xmlns:r="http://schemas.openxmlformats.org/officeDocument/2006/relationships" xmlns:mc="http://schemas.openxmlformats.org/markup-compatibility/2006" xmlns:mv="urn:schemas-microsoft-com:mac:vml" xmlns:p="http://schemas.openxmlformats.org/presentationml/2006/main" xmlns:c="http://schemas.openxmlformats.org/drawingml/2006/chart" xmlns:dgm="http://schemas.openxmlformats.org/drawingml/2006/diagram" xmlns:o="urn:schemas-microsoft-com:office:office" xmlns:v="urn:schemas-microsoft-com:vml" xmlns:pvml="urn:schemas-microsoft-com:office:powerpoint" xmlns:com="http://schemas.openxmlformats.org/drawingml/2006/compatibility" xmlns:p14="http://schemas.microsoft.com/office/powerpoint/2010/main" xmlns:p15="http://schemas.microsoft.com/office/powerpoint/2012/main" xmlns:ahyp="http://schemas.microsoft.com/office/drawing/2018/hyperlinkcolor" showMasterPhAnim="0" showMasterSp="0">
+  <p:cSld>
+    <p:spTree>
+      <p:nvGrpSpPr>
+        <p:cNvPr id="193" name="Shape 193"/>
+        <p:cNvGrpSpPr/>
+        <p:nvPr/>
+      </p:nvGrpSpPr>
+      <p:grpSpPr>
+        <a:xfrm>
+          <a:off x="0" y="0"/>
+          <a:ext cx="0" cy="0"/>
+          <a:chOff x="0" y="0"/>
+          <a:chExt cx="0" cy="0"/>
+        </a:xfrm>
+      </p:grpSpPr>
+      <p:sp>
+        <p:nvSpPr>
+          <p:cNvPr id="194" name="Google Shape;194;g39f9ecad944_0_9:notes"/>
+          <p:cNvSpPr/>
+          <p:nvPr>
+            <p:ph idx="2" type="sldImg"/>
+          </p:nvPr>
+        </p:nvSpPr>
+        <p:spPr>
+          <a:xfrm>
+            <a:off x="381300" y="685800"/>
+            <a:ext cx="6096000" cy="3429000"/>
+          </a:xfrm>
+          <a:custGeom>
+            <a:rect b="b" l="l" r="r" t="t"/>
+            <a:pathLst>
+              <a:path extrusionOk="0" h="120000" w="120000">
+                <a:moveTo>
+                  <a:pt x="0" y="0"/>
+                </a:moveTo>
+                <a:lnTo>
+                  <a:pt x="120000" y="0"/>
+                </a:lnTo>
+                <a:lnTo>
+                  <a:pt x="120000" y="120000"/>
+                </a:lnTo>
+                <a:lnTo>
+                  <a:pt x="0" y="120000"/>
+                </a:lnTo>
+                <a:close/>
+              </a:path>
+            </a:pathLst>
+          </a:custGeom>
+        </p:spPr>
+      </p:sp>
+      <p:sp>
+        <p:nvSpPr>
+          <p:cNvPr id="195" name="Google Shape;195;g39f9ecad944_0_9:notes"/>
+          <p:cNvSpPr txBox="1"/>
+          <p:nvPr>
+            <p:ph idx="1" type="body"/>
+          </p:nvPr>
+        </p:nvSpPr>
+        <p:spPr>
+          <a:xfrm>
+            <a:off x="685800" y="4343400"/>
+            <a:ext cx="5486400" cy="4114800"/>
+          </a:xfrm>
+          <a:prstGeom prst="rect">
+            <a:avLst/>
+          </a:prstGeom>
+        </p:spPr>
+        <p:txBody>
+          <a:bodyPr anchorCtr="0" anchor="t" bIns="91425" lIns="91425" spcFirstLastPara="1" rIns="91425" wrap="square" tIns="91425">
+            <a:noAutofit/>
+          </a:bodyPr>
+          <a:lstStyle/>
+          <a:p>
+            <a:pPr indent="0" lvl="0" marL="0" rtl="0" algn="l">
+              <a:spcBef>
+                <a:spcPts val="0"/>
+              </a:spcBef>
+              <a:spcAft>
+                <a:spcPts val="0"/>
+              </a:spcAft>
+              <a:buNone/>
+            </a:pPr>
+            <a:r>
+              <a:t/>
+            </a:r>
+            <a:endParaRPr/>
+          </a:p>
+        </p:txBody>
+      </p:sp>
+    </p:spTree>
+  </p:cSld>
+  <p:clrMapOvr>
+    <a:masterClrMapping/>
+  </p:clrMapOvr>
+</p:notes>
+</file>
+
+<file path=ppt/notesSlides/notesSlide13.xml><?xml version="1.0" encoding="utf-8"?>
+<p:notes xmlns:a="http://schemas.openxmlformats.org/drawingml/2006/main" xmlns:r="http://schemas.openxmlformats.org/officeDocument/2006/relationships" xmlns:mc="http://schemas.openxmlformats.org/markup-compatibility/2006" xmlns:mv="urn:schemas-microsoft-com:mac:vml" xmlns:p="http://schemas.openxmlformats.org/presentationml/2006/main" xmlns:c="http://schemas.openxmlformats.org/drawingml/2006/chart" xmlns:dgm="http://schemas.openxmlformats.org/drawingml/2006/diagram" xmlns:o="urn:schemas-microsoft-com:office:office" xmlns:v="urn:schemas-microsoft-com:vml" xmlns:pvml="urn:schemas-microsoft-com:office:powerpoint" xmlns:com="http://schemas.openxmlformats.org/drawingml/2006/compatibility" xmlns:p14="http://schemas.microsoft.com/office/powerpoint/2010/main" xmlns:p15="http://schemas.microsoft.com/office/powerpoint/2012/main" xmlns:ahyp="http://schemas.microsoft.com/office/drawing/2018/hyperlinkcolor" showMasterPhAnim="0" showMasterSp="0">
+  <p:cSld>
+    <p:spTree>
+      <p:nvGrpSpPr>
+        <p:cNvPr id="198" name="Shape 198"/>
+        <p:cNvGrpSpPr/>
+        <p:nvPr/>
+      </p:nvGrpSpPr>
+      <p:grpSpPr>
+        <a:xfrm>
+          <a:off x="0" y="0"/>
+          <a:ext cx="0" cy="0"/>
+          <a:chOff x="0" y="0"/>
+          <a:chExt cx="0" cy="0"/>
+        </a:xfrm>
+      </p:grpSpPr>
+      <p:sp>
+        <p:nvSpPr>
+          <p:cNvPr id="199" name="Google Shape;199;g39f9ecad944_0_50:notes"/>
+          <p:cNvSpPr/>
+          <p:nvPr>
+            <p:ph idx="2" type="sldImg"/>
+          </p:nvPr>
+        </p:nvSpPr>
+        <p:spPr>
+          <a:xfrm>
+            <a:off x="381300" y="685800"/>
+            <a:ext cx="6096000" cy="3429000"/>
+          </a:xfrm>
+          <a:custGeom>
+            <a:rect b="b" l="l" r="r" t="t"/>
+            <a:pathLst>
+              <a:path extrusionOk="0" h="120000" w="120000">
+                <a:moveTo>
+                  <a:pt x="0" y="0"/>
+                </a:moveTo>
+                <a:lnTo>
+                  <a:pt x="120000" y="0"/>
+                </a:lnTo>
+                <a:lnTo>
+                  <a:pt x="120000" y="120000"/>
+                </a:lnTo>
+                <a:lnTo>
+                  <a:pt x="0" y="120000"/>
+                </a:lnTo>
+                <a:close/>
+              </a:path>
+            </a:pathLst>
+          </a:custGeom>
+        </p:spPr>
+      </p:sp>
+      <p:sp>
+        <p:nvSpPr>
+          <p:cNvPr id="200" name="Google Shape;200;g39f9ecad944_0_50:notes"/>
+          <p:cNvSpPr txBox="1"/>
+          <p:nvPr>
+            <p:ph idx="1" type="body"/>
+          </p:nvPr>
+        </p:nvSpPr>
+        <p:spPr>
+          <a:xfrm>
+            <a:off x="685800" y="4343400"/>
+            <a:ext cx="5486400" cy="4114800"/>
+          </a:xfrm>
+          <a:prstGeom prst="rect">
+            <a:avLst/>
+          </a:prstGeom>
+        </p:spPr>
+        <p:txBody>
+          <a:bodyPr anchorCtr="0" anchor="t" bIns="91425" lIns="91425" spcFirstLastPara="1" rIns="91425" wrap="square" tIns="91425">
+            <a:noAutofit/>
+          </a:bodyPr>
+          <a:lstStyle/>
+          <a:p>
+            <a:pPr indent="0" lvl="0" marL="0" rtl="0" algn="l">
+              <a:spcBef>
+                <a:spcPts val="0"/>
+              </a:spcBef>
+              <a:spcAft>
+                <a:spcPts val="0"/>
+              </a:spcAft>
+              <a:buNone/>
+            </a:pPr>
+            <a:r>
+              <a:t/>
+            </a:r>
+            <a:endParaRPr/>
+          </a:p>
+        </p:txBody>
+      </p:sp>
+    </p:spTree>
+  </p:cSld>
+  <p:clrMapOvr>
+    <a:masterClrMapping/>
+  </p:clrMapOvr>
+</p:notes>
+</file>
+
+<file path=ppt/notesSlides/notesSlide14.xml><?xml version="1.0" encoding="utf-8"?>
+<p:notes xmlns:a="http://schemas.openxmlformats.org/drawingml/2006/main" xmlns:r="http://schemas.openxmlformats.org/officeDocument/2006/relationships" xmlns:mc="http://schemas.openxmlformats.org/markup-compatibility/2006" xmlns:mv="urn:schemas-microsoft-com:mac:vml" xmlns:p="http://schemas.openxmlformats.org/presentationml/2006/main" xmlns:c="http://schemas.openxmlformats.org/drawingml/2006/chart" xmlns:dgm="http://schemas.openxmlformats.org/drawingml/2006/diagram" xmlns:o="urn:schemas-microsoft-com:office:office" xmlns:v="urn:schemas-microsoft-com:vml" xmlns:pvml="urn:schemas-microsoft-com:office:powerpoint" xmlns:com="http://schemas.openxmlformats.org/drawingml/2006/compatibility" xmlns:p14="http://schemas.microsoft.com/office/powerpoint/2010/main" xmlns:p15="http://schemas.microsoft.com/office/powerpoint/2012/main" xmlns:ahyp="http://schemas.microsoft.com/office/drawing/2018/hyperlinkcolor" showMasterPhAnim="0" showMasterSp="0">
+  <p:cSld>
+    <p:spTree>
+      <p:nvGrpSpPr>
+        <p:cNvPr id="204" name="Shape 204"/>
+        <p:cNvGrpSpPr/>
+        <p:nvPr/>
+      </p:nvGrpSpPr>
+      <p:grpSpPr>
+        <a:xfrm>
+          <a:off x="0" y="0"/>
+          <a:ext cx="0" cy="0"/>
+          <a:chOff x="0" y="0"/>
+          <a:chExt cx="0" cy="0"/>
+        </a:xfrm>
+      </p:grpSpPr>
+      <p:sp>
+        <p:nvSpPr>
+          <p:cNvPr id="205" name="Google Shape;205;g39d45391ef2_0_654:notes"/>
+          <p:cNvSpPr/>
+          <p:nvPr>
+            <p:ph idx="2" type="sldImg"/>
+          </p:nvPr>
+        </p:nvSpPr>
+        <p:spPr>
+          <a:xfrm>
+            <a:off x="381300" y="685800"/>
+            <a:ext cx="6096000" cy="3429000"/>
+          </a:xfrm>
+          <a:custGeom>
+            <a:rect b="b" l="l" r="r" t="t"/>
+            <a:pathLst>
+              <a:path extrusionOk="0" h="120000" w="120000">
+                <a:moveTo>
+                  <a:pt x="0" y="0"/>
+                </a:moveTo>
+                <a:lnTo>
+                  <a:pt x="120000" y="0"/>
+                </a:lnTo>
+                <a:lnTo>
+                  <a:pt x="120000" y="120000"/>
+                </a:lnTo>
+                <a:lnTo>
+                  <a:pt x="0" y="120000"/>
+                </a:lnTo>
+                <a:close/>
+              </a:path>
+            </a:pathLst>
+          </a:custGeom>
+        </p:spPr>
+      </p:sp>
+      <p:sp>
+        <p:nvSpPr>
+          <p:cNvPr id="206" name="Google Shape;206;g39d45391ef2_0_654:notes"/>
+          <p:cNvSpPr txBox="1"/>
+          <p:nvPr>
+            <p:ph idx="1" type="body"/>
+          </p:nvPr>
+        </p:nvSpPr>
+        <p:spPr>
+          <a:xfrm>
+            <a:off x="685800" y="4343400"/>
+            <a:ext cx="5486400" cy="4114800"/>
+          </a:xfrm>
+          <a:prstGeom prst="rect">
+            <a:avLst/>
+          </a:prstGeom>
+        </p:spPr>
+        <p:txBody>
+          <a:bodyPr anchorCtr="0" anchor="t" bIns="91425" lIns="91425" spcFirstLastPara="1" rIns="91425" wrap="square" tIns="91425">
+            <a:noAutofit/>
+          </a:bodyPr>
+          <a:lstStyle/>
+          <a:p>
+            <a:pPr indent="0" lvl="0" marL="0" rtl="0" algn="l">
+              <a:spcBef>
+                <a:spcPts val="0"/>
+              </a:spcBef>
+              <a:spcAft>
+                <a:spcPts val="0"/>
+              </a:spcAft>
+              <a:buNone/>
+            </a:pPr>
+            <a:r>
+              <a:t/>
+            </a:r>
+            <a:endParaRPr/>
+          </a:p>
+        </p:txBody>
+      </p:sp>
+    </p:spTree>
+  </p:cSld>
+  <p:clrMapOvr>
+    <a:masterClrMapping/>
+  </p:clrMapOvr>
+</p:notes>
+</file>
+
+<file path=ppt/notesSlides/notesSlide15.xml><?xml version="1.0" encoding="utf-8"?>
+<p:notes xmlns:a="http://schemas.openxmlformats.org/drawingml/2006/main" xmlns:r="http://schemas.openxmlformats.org/officeDocument/2006/relationships" xmlns:mc="http://schemas.openxmlformats.org/markup-compatibility/2006" xmlns:mv="urn:schemas-microsoft-com:mac:vml" xmlns:p="http://schemas.openxmlformats.org/presentationml/2006/main" xmlns:c="http://schemas.openxmlformats.org/drawingml/2006/chart" xmlns:dgm="http://schemas.openxmlformats.org/drawingml/2006/diagram" xmlns:o="urn:schemas-microsoft-com:office:office" xmlns:v="urn:schemas-microsoft-com:vml" xmlns:pvml="urn:schemas-microsoft-com:office:powerpoint" xmlns:com="http://schemas.openxmlformats.org/drawingml/2006/compatibility" xmlns:p14="http://schemas.microsoft.com/office/powerpoint/2010/main" xmlns:p15="http://schemas.microsoft.com/office/powerpoint/2012/main" xmlns:ahyp="http://schemas.microsoft.com/office/drawing/2018/hyperlinkcolor" showMasterPhAnim="0" showMasterSp="0">
+  <p:cSld>
+    <p:spTree>
+      <p:nvGrpSpPr>
+        <p:cNvPr id="210" name="Shape 210"/>
+        <p:cNvGrpSpPr/>
+        <p:nvPr/>
+      </p:nvGrpSpPr>
+      <p:grpSpPr>
+        <a:xfrm>
+          <a:off x="0" y="0"/>
+          <a:ext cx="0" cy="0"/>
+          <a:chOff x="0" y="0"/>
+          <a:chExt cx="0" cy="0"/>
+        </a:xfrm>
+      </p:grpSpPr>
+      <p:sp>
+        <p:nvSpPr>
+          <p:cNvPr id="211" name="Google Shape;211;g39f9ecad944_0_13:notes"/>
+          <p:cNvSpPr/>
+          <p:nvPr>
+            <p:ph idx="2" type="sldImg"/>
+          </p:nvPr>
+        </p:nvSpPr>
+        <p:spPr>
+          <a:xfrm>
+            <a:off x="381300" y="685800"/>
+            <a:ext cx="6096000" cy="3429000"/>
+          </a:xfrm>
+          <a:custGeom>
+            <a:rect b="b" l="l" r="r" t="t"/>
+            <a:pathLst>
+              <a:path extrusionOk="0" h="120000" w="120000">
+                <a:moveTo>
+                  <a:pt x="0" y="0"/>
+                </a:moveTo>
+                <a:lnTo>
+                  <a:pt x="120000" y="0"/>
+                </a:lnTo>
+                <a:lnTo>
+                  <a:pt x="120000" y="120000"/>
+                </a:lnTo>
+                <a:lnTo>
+                  <a:pt x="0" y="120000"/>
+                </a:lnTo>
+                <a:close/>
+              </a:path>
+            </a:pathLst>
+          </a:custGeom>
+        </p:spPr>
+      </p:sp>
+      <p:sp>
+        <p:nvSpPr>
+          <p:cNvPr id="212" name="Google Shape;212;g39f9ecad944_0_13:notes"/>
+          <p:cNvSpPr txBox="1"/>
+          <p:nvPr>
+            <p:ph idx="1" type="body"/>
+          </p:nvPr>
+        </p:nvSpPr>
+        <p:spPr>
+          <a:xfrm>
+            <a:off x="685800" y="4343400"/>
+            <a:ext cx="5486400" cy="4114800"/>
+          </a:xfrm>
+          <a:prstGeom prst="rect">
+            <a:avLst/>
+          </a:prstGeom>
+        </p:spPr>
+        <p:txBody>
+          <a:bodyPr anchorCtr="0" anchor="t" bIns="91425" lIns="91425" spcFirstLastPara="1" rIns="91425" wrap="square" tIns="91425">
+            <a:noAutofit/>
+          </a:bodyPr>
+          <a:lstStyle/>
+          <a:p>
+            <a:pPr indent="0" lvl="0" marL="0" rtl="0" algn="l">
+              <a:spcBef>
+                <a:spcPts val="0"/>
+              </a:spcBef>
+              <a:spcAft>
+                <a:spcPts val="0"/>
+              </a:spcAft>
+              <a:buNone/>
+            </a:pPr>
+            <a:r>
+              <a:t/>
+            </a:r>
+            <a:endParaRPr/>
+          </a:p>
+        </p:txBody>
+      </p:sp>
+    </p:spTree>
+  </p:cSld>
+  <p:clrMapOvr>
+    <a:masterClrMapping/>
+  </p:clrMapOvr>
+</p:notes>
+</file>
+
+<file path=ppt/notesSlides/notesSlide16.xml><?xml version="1.0" encoding="utf-8"?>
+<p:notes xmlns:a="http://schemas.openxmlformats.org/drawingml/2006/main" xmlns:r="http://schemas.openxmlformats.org/officeDocument/2006/relationships" xmlns:mc="http://schemas.openxmlformats.org/markup-compatibility/2006" xmlns:mv="urn:schemas-microsoft-com:mac:vml" xmlns:p="http://schemas.openxmlformats.org/presentationml/2006/main" xmlns:c="http://schemas.openxmlformats.org/drawingml/2006/chart" xmlns:dgm="http://schemas.openxmlformats.org/drawingml/2006/diagram" xmlns:o="urn:schemas-microsoft-com:office:office" xmlns:v="urn:schemas-microsoft-com:vml" xmlns:pvml="urn:schemas-microsoft-com:office:powerpoint" xmlns:com="http://schemas.openxmlformats.org/drawingml/2006/compatibility" xmlns:p14="http://schemas.microsoft.com/office/powerpoint/2010/main" xmlns:p15="http://schemas.microsoft.com/office/powerpoint/2012/main" xmlns:ahyp="http://schemas.microsoft.com/office/drawing/2018/hyperlinkcolor" showMasterPhAnim="0" showMasterSp="0">
+  <p:cSld>
+    <p:spTree>
+      <p:nvGrpSpPr>
+        <p:cNvPr id="215" name="Shape 215"/>
+        <p:cNvGrpSpPr/>
+        <p:nvPr/>
+      </p:nvGrpSpPr>
+      <p:grpSpPr>
+        <a:xfrm>
+          <a:off x="0" y="0"/>
+          <a:ext cx="0" cy="0"/>
+          <a:chOff x="0" y="0"/>
+          <a:chExt cx="0" cy="0"/>
+        </a:xfrm>
+      </p:grpSpPr>
+      <p:sp>
+        <p:nvSpPr>
+          <p:cNvPr id="216" name="Google Shape;216;g39d45391ef2_0_649:notes"/>
+          <p:cNvSpPr/>
+          <p:nvPr>
+            <p:ph idx="2" type="sldImg"/>
+          </p:nvPr>
+        </p:nvSpPr>
+        <p:spPr>
+          <a:xfrm>
+            <a:off x="381300" y="685800"/>
+            <a:ext cx="6096000" cy="3429000"/>
+          </a:xfrm>
+          <a:custGeom>
+            <a:rect b="b" l="l" r="r" t="t"/>
+            <a:pathLst>
+              <a:path extrusionOk="0" h="120000" w="120000">
+                <a:moveTo>
+                  <a:pt x="0" y="0"/>
+                </a:moveTo>
+                <a:lnTo>
+                  <a:pt x="120000" y="0"/>
+                </a:lnTo>
+                <a:lnTo>
+                  <a:pt x="120000" y="120000"/>
+                </a:lnTo>
+                <a:lnTo>
+                  <a:pt x="0" y="120000"/>
+                </a:lnTo>
+                <a:close/>
+              </a:path>
+            </a:pathLst>
+          </a:custGeom>
+        </p:spPr>
+      </p:sp>
+      <p:sp>
+        <p:nvSpPr>
+          <p:cNvPr id="217" name="Google Shape;217;g39d45391ef2_0_649:notes"/>
+          <p:cNvSpPr txBox="1"/>
+          <p:nvPr>
+            <p:ph idx="1" type="body"/>
+          </p:nvPr>
+        </p:nvSpPr>
+        <p:spPr>
+          <a:xfrm>
+            <a:off x="685800" y="4343400"/>
+            <a:ext cx="5486400" cy="4114800"/>
+          </a:xfrm>
+          <a:prstGeom prst="rect">
+            <a:avLst/>
+          </a:prstGeom>
+        </p:spPr>
+        <p:txBody>
+          <a:bodyPr anchorCtr="0" anchor="t" bIns="91425" lIns="91425" spcFirstLastPara="1" rIns="91425" wrap="square" tIns="91425">
+            <a:noAutofit/>
+          </a:bodyPr>
+          <a:lstStyle/>
+          <a:p>
+            <a:pPr indent="0" lvl="0" marL="0" rtl="0" algn="l">
+              <a:spcBef>
+                <a:spcPts val="0"/>
+              </a:spcBef>
+              <a:spcAft>
+                <a:spcPts val="0"/>
+              </a:spcAft>
+              <a:buNone/>
+            </a:pPr>
+            <a:r>
+              <a:t/>
+            </a:r>
+            <a:endParaRPr/>
+          </a:p>
+        </p:txBody>
+      </p:sp>
+    </p:spTree>
+  </p:cSld>
+  <p:clrMapOvr>
+    <a:masterClrMapping/>
+  </p:clrMapOvr>
+</p:notes>
+</file>
+
+<file path=ppt/notesSlides/notesSlide17.xml><?xml version="1.0" encoding="utf-8"?>
+<p:notes xmlns:a="http://schemas.openxmlformats.org/drawingml/2006/main" xmlns:r="http://schemas.openxmlformats.org/officeDocument/2006/relationships" xmlns:mc="http://schemas.openxmlformats.org/markup-compatibility/2006" xmlns:mv="urn:schemas-microsoft-com:mac:vml" xmlns:p="http://schemas.openxmlformats.org/presentationml/2006/main" xmlns:c="http://schemas.openxmlformats.org/drawingml/2006/chart" xmlns:dgm="http://schemas.openxmlformats.org/drawingml/2006/diagram" xmlns:o="urn:schemas-microsoft-com:office:office" xmlns:v="urn:schemas-microsoft-com:vml" xmlns:pvml="urn:schemas-microsoft-com:office:powerpoint" xmlns:com="http://schemas.openxmlformats.org/drawingml/2006/compatibility" xmlns:p14="http://schemas.microsoft.com/office/powerpoint/2010/main" xmlns:p15="http://schemas.microsoft.com/office/powerpoint/2012/main" xmlns:ahyp="http://schemas.microsoft.com/office/drawing/2018/hyperlinkcolor" showMasterPhAnim="0" showMasterSp="0">
+  <p:cSld>
+    <p:spTree>
+      <p:nvGrpSpPr>
+        <p:cNvPr id="221" name="Shape 221"/>
+        <p:cNvGrpSpPr/>
+        <p:nvPr/>
+      </p:nvGrpSpPr>
+      <p:grpSpPr>
+        <a:xfrm>
+          <a:off x="0" y="0"/>
+          <a:ext cx="0" cy="0"/>
+          <a:chOff x="0" y="0"/>
+          <a:chExt cx="0" cy="0"/>
+        </a:xfrm>
+      </p:grpSpPr>
+      <p:sp>
+        <p:nvSpPr>
+          <p:cNvPr id="222" name="Google Shape;222;g39f9ecad944_0_17:notes"/>
+          <p:cNvSpPr/>
+          <p:nvPr>
+            <p:ph idx="2" type="sldImg"/>
+          </p:nvPr>
+        </p:nvSpPr>
+        <p:spPr>
+          <a:xfrm>
+            <a:off x="381300" y="685800"/>
+            <a:ext cx="6096000" cy="3429000"/>
+          </a:xfrm>
+          <a:custGeom>
+            <a:rect b="b" l="l" r="r" t="t"/>
+            <a:pathLst>
+              <a:path extrusionOk="0" h="120000" w="120000">
+                <a:moveTo>
+                  <a:pt x="0" y="0"/>
+                </a:moveTo>
+                <a:lnTo>
+                  <a:pt x="120000" y="0"/>
+                </a:lnTo>
+                <a:lnTo>
+                  <a:pt x="120000" y="120000"/>
+                </a:lnTo>
+                <a:lnTo>
+                  <a:pt x="0" y="120000"/>
+                </a:lnTo>
+                <a:close/>
+              </a:path>
+            </a:pathLst>
+          </a:custGeom>
+        </p:spPr>
+      </p:sp>
+      <p:sp>
+        <p:nvSpPr>
+          <p:cNvPr id="223" name="Google Shape;223;g39f9ecad944_0_17:notes"/>
+          <p:cNvSpPr txBox="1"/>
+          <p:nvPr>
+            <p:ph idx="1" type="body"/>
+          </p:nvPr>
+        </p:nvSpPr>
+        <p:spPr>
+          <a:xfrm>
+            <a:off x="685800" y="4343400"/>
+            <a:ext cx="5486400" cy="4114800"/>
+          </a:xfrm>
+          <a:prstGeom prst="rect">
+            <a:avLst/>
+          </a:prstGeom>
+        </p:spPr>
+        <p:txBody>
+          <a:bodyPr anchorCtr="0" anchor="t" bIns="91425" lIns="91425" spcFirstLastPara="1" rIns="91425" wrap="square" tIns="91425">
+            <a:noAutofit/>
+          </a:bodyPr>
+          <a:lstStyle/>
+          <a:p>
+            <a:pPr indent="0" lvl="0" marL="0" rtl="0" algn="l">
+              <a:spcBef>
+                <a:spcPts val="0"/>
+              </a:spcBef>
+              <a:spcAft>
+                <a:spcPts val="0"/>
+              </a:spcAft>
+              <a:buNone/>
+            </a:pPr>
+            <a:r>
+              <a:t/>
+            </a:r>
+            <a:endParaRPr/>
+          </a:p>
+        </p:txBody>
+      </p:sp>
+    </p:spTree>
+  </p:cSld>
+  <p:clrMapOvr>
+    <a:masterClrMapping/>
+  </p:clrMapOvr>
+</p:notes>
+</file>
+
+<file path=ppt/notesSlides/notesSlide18.xml><?xml version="1.0" encoding="utf-8"?>
+<p:notes xmlns:a="http://schemas.openxmlformats.org/drawingml/2006/main" xmlns:r="http://schemas.openxmlformats.org/officeDocument/2006/relationships" xmlns:mc="http://schemas.openxmlformats.org/markup-compatibility/2006" xmlns:mv="urn:schemas-microsoft-com:mac:vml" xmlns:p="http://schemas.openxmlformats.org/presentationml/2006/main" xmlns:c="http://schemas.openxmlformats.org/drawingml/2006/chart" xmlns:dgm="http://schemas.openxmlformats.org/drawingml/2006/diagram" xmlns:o="urn:schemas-microsoft-com:office:office" xmlns:v="urn:schemas-microsoft-com:vml" xmlns:pvml="urn:schemas-microsoft-com:office:powerpoint" xmlns:com="http://schemas.openxmlformats.org/drawingml/2006/compatibility" xmlns:p14="http://schemas.microsoft.com/office/powerpoint/2010/main" xmlns:p15="http://schemas.microsoft.com/office/powerpoint/2012/main" xmlns:ahyp="http://schemas.microsoft.com/office/drawing/2018/hyperlinkcolor" showMasterPhAnim="0" showMasterSp="0">
+  <p:cSld>
+    <p:spTree>
+      <p:nvGrpSpPr>
+        <p:cNvPr id="226" name="Shape 226"/>
+        <p:cNvGrpSpPr/>
+        <p:nvPr/>
+      </p:nvGrpSpPr>
+      <p:grpSpPr>
+        <a:xfrm>
+          <a:off x="0" y="0"/>
+          <a:ext cx="0" cy="0"/>
+          <a:chOff x="0" y="0"/>
+          <a:chExt cx="0" cy="0"/>
+        </a:xfrm>
+      </p:grpSpPr>
+      <p:sp>
+        <p:nvSpPr>
+          <p:cNvPr id="227" name="Google Shape;227;g39f9ecad944_0_69:notes"/>
+          <p:cNvSpPr/>
+          <p:nvPr>
+            <p:ph idx="2" type="sldImg"/>
+          </p:nvPr>
+        </p:nvSpPr>
+        <p:spPr>
+          <a:xfrm>
+            <a:off x="381300" y="685800"/>
+            <a:ext cx="6096000" cy="3429000"/>
+          </a:xfrm>
+          <a:custGeom>
+            <a:rect b="b" l="l" r="r" t="t"/>
+            <a:pathLst>
+              <a:path extrusionOk="0" h="120000" w="120000">
+                <a:moveTo>
+                  <a:pt x="0" y="0"/>
+                </a:moveTo>
+                <a:lnTo>
+                  <a:pt x="120000" y="0"/>
+                </a:lnTo>
+                <a:lnTo>
+                  <a:pt x="120000" y="120000"/>
+                </a:lnTo>
+                <a:lnTo>
+                  <a:pt x="0" y="120000"/>
+                </a:lnTo>
+                <a:close/>
+              </a:path>
+            </a:pathLst>
+          </a:custGeom>
+        </p:spPr>
+      </p:sp>
+      <p:sp>
+        <p:nvSpPr>
+          <p:cNvPr id="228" name="Google Shape;228;g39f9ecad944_0_69:notes"/>
+          <p:cNvSpPr txBox="1"/>
+          <p:nvPr>
+            <p:ph idx="1" type="body"/>
+          </p:nvPr>
+        </p:nvSpPr>
+        <p:spPr>
+          <a:xfrm>
+            <a:off x="685800" y="4343400"/>
+            <a:ext cx="5486400" cy="4114800"/>
+          </a:xfrm>
+          <a:prstGeom prst="rect">
+            <a:avLst/>
+          </a:prstGeom>
+        </p:spPr>
+        <p:txBody>
+          <a:bodyPr anchorCtr="0" anchor="t" bIns="91425" lIns="91425" spcFirstLastPara="1" rIns="91425" wrap="square" tIns="91425">
+            <a:noAutofit/>
+          </a:bodyPr>
+          <a:lstStyle/>
+          <a:p>
+            <a:pPr indent="0" lvl="0" marL="0" rtl="0" algn="l">
+              <a:spcBef>
+                <a:spcPts val="0"/>
+              </a:spcBef>
+              <a:spcAft>
+                <a:spcPts val="0"/>
+              </a:spcAft>
+              <a:buNone/>
+            </a:pPr>
+            <a:r>
+              <a:t/>
+            </a:r>
+            <a:endParaRPr/>
+          </a:p>
+        </p:txBody>
+      </p:sp>
+    </p:spTree>
+  </p:cSld>
+  <p:clrMapOvr>
+    <a:masterClrMapping/>
+  </p:clrMapOvr>
+</p:notes>
+</file>
+
+<file path=ppt/notesSlides/notesSlide19.xml><?xml version="1.0" encoding="utf-8"?>
+<p:notes xmlns:a="http://schemas.openxmlformats.org/drawingml/2006/main" xmlns:r="http://schemas.openxmlformats.org/officeDocument/2006/relationships" xmlns:mc="http://schemas.openxmlformats.org/markup-compatibility/2006" xmlns:mv="urn:schemas-microsoft-com:mac:vml" xmlns:p="http://schemas.openxmlformats.org/presentationml/2006/main" xmlns:c="http://schemas.openxmlformats.org/drawingml/2006/chart" xmlns:dgm="http://schemas.openxmlformats.org/drawingml/2006/diagram" xmlns:o="urn:schemas-microsoft-com:office:office" xmlns:v="urn:schemas-microsoft-com:vml" xmlns:pvml="urn:schemas-microsoft-com:office:powerpoint" xmlns:com="http://schemas.openxmlformats.org/drawingml/2006/compatibility" xmlns:p14="http://schemas.microsoft.com/office/powerpoint/2010/main" xmlns:p15="http://schemas.microsoft.com/office/powerpoint/2012/main" xmlns:ahyp="http://schemas.microsoft.com/office/drawing/2018/hyperlinkcolor" showMasterPhAnim="0" showMasterSp="0">
+  <p:cSld>
+    <p:spTree>
+      <p:nvGrpSpPr>
+        <p:cNvPr id="232" name="Shape 232"/>
+        <p:cNvGrpSpPr/>
+        <p:nvPr/>
+      </p:nvGrpSpPr>
+      <p:grpSpPr>
+        <a:xfrm>
+          <a:off x="0" y="0"/>
+          <a:ext cx="0" cy="0"/>
+          <a:chOff x="0" y="0"/>
+          <a:chExt cx="0" cy="0"/>
+        </a:xfrm>
+      </p:grpSpPr>
+      <p:sp>
+        <p:nvSpPr>
+          <p:cNvPr id="233" name="Google Shape;233;g39f9ecad944_0_74:notes"/>
+          <p:cNvSpPr/>
+          <p:nvPr>
+            <p:ph idx="2" type="sldImg"/>
+          </p:nvPr>
+        </p:nvSpPr>
+        <p:spPr>
+          <a:xfrm>
+            <a:off x="381300" y="685800"/>
+            <a:ext cx="6096000" cy="3429000"/>
+          </a:xfrm>
+          <a:custGeom>
+            <a:rect b="b" l="l" r="r" t="t"/>
+            <a:pathLst>
+              <a:path extrusionOk="0" h="120000" w="120000">
+                <a:moveTo>
+                  <a:pt x="0" y="0"/>
+                </a:moveTo>
+                <a:lnTo>
+                  <a:pt x="120000" y="0"/>
+                </a:lnTo>
+                <a:lnTo>
+                  <a:pt x="120000" y="120000"/>
+                </a:lnTo>
+                <a:lnTo>
+                  <a:pt x="0" y="120000"/>
+                </a:lnTo>
+                <a:close/>
+              </a:path>
+            </a:pathLst>
+          </a:custGeom>
+        </p:spPr>
+      </p:sp>
+      <p:sp>
+        <p:nvSpPr>
+          <p:cNvPr id="234" name="Google Shape;234;g39f9ecad944_0_74:notes"/>
           <p:cNvSpPr txBox="1"/>
           <p:nvPr>
             <p:ph idx="1" type="body"/>
@@ -921,7 +1821,7 @@
       </p:grpSpPr>
       <p:sp>
         <p:nvSpPr>
-          <p:cNvPr id="131" name="Google Shape;131;g39f18eb2018_0_0:notes"/>
+          <p:cNvPr id="131" name="Google Shape;131;g39f9ecad944_0_0:notes"/>
           <p:cNvSpPr/>
           <p:nvPr>
             <p:ph idx="2" type="sldImg"/>
@@ -956,7 +1856,7 @@
       </p:sp>
       <p:sp>
         <p:nvSpPr>
-          <p:cNvPr id="132" name="Google Shape;132;g39f18eb2018_0_0:notes"/>
+          <p:cNvPr id="132" name="Google Shape;132;g39f9ecad944_0_0:notes"/>
           <p:cNvSpPr txBox="1"/>
           <p:nvPr>
             <p:ph idx="1" type="body"/>
@@ -1006,7 +1906,7 @@
   <p:cSld>
     <p:spTree>
       <p:nvGrpSpPr>
-        <p:cNvPr id="136" name="Shape 136"/>
+        <p:cNvPr id="135" name="Shape 135"/>
         <p:cNvGrpSpPr/>
         <p:nvPr/>
       </p:nvGrpSpPr>
@@ -1020,7 +1920,7 @@
       </p:grpSpPr>
       <p:sp>
         <p:nvSpPr>
-          <p:cNvPr id="137" name="Google Shape;137;g39d45391ef2_0_607:notes"/>
+          <p:cNvPr id="136" name="Google Shape;136;g39f18eb2018_0_0:notes"/>
           <p:cNvSpPr/>
           <p:nvPr>
             <p:ph idx="2" type="sldImg"/>
@@ -1055,7 +1955,7 @@
       </p:sp>
       <p:sp>
         <p:nvSpPr>
-          <p:cNvPr id="138" name="Google Shape;138;g39d45391ef2_0_607:notes"/>
+          <p:cNvPr id="137" name="Google Shape;137;g39f18eb2018_0_0:notes"/>
           <p:cNvSpPr txBox="1"/>
           <p:nvPr>
             <p:ph idx="1" type="body"/>
@@ -1105,7 +2005,7 @@
   <p:cSld>
     <p:spTree>
       <p:nvGrpSpPr>
-        <p:cNvPr id="142" name="Shape 142"/>
+        <p:cNvPr id="143" name="Shape 143"/>
         <p:cNvGrpSpPr/>
         <p:nvPr/>
       </p:nvGrpSpPr>
@@ -1119,7 +2019,7 @@
       </p:grpSpPr>
       <p:sp>
         <p:nvSpPr>
-          <p:cNvPr id="143" name="Google Shape;143;g39d45391ef2_0_617:notes"/>
+          <p:cNvPr id="144" name="Google Shape;144;g39f9ecad944_0_5:notes"/>
           <p:cNvSpPr/>
           <p:nvPr>
             <p:ph idx="2" type="sldImg"/>
@@ -1154,7 +2054,7 @@
       </p:sp>
       <p:sp>
         <p:nvSpPr>
-          <p:cNvPr id="144" name="Google Shape;144;g39d45391ef2_0_617:notes"/>
+          <p:cNvPr id="145" name="Google Shape;145;g39f9ecad944_0_5:notes"/>
           <p:cNvSpPr txBox="1"/>
           <p:nvPr>
             <p:ph idx="1" type="body"/>
@@ -1218,7 +2118,7 @@
       </p:grpSpPr>
       <p:sp>
         <p:nvSpPr>
-          <p:cNvPr id="149" name="Google Shape;149;g39d45391ef2_0_622:notes"/>
+          <p:cNvPr id="149" name="Google Shape;149;g39d45391ef2_0_607:notes"/>
           <p:cNvSpPr/>
           <p:nvPr>
             <p:ph idx="2" type="sldImg"/>
@@ -1253,7 +2153,7 @@
       </p:sp>
       <p:sp>
         <p:nvSpPr>
-          <p:cNvPr id="150" name="Google Shape;150;g39d45391ef2_0_622:notes"/>
+          <p:cNvPr id="150" name="Google Shape;150;g39d45391ef2_0_607:notes"/>
           <p:cNvSpPr txBox="1"/>
           <p:nvPr>
             <p:ph idx="1" type="body"/>
@@ -1303,7 +2203,7 @@
   <p:cSld>
     <p:spTree>
       <p:nvGrpSpPr>
-        <p:cNvPr id="155" name="Shape 155"/>
+        <p:cNvPr id="156" name="Shape 156"/>
         <p:cNvGrpSpPr/>
         <p:nvPr/>
       </p:nvGrpSpPr>
@@ -1317,7 +2217,7 @@
       </p:grpSpPr>
       <p:sp>
         <p:nvSpPr>
-          <p:cNvPr id="156" name="Google Shape;156;g39d45391ef2_0_628:notes"/>
+          <p:cNvPr id="157" name="Google Shape;157;g39f9ecad944_0_26:notes"/>
           <p:cNvSpPr/>
           <p:nvPr>
             <p:ph idx="2" type="sldImg"/>
@@ -1352,7 +2252,7 @@
       </p:sp>
       <p:sp>
         <p:nvSpPr>
-          <p:cNvPr id="157" name="Google Shape;157;g39d45391ef2_0_628:notes"/>
+          <p:cNvPr id="158" name="Google Shape;158;g39f9ecad944_0_26:notes"/>
           <p:cNvSpPr txBox="1"/>
           <p:nvPr>
             <p:ph idx="1" type="body"/>
@@ -1402,7 +2302,7 @@
   <p:cSld>
     <p:spTree>
       <p:nvGrpSpPr>
-        <p:cNvPr id="161" name="Shape 161"/>
+        <p:cNvPr id="162" name="Shape 162"/>
         <p:cNvGrpSpPr/>
         <p:nvPr/>
       </p:nvGrpSpPr>
@@ -1416,7 +2316,7 @@
       </p:grpSpPr>
       <p:sp>
         <p:nvSpPr>
-          <p:cNvPr id="162" name="Google Shape;162;g39d45391ef2_0_634:notes"/>
+          <p:cNvPr id="163" name="Google Shape;163;g39f9ecad944_0_32:notes"/>
           <p:cNvSpPr/>
           <p:nvPr>
             <p:ph idx="2" type="sldImg"/>
@@ -1451,7 +2351,7 @@
       </p:sp>
       <p:sp>
         <p:nvSpPr>
-          <p:cNvPr id="163" name="Google Shape;163;g39d45391ef2_0_634:notes"/>
+          <p:cNvPr id="164" name="Google Shape;164;g39f9ecad944_0_32:notes"/>
           <p:cNvSpPr txBox="1"/>
           <p:nvPr>
             <p:ph idx="1" type="body"/>
@@ -1501,7 +2401,7 @@
   <p:cSld>
     <p:spTree>
       <p:nvGrpSpPr>
-        <p:cNvPr id="167" name="Shape 167"/>
+        <p:cNvPr id="168" name="Shape 168"/>
         <p:cNvGrpSpPr/>
         <p:nvPr/>
       </p:nvGrpSpPr>
@@ -1515,7 +2415,7 @@
       </p:grpSpPr>
       <p:sp>
         <p:nvSpPr>
-          <p:cNvPr id="168" name="Google Shape;168;g39d45391ef2_0_639:notes"/>
+          <p:cNvPr id="169" name="Google Shape;169;g39f9ecad944_0_39:notes"/>
           <p:cNvSpPr/>
           <p:nvPr>
             <p:ph idx="2" type="sldImg"/>
@@ -1550,7 +2450,7 @@
       </p:sp>
       <p:sp>
         <p:nvSpPr>
-          <p:cNvPr id="169" name="Google Shape;169;g39d45391ef2_0_639:notes"/>
+          <p:cNvPr id="170" name="Google Shape;170;g39f9ecad944_0_39:notes"/>
           <p:cNvSpPr txBox="1"/>
           <p:nvPr>
             <p:ph idx="1" type="body"/>
@@ -1600,7 +2500,7 @@
   <p:cSld>
     <p:spTree>
       <p:nvGrpSpPr>
-        <p:cNvPr id="173" name="Shape 173"/>
+        <p:cNvPr id="175" name="Shape 175"/>
         <p:cNvGrpSpPr/>
         <p:nvPr/>
       </p:nvGrpSpPr>
@@ -1614,7 +2514,7 @@
       </p:grpSpPr>
       <p:sp>
         <p:nvSpPr>
-          <p:cNvPr id="174" name="Google Shape;174;g39d45391ef2_0_649:notes"/>
+          <p:cNvPr id="176" name="Google Shape;176;g39f9ecad944_0_45:notes"/>
           <p:cNvSpPr/>
           <p:nvPr>
             <p:ph idx="2" type="sldImg"/>
@@ -1649,7 +2549,7 @@
       </p:sp>
       <p:sp>
         <p:nvSpPr>
-          <p:cNvPr id="175" name="Google Shape;175;g39d45391ef2_0_649:notes"/>
+          <p:cNvPr id="177" name="Google Shape;177;g39f9ecad944_0_45:notes"/>
           <p:cNvSpPr txBox="1"/>
           <p:nvPr>
             <p:ph idx="1" type="body"/>
@@ -9816,7 +10716,7 @@
             </a:pPr>
             <a:r>
               <a:rPr lang="en"/>
-              <a:t>Project Update</a:t>
+              <a:t>Atlas Itinerary Project Update</a:t>
             </a:r>
             <a:endParaRPr/>
           </a:p>
@@ -9914,7 +10814,7 @@
   <p:cSld>
     <p:spTree>
       <p:nvGrpSpPr>
-        <p:cNvPr id="182" name="Shape 182"/>
+        <p:cNvPr id="184" name="Shape 184"/>
         <p:cNvGrpSpPr/>
         <p:nvPr/>
       </p:nvGrpSpPr>
@@ -9928,7 +10828,7 @@
       </p:grpSpPr>
       <p:sp>
         <p:nvSpPr>
-          <p:cNvPr id="183" name="Google Shape;183;p22"/>
+          <p:cNvPr id="185" name="Google Shape;185;p22"/>
           <p:cNvSpPr txBox="1"/>
           <p:nvPr>
             <p:ph type="title"/>
@@ -9949,7 +10849,7 @@
           </a:bodyPr>
           <a:lstStyle/>
           <a:p>
-            <a:pPr indent="0" lvl="0" marL="0" rtl="0" algn="l">
+            <a:pPr indent="0" lvl="0" marL="0" rtl="0" algn="ctr">
               <a:spcBef>
                 <a:spcPts val="0"/>
               </a:spcBef>
@@ -9960,24 +10860,77 @@
             </a:pPr>
             <a:r>
               <a:rPr lang="en"/>
-              <a:t>Partially Complete</a:t>
+              <a:t>Itinerary List</a:t>
             </a:r>
             <a:endParaRPr/>
           </a:p>
         </p:txBody>
       </p:sp>
+      <p:pic>
+        <p:nvPicPr>
+          <p:cNvPr id="186" name="Google Shape;186;p22"/>
+          <p:cNvPicPr preferRelativeResize="0"/>
+          <p:nvPr/>
+        </p:nvPicPr>
+        <p:blipFill>
+          <a:blip r:embed="rId3">
+            <a:alphaModFix/>
+          </a:blip>
+          <a:stretch>
+            <a:fillRect/>
+          </a:stretch>
+        </p:blipFill>
+        <p:spPr>
+          <a:xfrm>
+            <a:off x="812625" y="1700400"/>
+            <a:ext cx="7518760" cy="3038500"/>
+          </a:xfrm>
+          <a:prstGeom prst="rect">
+            <a:avLst/>
+          </a:prstGeom>
+          <a:noFill/>
+          <a:ln>
+            <a:noFill/>
+          </a:ln>
+        </p:spPr>
+      </p:pic>
+    </p:spTree>
+  </p:cSld>
+  <p:clrMapOvr>
+    <a:masterClrMapping/>
+  </p:clrMapOvr>
+</p:sld>
+</file>
+
+<file path=ppt/slides/slide11.xml><?xml version="1.0" encoding="utf-8"?>
+<p:sld xmlns:a="http://schemas.openxmlformats.org/drawingml/2006/main" xmlns:r="http://schemas.openxmlformats.org/officeDocument/2006/relationships" xmlns:mc="http://schemas.openxmlformats.org/markup-compatibility/2006" xmlns:mv="urn:schemas-microsoft-com:mac:vml" xmlns:p="http://schemas.openxmlformats.org/presentationml/2006/main" xmlns:c="http://schemas.openxmlformats.org/drawingml/2006/chart" xmlns:dgm="http://schemas.openxmlformats.org/drawingml/2006/diagram" xmlns:o="urn:schemas-microsoft-com:office:office" xmlns:v="urn:schemas-microsoft-com:vml" xmlns:pvml="urn:schemas-microsoft-com:office:powerpoint" xmlns:com="http://schemas.openxmlformats.org/drawingml/2006/compatibility" xmlns:p14="http://schemas.microsoft.com/office/powerpoint/2010/main" xmlns:p15="http://schemas.microsoft.com/office/powerpoint/2012/main" xmlns:ahyp="http://schemas.microsoft.com/office/drawing/2018/hyperlinkcolor">
+  <p:cSld>
+    <p:spTree>
+      <p:nvGrpSpPr>
+        <p:cNvPr id="190" name="Shape 190"/>
+        <p:cNvGrpSpPr/>
+        <p:nvPr/>
+      </p:nvGrpSpPr>
+      <p:grpSpPr>
+        <a:xfrm>
+          <a:off x="0" y="0"/>
+          <a:ext cx="0" cy="0"/>
+          <a:chOff x="0" y="0"/>
+          <a:chExt cx="0" cy="0"/>
+        </a:xfrm>
+      </p:grpSpPr>
       <p:sp>
         <p:nvSpPr>
-          <p:cNvPr id="184" name="Google Shape;184;p22"/>
+          <p:cNvPr id="191" name="Google Shape;191;p23"/>
           <p:cNvSpPr txBox="1"/>
           <p:nvPr>
-            <p:ph idx="1" type="body"/>
+            <p:ph type="title"/>
           </p:nvPr>
         </p:nvSpPr>
         <p:spPr>
           <a:xfrm>
-            <a:off x="819150" y="1990725"/>
-            <a:ext cx="7505700" cy="2448000"/>
+            <a:off x="819150" y="845600"/>
+            <a:ext cx="7505700" cy="954600"/>
           </a:xfrm>
           <a:prstGeom prst="rect">
             <a:avLst/>
@@ -9989,7 +10942,1150 @@
           </a:bodyPr>
           <a:lstStyle/>
           <a:p>
-            <a:pPr indent="-298450" lvl="0" marL="457200" rtl="0" algn="l">
+            <a:pPr indent="0" lvl="0" marL="0" rtl="0" algn="ctr">
+              <a:spcBef>
+                <a:spcPts val="0"/>
+              </a:spcBef>
+              <a:spcAft>
+                <a:spcPts val="0"/>
+              </a:spcAft>
+              <a:buNone/>
+            </a:pPr>
+            <a:r>
+              <a:rPr lang="en"/>
+              <a:t>Itinerary Details Modal</a:t>
+            </a:r>
+            <a:endParaRPr/>
+          </a:p>
+        </p:txBody>
+      </p:sp>
+      <p:pic>
+        <p:nvPicPr>
+          <p:cNvPr id="192" name="Google Shape;192;p23"/>
+          <p:cNvPicPr preferRelativeResize="0"/>
+          <p:nvPr/>
+        </p:nvPicPr>
+        <p:blipFill>
+          <a:blip r:embed="rId3">
+            <a:alphaModFix/>
+          </a:blip>
+          <a:stretch>
+            <a:fillRect/>
+          </a:stretch>
+        </p:blipFill>
+        <p:spPr>
+          <a:xfrm>
+            <a:off x="1551862" y="1619500"/>
+            <a:ext cx="6040276" cy="2907674"/>
+          </a:xfrm>
+          <a:prstGeom prst="rect">
+            <a:avLst/>
+          </a:prstGeom>
+          <a:noFill/>
+          <a:ln>
+            <a:noFill/>
+          </a:ln>
+        </p:spPr>
+      </p:pic>
+    </p:spTree>
+  </p:cSld>
+  <p:clrMapOvr>
+    <a:masterClrMapping/>
+  </p:clrMapOvr>
+</p:sld>
+</file>
+
+<file path=ppt/slides/slide12.xml><?xml version="1.0" encoding="utf-8"?>
+<p:sld xmlns:a="http://schemas.openxmlformats.org/drawingml/2006/main" xmlns:r="http://schemas.openxmlformats.org/officeDocument/2006/relationships" xmlns:mc="http://schemas.openxmlformats.org/markup-compatibility/2006" xmlns:mv="urn:schemas-microsoft-com:mac:vml" xmlns:p="http://schemas.openxmlformats.org/presentationml/2006/main" xmlns:c="http://schemas.openxmlformats.org/drawingml/2006/chart" xmlns:dgm="http://schemas.openxmlformats.org/drawingml/2006/diagram" xmlns:o="urn:schemas-microsoft-com:office:office" xmlns:v="urn:schemas-microsoft-com:vml" xmlns:pvml="urn:schemas-microsoft-com:office:powerpoint" xmlns:com="http://schemas.openxmlformats.org/drawingml/2006/compatibility" xmlns:p14="http://schemas.microsoft.com/office/powerpoint/2010/main" xmlns:p15="http://schemas.microsoft.com/office/powerpoint/2012/main" xmlns:ahyp="http://schemas.microsoft.com/office/drawing/2018/hyperlinkcolor">
+  <p:cSld>
+    <p:spTree>
+      <p:nvGrpSpPr>
+        <p:cNvPr id="196" name="Shape 196"/>
+        <p:cNvGrpSpPr/>
+        <p:nvPr/>
+      </p:nvGrpSpPr>
+      <p:grpSpPr>
+        <a:xfrm>
+          <a:off x="0" y="0"/>
+          <a:ext cx="0" cy="0"/>
+          <a:chOff x="0" y="0"/>
+          <a:chExt cx="0" cy="0"/>
+        </a:xfrm>
+      </p:grpSpPr>
+      <p:sp>
+        <p:nvSpPr>
+          <p:cNvPr id="197" name="Google Shape;197;p24"/>
+          <p:cNvSpPr txBox="1"/>
+          <p:nvPr>
+            <p:ph type="title"/>
+          </p:nvPr>
+        </p:nvSpPr>
+        <p:spPr>
+          <a:xfrm>
+            <a:off x="1888684" y="1746100"/>
+            <a:ext cx="5377500" cy="1646100"/>
+          </a:xfrm>
+          <a:prstGeom prst="rect">
+            <a:avLst/>
+          </a:prstGeom>
+        </p:spPr>
+        <p:txBody>
+          <a:bodyPr anchorCtr="0" anchor="ctr" bIns="91425" lIns="91425" spcFirstLastPara="1" rIns="91425" wrap="square" tIns="91425">
+            <a:normAutofit/>
+          </a:bodyPr>
+          <a:lstStyle/>
+          <a:p>
+            <a:pPr indent="0" lvl="0" marL="0" rtl="0" algn="ctr">
+              <a:spcBef>
+                <a:spcPts val="0"/>
+              </a:spcBef>
+              <a:spcAft>
+                <a:spcPts val="0"/>
+              </a:spcAft>
+              <a:buNone/>
+            </a:pPr>
+            <a:r>
+              <a:rPr lang="en"/>
+              <a:t>Items that are Partially Complete</a:t>
+            </a:r>
+            <a:endParaRPr/>
+          </a:p>
+        </p:txBody>
+      </p:sp>
+    </p:spTree>
+  </p:cSld>
+  <p:clrMapOvr>
+    <a:masterClrMapping/>
+  </p:clrMapOvr>
+</p:sld>
+</file>
+
+<file path=ppt/slides/slide13.xml><?xml version="1.0" encoding="utf-8"?>
+<p:sld xmlns:a="http://schemas.openxmlformats.org/drawingml/2006/main" xmlns:r="http://schemas.openxmlformats.org/officeDocument/2006/relationships" xmlns:mc="http://schemas.openxmlformats.org/markup-compatibility/2006" xmlns:mv="urn:schemas-microsoft-com:mac:vml" xmlns:p="http://schemas.openxmlformats.org/presentationml/2006/main" xmlns:c="http://schemas.openxmlformats.org/drawingml/2006/chart" xmlns:dgm="http://schemas.openxmlformats.org/drawingml/2006/diagram" xmlns:o="urn:schemas-microsoft-com:office:office" xmlns:v="urn:schemas-microsoft-com:vml" xmlns:pvml="urn:schemas-microsoft-com:office:powerpoint" xmlns:com="http://schemas.openxmlformats.org/drawingml/2006/compatibility" xmlns:p14="http://schemas.microsoft.com/office/powerpoint/2010/main" xmlns:p15="http://schemas.microsoft.com/office/powerpoint/2012/main" xmlns:ahyp="http://schemas.microsoft.com/office/drawing/2018/hyperlinkcolor">
+  <p:cSld>
+    <p:spTree>
+      <p:nvGrpSpPr>
+        <p:cNvPr id="201" name="Shape 201"/>
+        <p:cNvGrpSpPr/>
+        <p:nvPr/>
+      </p:nvGrpSpPr>
+      <p:grpSpPr>
+        <a:xfrm>
+          <a:off x="0" y="0"/>
+          <a:ext cx="0" cy="0"/>
+          <a:chOff x="0" y="0"/>
+          <a:chExt cx="0" cy="0"/>
+        </a:xfrm>
+      </p:grpSpPr>
+      <p:sp>
+        <p:nvSpPr>
+          <p:cNvPr id="202" name="Google Shape;202;p25"/>
+          <p:cNvSpPr txBox="1"/>
+          <p:nvPr>
+            <p:ph type="title"/>
+          </p:nvPr>
+        </p:nvSpPr>
+        <p:spPr>
+          <a:xfrm>
+            <a:off x="819150" y="845600"/>
+            <a:ext cx="7505700" cy="954600"/>
+          </a:xfrm>
+          <a:prstGeom prst="rect">
+            <a:avLst/>
+          </a:prstGeom>
+        </p:spPr>
+        <p:txBody>
+          <a:bodyPr anchorCtr="0" anchor="t" bIns="91425" lIns="91425" spcFirstLastPara="1" rIns="91425" wrap="square" tIns="91425">
+            <a:normAutofit/>
+          </a:bodyPr>
+          <a:lstStyle/>
+          <a:p>
+            <a:pPr indent="0" lvl="0" marL="0" rtl="0" algn="ctr">
+              <a:spcBef>
+                <a:spcPts val="0"/>
+              </a:spcBef>
+              <a:spcAft>
+                <a:spcPts val="0"/>
+              </a:spcAft>
+              <a:buNone/>
+            </a:pPr>
+            <a:r>
+              <a:rPr lang="en"/>
+              <a:t>Home Page</a:t>
+            </a:r>
+            <a:endParaRPr/>
+          </a:p>
+        </p:txBody>
+      </p:sp>
+      <p:pic>
+        <p:nvPicPr>
+          <p:cNvPr id="203" name="Google Shape;203;p25"/>
+          <p:cNvPicPr preferRelativeResize="0"/>
+          <p:nvPr/>
+        </p:nvPicPr>
+        <p:blipFill>
+          <a:blip r:embed="rId3">
+            <a:alphaModFix/>
+          </a:blip>
+          <a:stretch>
+            <a:fillRect/>
+          </a:stretch>
+        </p:blipFill>
+        <p:spPr>
+          <a:xfrm>
+            <a:off x="357525" y="1923450"/>
+            <a:ext cx="8428948" cy="2673324"/>
+          </a:xfrm>
+          <a:prstGeom prst="rect">
+            <a:avLst/>
+          </a:prstGeom>
+          <a:noFill/>
+          <a:ln>
+            <a:noFill/>
+          </a:ln>
+        </p:spPr>
+      </p:pic>
+    </p:spTree>
+  </p:cSld>
+  <p:clrMapOvr>
+    <a:masterClrMapping/>
+  </p:clrMapOvr>
+</p:sld>
+</file>
+
+<file path=ppt/slides/slide14.xml><?xml version="1.0" encoding="utf-8"?>
+<p:sld xmlns:a="http://schemas.openxmlformats.org/drawingml/2006/main" xmlns:r="http://schemas.openxmlformats.org/officeDocument/2006/relationships" xmlns:mc="http://schemas.openxmlformats.org/markup-compatibility/2006" xmlns:mv="urn:schemas-microsoft-com:mac:vml" xmlns:p="http://schemas.openxmlformats.org/presentationml/2006/main" xmlns:c="http://schemas.openxmlformats.org/drawingml/2006/chart" xmlns:dgm="http://schemas.openxmlformats.org/drawingml/2006/diagram" xmlns:o="urn:schemas-microsoft-com:office:office" xmlns:v="urn:schemas-microsoft-com:vml" xmlns:pvml="urn:schemas-microsoft-com:office:powerpoint" xmlns:com="http://schemas.openxmlformats.org/drawingml/2006/compatibility" xmlns:p14="http://schemas.microsoft.com/office/powerpoint/2010/main" xmlns:p15="http://schemas.microsoft.com/office/powerpoint/2012/main" xmlns:ahyp="http://schemas.microsoft.com/office/drawing/2018/hyperlinkcolor">
+  <p:cSld>
+    <p:spTree>
+      <p:nvGrpSpPr>
+        <p:cNvPr id="207" name="Shape 207"/>
+        <p:cNvGrpSpPr/>
+        <p:nvPr/>
+      </p:nvGrpSpPr>
+      <p:grpSpPr>
+        <a:xfrm>
+          <a:off x="0" y="0"/>
+          <a:ext cx="0" cy="0"/>
+          <a:chOff x="0" y="0"/>
+          <a:chExt cx="0" cy="0"/>
+        </a:xfrm>
+      </p:grpSpPr>
+      <p:sp>
+        <p:nvSpPr>
+          <p:cNvPr id="208" name="Google Shape;208;p26"/>
+          <p:cNvSpPr txBox="1"/>
+          <p:nvPr>
+            <p:ph type="title"/>
+          </p:nvPr>
+        </p:nvSpPr>
+        <p:spPr>
+          <a:xfrm>
+            <a:off x="819150" y="845600"/>
+            <a:ext cx="7505700" cy="954600"/>
+          </a:xfrm>
+          <a:prstGeom prst="rect">
+            <a:avLst/>
+          </a:prstGeom>
+        </p:spPr>
+        <p:txBody>
+          <a:bodyPr anchorCtr="0" anchor="t" bIns="91425" lIns="91425" spcFirstLastPara="1" rIns="91425" wrap="square" tIns="91425">
+            <a:normAutofit/>
+          </a:bodyPr>
+          <a:lstStyle/>
+          <a:p>
+            <a:pPr indent="0" lvl="0" marL="0" rtl="0" algn="ctr">
+              <a:spcBef>
+                <a:spcPts val="0"/>
+              </a:spcBef>
+              <a:spcAft>
+                <a:spcPts val="0"/>
+              </a:spcAft>
+              <a:buNone/>
+            </a:pPr>
+            <a:r>
+              <a:rPr lang="en"/>
+              <a:t>Partially Complete Items</a:t>
+            </a:r>
+            <a:endParaRPr/>
+          </a:p>
+        </p:txBody>
+      </p:sp>
+      <p:sp>
+        <p:nvSpPr>
+          <p:cNvPr id="209" name="Google Shape;209;p26"/>
+          <p:cNvSpPr txBox="1"/>
+          <p:nvPr>
+            <p:ph idx="1" type="body"/>
+          </p:nvPr>
+        </p:nvSpPr>
+        <p:spPr>
+          <a:xfrm>
+            <a:off x="819150" y="1990725"/>
+            <a:ext cx="7505700" cy="2448000"/>
+          </a:xfrm>
+          <a:prstGeom prst="rect">
+            <a:avLst/>
+          </a:prstGeom>
+        </p:spPr>
+        <p:txBody>
+          <a:bodyPr anchorCtr="0" anchor="t" bIns="91425" lIns="91425" spcFirstLastPara="1" rIns="91425" wrap="square" tIns="91425">
+            <a:normAutofit/>
+          </a:bodyPr>
+          <a:lstStyle/>
+          <a:p>
+            <a:pPr indent="-311150" lvl="0" marL="457200" rtl="0" algn="l">
+              <a:spcBef>
+                <a:spcPts val="0"/>
+              </a:spcBef>
+              <a:spcAft>
+                <a:spcPts val="0"/>
+              </a:spcAft>
+              <a:buClr>
+                <a:srgbClr val="000000"/>
+              </a:buClr>
+              <a:buSzPts val="1300"/>
+              <a:buFont typeface="Arial"/>
+              <a:buChar char="●"/>
+            </a:pPr>
+            <a:r>
+              <a:rPr lang="en"/>
+              <a:t>Create Itinerary</a:t>
+            </a:r>
+            <a:endParaRPr/>
+          </a:p>
+          <a:p>
+            <a:pPr indent="-304800" lvl="1" marL="914400" rtl="0" algn="l">
+              <a:spcBef>
+                <a:spcPts val="0"/>
+              </a:spcBef>
+              <a:spcAft>
+                <a:spcPts val="0"/>
+              </a:spcAft>
+              <a:buClr>
+                <a:srgbClr val="000000"/>
+              </a:buClr>
+              <a:buSzPts val="1200"/>
+              <a:buFont typeface="Arial"/>
+              <a:buChar char="○"/>
+            </a:pPr>
+            <a:r>
+              <a:rPr lang="en" sz="1200"/>
+              <a:t>UI and form validation rules still being polished and tuned.</a:t>
+            </a:r>
+            <a:endParaRPr sz="1200"/>
+          </a:p>
+          <a:p>
+            <a:pPr indent="-311150" lvl="0" marL="457200" rtl="0" algn="l">
+              <a:spcBef>
+                <a:spcPts val="0"/>
+              </a:spcBef>
+              <a:spcAft>
+                <a:spcPts val="0"/>
+              </a:spcAft>
+              <a:buClr>
+                <a:srgbClr val="000000"/>
+              </a:buClr>
+              <a:buSzPts val="1300"/>
+              <a:buFont typeface="Arial"/>
+              <a:buChar char="●"/>
+            </a:pPr>
+            <a:r>
+              <a:rPr lang="en"/>
+              <a:t>Itinerary Details Page</a:t>
+            </a:r>
+            <a:endParaRPr/>
+          </a:p>
+          <a:p>
+            <a:pPr indent="-304800" lvl="1" marL="914400" rtl="0" algn="l">
+              <a:spcBef>
+                <a:spcPts val="0"/>
+              </a:spcBef>
+              <a:spcAft>
+                <a:spcPts val="0"/>
+              </a:spcAft>
+              <a:buClr>
+                <a:srgbClr val="000000"/>
+              </a:buClr>
+              <a:buSzPts val="1200"/>
+              <a:buFont typeface="Arial"/>
+              <a:buChar char="○"/>
+            </a:pPr>
+            <a:r>
+              <a:rPr lang="en" sz="1200"/>
+              <a:t>Left side category nav bar complete, still need to implement the right side bar with current itinerary view.</a:t>
+            </a:r>
+            <a:endParaRPr sz="1200"/>
+          </a:p>
+          <a:p>
+            <a:pPr indent="-304800" lvl="0" marL="457200" rtl="0" algn="l">
+              <a:spcBef>
+                <a:spcPts val="0"/>
+              </a:spcBef>
+              <a:spcAft>
+                <a:spcPts val="0"/>
+              </a:spcAft>
+              <a:buSzPts val="1200"/>
+              <a:buChar char="●"/>
+            </a:pPr>
+            <a:r>
+              <a:rPr lang="en" sz="1200"/>
+              <a:t>View Itinerary</a:t>
+            </a:r>
+            <a:endParaRPr sz="1200"/>
+          </a:p>
+          <a:p>
+            <a:pPr indent="-304800" lvl="1" marL="914400" rtl="0" algn="l">
+              <a:spcBef>
+                <a:spcPts val="0"/>
+              </a:spcBef>
+              <a:spcAft>
+                <a:spcPts val="0"/>
+              </a:spcAft>
+              <a:buSzPts val="1200"/>
+              <a:buChar char="○"/>
+            </a:pPr>
+            <a:r>
+              <a:rPr lang="en" sz="1200"/>
+              <a:t>Modal to display an itinerary scheduled locations in a calendar and hourly view still needs to be done</a:t>
+            </a:r>
+            <a:endParaRPr sz="1200"/>
+          </a:p>
+          <a:p>
+            <a:pPr indent="-311150" lvl="0" marL="457200" rtl="0" algn="l">
+              <a:spcBef>
+                <a:spcPts val="0"/>
+              </a:spcBef>
+              <a:spcAft>
+                <a:spcPts val="0"/>
+              </a:spcAft>
+              <a:buClr>
+                <a:srgbClr val="000000"/>
+              </a:buClr>
+              <a:buSzPts val="1300"/>
+              <a:buFont typeface="Arial"/>
+              <a:buChar char="●"/>
+            </a:pPr>
+            <a:r>
+              <a:rPr lang="en"/>
+              <a:t>Account Drop Down</a:t>
+            </a:r>
+            <a:endParaRPr/>
+          </a:p>
+          <a:p>
+            <a:pPr indent="-311150" lvl="1" marL="914400" rtl="0" algn="l">
+              <a:spcBef>
+                <a:spcPts val="0"/>
+              </a:spcBef>
+              <a:spcAft>
+                <a:spcPts val="0"/>
+              </a:spcAft>
+              <a:buClr>
+                <a:srgbClr val="000000"/>
+              </a:buClr>
+              <a:buSzPts val="1300"/>
+              <a:buFont typeface="Arial"/>
+              <a:buChar char="○"/>
+            </a:pPr>
+            <a:r>
+              <a:rPr lang="en" sz="1200"/>
+              <a:t>The sign out is implemented. The drop down menu for account with user email and current location with sign out still needs implemented </a:t>
+            </a:r>
+            <a:r>
+              <a:rPr lang="en" sz="1300"/>
+              <a:t> </a:t>
+            </a:r>
+            <a:endParaRPr sz="1300"/>
+          </a:p>
+        </p:txBody>
+      </p:sp>
+    </p:spTree>
+  </p:cSld>
+  <p:clrMapOvr>
+    <a:masterClrMapping/>
+  </p:clrMapOvr>
+</p:sld>
+</file>
+
+<file path=ppt/slides/slide15.xml><?xml version="1.0" encoding="utf-8"?>
+<p:sld xmlns:a="http://schemas.openxmlformats.org/drawingml/2006/main" xmlns:r="http://schemas.openxmlformats.org/officeDocument/2006/relationships" xmlns:mc="http://schemas.openxmlformats.org/markup-compatibility/2006" xmlns:mv="urn:schemas-microsoft-com:mac:vml" xmlns:p="http://schemas.openxmlformats.org/presentationml/2006/main" xmlns:c="http://schemas.openxmlformats.org/drawingml/2006/chart" xmlns:dgm="http://schemas.openxmlformats.org/drawingml/2006/diagram" xmlns:o="urn:schemas-microsoft-com:office:office" xmlns:v="urn:schemas-microsoft-com:vml" xmlns:pvml="urn:schemas-microsoft-com:office:powerpoint" xmlns:com="http://schemas.openxmlformats.org/drawingml/2006/compatibility" xmlns:p14="http://schemas.microsoft.com/office/powerpoint/2010/main" xmlns:p15="http://schemas.microsoft.com/office/powerpoint/2012/main" xmlns:ahyp="http://schemas.microsoft.com/office/drawing/2018/hyperlinkcolor">
+  <p:cSld>
+    <p:spTree>
+      <p:nvGrpSpPr>
+        <p:cNvPr id="213" name="Shape 213"/>
+        <p:cNvGrpSpPr/>
+        <p:nvPr/>
+      </p:nvGrpSpPr>
+      <p:grpSpPr>
+        <a:xfrm>
+          <a:off x="0" y="0"/>
+          <a:ext cx="0" cy="0"/>
+          <a:chOff x="0" y="0"/>
+          <a:chExt cx="0" cy="0"/>
+        </a:xfrm>
+      </p:grpSpPr>
+      <p:sp>
+        <p:nvSpPr>
+          <p:cNvPr id="214" name="Google Shape;214;p27"/>
+          <p:cNvSpPr txBox="1"/>
+          <p:nvPr>
+            <p:ph type="title"/>
+          </p:nvPr>
+        </p:nvSpPr>
+        <p:spPr>
+          <a:xfrm>
+            <a:off x="1888684" y="1746100"/>
+            <a:ext cx="5377500" cy="1646100"/>
+          </a:xfrm>
+          <a:prstGeom prst="rect">
+            <a:avLst/>
+          </a:prstGeom>
+        </p:spPr>
+        <p:txBody>
+          <a:bodyPr anchorCtr="0" anchor="ctr" bIns="91425" lIns="91425" spcFirstLastPara="1" rIns="91425" wrap="square" tIns="91425">
+            <a:normAutofit/>
+          </a:bodyPr>
+          <a:lstStyle/>
+          <a:p>
+            <a:pPr indent="0" lvl="0" marL="0" rtl="0" algn="ctr">
+              <a:spcBef>
+                <a:spcPts val="0"/>
+              </a:spcBef>
+              <a:spcAft>
+                <a:spcPts val="0"/>
+              </a:spcAft>
+              <a:buNone/>
+            </a:pPr>
+            <a:r>
+              <a:rPr lang="en"/>
+              <a:t>What Still Needs to be Implemented</a:t>
+            </a:r>
+            <a:endParaRPr/>
+          </a:p>
+        </p:txBody>
+      </p:sp>
+    </p:spTree>
+  </p:cSld>
+  <p:clrMapOvr>
+    <a:masterClrMapping/>
+  </p:clrMapOvr>
+</p:sld>
+</file>
+
+<file path=ppt/slides/slide16.xml><?xml version="1.0" encoding="utf-8"?>
+<p:sld xmlns:a="http://schemas.openxmlformats.org/drawingml/2006/main" xmlns:r="http://schemas.openxmlformats.org/officeDocument/2006/relationships" xmlns:mc="http://schemas.openxmlformats.org/markup-compatibility/2006" xmlns:mv="urn:schemas-microsoft-com:mac:vml" xmlns:p="http://schemas.openxmlformats.org/presentationml/2006/main" xmlns:c="http://schemas.openxmlformats.org/drawingml/2006/chart" xmlns:dgm="http://schemas.openxmlformats.org/drawingml/2006/diagram" xmlns:o="urn:schemas-microsoft-com:office:office" xmlns:v="urn:schemas-microsoft-com:vml" xmlns:pvml="urn:schemas-microsoft-com:office:powerpoint" xmlns:com="http://schemas.openxmlformats.org/drawingml/2006/compatibility" xmlns:p14="http://schemas.microsoft.com/office/powerpoint/2010/main" xmlns:p15="http://schemas.microsoft.com/office/powerpoint/2012/main" xmlns:ahyp="http://schemas.microsoft.com/office/drawing/2018/hyperlinkcolor">
+  <p:cSld>
+    <p:spTree>
+      <p:nvGrpSpPr>
+        <p:cNvPr id="218" name="Shape 218"/>
+        <p:cNvGrpSpPr/>
+        <p:nvPr/>
+      </p:nvGrpSpPr>
+      <p:grpSpPr>
+        <a:xfrm>
+          <a:off x="0" y="0"/>
+          <a:ext cx="0" cy="0"/>
+          <a:chOff x="0" y="0"/>
+          <a:chExt cx="0" cy="0"/>
+        </a:xfrm>
+      </p:grpSpPr>
+      <p:sp>
+        <p:nvSpPr>
+          <p:cNvPr id="219" name="Google Shape;219;p28"/>
+          <p:cNvSpPr txBox="1"/>
+          <p:nvPr>
+            <p:ph type="title"/>
+          </p:nvPr>
+        </p:nvSpPr>
+        <p:spPr>
+          <a:xfrm>
+            <a:off x="819150" y="845600"/>
+            <a:ext cx="7505700" cy="954600"/>
+          </a:xfrm>
+          <a:prstGeom prst="rect">
+            <a:avLst/>
+          </a:prstGeom>
+        </p:spPr>
+        <p:txBody>
+          <a:bodyPr anchorCtr="0" anchor="t" bIns="91425" lIns="91425" spcFirstLastPara="1" rIns="91425" wrap="square" tIns="91425">
+            <a:normAutofit/>
+          </a:bodyPr>
+          <a:lstStyle/>
+          <a:p>
+            <a:pPr indent="0" lvl="0" marL="0" rtl="0" algn="ctr">
+              <a:spcBef>
+                <a:spcPts val="0"/>
+              </a:spcBef>
+              <a:spcAft>
+                <a:spcPts val="0"/>
+              </a:spcAft>
+              <a:buNone/>
+            </a:pPr>
+            <a:r>
+              <a:rPr lang="en"/>
+              <a:t>Needs Implemented</a:t>
+            </a:r>
+            <a:endParaRPr/>
+          </a:p>
+        </p:txBody>
+      </p:sp>
+      <p:sp>
+        <p:nvSpPr>
+          <p:cNvPr id="220" name="Google Shape;220;p28"/>
+          <p:cNvSpPr txBox="1"/>
+          <p:nvPr>
+            <p:ph idx="1" type="body"/>
+          </p:nvPr>
+        </p:nvSpPr>
+        <p:spPr>
+          <a:xfrm>
+            <a:off x="819150" y="1990725"/>
+            <a:ext cx="7505700" cy="2448000"/>
+          </a:xfrm>
+          <a:prstGeom prst="rect">
+            <a:avLst/>
+          </a:prstGeom>
+        </p:spPr>
+        <p:txBody>
+          <a:bodyPr anchorCtr="0" anchor="t" bIns="91425" lIns="91425" spcFirstLastPara="1" rIns="91425" wrap="square" tIns="91425">
+            <a:normAutofit/>
+          </a:bodyPr>
+          <a:lstStyle/>
+          <a:p>
+            <a:pPr indent="-311150" lvl="0" marL="457200" rtl="0" algn="l">
+              <a:spcBef>
+                <a:spcPts val="0"/>
+              </a:spcBef>
+              <a:spcAft>
+                <a:spcPts val="0"/>
+              </a:spcAft>
+              <a:buClr>
+                <a:srgbClr val="000000"/>
+              </a:buClr>
+              <a:buSzPts val="1300"/>
+              <a:buFont typeface="Arial"/>
+              <a:buChar char="●"/>
+            </a:pPr>
+            <a:r>
+              <a:rPr lang="en">
+                <a:solidFill>
+                  <a:srgbClr val="000000"/>
+                </a:solidFill>
+                <a:latin typeface="Arial"/>
+                <a:ea typeface="Arial"/>
+                <a:cs typeface="Arial"/>
+                <a:sym typeface="Arial"/>
+              </a:rPr>
+              <a:t>Timeline and Day by Day Scheduler</a:t>
+            </a:r>
+            <a:endParaRPr>
+              <a:solidFill>
+                <a:srgbClr val="000000"/>
+              </a:solidFill>
+              <a:latin typeface="Arial"/>
+              <a:ea typeface="Arial"/>
+              <a:cs typeface="Arial"/>
+              <a:sym typeface="Arial"/>
+            </a:endParaRPr>
+          </a:p>
+          <a:p>
+            <a:pPr indent="-304800" lvl="1" marL="914400" rtl="0" algn="l">
+              <a:spcBef>
+                <a:spcPts val="0"/>
+              </a:spcBef>
+              <a:spcAft>
+                <a:spcPts val="0"/>
+              </a:spcAft>
+              <a:buClr>
+                <a:srgbClr val="000000"/>
+              </a:buClr>
+              <a:buSzPts val="1200"/>
+              <a:buFont typeface="Arial"/>
+              <a:buChar char="○"/>
+            </a:pPr>
+            <a:r>
+              <a:rPr lang="en" sz="1200">
+                <a:solidFill>
+                  <a:srgbClr val="000000"/>
+                </a:solidFill>
+                <a:latin typeface="Arial"/>
+                <a:ea typeface="Arial"/>
+                <a:cs typeface="Arial"/>
+                <a:sym typeface="Arial"/>
+              </a:rPr>
+              <a:t>Implement the calendar style view in chronological order with CRUD functionality</a:t>
+            </a:r>
+            <a:endParaRPr sz="1200">
+              <a:solidFill>
+                <a:srgbClr val="000000"/>
+              </a:solidFill>
+              <a:latin typeface="Arial"/>
+              <a:ea typeface="Arial"/>
+              <a:cs typeface="Arial"/>
+              <a:sym typeface="Arial"/>
+            </a:endParaRPr>
+          </a:p>
+          <a:p>
+            <a:pPr indent="-311150" lvl="0" marL="457200" rtl="0" algn="l">
+              <a:spcBef>
+                <a:spcPts val="0"/>
+              </a:spcBef>
+              <a:spcAft>
+                <a:spcPts val="0"/>
+              </a:spcAft>
+              <a:buClr>
+                <a:srgbClr val="000000"/>
+              </a:buClr>
+              <a:buSzPts val="1300"/>
+              <a:buFont typeface="Arial"/>
+              <a:buChar char="●"/>
+            </a:pPr>
+            <a:r>
+              <a:rPr lang="en">
+                <a:solidFill>
+                  <a:srgbClr val="000000"/>
+                </a:solidFill>
+                <a:latin typeface="Arial"/>
+                <a:ea typeface="Arial"/>
+                <a:cs typeface="Arial"/>
+                <a:sym typeface="Arial"/>
+              </a:rPr>
+              <a:t>Filters and Sub-Categories</a:t>
+            </a:r>
+            <a:endParaRPr>
+              <a:solidFill>
+                <a:srgbClr val="000000"/>
+              </a:solidFill>
+              <a:latin typeface="Arial"/>
+              <a:ea typeface="Arial"/>
+              <a:cs typeface="Arial"/>
+              <a:sym typeface="Arial"/>
+            </a:endParaRPr>
+          </a:p>
+          <a:p>
+            <a:pPr indent="-304800" lvl="1" marL="914400" rtl="0" algn="l">
+              <a:spcBef>
+                <a:spcPts val="0"/>
+              </a:spcBef>
+              <a:spcAft>
+                <a:spcPts val="0"/>
+              </a:spcAft>
+              <a:buClr>
+                <a:srgbClr val="000000"/>
+              </a:buClr>
+              <a:buSzPts val="1200"/>
+              <a:buFont typeface="Arial"/>
+              <a:buChar char="○"/>
+            </a:pPr>
+            <a:r>
+              <a:rPr lang="en" sz="1200">
+                <a:solidFill>
+                  <a:srgbClr val="000000"/>
+                </a:solidFill>
+                <a:latin typeface="Arial"/>
+                <a:ea typeface="Arial"/>
+                <a:cs typeface="Arial"/>
+                <a:sym typeface="Arial"/>
+              </a:rPr>
+              <a:t>Lodging, Dining, and Attraction filters for sorting</a:t>
+            </a:r>
+            <a:endParaRPr sz="1200">
+              <a:solidFill>
+                <a:srgbClr val="000000"/>
+              </a:solidFill>
+              <a:latin typeface="Arial"/>
+              <a:ea typeface="Arial"/>
+              <a:cs typeface="Arial"/>
+              <a:sym typeface="Arial"/>
+            </a:endParaRPr>
+          </a:p>
+          <a:p>
+            <a:pPr indent="-311150" lvl="0" marL="457200" rtl="0" algn="l">
+              <a:spcBef>
+                <a:spcPts val="0"/>
+              </a:spcBef>
+              <a:spcAft>
+                <a:spcPts val="0"/>
+              </a:spcAft>
+              <a:buClr>
+                <a:srgbClr val="000000"/>
+              </a:buClr>
+              <a:buSzPts val="1300"/>
+              <a:buFont typeface="Arial"/>
+              <a:buChar char="●"/>
+            </a:pPr>
+            <a:r>
+              <a:rPr lang="en">
+                <a:solidFill>
+                  <a:srgbClr val="000000"/>
+                </a:solidFill>
+                <a:latin typeface="Arial"/>
+                <a:ea typeface="Arial"/>
+                <a:cs typeface="Arial"/>
+                <a:sym typeface="Arial"/>
+              </a:rPr>
+              <a:t>Refine UI/Mobile Usage</a:t>
+            </a:r>
+            <a:endParaRPr>
+              <a:solidFill>
+                <a:srgbClr val="000000"/>
+              </a:solidFill>
+              <a:latin typeface="Arial"/>
+              <a:ea typeface="Arial"/>
+              <a:cs typeface="Arial"/>
+              <a:sym typeface="Arial"/>
+            </a:endParaRPr>
+          </a:p>
+          <a:p>
+            <a:pPr indent="-304800" lvl="1" marL="914400" rtl="0" algn="l">
+              <a:spcBef>
+                <a:spcPts val="0"/>
+              </a:spcBef>
+              <a:spcAft>
+                <a:spcPts val="0"/>
+              </a:spcAft>
+              <a:buClr>
+                <a:srgbClr val="000000"/>
+              </a:buClr>
+              <a:buSzPts val="1200"/>
+              <a:buFont typeface="Arial"/>
+              <a:buChar char="○"/>
+            </a:pPr>
+            <a:r>
+              <a:rPr lang="en" sz="1200">
+                <a:solidFill>
+                  <a:srgbClr val="000000"/>
+                </a:solidFill>
+                <a:latin typeface="Arial"/>
+                <a:ea typeface="Arial"/>
+                <a:cs typeface="Arial"/>
+                <a:sym typeface="Arial"/>
+              </a:rPr>
+              <a:t>Provide consistent styling throughout the app</a:t>
+            </a:r>
+            <a:endParaRPr sz="1200">
+              <a:solidFill>
+                <a:srgbClr val="000000"/>
+              </a:solidFill>
+              <a:latin typeface="Arial"/>
+              <a:ea typeface="Arial"/>
+              <a:cs typeface="Arial"/>
+              <a:sym typeface="Arial"/>
+            </a:endParaRPr>
+          </a:p>
+          <a:p>
+            <a:pPr indent="-304800" lvl="1" marL="914400" rtl="0" algn="l">
+              <a:spcBef>
+                <a:spcPts val="0"/>
+              </a:spcBef>
+              <a:spcAft>
+                <a:spcPts val="0"/>
+              </a:spcAft>
+              <a:buClr>
+                <a:srgbClr val="000000"/>
+              </a:buClr>
+              <a:buSzPts val="1200"/>
+              <a:buFont typeface="Arial"/>
+              <a:buChar char="○"/>
+            </a:pPr>
+            <a:r>
+              <a:rPr lang="en" sz="1200">
+                <a:solidFill>
+                  <a:srgbClr val="000000"/>
+                </a:solidFill>
+                <a:latin typeface="Arial"/>
+                <a:ea typeface="Arial"/>
+                <a:cs typeface="Arial"/>
+                <a:sym typeface="Arial"/>
+              </a:rPr>
+              <a:t>Provide a </a:t>
+            </a:r>
+            <a:r>
+              <a:rPr lang="en" sz="1200">
+                <a:solidFill>
+                  <a:srgbClr val="000000"/>
+                </a:solidFill>
+                <a:latin typeface="Arial"/>
+                <a:ea typeface="Arial"/>
+                <a:cs typeface="Arial"/>
+                <a:sym typeface="Arial"/>
+              </a:rPr>
+              <a:t>responsive</a:t>
+            </a:r>
+            <a:r>
+              <a:rPr lang="en" sz="1200">
+                <a:solidFill>
+                  <a:srgbClr val="000000"/>
+                </a:solidFill>
+                <a:latin typeface="Arial"/>
+                <a:ea typeface="Arial"/>
+                <a:cs typeface="Arial"/>
+                <a:sym typeface="Arial"/>
+              </a:rPr>
+              <a:t> layout to include mobile</a:t>
+            </a:r>
+            <a:endParaRPr sz="1200">
+              <a:solidFill>
+                <a:srgbClr val="000000"/>
+              </a:solidFill>
+              <a:latin typeface="Arial"/>
+              <a:ea typeface="Arial"/>
+              <a:cs typeface="Arial"/>
+              <a:sym typeface="Arial"/>
+            </a:endParaRPr>
+          </a:p>
+          <a:p>
+            <a:pPr indent="-304800" lvl="1" marL="914400" rtl="0" algn="l">
+              <a:spcBef>
+                <a:spcPts val="0"/>
+              </a:spcBef>
+              <a:spcAft>
+                <a:spcPts val="0"/>
+              </a:spcAft>
+              <a:buClr>
+                <a:srgbClr val="000000"/>
+              </a:buClr>
+              <a:buSzPts val="1200"/>
+              <a:buFont typeface="Arial"/>
+              <a:buChar char="○"/>
+            </a:pPr>
+            <a:r>
+              <a:rPr lang="en" sz="1200">
+                <a:solidFill>
+                  <a:srgbClr val="000000"/>
+                </a:solidFill>
+                <a:latin typeface="Arial"/>
+                <a:ea typeface="Arial"/>
+                <a:cs typeface="Arial"/>
+                <a:sym typeface="Arial"/>
+              </a:rPr>
+              <a:t>Include any error messages the user might encounter</a:t>
+            </a:r>
+            <a:endParaRPr sz="1200">
+              <a:solidFill>
+                <a:srgbClr val="000000"/>
+              </a:solidFill>
+              <a:latin typeface="Arial"/>
+              <a:ea typeface="Arial"/>
+              <a:cs typeface="Arial"/>
+              <a:sym typeface="Arial"/>
+            </a:endParaRPr>
+          </a:p>
+          <a:p>
+            <a:pPr indent="0" lvl="0" marL="0" rtl="0" algn="l">
+              <a:spcBef>
+                <a:spcPts val="0"/>
+              </a:spcBef>
+              <a:spcAft>
+                <a:spcPts val="0"/>
+              </a:spcAft>
+              <a:buNone/>
+            </a:pPr>
+            <a:r>
+              <a:t/>
+            </a:r>
+            <a:endParaRPr>
+              <a:solidFill>
+                <a:srgbClr val="000000"/>
+              </a:solidFill>
+              <a:latin typeface="Arial"/>
+              <a:ea typeface="Arial"/>
+              <a:cs typeface="Arial"/>
+              <a:sym typeface="Arial"/>
+            </a:endParaRPr>
+          </a:p>
+        </p:txBody>
+      </p:sp>
+    </p:spTree>
+  </p:cSld>
+  <p:clrMapOvr>
+    <a:masterClrMapping/>
+  </p:clrMapOvr>
+</p:sld>
+</file>
+
+<file path=ppt/slides/slide17.xml><?xml version="1.0" encoding="utf-8"?>
+<p:sld xmlns:a="http://schemas.openxmlformats.org/drawingml/2006/main" xmlns:r="http://schemas.openxmlformats.org/officeDocument/2006/relationships" xmlns:mc="http://schemas.openxmlformats.org/markup-compatibility/2006" xmlns:mv="urn:schemas-microsoft-com:mac:vml" xmlns:p="http://schemas.openxmlformats.org/presentationml/2006/main" xmlns:c="http://schemas.openxmlformats.org/drawingml/2006/chart" xmlns:dgm="http://schemas.openxmlformats.org/drawingml/2006/diagram" xmlns:o="urn:schemas-microsoft-com:office:office" xmlns:v="urn:schemas-microsoft-com:vml" xmlns:pvml="urn:schemas-microsoft-com:office:powerpoint" xmlns:com="http://schemas.openxmlformats.org/drawingml/2006/compatibility" xmlns:p14="http://schemas.microsoft.com/office/powerpoint/2010/main" xmlns:p15="http://schemas.microsoft.com/office/powerpoint/2012/main" xmlns:ahyp="http://schemas.microsoft.com/office/drawing/2018/hyperlinkcolor">
+  <p:cSld>
+    <p:spTree>
+      <p:nvGrpSpPr>
+        <p:cNvPr id="224" name="Shape 224"/>
+        <p:cNvGrpSpPr/>
+        <p:nvPr/>
+      </p:nvGrpSpPr>
+      <p:grpSpPr>
+        <a:xfrm>
+          <a:off x="0" y="0"/>
+          <a:ext cx="0" cy="0"/>
+          <a:chOff x="0" y="0"/>
+          <a:chExt cx="0" cy="0"/>
+        </a:xfrm>
+      </p:grpSpPr>
+      <p:sp>
+        <p:nvSpPr>
+          <p:cNvPr id="225" name="Google Shape;225;p29"/>
+          <p:cNvSpPr txBox="1"/>
+          <p:nvPr>
+            <p:ph type="title"/>
+          </p:nvPr>
+        </p:nvSpPr>
+        <p:spPr>
+          <a:xfrm>
+            <a:off x="1888684" y="1746100"/>
+            <a:ext cx="5377500" cy="1646100"/>
+          </a:xfrm>
+          <a:prstGeom prst="rect">
+            <a:avLst/>
+          </a:prstGeom>
+        </p:spPr>
+        <p:txBody>
+          <a:bodyPr anchorCtr="0" anchor="ctr" bIns="91425" lIns="91425" spcFirstLastPara="1" rIns="91425" wrap="square" tIns="91425">
+            <a:normAutofit/>
+          </a:bodyPr>
+          <a:lstStyle/>
+          <a:p>
+            <a:pPr indent="0" lvl="0" marL="0" rtl="0" algn="ctr">
+              <a:spcBef>
+                <a:spcPts val="0"/>
+              </a:spcBef>
+              <a:spcAft>
+                <a:spcPts val="0"/>
+              </a:spcAft>
+              <a:buNone/>
+            </a:pPr>
+            <a:r>
+              <a:rPr lang="en"/>
+              <a:t>Unresolved Issues and Risks</a:t>
+            </a:r>
+            <a:endParaRPr/>
+          </a:p>
+        </p:txBody>
+      </p:sp>
+    </p:spTree>
+  </p:cSld>
+  <p:clrMapOvr>
+    <a:masterClrMapping/>
+  </p:clrMapOvr>
+</p:sld>
+</file>
+
+<file path=ppt/slides/slide18.xml><?xml version="1.0" encoding="utf-8"?>
+<p:sld xmlns:a="http://schemas.openxmlformats.org/drawingml/2006/main" xmlns:r="http://schemas.openxmlformats.org/officeDocument/2006/relationships" xmlns:mc="http://schemas.openxmlformats.org/markup-compatibility/2006" xmlns:mv="urn:schemas-microsoft-com:mac:vml" xmlns:p="http://schemas.openxmlformats.org/presentationml/2006/main" xmlns:c="http://schemas.openxmlformats.org/drawingml/2006/chart" xmlns:dgm="http://schemas.openxmlformats.org/drawingml/2006/diagram" xmlns:o="urn:schemas-microsoft-com:office:office" xmlns:v="urn:schemas-microsoft-com:vml" xmlns:pvml="urn:schemas-microsoft-com:office:powerpoint" xmlns:com="http://schemas.openxmlformats.org/drawingml/2006/compatibility" xmlns:p14="http://schemas.microsoft.com/office/powerpoint/2010/main" xmlns:p15="http://schemas.microsoft.com/office/powerpoint/2012/main" xmlns:ahyp="http://schemas.microsoft.com/office/drawing/2018/hyperlinkcolor">
+  <p:cSld>
+    <p:spTree>
+      <p:nvGrpSpPr>
+        <p:cNvPr id="229" name="Shape 229"/>
+        <p:cNvGrpSpPr/>
+        <p:nvPr/>
+      </p:nvGrpSpPr>
+      <p:grpSpPr>
+        <a:xfrm>
+          <a:off x="0" y="0"/>
+          <a:ext cx="0" cy="0"/>
+          <a:chOff x="0" y="0"/>
+          <a:chExt cx="0" cy="0"/>
+        </a:xfrm>
+      </p:grpSpPr>
+      <p:sp>
+        <p:nvSpPr>
+          <p:cNvPr id="230" name="Google Shape;230;p30"/>
+          <p:cNvSpPr txBox="1"/>
+          <p:nvPr>
+            <p:ph type="title"/>
+          </p:nvPr>
+        </p:nvSpPr>
+        <p:spPr>
+          <a:xfrm>
+            <a:off x="819150" y="845600"/>
+            <a:ext cx="7505700" cy="954600"/>
+          </a:xfrm>
+          <a:prstGeom prst="rect">
+            <a:avLst/>
+          </a:prstGeom>
+        </p:spPr>
+        <p:txBody>
+          <a:bodyPr anchorCtr="0" anchor="t" bIns="91425" lIns="91425" spcFirstLastPara="1" rIns="91425" wrap="square" tIns="91425">
+            <a:normAutofit/>
+          </a:bodyPr>
+          <a:lstStyle/>
+          <a:p>
+            <a:pPr indent="0" lvl="0" marL="0" rtl="0" algn="ctr">
+              <a:spcBef>
+                <a:spcPts val="0"/>
+              </a:spcBef>
+              <a:spcAft>
+                <a:spcPts val="0"/>
+              </a:spcAft>
+              <a:buNone/>
+            </a:pPr>
+            <a:r>
+              <a:rPr lang="en"/>
+              <a:t>Risks</a:t>
+            </a:r>
+            <a:endParaRPr/>
+          </a:p>
+        </p:txBody>
+      </p:sp>
+      <p:sp>
+        <p:nvSpPr>
+          <p:cNvPr id="231" name="Google Shape;231;p30"/>
+          <p:cNvSpPr txBox="1"/>
+          <p:nvPr>
+            <p:ph idx="1" type="body"/>
+          </p:nvPr>
+        </p:nvSpPr>
+        <p:spPr>
+          <a:xfrm>
+            <a:off x="819150" y="1990725"/>
+            <a:ext cx="7505700" cy="2448000"/>
+          </a:xfrm>
+          <a:prstGeom prst="rect">
+            <a:avLst/>
+          </a:prstGeom>
+        </p:spPr>
+        <p:txBody>
+          <a:bodyPr anchorCtr="0" anchor="t" bIns="91425" lIns="91425" spcFirstLastPara="1" rIns="91425" wrap="square" tIns="91425">
+            <a:normAutofit/>
+          </a:bodyPr>
+          <a:lstStyle/>
+          <a:p>
+            <a:pPr indent="-311150" lvl="0" marL="457200" rtl="0" algn="l">
+              <a:spcBef>
+                <a:spcPts val="0"/>
+              </a:spcBef>
+              <a:spcAft>
+                <a:spcPts val="0"/>
+              </a:spcAft>
+              <a:buClr>
+                <a:srgbClr val="000000"/>
+              </a:buClr>
+              <a:buSzPts val="1300"/>
+              <a:buFont typeface="Arial"/>
+              <a:buChar char="●"/>
+            </a:pPr>
+            <a:r>
+              <a:rPr lang="en">
+                <a:solidFill>
+                  <a:srgbClr val="000000"/>
+                </a:solidFill>
+                <a:latin typeface="Arial"/>
+                <a:ea typeface="Arial"/>
+                <a:cs typeface="Arial"/>
+                <a:sym typeface="Arial"/>
+              </a:rPr>
+              <a:t>API Quotas and Costs</a:t>
+            </a:r>
+            <a:endParaRPr>
+              <a:solidFill>
+                <a:srgbClr val="000000"/>
+              </a:solidFill>
+              <a:latin typeface="Arial"/>
+              <a:ea typeface="Arial"/>
+              <a:cs typeface="Arial"/>
+              <a:sym typeface="Arial"/>
+            </a:endParaRPr>
+          </a:p>
+          <a:p>
+            <a:pPr indent="-298450" lvl="1" marL="914400" rtl="0" algn="l">
               <a:spcBef>
                 <a:spcPts val="0"/>
               </a:spcBef>
@@ -10001,7 +12097,7 @@
               </a:buClr>
               <a:buSzPts val="1100"/>
               <a:buFont typeface="Arial"/>
-              <a:buChar char="●"/>
+              <a:buChar char="○"/>
             </a:pPr>
             <a:r>
               <a:rPr lang="en" sz="1100">
@@ -10013,7 +12109,7 @@
                 <a:cs typeface="Arial"/>
                 <a:sym typeface="Arial"/>
               </a:rPr>
-              <a:t>Home page</a:t>
+              <a:t>Avoid costs by minimizing API calls</a:t>
             </a:r>
             <a:endParaRPr sz="1100">
               <a:solidFill>
@@ -10026,7 +12122,7 @@
             </a:endParaRPr>
           </a:p>
           <a:p>
-            <a:pPr indent="-298450" lvl="0" marL="457200" rtl="0" algn="l">
+            <a:pPr indent="-298450" lvl="1" marL="914400" rtl="0" algn="l">
               <a:spcBef>
                 <a:spcPts val="0"/>
               </a:spcBef>
@@ -10038,7 +12134,7 @@
               </a:buClr>
               <a:buSzPts val="1100"/>
               <a:buFont typeface="Arial"/>
-              <a:buChar char="●"/>
+              <a:buChar char="○"/>
             </a:pPr>
             <a:r>
               <a:rPr lang="en" sz="1100">
@@ -10050,7 +12146,7 @@
                 <a:cs typeface="Arial"/>
                 <a:sym typeface="Arial"/>
               </a:rPr>
-              <a:t>List itineraries page</a:t>
+              <a:t>Limit the number of fetches during testing</a:t>
             </a:r>
             <a:endParaRPr sz="1100">
               <a:solidFill>
@@ -10063,7 +12159,7 @@
             </a:endParaRPr>
           </a:p>
           <a:p>
-            <a:pPr indent="-298450" lvl="0" marL="457200" rtl="0" algn="l">
+            <a:pPr indent="-298450" lvl="1" marL="914400" rtl="0" algn="l">
               <a:spcBef>
                 <a:spcPts val="0"/>
               </a:spcBef>
@@ -10075,7 +12171,7 @@
               </a:buClr>
               <a:buSzPts val="1100"/>
               <a:buFont typeface="Arial"/>
-              <a:buChar char="●"/>
+              <a:buChar char="○"/>
             </a:pPr>
             <a:r>
               <a:rPr lang="en" sz="1100">
@@ -10087,7 +12183,335 @@
                 <a:cs typeface="Arial"/>
                 <a:sym typeface="Arial"/>
               </a:rPr>
-              <a:t>Nav bar</a:t>
+              <a:t>Google Place API only allows place ID to be stored</a:t>
+            </a:r>
+            <a:endParaRPr sz="1100">
+              <a:solidFill>
+                <a:srgbClr val="000000"/>
+              </a:solidFill>
+              <a:latin typeface="Arial"/>
+              <a:ea typeface="Arial"/>
+              <a:cs typeface="Arial"/>
+              <a:sym typeface="Arial"/>
+            </a:endParaRPr>
+          </a:p>
+          <a:p>
+            <a:pPr indent="-311150" lvl="0" marL="457200" rtl="0" algn="l">
+              <a:spcBef>
+                <a:spcPts val="0"/>
+              </a:spcBef>
+              <a:spcAft>
+                <a:spcPts val="0"/>
+              </a:spcAft>
+              <a:buClr>
+                <a:srgbClr val="000000"/>
+              </a:buClr>
+              <a:buSzPts val="1300"/>
+              <a:buFont typeface="Arial"/>
+              <a:buChar char="●"/>
+            </a:pPr>
+            <a:r>
+              <a:rPr lang="en">
+                <a:solidFill>
+                  <a:srgbClr val="000000"/>
+                </a:solidFill>
+                <a:latin typeface="Arial"/>
+                <a:ea typeface="Arial"/>
+                <a:cs typeface="Arial"/>
+                <a:sym typeface="Arial"/>
+              </a:rPr>
+              <a:t>Third Party Outage</a:t>
+            </a:r>
+            <a:endParaRPr>
+              <a:solidFill>
+                <a:srgbClr val="000000"/>
+              </a:solidFill>
+              <a:latin typeface="Arial"/>
+              <a:ea typeface="Arial"/>
+              <a:cs typeface="Arial"/>
+              <a:sym typeface="Arial"/>
+            </a:endParaRPr>
+          </a:p>
+          <a:p>
+            <a:pPr indent="-298450" lvl="1" marL="914400" rtl="0" algn="l">
+              <a:spcBef>
+                <a:spcPts val="0"/>
+              </a:spcBef>
+              <a:spcAft>
+                <a:spcPts val="0"/>
+              </a:spcAft>
+              <a:buClr>
+                <a:srgbClr val="000000"/>
+              </a:buClr>
+              <a:buSzPts val="1100"/>
+              <a:buFont typeface="Arial"/>
+              <a:buChar char="○"/>
+            </a:pPr>
+            <a:r>
+              <a:rPr lang="en">
+                <a:solidFill>
+                  <a:srgbClr val="000000"/>
+                </a:solidFill>
+                <a:latin typeface="Arial"/>
+                <a:ea typeface="Arial"/>
+                <a:cs typeface="Arial"/>
+                <a:sym typeface="Arial"/>
+              </a:rPr>
+              <a:t>If Google Places goes down, it won’t provide search and details </a:t>
+            </a:r>
+            <a:r>
+              <a:rPr lang="en">
+                <a:solidFill>
+                  <a:srgbClr val="000000"/>
+                </a:solidFill>
+                <a:latin typeface="Arial"/>
+                <a:ea typeface="Arial"/>
+                <a:cs typeface="Arial"/>
+                <a:sym typeface="Arial"/>
+              </a:rPr>
+              <a:t>won't</a:t>
+            </a:r>
+            <a:r>
+              <a:rPr lang="en">
+                <a:solidFill>
+                  <a:srgbClr val="000000"/>
+                </a:solidFill>
+                <a:latin typeface="Arial"/>
+                <a:ea typeface="Arial"/>
+                <a:cs typeface="Arial"/>
+                <a:sym typeface="Arial"/>
+              </a:rPr>
+              <a:t> load</a:t>
+            </a:r>
+            <a:endParaRPr>
+              <a:solidFill>
+                <a:srgbClr val="000000"/>
+              </a:solidFill>
+              <a:latin typeface="Arial"/>
+              <a:ea typeface="Arial"/>
+              <a:cs typeface="Arial"/>
+              <a:sym typeface="Arial"/>
+            </a:endParaRPr>
+          </a:p>
+          <a:p>
+            <a:pPr indent="-298450" lvl="1" marL="914400" rtl="0" algn="l">
+              <a:spcBef>
+                <a:spcPts val="0"/>
+              </a:spcBef>
+              <a:spcAft>
+                <a:spcPts val="0"/>
+              </a:spcAft>
+              <a:buClr>
+                <a:srgbClr val="000000"/>
+              </a:buClr>
+              <a:buSzPts val="1100"/>
+              <a:buFont typeface="Arial"/>
+              <a:buChar char="○"/>
+            </a:pPr>
+            <a:r>
+              <a:rPr lang="en">
+                <a:solidFill>
+                  <a:srgbClr val="000000"/>
+                </a:solidFill>
+                <a:latin typeface="Arial"/>
+                <a:ea typeface="Arial"/>
+                <a:cs typeface="Arial"/>
+                <a:sym typeface="Arial"/>
+              </a:rPr>
+              <a:t>For Demo’s use a small demo set of places</a:t>
+            </a:r>
+            <a:endParaRPr>
+              <a:solidFill>
+                <a:srgbClr val="000000"/>
+              </a:solidFill>
+              <a:latin typeface="Arial"/>
+              <a:ea typeface="Arial"/>
+              <a:cs typeface="Arial"/>
+              <a:sym typeface="Arial"/>
+            </a:endParaRPr>
+          </a:p>
+          <a:p>
+            <a:pPr indent="-298450" lvl="1" marL="914400" rtl="0" algn="l">
+              <a:spcBef>
+                <a:spcPts val="0"/>
+              </a:spcBef>
+              <a:spcAft>
+                <a:spcPts val="0"/>
+              </a:spcAft>
+              <a:buClr>
+                <a:srgbClr val="000000"/>
+              </a:buClr>
+              <a:buSzPts val="1100"/>
+              <a:buFont typeface="Arial"/>
+              <a:buChar char="○"/>
+            </a:pPr>
+            <a:r>
+              <a:rPr lang="en">
+                <a:solidFill>
+                  <a:srgbClr val="000000"/>
+                </a:solidFill>
+                <a:latin typeface="Arial"/>
+                <a:ea typeface="Arial"/>
+                <a:cs typeface="Arial"/>
+                <a:sym typeface="Arial"/>
+              </a:rPr>
+              <a:t>Provide a status banner on Home page</a:t>
+            </a:r>
+            <a:endParaRPr>
+              <a:solidFill>
+                <a:srgbClr val="000000"/>
+              </a:solidFill>
+              <a:latin typeface="Arial"/>
+              <a:ea typeface="Arial"/>
+              <a:cs typeface="Arial"/>
+              <a:sym typeface="Arial"/>
+            </a:endParaRPr>
+          </a:p>
+          <a:p>
+            <a:pPr indent="-298450" lvl="1" marL="914400" rtl="0" algn="l">
+              <a:spcBef>
+                <a:spcPts val="0"/>
+              </a:spcBef>
+              <a:spcAft>
+                <a:spcPts val="0"/>
+              </a:spcAft>
+              <a:buClr>
+                <a:srgbClr val="000000"/>
+              </a:buClr>
+              <a:buSzPts val="1100"/>
+              <a:buFont typeface="Arial"/>
+              <a:buChar char="○"/>
+            </a:pPr>
+            <a:r>
+              <a:rPr lang="en">
+                <a:solidFill>
+                  <a:srgbClr val="000000"/>
+                </a:solidFill>
+                <a:latin typeface="Arial"/>
+                <a:ea typeface="Arial"/>
+                <a:cs typeface="Arial"/>
+                <a:sym typeface="Arial"/>
+              </a:rPr>
+              <a:t>Use an alternate API provider</a:t>
+            </a:r>
+            <a:endParaRPr>
+              <a:solidFill>
+                <a:srgbClr val="000000"/>
+              </a:solidFill>
+              <a:latin typeface="Arial"/>
+              <a:ea typeface="Arial"/>
+              <a:cs typeface="Arial"/>
+              <a:sym typeface="Arial"/>
+            </a:endParaRPr>
+          </a:p>
+          <a:p>
+            <a:pPr indent="0" lvl="0" marL="0" rtl="0" algn="l">
+              <a:spcBef>
+                <a:spcPts val="0"/>
+              </a:spcBef>
+              <a:spcAft>
+                <a:spcPts val="0"/>
+              </a:spcAft>
+              <a:buNone/>
+            </a:pPr>
+            <a:r>
+              <a:t/>
+            </a:r>
+            <a:endParaRPr>
+              <a:solidFill>
+                <a:srgbClr val="000000"/>
+              </a:solidFill>
+              <a:latin typeface="Arial"/>
+              <a:ea typeface="Arial"/>
+              <a:cs typeface="Arial"/>
+              <a:sym typeface="Arial"/>
+            </a:endParaRPr>
+          </a:p>
+          <a:p>
+            <a:pPr indent="0" lvl="0" marL="0" rtl="0" algn="l">
+              <a:spcBef>
+                <a:spcPts val="0"/>
+              </a:spcBef>
+              <a:spcAft>
+                <a:spcPts val="0"/>
+              </a:spcAft>
+              <a:buNone/>
+            </a:pPr>
+            <a:r>
+              <a:t/>
+            </a:r>
+            <a:endParaRPr>
+              <a:solidFill>
+                <a:srgbClr val="000000"/>
+              </a:solidFill>
+              <a:latin typeface="Arial"/>
+              <a:ea typeface="Arial"/>
+              <a:cs typeface="Arial"/>
+              <a:sym typeface="Arial"/>
+            </a:endParaRPr>
+          </a:p>
+        </p:txBody>
+      </p:sp>
+    </p:spTree>
+  </p:cSld>
+  <p:clrMapOvr>
+    <a:masterClrMapping/>
+  </p:clrMapOvr>
+</p:sld>
+</file>
+
+<file path=ppt/slides/slide19.xml><?xml version="1.0" encoding="utf-8"?>
+<p:sld xmlns:a="http://schemas.openxmlformats.org/drawingml/2006/main" xmlns:r="http://schemas.openxmlformats.org/officeDocument/2006/relationships" xmlns:mc="http://schemas.openxmlformats.org/markup-compatibility/2006" xmlns:mv="urn:schemas-microsoft-com:mac:vml" xmlns:p="http://schemas.openxmlformats.org/presentationml/2006/main" xmlns:c="http://schemas.openxmlformats.org/drawingml/2006/chart" xmlns:dgm="http://schemas.openxmlformats.org/drawingml/2006/diagram" xmlns:o="urn:schemas-microsoft-com:office:office" xmlns:v="urn:schemas-microsoft-com:vml" xmlns:pvml="urn:schemas-microsoft-com:office:powerpoint" xmlns:com="http://schemas.openxmlformats.org/drawingml/2006/compatibility" xmlns:p14="http://schemas.microsoft.com/office/powerpoint/2010/main" xmlns:p15="http://schemas.microsoft.com/office/powerpoint/2012/main" xmlns:ahyp="http://schemas.microsoft.com/office/drawing/2018/hyperlinkcolor">
+  <p:cSld>
+    <p:spTree>
+      <p:nvGrpSpPr>
+        <p:cNvPr id="235" name="Shape 235"/>
+        <p:cNvGrpSpPr/>
+        <p:nvPr/>
+      </p:nvGrpSpPr>
+      <p:grpSpPr>
+        <a:xfrm>
+          <a:off x="0" y="0"/>
+          <a:ext cx="0" cy="0"/>
+          <a:chOff x="0" y="0"/>
+          <a:chExt cx="0" cy="0"/>
+        </a:xfrm>
+      </p:grpSpPr>
+      <p:sp>
+        <p:nvSpPr>
+          <p:cNvPr id="236" name="Google Shape;236;p31"/>
+          <p:cNvSpPr txBox="1"/>
+          <p:nvPr>
+            <p:ph type="title"/>
+          </p:nvPr>
+        </p:nvSpPr>
+        <p:spPr>
+          <a:xfrm>
+            <a:off x="1888684" y="1746100"/>
+            <a:ext cx="5377500" cy="1646100"/>
+          </a:xfrm>
+          <a:prstGeom prst="rect">
+            <a:avLst/>
+          </a:prstGeom>
+        </p:spPr>
+        <p:txBody>
+          <a:bodyPr anchorCtr="0" anchor="ctr" bIns="91425" lIns="91425" spcFirstLastPara="1" rIns="91425" wrap="square" tIns="91425">
+            <a:normAutofit/>
+          </a:bodyPr>
+          <a:lstStyle/>
+          <a:p>
+            <a:pPr indent="0" lvl="0" marL="0" rtl="0" algn="ctr">
+              <a:spcBef>
+                <a:spcPts val="0"/>
+              </a:spcBef>
+              <a:spcAft>
+                <a:spcPts val="0"/>
+              </a:spcAft>
+              <a:buNone/>
+            </a:pPr>
+            <a:r>
+              <a:rPr lang="en"/>
+              <a:t>Questions</a:t>
             </a:r>
             <a:endParaRPr/>
           </a:p>
@@ -10128,20 +12552,20 @@
         </p:nvSpPr>
         <p:spPr>
           <a:xfrm>
-            <a:off x="819150" y="845600"/>
-            <a:ext cx="7505700" cy="954600"/>
+            <a:off x="1888684" y="1746100"/>
+            <a:ext cx="5377500" cy="1646100"/>
           </a:xfrm>
           <a:prstGeom prst="rect">
             <a:avLst/>
           </a:prstGeom>
         </p:spPr>
         <p:txBody>
-          <a:bodyPr anchorCtr="0" anchor="t" bIns="91425" lIns="91425" spcFirstLastPara="1" rIns="91425" wrap="square" tIns="91425">
+          <a:bodyPr anchorCtr="0" anchor="ctr" bIns="91425" lIns="91425" spcFirstLastPara="1" rIns="91425" wrap="square" tIns="91425">
             <a:normAutofit/>
           </a:bodyPr>
           <a:lstStyle/>
           <a:p>
-            <a:pPr indent="0" lvl="0" marL="0" rtl="0" algn="l">
+            <a:pPr indent="0" lvl="0" marL="0" rtl="0" algn="ctr">
               <a:spcBef>
                 <a:spcPts val="0"/>
               </a:spcBef>
@@ -10152,48 +12576,11 @@
             </a:pPr>
             <a:r>
               <a:rPr lang="en"/>
-              <a:t>Changes</a:t>
+              <a:t>Changes and Deviations from Initial </a:t>
             </a:r>
-            <a:endParaRPr/>
-          </a:p>
-        </p:txBody>
-      </p:sp>
-      <p:sp>
-        <p:nvSpPr>
-          <p:cNvPr id="135" name="Google Shape;135;p14"/>
-          <p:cNvSpPr txBox="1"/>
-          <p:nvPr>
-            <p:ph idx="1" type="body"/>
-          </p:nvPr>
-        </p:nvSpPr>
-        <p:spPr>
-          <a:xfrm>
-            <a:off x="819150" y="1990725"/>
-            <a:ext cx="7505700" cy="2448000"/>
-          </a:xfrm>
-          <a:prstGeom prst="rect">
-            <a:avLst/>
-          </a:prstGeom>
-        </p:spPr>
-        <p:txBody>
-          <a:bodyPr anchorCtr="0" anchor="t" bIns="91425" lIns="91425" spcFirstLastPara="1" rIns="91425" wrap="square" tIns="91425">
-            <a:normAutofit/>
-          </a:bodyPr>
-          <a:lstStyle/>
-          <a:p>
-            <a:pPr indent="-311150" lvl="0" marL="457200" rtl="0" algn="l">
-              <a:spcBef>
-                <a:spcPts val="0"/>
-              </a:spcBef>
-              <a:spcAft>
-                <a:spcPts val="0"/>
-              </a:spcAft>
-              <a:buSzPts val="1300"/>
-              <a:buChar char="●"/>
-            </a:pPr>
             <a:r>
               <a:rPr lang="en"/>
-              <a:t>Changed View Itineraries to List </a:t>
+              <a:t>Requirements</a:t>
             </a:r>
             <a:endParaRPr/>
           </a:p>
@@ -10212,7 +12599,7 @@
   <p:cSld>
     <p:spTree>
       <p:nvGrpSpPr>
-        <p:cNvPr id="139" name="Shape 139"/>
+        <p:cNvPr id="138" name="Shape 138"/>
         <p:cNvGrpSpPr/>
         <p:nvPr/>
       </p:nvGrpSpPr>
@@ -10226,7 +12613,7 @@
       </p:grpSpPr>
       <p:sp>
         <p:nvSpPr>
-          <p:cNvPr id="140" name="Google Shape;140;p15"/>
+          <p:cNvPr id="139" name="Google Shape;139;p15"/>
           <p:cNvSpPr txBox="1"/>
           <p:nvPr>
             <p:ph type="title"/>
@@ -10258,15 +12645,22 @@
             </a:pPr>
             <a:r>
               <a:rPr lang="en"/>
-              <a:t>What we originally </a:t>
+              <a:t>Changes and Deviations</a:t>
             </a:r>
+            <a:endParaRPr/>
+          </a:p>
+          <a:p>
+            <a:pPr indent="0" lvl="0" marL="0" rtl="0" algn="l">
+              <a:spcBef>
+                <a:spcPts val="0"/>
+              </a:spcBef>
+              <a:spcAft>
+                <a:spcPts val="0"/>
+              </a:spcAft>
+              <a:buNone/>
+            </a:pPr>
             <a:r>
-              <a:rPr lang="en"/>
-              <a:t>promised</a:t>
-            </a:r>
-            <a:r>
-              <a:rPr lang="en"/>
-              <a:t> to do( and what has been changed)</a:t>
+              <a:t/>
             </a:r>
             <a:endParaRPr/>
           </a:p>
@@ -10274,7 +12668,7 @@
       </p:sp>
       <p:sp>
         <p:nvSpPr>
-          <p:cNvPr id="141" name="Google Shape;141;p15"/>
+          <p:cNvPr id="140" name="Google Shape;140;p15"/>
           <p:cNvSpPr txBox="1"/>
           <p:nvPr>
             <p:ph idx="1" type="body"/>
@@ -10307,7 +12701,7 @@
             </a:pPr>
             <a:r>
               <a:rPr lang="en"/>
-              <a:t>Google Sign-up/sign-in</a:t>
+              <a:t>Switched API’s from TripAdvisor to Google Places</a:t>
             </a:r>
             <a:endParaRPr/>
           </a:p>
@@ -10324,7 +12718,11 @@
             </a:pPr>
             <a:r>
               <a:rPr lang="en"/>
-              <a:t>Home page</a:t>
+              <a:t>Authentication</a:t>
+            </a:r>
+            <a:r>
+              <a:rPr lang="en"/>
+              <a:t> shifted to Google OAuth only</a:t>
             </a:r>
             <a:endParaRPr/>
           </a:p>
@@ -10341,63 +12739,87 @@
             </a:pPr>
             <a:r>
               <a:rPr lang="en"/>
-              <a:t>Navigation bar</a:t>
+              <a:t>Firefox preference removed. Vercel allows cross-browser </a:t>
+            </a:r>
+            <a:r>
+              <a:rPr lang="en"/>
+              <a:t>compatibility</a:t>
             </a:r>
             <a:endParaRPr/>
           </a:p>
           <a:p>
-            <a:pPr indent="-311150" lvl="0" marL="457200" rtl="0" algn="l">
-              <a:spcBef>
-                <a:spcPts val="0"/>
-              </a:spcBef>
-              <a:spcAft>
-                <a:spcPts val="0"/>
-              </a:spcAft>
-              <a:buSzPts val="1300"/>
-              <a:buChar char="●"/>
+            <a:pPr indent="0" lvl="0" marL="0" rtl="0" algn="l">
+              <a:spcBef>
+                <a:spcPts val="1200"/>
+              </a:spcBef>
+              <a:spcAft>
+                <a:spcPts val="1200"/>
+              </a:spcAft>
+              <a:buNone/>
             </a:pPr>
             <a:r>
-              <a:rPr lang="en"/>
-              <a:t>Create Itineraries</a:t>
-            </a:r>
-            <a:endParaRPr/>
-          </a:p>
-          <a:p>
-            <a:pPr indent="-311150" lvl="0" marL="457200" rtl="0" algn="l">
-              <a:spcBef>
-                <a:spcPts val="0"/>
-              </a:spcBef>
-              <a:spcAft>
-                <a:spcPts val="0"/>
-              </a:spcAft>
-              <a:buSzPts val="1300"/>
-              <a:buChar char="●"/>
-            </a:pPr>
-            <a:r>
-              <a:rPr lang="en"/>
-              <a:t>View Itineraries</a:t>
-            </a:r>
-            <a:endParaRPr/>
-          </a:p>
-          <a:p>
-            <a:pPr indent="-311150" lvl="0" marL="457200" rtl="0" algn="l">
-              <a:spcBef>
-                <a:spcPts val="0"/>
-              </a:spcBef>
-              <a:spcAft>
-                <a:spcPts val="0"/>
-              </a:spcAft>
-              <a:buSzPts val="1300"/>
-              <a:buChar char="●"/>
-            </a:pPr>
-            <a:r>
-              <a:rPr lang="en"/>
-              <a:t>Account</a:t>
+              <a:t/>
             </a:r>
             <a:endParaRPr/>
           </a:p>
         </p:txBody>
       </p:sp>
+      <p:pic>
+        <p:nvPicPr>
+          <p:cNvPr id="141" name="Google Shape;141;p15"/>
+          <p:cNvPicPr preferRelativeResize="0"/>
+          <p:nvPr/>
+        </p:nvPicPr>
+        <p:blipFill>
+          <a:blip r:embed="rId3">
+            <a:alphaModFix/>
+          </a:blip>
+          <a:stretch>
+            <a:fillRect/>
+          </a:stretch>
+        </p:blipFill>
+        <p:spPr>
+          <a:xfrm>
+            <a:off x="942720" y="2853250"/>
+            <a:ext cx="3450826" cy="1968850"/>
+          </a:xfrm>
+          <a:prstGeom prst="rect">
+            <a:avLst/>
+          </a:prstGeom>
+          <a:noFill/>
+          <a:ln>
+            <a:noFill/>
+          </a:ln>
+        </p:spPr>
+      </p:pic>
+      <p:pic>
+        <p:nvPicPr>
+          <p:cNvPr id="142" name="Google Shape;142;p15"/>
+          <p:cNvPicPr preferRelativeResize="0"/>
+          <p:nvPr/>
+        </p:nvPicPr>
+        <p:blipFill>
+          <a:blip r:embed="rId4">
+            <a:alphaModFix/>
+          </a:blip>
+          <a:stretch>
+            <a:fillRect/>
+          </a:stretch>
+        </p:blipFill>
+        <p:spPr>
+          <a:xfrm>
+            <a:off x="5057225" y="2853246"/>
+            <a:ext cx="2854300" cy="1733875"/>
+          </a:xfrm>
+          <a:prstGeom prst="rect">
+            <a:avLst/>
+          </a:prstGeom>
+          <a:noFill/>
+          <a:ln>
+            <a:noFill/>
+          </a:ln>
+        </p:spPr>
+      </p:pic>
     </p:spTree>
   </p:cSld>
   <p:clrMapOvr>
@@ -10411,7 +12833,7 @@
   <p:cSld>
     <p:spTree>
       <p:nvGrpSpPr>
-        <p:cNvPr id="145" name="Shape 145"/>
+        <p:cNvPr id="146" name="Shape 146"/>
         <p:cNvGrpSpPr/>
         <p:nvPr/>
       </p:nvGrpSpPr>
@@ -10425,7 +12847,7 @@
       </p:grpSpPr>
       <p:sp>
         <p:nvSpPr>
-          <p:cNvPr id="146" name="Google Shape;146;p16"/>
+          <p:cNvPr id="147" name="Google Shape;147;p16"/>
           <p:cNvSpPr txBox="1"/>
           <p:nvPr>
             <p:ph type="title"/>
@@ -10433,20 +12855,20 @@
         </p:nvSpPr>
         <p:spPr>
           <a:xfrm>
-            <a:off x="819150" y="845600"/>
-            <a:ext cx="7505700" cy="954600"/>
+            <a:off x="1888684" y="1746100"/>
+            <a:ext cx="5377500" cy="1646100"/>
           </a:xfrm>
           <a:prstGeom prst="rect">
             <a:avLst/>
           </a:prstGeom>
         </p:spPr>
         <p:txBody>
-          <a:bodyPr anchorCtr="0" anchor="t" bIns="91425" lIns="91425" spcFirstLastPara="1" rIns="91425" wrap="square" tIns="91425">
+          <a:bodyPr anchorCtr="0" anchor="ctr" bIns="91425" lIns="91425" spcFirstLastPara="1" rIns="91425" wrap="square" tIns="91425">
             <a:normAutofit/>
           </a:bodyPr>
           <a:lstStyle/>
           <a:p>
-            <a:pPr indent="0" lvl="0" marL="0" rtl="0" algn="l">
+            <a:pPr indent="0" lvl="0" marL="0" rtl="0" algn="ctr">
               <a:spcBef>
                 <a:spcPts val="0"/>
               </a:spcBef>
@@ -10457,319 +12879,7 @@
             </a:pPr>
             <a:r>
               <a:rPr lang="en"/>
-              <a:t>Changes to Sign-up/sign-in and Home</a:t>
-            </a:r>
-            <a:endParaRPr/>
-          </a:p>
-        </p:txBody>
-      </p:sp>
-      <p:sp>
-        <p:nvSpPr>
-          <p:cNvPr id="147" name="Google Shape;147;p16"/>
-          <p:cNvSpPr txBox="1"/>
-          <p:nvPr>
-            <p:ph idx="1" type="body"/>
-          </p:nvPr>
-        </p:nvSpPr>
-        <p:spPr>
-          <a:xfrm>
-            <a:off x="819150" y="1990725"/>
-            <a:ext cx="7505700" cy="2448000"/>
-          </a:xfrm>
-          <a:prstGeom prst="rect">
-            <a:avLst/>
-          </a:prstGeom>
-        </p:spPr>
-        <p:txBody>
-          <a:bodyPr anchorCtr="0" anchor="t" bIns="91425" lIns="91425" spcFirstLastPara="1" rIns="91425" wrap="square" tIns="91425">
-            <a:normAutofit/>
-          </a:bodyPr>
-          <a:lstStyle/>
-          <a:p>
-            <a:pPr indent="-298450" lvl="0" marL="457200" rtl="0" algn="l">
-              <a:spcBef>
-                <a:spcPts val="0"/>
-              </a:spcBef>
-              <a:spcAft>
-                <a:spcPts val="0"/>
-              </a:spcAft>
-              <a:buClr>
-                <a:srgbClr val="000000"/>
-              </a:buClr>
-              <a:buSzPts val="1100"/>
-              <a:buFont typeface="Arial"/>
-              <a:buChar char="●"/>
-            </a:pPr>
-            <a:r>
-              <a:rPr lang="en" sz="1100">
-                <a:solidFill>
-                  <a:srgbClr val="000000"/>
-                </a:solidFill>
-                <a:latin typeface="Arial"/>
-                <a:ea typeface="Arial"/>
-                <a:cs typeface="Arial"/>
-                <a:sym typeface="Arial"/>
-              </a:rPr>
-              <a:t>Google sign-up page on arrival</a:t>
-            </a:r>
-            <a:endParaRPr sz="1100">
-              <a:solidFill>
-                <a:srgbClr val="000000"/>
-              </a:solidFill>
-              <a:latin typeface="Arial"/>
-              <a:ea typeface="Arial"/>
-              <a:cs typeface="Arial"/>
-              <a:sym typeface="Arial"/>
-            </a:endParaRPr>
-          </a:p>
-          <a:p>
-            <a:pPr indent="-298450" lvl="1" marL="914400" rtl="0" algn="l">
-              <a:spcBef>
-                <a:spcPts val="0"/>
-              </a:spcBef>
-              <a:spcAft>
-                <a:spcPts val="0"/>
-              </a:spcAft>
-              <a:buClr>
-                <a:srgbClr val="000000"/>
-              </a:buClr>
-              <a:buSzPts val="1100"/>
-              <a:buFont typeface="Arial"/>
-              <a:buChar char="○"/>
-            </a:pPr>
-            <a:r>
-              <a:rPr lang="en">
-                <a:solidFill>
-                  <a:srgbClr val="000000"/>
-                </a:solidFill>
-                <a:latin typeface="Arial"/>
-                <a:ea typeface="Arial"/>
-                <a:cs typeface="Arial"/>
-                <a:sym typeface="Arial"/>
-              </a:rPr>
-              <a:t>Link to sign-in page beneath sign-up option</a:t>
-            </a:r>
-            <a:endParaRPr>
-              <a:solidFill>
-                <a:srgbClr val="000000"/>
-              </a:solidFill>
-              <a:latin typeface="Arial"/>
-              <a:ea typeface="Arial"/>
-              <a:cs typeface="Arial"/>
-              <a:sym typeface="Arial"/>
-            </a:endParaRPr>
-          </a:p>
-          <a:p>
-            <a:pPr indent="-298450" lvl="1" marL="914400" rtl="0" algn="l">
-              <a:spcBef>
-                <a:spcPts val="0"/>
-              </a:spcBef>
-              <a:spcAft>
-                <a:spcPts val="0"/>
-              </a:spcAft>
-              <a:buClr>
-                <a:srgbClr val="000000"/>
-              </a:buClr>
-              <a:buSzPts val="1100"/>
-              <a:buFont typeface="Arial"/>
-              <a:buChar char="○"/>
-            </a:pPr>
-            <a:r>
-              <a:rPr lang="en">
-                <a:solidFill>
-                  <a:srgbClr val="000000"/>
-                </a:solidFill>
-                <a:latin typeface="Arial"/>
-                <a:ea typeface="Arial"/>
-                <a:cs typeface="Arial"/>
-                <a:sym typeface="Arial"/>
-              </a:rPr>
-              <a:t>Using of Google account for either option</a:t>
-            </a:r>
-            <a:endParaRPr>
-              <a:solidFill>
-                <a:srgbClr val="000000"/>
-              </a:solidFill>
-              <a:latin typeface="Arial"/>
-              <a:ea typeface="Arial"/>
-              <a:cs typeface="Arial"/>
-              <a:sym typeface="Arial"/>
-            </a:endParaRPr>
-          </a:p>
-          <a:p>
-            <a:pPr indent="-298450" lvl="0" marL="457200" rtl="0" algn="l">
-              <a:spcBef>
-                <a:spcPts val="0"/>
-              </a:spcBef>
-              <a:spcAft>
-                <a:spcPts val="0"/>
-              </a:spcAft>
-              <a:buClr>
-                <a:srgbClr val="000000"/>
-              </a:buClr>
-              <a:buSzPts val="1100"/>
-              <a:buFont typeface="Arial"/>
-              <a:buChar char="●"/>
-            </a:pPr>
-            <a:r>
-              <a:rPr lang="en" sz="1100">
-                <a:solidFill>
-                  <a:srgbClr val="000000"/>
-                </a:solidFill>
-                <a:latin typeface="Arial"/>
-                <a:ea typeface="Arial"/>
-                <a:cs typeface="Arial"/>
-                <a:sym typeface="Arial"/>
-              </a:rPr>
-              <a:t>Home page appears after signing in or signing up</a:t>
-            </a:r>
-            <a:endParaRPr sz="1100">
-              <a:solidFill>
-                <a:srgbClr val="000000"/>
-              </a:solidFill>
-              <a:latin typeface="Arial"/>
-              <a:ea typeface="Arial"/>
-              <a:cs typeface="Arial"/>
-              <a:sym typeface="Arial"/>
-            </a:endParaRPr>
-          </a:p>
-          <a:p>
-            <a:pPr indent="-298450" lvl="1" marL="914400" rtl="0" algn="l">
-              <a:spcBef>
-                <a:spcPts val="0"/>
-              </a:spcBef>
-              <a:spcAft>
-                <a:spcPts val="0"/>
-              </a:spcAft>
-              <a:buClr>
-                <a:srgbClr val="000000"/>
-              </a:buClr>
-              <a:buSzPts val="1100"/>
-              <a:buFont typeface="Arial"/>
-              <a:buChar char="○"/>
-            </a:pPr>
-            <a:r>
-              <a:rPr lang="en">
-                <a:solidFill>
-                  <a:srgbClr val="000000"/>
-                </a:solidFill>
-                <a:latin typeface="Arial"/>
-                <a:ea typeface="Arial"/>
-                <a:cs typeface="Arial"/>
-                <a:sym typeface="Arial"/>
-              </a:rPr>
-              <a:t>Home page contains about content</a:t>
-            </a:r>
-            <a:endParaRPr>
-              <a:solidFill>
-                <a:srgbClr val="000000"/>
-              </a:solidFill>
-              <a:latin typeface="Arial"/>
-              <a:ea typeface="Arial"/>
-              <a:cs typeface="Arial"/>
-              <a:sym typeface="Arial"/>
-            </a:endParaRPr>
-          </a:p>
-          <a:p>
-            <a:pPr indent="-298450" lvl="2" marL="1371600" rtl="0" algn="l">
-              <a:spcBef>
-                <a:spcPts val="0"/>
-              </a:spcBef>
-              <a:spcAft>
-                <a:spcPts val="0"/>
-              </a:spcAft>
-              <a:buClr>
-                <a:srgbClr val="000000"/>
-              </a:buClr>
-              <a:buSzPts val="1100"/>
-              <a:buFont typeface="Arial"/>
-              <a:buChar char="■"/>
-            </a:pPr>
-            <a:r>
-              <a:rPr lang="en">
-                <a:solidFill>
-                  <a:srgbClr val="000000"/>
-                </a:solidFill>
-                <a:latin typeface="Arial"/>
-                <a:ea typeface="Arial"/>
-                <a:cs typeface="Arial"/>
-                <a:sym typeface="Arial"/>
-              </a:rPr>
-              <a:t>Information pertains to staff background</a:t>
-            </a:r>
-            <a:endParaRPr>
-              <a:solidFill>
-                <a:srgbClr val="000000"/>
-              </a:solidFill>
-              <a:latin typeface="Arial"/>
-              <a:ea typeface="Arial"/>
-              <a:cs typeface="Arial"/>
-              <a:sym typeface="Arial"/>
-            </a:endParaRPr>
-          </a:p>
-          <a:p>
-            <a:pPr indent="-298450" lvl="2" marL="1371600" rtl="0" algn="l">
-              <a:spcBef>
-                <a:spcPts val="0"/>
-              </a:spcBef>
-              <a:spcAft>
-                <a:spcPts val="0"/>
-              </a:spcAft>
-              <a:buClr>
-                <a:srgbClr val="000000"/>
-              </a:buClr>
-              <a:buSzPts val="1100"/>
-              <a:buFont typeface="Arial"/>
-              <a:buChar char="■"/>
-            </a:pPr>
-            <a:r>
-              <a:rPr lang="en">
-                <a:solidFill>
-                  <a:srgbClr val="000000"/>
-                </a:solidFill>
-                <a:latin typeface="Arial"/>
-                <a:ea typeface="Arial"/>
-                <a:cs typeface="Arial"/>
-                <a:sym typeface="Arial"/>
-              </a:rPr>
-              <a:t>Ins and outs of the website</a:t>
-            </a:r>
-            <a:endParaRPr>
-              <a:solidFill>
-                <a:srgbClr val="000000"/>
-              </a:solidFill>
-              <a:latin typeface="Arial"/>
-              <a:ea typeface="Arial"/>
-              <a:cs typeface="Arial"/>
-              <a:sym typeface="Arial"/>
-            </a:endParaRPr>
-          </a:p>
-          <a:p>
-            <a:pPr indent="-298450" lvl="2" marL="1371600" rtl="0" algn="l">
-              <a:spcBef>
-                <a:spcPts val="0"/>
-              </a:spcBef>
-              <a:spcAft>
-                <a:spcPts val="0"/>
-              </a:spcAft>
-              <a:buClr>
-                <a:srgbClr val="000000"/>
-              </a:buClr>
-              <a:buSzPts val="1100"/>
-              <a:buFont typeface="Arial"/>
-              <a:buChar char="■"/>
-            </a:pPr>
-            <a:r>
-              <a:rPr lang="en">
-                <a:solidFill>
-                  <a:srgbClr val="000000"/>
-                </a:solidFill>
-                <a:latin typeface="Arial"/>
-                <a:ea typeface="Arial"/>
-                <a:cs typeface="Arial"/>
-                <a:sym typeface="Arial"/>
-              </a:rPr>
-              <a:t>Basic instructions</a:t>
+              <a:t>What We Have Accomplished</a:t>
             </a:r>
             <a:endParaRPr/>
           </a:p>
@@ -10811,7 +12921,7 @@
         <p:spPr>
           <a:xfrm>
             <a:off x="819150" y="845600"/>
-            <a:ext cx="7505700" cy="954600"/>
+            <a:ext cx="3709200" cy="1383000"/>
           </a:xfrm>
           <a:prstGeom prst="rect">
             <a:avLst/>
@@ -10834,7 +12944,7 @@
             </a:pPr>
             <a:r>
               <a:rPr lang="en"/>
-              <a:t>Changes to Create Itineraries</a:t>
+              <a:t>Google OAuth</a:t>
             </a:r>
             <a:endParaRPr/>
           </a:p>
@@ -10850,8 +12960,8 @@
         </p:nvSpPr>
         <p:spPr>
           <a:xfrm>
-            <a:off x="819150" y="1990725"/>
-            <a:ext cx="3686100" cy="2448000"/>
+            <a:off x="819150" y="1695175"/>
+            <a:ext cx="3709200" cy="2119800"/>
           </a:xfrm>
           <a:prstGeom prst="rect">
             <a:avLst/>
@@ -10859,1203 +12969,109 @@
         </p:spPr>
         <p:txBody>
           <a:bodyPr anchorCtr="0" anchor="t" bIns="91425" lIns="91425" spcFirstLastPara="1" rIns="91425" wrap="square" tIns="91425">
-            <a:normAutofit fontScale="77500" lnSpcReduction="20000"/>
+            <a:normAutofit/>
           </a:bodyPr>
           <a:lstStyle/>
           <a:p>
-            <a:pPr indent="-282733" lvl="0" marL="457200" rtl="0" algn="l">
-              <a:spcBef>
-                <a:spcPts val="0"/>
-              </a:spcBef>
-              <a:spcAft>
-                <a:spcPts val="0"/>
-              </a:spcAft>
-              <a:buClr>
-                <a:srgbClr val="000000"/>
-              </a:buClr>
-              <a:buSzPct val="100000"/>
-              <a:buFont typeface="Arial"/>
+            <a:pPr indent="-311150" lvl="0" marL="457200" rtl="0" algn="l">
+              <a:spcBef>
+                <a:spcPts val="0"/>
+              </a:spcBef>
+              <a:spcAft>
+                <a:spcPts val="0"/>
+              </a:spcAft>
+              <a:buSzPts val="1300"/>
               <a:buChar char="●"/>
             </a:pPr>
             <a:r>
-              <a:rPr lang="en" sz="1100">
-                <a:solidFill>
-                  <a:srgbClr val="000000"/>
-                </a:solidFill>
-                <a:latin typeface="Arial"/>
-                <a:ea typeface="Arial"/>
-                <a:cs typeface="Arial"/>
-                <a:sym typeface="Arial"/>
-              </a:rPr>
-              <a:t>Create Itineraries</a:t>
+              <a:rPr lang="en"/>
+              <a:t>Sign in and Sign out</a:t>
             </a:r>
-            <a:endParaRPr sz="1100">
-              <a:solidFill>
-                <a:srgbClr val="000000"/>
-              </a:solidFill>
-              <a:latin typeface="Arial"/>
-              <a:ea typeface="Arial"/>
-              <a:cs typeface="Arial"/>
-              <a:sym typeface="Arial"/>
-            </a:endParaRPr>
+            <a:endParaRPr/>
           </a:p>
           <a:p>
-            <a:pPr indent="-282733" lvl="1" marL="914400" rtl="0" algn="l">
-              <a:spcBef>
-                <a:spcPts val="0"/>
-              </a:spcBef>
-              <a:spcAft>
-                <a:spcPts val="0"/>
-              </a:spcAft>
-              <a:buClr>
-                <a:srgbClr val="000000"/>
-              </a:buClr>
-              <a:buSzPct val="100000"/>
-              <a:buFont typeface="Arial"/>
-              <a:buChar char="○"/>
+            <a:pPr indent="-311150" lvl="0" marL="457200" rtl="0" algn="l">
+              <a:spcBef>
+                <a:spcPts val="0"/>
+              </a:spcBef>
+              <a:spcAft>
+                <a:spcPts val="0"/>
+              </a:spcAft>
+              <a:buSzPts val="1300"/>
+              <a:buChar char="●"/>
             </a:pPr>
             <a:r>
-              <a:rPr lang="en">
-                <a:solidFill>
-                  <a:srgbClr val="000000"/>
-                </a:solidFill>
-                <a:latin typeface="Arial"/>
-                <a:ea typeface="Arial"/>
-                <a:cs typeface="Arial"/>
-                <a:sym typeface="Arial"/>
-              </a:rPr>
-              <a:t>Empty page</a:t>
+              <a:rPr lang="en"/>
+              <a:t>Session handling and sign out have been tested and </a:t>
             </a:r>
-            <a:endParaRPr>
-              <a:solidFill>
-                <a:srgbClr val="000000"/>
-              </a:solidFill>
-              <a:latin typeface="Arial"/>
-              <a:ea typeface="Arial"/>
-              <a:cs typeface="Arial"/>
-              <a:sym typeface="Arial"/>
-            </a:endParaRPr>
-          </a:p>
-          <a:p>
-            <a:pPr indent="-282733" lvl="1" marL="914400" rtl="0" algn="l">
-              <a:spcBef>
-                <a:spcPts val="0"/>
-              </a:spcBef>
-              <a:spcAft>
-                <a:spcPts val="0"/>
-              </a:spcAft>
-              <a:buClr>
-                <a:srgbClr val="000000"/>
-              </a:buClr>
-              <a:buSzPct val="100000"/>
-              <a:buFont typeface="Arial"/>
-              <a:buChar char="○"/>
-            </a:pPr>
             <a:r>
-              <a:rPr lang="en">
-                <a:solidFill>
-                  <a:srgbClr val="000000"/>
-                </a:solidFill>
-                <a:latin typeface="Arial"/>
-                <a:ea typeface="Arial"/>
-                <a:cs typeface="Arial"/>
-                <a:sym typeface="Arial"/>
-              </a:rPr>
-              <a:t>Search Box for Travel Destination</a:t>
+              <a:rPr lang="en"/>
+              <a:t>verified</a:t>
             </a:r>
-            <a:endParaRPr>
-              <a:solidFill>
-                <a:srgbClr val="000000"/>
-              </a:solidFill>
-              <a:latin typeface="Arial"/>
-              <a:ea typeface="Arial"/>
-              <a:cs typeface="Arial"/>
-              <a:sym typeface="Arial"/>
-            </a:endParaRPr>
-          </a:p>
-          <a:p>
-            <a:pPr indent="-282733" lvl="2" marL="1371600" rtl="0" algn="l">
-              <a:spcBef>
-                <a:spcPts val="0"/>
-              </a:spcBef>
-              <a:spcAft>
-                <a:spcPts val="0"/>
-              </a:spcAft>
-              <a:buClr>
-                <a:srgbClr val="000000"/>
-              </a:buClr>
-              <a:buSzPct val="100000"/>
-              <a:buFont typeface="Arial"/>
-              <a:buChar char="■"/>
-            </a:pPr>
             <a:r>
-              <a:rPr lang="en">
-                <a:solidFill>
-                  <a:srgbClr val="000000"/>
-                </a:solidFill>
-                <a:latin typeface="Arial"/>
-                <a:ea typeface="Arial"/>
-                <a:cs typeface="Arial"/>
-                <a:sym typeface="Arial"/>
-              </a:rPr>
-              <a:t>Default is current location</a:t>
-            </a:r>
-            <a:endParaRPr>
-              <a:solidFill>
-                <a:srgbClr val="000000"/>
-              </a:solidFill>
-              <a:latin typeface="Arial"/>
-              <a:ea typeface="Arial"/>
-              <a:cs typeface="Arial"/>
-              <a:sym typeface="Arial"/>
-            </a:endParaRPr>
-          </a:p>
-          <a:p>
-            <a:pPr indent="-282733" lvl="2" marL="1371600" rtl="0" algn="l">
-              <a:spcBef>
-                <a:spcPts val="0"/>
-              </a:spcBef>
-              <a:spcAft>
-                <a:spcPts val="0"/>
-              </a:spcAft>
-              <a:buClr>
-                <a:srgbClr val="000000"/>
-              </a:buClr>
-              <a:buSzPct val="100000"/>
-              <a:buFont typeface="Arial"/>
-              <a:buChar char="■"/>
-            </a:pPr>
-            <a:r>
-              <a:rPr lang="en">
-                <a:solidFill>
-                  <a:srgbClr val="000000"/>
-                </a:solidFill>
-                <a:latin typeface="Arial"/>
-                <a:ea typeface="Arial"/>
-                <a:cs typeface="Arial"/>
-                <a:sym typeface="Arial"/>
-              </a:rPr>
-              <a:t>Autopopulate with results</a:t>
-            </a:r>
-            <a:endParaRPr>
-              <a:solidFill>
-                <a:srgbClr val="000000"/>
-              </a:solidFill>
-              <a:latin typeface="Arial"/>
-              <a:ea typeface="Arial"/>
-              <a:cs typeface="Arial"/>
-              <a:sym typeface="Arial"/>
-            </a:endParaRPr>
-          </a:p>
-          <a:p>
-            <a:pPr indent="-282733" lvl="2" marL="1371600" rtl="0" algn="l">
-              <a:spcBef>
-                <a:spcPts val="0"/>
-              </a:spcBef>
-              <a:spcAft>
-                <a:spcPts val="0"/>
-              </a:spcAft>
-              <a:buClr>
-                <a:srgbClr val="000000"/>
-              </a:buClr>
-              <a:buSzPct val="100000"/>
-              <a:buFont typeface="Arial"/>
-              <a:buChar char="■"/>
-            </a:pPr>
-            <a:r>
-              <a:rPr lang="en">
-                <a:solidFill>
-                  <a:srgbClr val="000000"/>
-                </a:solidFill>
-                <a:latin typeface="Arial"/>
-                <a:ea typeface="Arial"/>
-                <a:cs typeface="Arial"/>
-                <a:sym typeface="Arial"/>
-              </a:rPr>
-              <a:t>Searched results are lighter in color than standard web text</a:t>
-            </a:r>
-            <a:endParaRPr>
-              <a:solidFill>
-                <a:srgbClr val="000000"/>
-              </a:solidFill>
-              <a:latin typeface="Arial"/>
-              <a:ea typeface="Arial"/>
-              <a:cs typeface="Arial"/>
-              <a:sym typeface="Arial"/>
-            </a:endParaRPr>
-          </a:p>
-          <a:p>
-            <a:pPr indent="-282733" lvl="2" marL="1371600" rtl="0" algn="l">
-              <a:spcBef>
-                <a:spcPts val="0"/>
-              </a:spcBef>
-              <a:spcAft>
-                <a:spcPts val="0"/>
-              </a:spcAft>
-              <a:buClr>
-                <a:srgbClr val="000000"/>
-              </a:buClr>
-              <a:buSzPct val="100000"/>
-              <a:buFont typeface="Arial"/>
-              <a:buChar char="■"/>
-            </a:pPr>
-            <a:r>
-              <a:rPr lang="en">
-                <a:solidFill>
-                  <a:srgbClr val="000000"/>
-                </a:solidFill>
-                <a:latin typeface="Arial"/>
-                <a:ea typeface="Arial"/>
-                <a:cs typeface="Arial"/>
-                <a:sym typeface="Arial"/>
-              </a:rPr>
-              <a:t>No location found exception</a:t>
-            </a:r>
-            <a:endParaRPr>
-              <a:solidFill>
-                <a:srgbClr val="000000"/>
-              </a:solidFill>
-              <a:latin typeface="Arial"/>
-              <a:ea typeface="Arial"/>
-              <a:cs typeface="Arial"/>
-              <a:sym typeface="Arial"/>
-            </a:endParaRPr>
-          </a:p>
-          <a:p>
-            <a:pPr indent="-282733" lvl="1" marL="914400" rtl="0" algn="l">
-              <a:spcBef>
-                <a:spcPts val="0"/>
-              </a:spcBef>
-              <a:spcAft>
-                <a:spcPts val="0"/>
-              </a:spcAft>
-              <a:buClr>
-                <a:srgbClr val="000000"/>
-              </a:buClr>
-              <a:buSzPct val="100000"/>
-              <a:buFont typeface="Arial"/>
-              <a:buChar char="○"/>
-            </a:pPr>
-            <a:r>
-              <a:rPr lang="en">
-                <a:solidFill>
-                  <a:srgbClr val="000000"/>
-                </a:solidFill>
-                <a:latin typeface="Arial"/>
-                <a:ea typeface="Arial"/>
-                <a:cs typeface="Arial"/>
-                <a:sym typeface="Arial"/>
-              </a:rPr>
-              <a:t>Sibebar of categories</a:t>
-            </a:r>
-            <a:endParaRPr>
-              <a:solidFill>
-                <a:srgbClr val="000000"/>
-              </a:solidFill>
-              <a:latin typeface="Arial"/>
-              <a:ea typeface="Arial"/>
-              <a:cs typeface="Arial"/>
-              <a:sym typeface="Arial"/>
-            </a:endParaRPr>
-          </a:p>
-          <a:p>
-            <a:pPr indent="-282733" lvl="2" marL="1371600" rtl="0" algn="l">
-              <a:spcBef>
-                <a:spcPts val="0"/>
-              </a:spcBef>
-              <a:spcAft>
-                <a:spcPts val="0"/>
-              </a:spcAft>
-              <a:buClr>
-                <a:srgbClr val="000000"/>
-              </a:buClr>
-              <a:buSzPct val="100000"/>
-              <a:buFont typeface="Arial"/>
-              <a:buChar char="■"/>
-            </a:pPr>
-            <a:r>
-              <a:rPr lang="en">
-                <a:solidFill>
-                  <a:srgbClr val="000000"/>
-                </a:solidFill>
-                <a:latin typeface="Arial"/>
-                <a:ea typeface="Arial"/>
-                <a:cs typeface="Arial"/>
-                <a:sym typeface="Arial"/>
-              </a:rPr>
-              <a:t>Lodging</a:t>
-            </a:r>
-            <a:endParaRPr>
-              <a:solidFill>
-                <a:srgbClr val="000000"/>
-              </a:solidFill>
-              <a:latin typeface="Arial"/>
-              <a:ea typeface="Arial"/>
-              <a:cs typeface="Arial"/>
-              <a:sym typeface="Arial"/>
-            </a:endParaRPr>
-          </a:p>
-          <a:p>
-            <a:pPr indent="-282733" lvl="2" marL="1371600" rtl="0" algn="l">
-              <a:spcBef>
-                <a:spcPts val="0"/>
-              </a:spcBef>
-              <a:spcAft>
-                <a:spcPts val="0"/>
-              </a:spcAft>
-              <a:buClr>
-                <a:srgbClr val="000000"/>
-              </a:buClr>
-              <a:buSzPct val="100000"/>
-              <a:buFont typeface="Arial"/>
-              <a:buChar char="■"/>
-            </a:pPr>
-            <a:r>
-              <a:rPr lang="en">
-                <a:solidFill>
-                  <a:srgbClr val="000000"/>
-                </a:solidFill>
-                <a:latin typeface="Arial"/>
-                <a:ea typeface="Arial"/>
-                <a:cs typeface="Arial"/>
-                <a:sym typeface="Arial"/>
-              </a:rPr>
-              <a:t>Attractions</a:t>
-            </a:r>
-            <a:endParaRPr>
-              <a:solidFill>
-                <a:srgbClr val="000000"/>
-              </a:solidFill>
-              <a:latin typeface="Arial"/>
-              <a:ea typeface="Arial"/>
-              <a:cs typeface="Arial"/>
-              <a:sym typeface="Arial"/>
-            </a:endParaRPr>
-          </a:p>
-          <a:p>
-            <a:pPr indent="-282733" lvl="2" marL="1371600" rtl="0" algn="l">
-              <a:spcBef>
-                <a:spcPts val="0"/>
-              </a:spcBef>
-              <a:spcAft>
-                <a:spcPts val="0"/>
-              </a:spcAft>
-              <a:buClr>
-                <a:srgbClr val="000000"/>
-              </a:buClr>
-              <a:buSzPct val="100000"/>
-              <a:buFont typeface="Arial"/>
-              <a:buChar char="■"/>
-            </a:pPr>
-            <a:r>
-              <a:rPr lang="en">
-                <a:solidFill>
-                  <a:srgbClr val="000000"/>
-                </a:solidFill>
-                <a:latin typeface="Arial"/>
-                <a:ea typeface="Arial"/>
-                <a:cs typeface="Arial"/>
-                <a:sym typeface="Arial"/>
-              </a:rPr>
-              <a:t>Dining</a:t>
-            </a:r>
-            <a:endParaRPr>
-              <a:solidFill>
-                <a:srgbClr val="000000"/>
-              </a:solidFill>
-              <a:latin typeface="Arial"/>
-              <a:ea typeface="Arial"/>
-              <a:cs typeface="Arial"/>
-              <a:sym typeface="Arial"/>
-            </a:endParaRPr>
-          </a:p>
-          <a:p>
-            <a:pPr indent="-282733" lvl="1" marL="914400" rtl="0" algn="l">
-              <a:spcBef>
-                <a:spcPts val="0"/>
-              </a:spcBef>
-              <a:spcAft>
-                <a:spcPts val="0"/>
-              </a:spcAft>
-              <a:buClr>
-                <a:srgbClr val="000000"/>
-              </a:buClr>
-              <a:buSzPct val="100000"/>
-              <a:buFont typeface="Arial"/>
-              <a:buChar char="○"/>
-            </a:pPr>
-            <a:r>
-              <a:rPr lang="en">
-                <a:solidFill>
-                  <a:srgbClr val="000000"/>
-                </a:solidFill>
-                <a:latin typeface="Arial"/>
-                <a:ea typeface="Arial"/>
-                <a:cs typeface="Arial"/>
-                <a:sym typeface="Arial"/>
-              </a:rPr>
-              <a:t>Each catagory is represented by a button</a:t>
-            </a:r>
-            <a:endParaRPr>
-              <a:solidFill>
-                <a:srgbClr val="000000"/>
-              </a:solidFill>
-              <a:latin typeface="Arial"/>
-              <a:ea typeface="Arial"/>
-              <a:cs typeface="Arial"/>
-              <a:sym typeface="Arial"/>
-            </a:endParaRPr>
-          </a:p>
-          <a:p>
-            <a:pPr indent="-282733" lvl="1" marL="914400" rtl="0" algn="l">
-              <a:spcBef>
-                <a:spcPts val="0"/>
-              </a:spcBef>
-              <a:spcAft>
-                <a:spcPts val="0"/>
-              </a:spcAft>
-              <a:buClr>
-                <a:srgbClr val="000000"/>
-              </a:buClr>
-              <a:buSzPct val="100000"/>
-              <a:buFont typeface="Arial"/>
-              <a:buChar char="○"/>
-            </a:pPr>
-            <a:r>
-              <a:rPr lang="en">
-                <a:solidFill>
-                  <a:srgbClr val="000000"/>
-                </a:solidFill>
-                <a:latin typeface="Arial"/>
-                <a:ea typeface="Arial"/>
-                <a:cs typeface="Arial"/>
-                <a:sym typeface="Arial"/>
-              </a:rPr>
-              <a:t>Filter for search bar that contains subcategories</a:t>
-            </a:r>
-            <a:endParaRPr>
-              <a:solidFill>
-                <a:srgbClr val="000000"/>
-              </a:solidFill>
-              <a:latin typeface="Arial"/>
-              <a:ea typeface="Arial"/>
-              <a:cs typeface="Arial"/>
-              <a:sym typeface="Arial"/>
-            </a:endParaRPr>
-          </a:p>
-          <a:p>
-            <a:pPr indent="-282733" lvl="2" marL="1371600" rtl="0" algn="l">
-              <a:spcBef>
-                <a:spcPts val="0"/>
-              </a:spcBef>
-              <a:spcAft>
-                <a:spcPts val="0"/>
-              </a:spcAft>
-              <a:buClr>
-                <a:srgbClr val="000000"/>
-              </a:buClr>
-              <a:buSzPct val="100000"/>
-              <a:buFont typeface="Arial"/>
-              <a:buChar char="■"/>
-            </a:pPr>
-            <a:r>
-              <a:rPr lang="en">
-                <a:solidFill>
-                  <a:srgbClr val="000000"/>
-                </a:solidFill>
-                <a:latin typeface="Arial"/>
-                <a:ea typeface="Arial"/>
-                <a:cs typeface="Arial"/>
-                <a:sym typeface="Arial"/>
-              </a:rPr>
-              <a:t>Appears when category is selected</a:t>
-            </a:r>
-            <a:endParaRPr>
-              <a:solidFill>
-                <a:srgbClr val="000000"/>
-              </a:solidFill>
-              <a:latin typeface="Arial"/>
-              <a:ea typeface="Arial"/>
-              <a:cs typeface="Arial"/>
-              <a:sym typeface="Arial"/>
-            </a:endParaRPr>
-          </a:p>
-          <a:p>
-            <a:pPr indent="-282733" lvl="1" marL="914400" rtl="0" algn="l">
-              <a:spcBef>
-                <a:spcPts val="0"/>
-              </a:spcBef>
-              <a:spcAft>
-                <a:spcPts val="0"/>
-              </a:spcAft>
-              <a:buClr>
-                <a:srgbClr val="000000"/>
-              </a:buClr>
-              <a:buSzPct val="100000"/>
-              <a:buFont typeface="Arial"/>
-              <a:buChar char="○"/>
-            </a:pPr>
-            <a:r>
-              <a:rPr lang="en">
-                <a:solidFill>
-                  <a:srgbClr val="000000"/>
-                </a:solidFill>
-                <a:latin typeface="Arial"/>
-                <a:ea typeface="Arial"/>
-                <a:cs typeface="Arial"/>
-                <a:sym typeface="Arial"/>
-              </a:rPr>
-              <a:t>Cards for locations</a:t>
-            </a:r>
-            <a:endParaRPr>
-              <a:solidFill>
-                <a:srgbClr val="000000"/>
-              </a:solidFill>
-              <a:latin typeface="Arial"/>
-              <a:ea typeface="Arial"/>
-              <a:cs typeface="Arial"/>
-              <a:sym typeface="Arial"/>
-            </a:endParaRPr>
-          </a:p>
-          <a:p>
-            <a:pPr indent="-282733" lvl="2" marL="1371600" rtl="0" algn="l">
-              <a:spcBef>
-                <a:spcPts val="0"/>
-              </a:spcBef>
-              <a:spcAft>
-                <a:spcPts val="0"/>
-              </a:spcAft>
-              <a:buClr>
-                <a:srgbClr val="000000"/>
-              </a:buClr>
-              <a:buSzPct val="100000"/>
-              <a:buFont typeface="Arial"/>
-              <a:buChar char="■"/>
-            </a:pPr>
-            <a:r>
-              <a:rPr lang="en">
-                <a:solidFill>
-                  <a:srgbClr val="000000"/>
-                </a:solidFill>
-                <a:latin typeface="Arial"/>
-                <a:ea typeface="Arial"/>
-                <a:cs typeface="Arial"/>
-                <a:sym typeface="Arial"/>
-              </a:rPr>
-              <a:t>Address</a:t>
-            </a:r>
-            <a:endParaRPr>
-              <a:solidFill>
-                <a:srgbClr val="000000"/>
-              </a:solidFill>
-              <a:latin typeface="Arial"/>
-              <a:ea typeface="Arial"/>
-              <a:cs typeface="Arial"/>
-              <a:sym typeface="Arial"/>
-            </a:endParaRPr>
-          </a:p>
-          <a:p>
-            <a:pPr indent="-282733" lvl="2" marL="1371600" rtl="0" algn="l">
-              <a:spcBef>
-                <a:spcPts val="0"/>
-              </a:spcBef>
-              <a:spcAft>
-                <a:spcPts val="0"/>
-              </a:spcAft>
-              <a:buClr>
-                <a:srgbClr val="000000"/>
-              </a:buClr>
-              <a:buSzPct val="100000"/>
-              <a:buFont typeface="Arial"/>
-              <a:buChar char="■"/>
-            </a:pPr>
-            <a:r>
-              <a:rPr lang="en">
-                <a:solidFill>
-                  <a:srgbClr val="000000"/>
-                </a:solidFill>
-                <a:latin typeface="Arial"/>
-                <a:ea typeface="Arial"/>
-                <a:cs typeface="Arial"/>
-                <a:sym typeface="Arial"/>
-              </a:rPr>
-              <a:t>Location name</a:t>
+              <a:rPr lang="en"/>
+              <a:t>.</a:t>
             </a:r>
             <a:endParaRPr/>
           </a:p>
         </p:txBody>
       </p:sp>
-      <p:sp>
-        <p:nvSpPr>
+      <p:pic>
+        <p:nvPicPr>
           <p:cNvPr id="154" name="Google Shape;154;p17"/>
-          <p:cNvSpPr txBox="1"/>
-          <p:nvPr>
-            <p:ph idx="2" type="body"/>
-          </p:nvPr>
-        </p:nvSpPr>
+          <p:cNvPicPr preferRelativeResize="0"/>
+          <p:nvPr/>
+        </p:nvPicPr>
+        <p:blipFill>
+          <a:blip r:embed="rId3">
+            <a:alphaModFix/>
+          </a:blip>
+          <a:stretch>
+            <a:fillRect/>
+          </a:stretch>
+        </p:blipFill>
         <p:spPr>
           <a:xfrm>
-            <a:off x="4638675" y="1990725"/>
-            <a:ext cx="3686100" cy="2448000"/>
+            <a:off x="5017695" y="338475"/>
+            <a:ext cx="3450826" cy="1968850"/>
           </a:xfrm>
           <a:prstGeom prst="rect">
             <a:avLst/>
           </a:prstGeom>
+          <a:noFill/>
+          <a:ln>
+            <a:noFill/>
+          </a:ln>
         </p:spPr>
-        <p:txBody>
-          <a:bodyPr anchorCtr="0" anchor="t" bIns="91425" lIns="91425" spcFirstLastPara="1" rIns="91425" wrap="square" tIns="91425">
-            <a:normAutofit fontScale="85000" lnSpcReduction="20000"/>
-          </a:bodyPr>
-          <a:lstStyle/>
-          <a:p>
-            <a:pPr indent="-287972" lvl="1" marL="914400" rtl="0" algn="l">
-              <a:spcBef>
-                <a:spcPts val="0"/>
-              </a:spcBef>
-              <a:spcAft>
-                <a:spcPts val="0"/>
-              </a:spcAft>
-              <a:buClr>
-                <a:srgbClr val="000000"/>
-              </a:buClr>
-              <a:buSzPct val="100000"/>
-              <a:buFont typeface="Arial"/>
-              <a:buChar char="○"/>
-            </a:pPr>
-            <a:r>
-              <a:rPr lang="en">
-                <a:solidFill>
-                  <a:srgbClr val="000000"/>
-                </a:solidFill>
-                <a:latin typeface="Arial"/>
-                <a:ea typeface="Arial"/>
-                <a:cs typeface="Arial"/>
-                <a:sym typeface="Arial"/>
-              </a:rPr>
-              <a:t>Default card number of 9</a:t>
-            </a:r>
-            <a:endParaRPr>
-              <a:solidFill>
-                <a:srgbClr val="000000"/>
-              </a:solidFill>
-              <a:latin typeface="Arial"/>
-              <a:ea typeface="Arial"/>
-              <a:cs typeface="Arial"/>
-              <a:sym typeface="Arial"/>
-            </a:endParaRPr>
-          </a:p>
-          <a:p>
-            <a:pPr indent="-287972" lvl="2" marL="1371600" rtl="0" algn="l">
-              <a:spcBef>
-                <a:spcPts val="0"/>
-              </a:spcBef>
-              <a:spcAft>
-                <a:spcPts val="0"/>
-              </a:spcAft>
-              <a:buClr>
-                <a:srgbClr val="000000"/>
-              </a:buClr>
-              <a:buSzPct val="100000"/>
-              <a:buFont typeface="Arial"/>
-              <a:buChar char="■"/>
-            </a:pPr>
-            <a:r>
-              <a:rPr lang="en">
-                <a:solidFill>
-                  <a:srgbClr val="000000"/>
-                </a:solidFill>
-                <a:latin typeface="Arial"/>
-                <a:ea typeface="Arial"/>
-                <a:cs typeface="Arial"/>
-                <a:sym typeface="Arial"/>
-              </a:rPr>
-              <a:t>Can be changed</a:t>
-            </a:r>
-            <a:endParaRPr>
-              <a:solidFill>
-                <a:srgbClr val="000000"/>
-              </a:solidFill>
-              <a:latin typeface="Arial"/>
-              <a:ea typeface="Arial"/>
-              <a:cs typeface="Arial"/>
-              <a:sym typeface="Arial"/>
-            </a:endParaRPr>
-          </a:p>
-          <a:p>
-            <a:pPr indent="-287972" lvl="1" marL="914400" rtl="0" algn="l">
-              <a:spcBef>
-                <a:spcPts val="0"/>
-              </a:spcBef>
-              <a:spcAft>
-                <a:spcPts val="0"/>
-              </a:spcAft>
-              <a:buClr>
-                <a:srgbClr val="000000"/>
-              </a:buClr>
-              <a:buSzPct val="100000"/>
-              <a:buFont typeface="Arial"/>
-              <a:buChar char="○"/>
-            </a:pPr>
-            <a:r>
-              <a:rPr lang="en">
-                <a:solidFill>
-                  <a:srgbClr val="000000"/>
-                </a:solidFill>
-                <a:latin typeface="Arial"/>
-                <a:ea typeface="Arial"/>
-                <a:cs typeface="Arial"/>
-                <a:sym typeface="Arial"/>
-              </a:rPr>
-              <a:t>Cards listed in order by rating</a:t>
-            </a:r>
-            <a:endParaRPr>
-              <a:solidFill>
-                <a:srgbClr val="000000"/>
-              </a:solidFill>
-              <a:latin typeface="Arial"/>
-              <a:ea typeface="Arial"/>
-              <a:cs typeface="Arial"/>
-              <a:sym typeface="Arial"/>
-            </a:endParaRPr>
-          </a:p>
-          <a:p>
-            <a:pPr indent="-287972" lvl="1" marL="914400" rtl="0" algn="l">
-              <a:spcBef>
-                <a:spcPts val="0"/>
-              </a:spcBef>
-              <a:spcAft>
-                <a:spcPts val="0"/>
-              </a:spcAft>
-              <a:buClr>
-                <a:srgbClr val="000000"/>
-              </a:buClr>
-              <a:buSzPct val="100000"/>
-              <a:buFont typeface="Arial"/>
-              <a:buChar char="○"/>
-            </a:pPr>
-            <a:r>
-              <a:rPr lang="en">
-                <a:solidFill>
-                  <a:srgbClr val="000000"/>
-                </a:solidFill>
-                <a:latin typeface="Arial"/>
-                <a:ea typeface="Arial"/>
-                <a:cs typeface="Arial"/>
-                <a:sym typeface="Arial"/>
-              </a:rPr>
-              <a:t>Clicking on card</a:t>
-            </a:r>
-            <a:endParaRPr>
-              <a:solidFill>
-                <a:srgbClr val="000000"/>
-              </a:solidFill>
-              <a:latin typeface="Arial"/>
-              <a:ea typeface="Arial"/>
-              <a:cs typeface="Arial"/>
-              <a:sym typeface="Arial"/>
-            </a:endParaRPr>
-          </a:p>
-          <a:p>
-            <a:pPr indent="-287972" lvl="2" marL="1371600" rtl="0" algn="l">
-              <a:spcBef>
-                <a:spcPts val="0"/>
-              </a:spcBef>
-              <a:spcAft>
-                <a:spcPts val="0"/>
-              </a:spcAft>
-              <a:buClr>
-                <a:srgbClr val="000000"/>
-              </a:buClr>
-              <a:buSzPct val="100000"/>
-              <a:buFont typeface="Arial"/>
-              <a:buChar char="■"/>
-            </a:pPr>
-            <a:r>
-              <a:rPr lang="en">
-                <a:solidFill>
-                  <a:srgbClr val="000000"/>
-                </a:solidFill>
-                <a:latin typeface="Arial"/>
-                <a:ea typeface="Arial"/>
-                <a:cs typeface="Arial"/>
-                <a:sym typeface="Arial"/>
-              </a:rPr>
-              <a:t>Image of location</a:t>
-            </a:r>
-            <a:endParaRPr>
-              <a:solidFill>
-                <a:srgbClr val="000000"/>
-              </a:solidFill>
-              <a:latin typeface="Arial"/>
-              <a:ea typeface="Arial"/>
-              <a:cs typeface="Arial"/>
-              <a:sym typeface="Arial"/>
-            </a:endParaRPr>
-          </a:p>
-          <a:p>
-            <a:pPr indent="-287972" lvl="2" marL="1371600" rtl="0" algn="l">
-              <a:spcBef>
-                <a:spcPts val="0"/>
-              </a:spcBef>
-              <a:spcAft>
-                <a:spcPts val="0"/>
-              </a:spcAft>
-              <a:buClr>
-                <a:srgbClr val="000000"/>
-              </a:buClr>
-              <a:buSzPct val="100000"/>
-              <a:buFont typeface="Arial"/>
-              <a:buChar char="■"/>
-            </a:pPr>
-            <a:r>
-              <a:rPr lang="en">
-                <a:solidFill>
-                  <a:srgbClr val="000000"/>
-                </a:solidFill>
-                <a:latin typeface="Arial"/>
-                <a:ea typeface="Arial"/>
-                <a:cs typeface="Arial"/>
-                <a:sym typeface="Arial"/>
-              </a:rPr>
-              <a:t>Description of location</a:t>
-            </a:r>
-            <a:endParaRPr>
-              <a:solidFill>
-                <a:srgbClr val="000000"/>
-              </a:solidFill>
-              <a:latin typeface="Arial"/>
-              <a:ea typeface="Arial"/>
-              <a:cs typeface="Arial"/>
-              <a:sym typeface="Arial"/>
-            </a:endParaRPr>
-          </a:p>
-          <a:p>
-            <a:pPr indent="-287972" lvl="2" marL="1371600" rtl="0" algn="l">
-              <a:spcBef>
-                <a:spcPts val="0"/>
-              </a:spcBef>
-              <a:spcAft>
-                <a:spcPts val="0"/>
-              </a:spcAft>
-              <a:buClr>
-                <a:srgbClr val="000000"/>
-              </a:buClr>
-              <a:buSzPct val="100000"/>
-              <a:buFont typeface="Arial"/>
-              <a:buChar char="■"/>
-            </a:pPr>
-            <a:r>
-              <a:rPr lang="en">
-                <a:solidFill>
-                  <a:srgbClr val="000000"/>
-                </a:solidFill>
-                <a:latin typeface="Arial"/>
-                <a:ea typeface="Arial"/>
-                <a:cs typeface="Arial"/>
-                <a:sym typeface="Arial"/>
-              </a:rPr>
-              <a:t>Rating of location</a:t>
-            </a:r>
-            <a:endParaRPr>
-              <a:solidFill>
-                <a:srgbClr val="000000"/>
-              </a:solidFill>
-              <a:latin typeface="Arial"/>
-              <a:ea typeface="Arial"/>
-              <a:cs typeface="Arial"/>
-              <a:sym typeface="Arial"/>
-            </a:endParaRPr>
-          </a:p>
-          <a:p>
-            <a:pPr indent="-287972" lvl="2" marL="1371600" rtl="0" algn="l">
-              <a:spcBef>
-                <a:spcPts val="0"/>
-              </a:spcBef>
-              <a:spcAft>
-                <a:spcPts val="0"/>
-              </a:spcAft>
-              <a:buClr>
-                <a:srgbClr val="000000"/>
-              </a:buClr>
-              <a:buSzPct val="100000"/>
-              <a:buFont typeface="Arial"/>
-              <a:buChar char="■"/>
-            </a:pPr>
-            <a:r>
-              <a:rPr lang="en">
-                <a:solidFill>
-                  <a:srgbClr val="000000"/>
-                </a:solidFill>
-                <a:latin typeface="Arial"/>
-                <a:ea typeface="Arial"/>
-                <a:cs typeface="Arial"/>
-                <a:sym typeface="Arial"/>
-              </a:rPr>
-              <a:t>Add to itinerary </a:t>
-            </a:r>
-            <a:endParaRPr>
-              <a:solidFill>
-                <a:srgbClr val="000000"/>
-              </a:solidFill>
-              <a:latin typeface="Arial"/>
-              <a:ea typeface="Arial"/>
-              <a:cs typeface="Arial"/>
-              <a:sym typeface="Arial"/>
-            </a:endParaRPr>
-          </a:p>
-          <a:p>
-            <a:pPr indent="-287972" lvl="3" marL="1828800" rtl="0" algn="l">
-              <a:spcBef>
-                <a:spcPts val="0"/>
-              </a:spcBef>
-              <a:spcAft>
-                <a:spcPts val="0"/>
-              </a:spcAft>
-              <a:buClr>
-                <a:srgbClr val="000000"/>
-              </a:buClr>
-              <a:buSzPct val="100000"/>
-              <a:buFont typeface="Arial"/>
-              <a:buChar char="●"/>
-            </a:pPr>
-            <a:r>
-              <a:rPr lang="en">
-                <a:solidFill>
-                  <a:srgbClr val="000000"/>
-                </a:solidFill>
-                <a:latin typeface="Arial"/>
-                <a:ea typeface="Arial"/>
-                <a:cs typeface="Arial"/>
-                <a:sym typeface="Arial"/>
-              </a:rPr>
-              <a:t>Start time</a:t>
-            </a:r>
-            <a:endParaRPr>
-              <a:solidFill>
-                <a:srgbClr val="000000"/>
-              </a:solidFill>
-              <a:latin typeface="Arial"/>
-              <a:ea typeface="Arial"/>
-              <a:cs typeface="Arial"/>
-              <a:sym typeface="Arial"/>
-            </a:endParaRPr>
-          </a:p>
-          <a:p>
-            <a:pPr indent="-287972" lvl="3" marL="1828800" rtl="0" algn="l">
-              <a:spcBef>
-                <a:spcPts val="0"/>
-              </a:spcBef>
-              <a:spcAft>
-                <a:spcPts val="0"/>
-              </a:spcAft>
-              <a:buClr>
-                <a:srgbClr val="000000"/>
-              </a:buClr>
-              <a:buSzPct val="100000"/>
-              <a:buFont typeface="Arial"/>
-              <a:buChar char="●"/>
-            </a:pPr>
-            <a:r>
-              <a:rPr lang="en">
-                <a:solidFill>
-                  <a:srgbClr val="000000"/>
-                </a:solidFill>
-                <a:latin typeface="Arial"/>
-                <a:ea typeface="Arial"/>
-                <a:cs typeface="Arial"/>
-                <a:sym typeface="Arial"/>
-              </a:rPr>
-              <a:t>End time</a:t>
-            </a:r>
-            <a:endParaRPr>
-              <a:solidFill>
-                <a:srgbClr val="000000"/>
-              </a:solidFill>
-              <a:latin typeface="Arial"/>
-              <a:ea typeface="Arial"/>
-              <a:cs typeface="Arial"/>
-              <a:sym typeface="Arial"/>
-            </a:endParaRPr>
-          </a:p>
-          <a:p>
-            <a:pPr indent="-287972" lvl="3" marL="1828800" rtl="0" algn="l">
-              <a:spcBef>
-                <a:spcPts val="0"/>
-              </a:spcBef>
-              <a:spcAft>
-                <a:spcPts val="0"/>
-              </a:spcAft>
-              <a:buClr>
-                <a:srgbClr val="000000"/>
-              </a:buClr>
-              <a:buSzPct val="100000"/>
-              <a:buFont typeface="Arial"/>
-              <a:buChar char="●"/>
-            </a:pPr>
-            <a:r>
-              <a:rPr lang="en">
-                <a:solidFill>
-                  <a:srgbClr val="000000"/>
-                </a:solidFill>
-                <a:latin typeface="Arial"/>
-                <a:ea typeface="Arial"/>
-                <a:cs typeface="Arial"/>
-                <a:sym typeface="Arial"/>
-              </a:rPr>
-              <a:t>Start date</a:t>
-            </a:r>
-            <a:endParaRPr>
-              <a:solidFill>
-                <a:srgbClr val="000000"/>
-              </a:solidFill>
-              <a:latin typeface="Arial"/>
-              <a:ea typeface="Arial"/>
-              <a:cs typeface="Arial"/>
-              <a:sym typeface="Arial"/>
-            </a:endParaRPr>
-          </a:p>
-          <a:p>
-            <a:pPr indent="-287972" lvl="3" marL="1828800" rtl="0" algn="l">
-              <a:spcBef>
-                <a:spcPts val="0"/>
-              </a:spcBef>
-              <a:spcAft>
-                <a:spcPts val="0"/>
-              </a:spcAft>
-              <a:buClr>
-                <a:srgbClr val="000000"/>
-              </a:buClr>
-              <a:buSzPct val="100000"/>
-              <a:buFont typeface="Arial"/>
-              <a:buChar char="●"/>
-            </a:pPr>
-            <a:r>
-              <a:rPr lang="en">
-                <a:solidFill>
-                  <a:srgbClr val="000000"/>
-                </a:solidFill>
-                <a:latin typeface="Arial"/>
-                <a:ea typeface="Arial"/>
-                <a:cs typeface="Arial"/>
-                <a:sym typeface="Arial"/>
-              </a:rPr>
-              <a:t>End date</a:t>
-            </a:r>
-            <a:endParaRPr>
-              <a:solidFill>
-                <a:srgbClr val="000000"/>
-              </a:solidFill>
-              <a:latin typeface="Arial"/>
-              <a:ea typeface="Arial"/>
-              <a:cs typeface="Arial"/>
-              <a:sym typeface="Arial"/>
-            </a:endParaRPr>
-          </a:p>
-          <a:p>
-            <a:pPr indent="-287972" lvl="3" marL="1828800" rtl="0" algn="l">
-              <a:spcBef>
-                <a:spcPts val="0"/>
-              </a:spcBef>
-              <a:spcAft>
-                <a:spcPts val="0"/>
-              </a:spcAft>
-              <a:buClr>
-                <a:srgbClr val="000000"/>
-              </a:buClr>
-              <a:buSzPct val="100000"/>
-              <a:buFont typeface="Arial"/>
-              <a:buChar char="●"/>
-            </a:pPr>
-            <a:r>
-              <a:rPr lang="en">
-                <a:solidFill>
-                  <a:srgbClr val="000000"/>
-                </a:solidFill>
-                <a:latin typeface="Arial"/>
-                <a:ea typeface="Arial"/>
-                <a:cs typeface="Arial"/>
-                <a:sym typeface="Arial"/>
-              </a:rPr>
-              <a:t>Mechanism to stop non-valid inputs</a:t>
-            </a:r>
-            <a:endParaRPr>
-              <a:solidFill>
-                <a:srgbClr val="000000"/>
-              </a:solidFill>
-              <a:latin typeface="Arial"/>
-              <a:ea typeface="Arial"/>
-              <a:cs typeface="Arial"/>
-              <a:sym typeface="Arial"/>
-            </a:endParaRPr>
-          </a:p>
-          <a:p>
-            <a:pPr indent="-287972" lvl="1" marL="914400" rtl="0" algn="l">
-              <a:spcBef>
-                <a:spcPts val="0"/>
-              </a:spcBef>
-              <a:spcAft>
-                <a:spcPts val="0"/>
-              </a:spcAft>
-              <a:buClr>
-                <a:srgbClr val="000000"/>
-              </a:buClr>
-              <a:buSzPct val="100000"/>
-              <a:buFont typeface="Arial"/>
-              <a:buChar char="○"/>
-            </a:pPr>
-            <a:r>
-              <a:rPr lang="en">
-                <a:solidFill>
-                  <a:srgbClr val="000000"/>
-                </a:solidFill>
-                <a:latin typeface="Arial"/>
-                <a:ea typeface="Arial"/>
-                <a:cs typeface="Arial"/>
-                <a:sym typeface="Arial"/>
-              </a:rPr>
-              <a:t>Calendar formulation in sidebar</a:t>
-            </a:r>
-            <a:endParaRPr>
-              <a:solidFill>
-                <a:srgbClr val="000000"/>
-              </a:solidFill>
-              <a:latin typeface="Arial"/>
-              <a:ea typeface="Arial"/>
-              <a:cs typeface="Arial"/>
-              <a:sym typeface="Arial"/>
-            </a:endParaRPr>
-          </a:p>
-          <a:p>
-            <a:pPr indent="-287972" lvl="1" marL="914400" rtl="0" algn="l">
-              <a:spcBef>
-                <a:spcPts val="0"/>
-              </a:spcBef>
-              <a:spcAft>
-                <a:spcPts val="0"/>
-              </a:spcAft>
-              <a:buClr>
-                <a:srgbClr val="000000"/>
-              </a:buClr>
-              <a:buSzPct val="100000"/>
-              <a:buFont typeface="Arial"/>
-              <a:buChar char="○"/>
-            </a:pPr>
-            <a:r>
-              <a:rPr lang="en">
-                <a:solidFill>
-                  <a:srgbClr val="000000"/>
-                </a:solidFill>
-                <a:latin typeface="Arial"/>
-                <a:ea typeface="Arial"/>
-                <a:cs typeface="Arial"/>
-                <a:sym typeface="Arial"/>
-              </a:rPr>
-              <a:t>Save as button</a:t>
-            </a:r>
-            <a:endParaRPr/>
-          </a:p>
-        </p:txBody>
-      </p:sp>
+      </p:pic>
+      <p:pic>
+        <p:nvPicPr>
+          <p:cNvPr id="155" name="Google Shape;155;p17"/>
+          <p:cNvPicPr preferRelativeResize="0"/>
+          <p:nvPr/>
+        </p:nvPicPr>
+        <p:blipFill>
+          <a:blip r:embed="rId4">
+            <a:alphaModFix/>
+          </a:blip>
+          <a:stretch>
+            <a:fillRect/>
+          </a:stretch>
+        </p:blipFill>
+        <p:spPr>
+          <a:xfrm>
+            <a:off x="3227200" y="2512050"/>
+            <a:ext cx="5241324" cy="2203200"/>
+          </a:xfrm>
+          <a:prstGeom prst="rect">
+            <a:avLst/>
+          </a:prstGeom>
+          <a:noFill/>
+          <a:ln>
+            <a:noFill/>
+          </a:ln>
+        </p:spPr>
+      </p:pic>
     </p:spTree>
   </p:cSld>
   <p:clrMapOvr>
@@ -12069,7 +13085,7 @@
   <p:cSld>
     <p:spTree>
       <p:nvGrpSpPr>
-        <p:cNvPr id="158" name="Shape 158"/>
+        <p:cNvPr id="159" name="Shape 159"/>
         <p:cNvGrpSpPr/>
         <p:nvPr/>
       </p:nvGrpSpPr>
@@ -12083,7 +13099,7 @@
       </p:grpSpPr>
       <p:sp>
         <p:nvSpPr>
-          <p:cNvPr id="159" name="Google Shape;159;p18"/>
+          <p:cNvPr id="160" name="Google Shape;160;p18"/>
           <p:cNvSpPr txBox="1"/>
           <p:nvPr>
             <p:ph type="title"/>
@@ -12104,7 +13120,7 @@
           </a:bodyPr>
           <a:lstStyle/>
           <a:p>
-            <a:pPr indent="0" lvl="0" marL="0" rtl="0" algn="l">
+            <a:pPr indent="0" lvl="0" marL="0" rtl="0" algn="ctr">
               <a:spcBef>
                 <a:spcPts val="0"/>
               </a:spcBef>
@@ -12115,583 +13131,40 @@
             </a:pPr>
             <a:r>
               <a:rPr lang="en"/>
-              <a:t>View Itineraries(Now Called Itinerary List)</a:t>
+              <a:t>Itinerary Details Page</a:t>
             </a:r>
             <a:endParaRPr/>
           </a:p>
         </p:txBody>
       </p:sp>
-      <p:sp>
-        <p:nvSpPr>
-          <p:cNvPr id="160" name="Google Shape;160;p18"/>
-          <p:cNvSpPr txBox="1"/>
-          <p:nvPr>
-            <p:ph idx="1" type="body"/>
-          </p:nvPr>
-        </p:nvSpPr>
+      <p:pic>
+        <p:nvPicPr>
+          <p:cNvPr id="161" name="Google Shape;161;p18"/>
+          <p:cNvPicPr preferRelativeResize="0"/>
+          <p:nvPr/>
+        </p:nvPicPr>
+        <p:blipFill>
+          <a:blip r:embed="rId3">
+            <a:alphaModFix/>
+          </a:blip>
+          <a:stretch>
+            <a:fillRect/>
+          </a:stretch>
+        </p:blipFill>
         <p:spPr>
           <a:xfrm>
-            <a:off x="819150" y="1990725"/>
-            <a:ext cx="7505700" cy="2448000"/>
+            <a:off x="1672313" y="1640700"/>
+            <a:ext cx="5799385" cy="3038500"/>
           </a:xfrm>
           <a:prstGeom prst="rect">
             <a:avLst/>
           </a:prstGeom>
+          <a:noFill/>
+          <a:ln>
+            <a:noFill/>
+          </a:ln>
         </p:spPr>
-        <p:txBody>
-          <a:bodyPr anchorCtr="0" anchor="t" bIns="91425" lIns="91425" spcFirstLastPara="1" rIns="91425" wrap="square" tIns="91425">
-            <a:normAutofit fontScale="92500" lnSpcReduction="20000"/>
-          </a:bodyPr>
-          <a:lstStyle/>
-          <a:p>
-            <a:pPr indent="-293211" lvl="1" marL="914400" rtl="0" algn="l">
-              <a:spcBef>
-                <a:spcPts val="0"/>
-              </a:spcBef>
-              <a:spcAft>
-                <a:spcPts val="0"/>
-              </a:spcAft>
-              <a:buClr>
-                <a:srgbClr val="000000"/>
-              </a:buClr>
-              <a:buSzPct val="100000"/>
-              <a:buFont typeface="Arial"/>
-              <a:buChar char="○"/>
-            </a:pPr>
-            <a:r>
-              <a:rPr lang="en">
-                <a:solidFill>
-                  <a:srgbClr val="000000"/>
-                </a:solidFill>
-                <a:latin typeface="Arial"/>
-                <a:ea typeface="Arial"/>
-                <a:cs typeface="Arial"/>
-                <a:sym typeface="Arial"/>
-              </a:rPr>
-              <a:t>Empty page</a:t>
-            </a:r>
-            <a:endParaRPr>
-              <a:solidFill>
-                <a:srgbClr val="000000"/>
-              </a:solidFill>
-              <a:latin typeface="Arial"/>
-              <a:ea typeface="Arial"/>
-              <a:cs typeface="Arial"/>
-              <a:sym typeface="Arial"/>
-            </a:endParaRPr>
-          </a:p>
-          <a:p>
-            <a:pPr indent="-293211" lvl="1" marL="914400" rtl="0" algn="l">
-              <a:spcBef>
-                <a:spcPts val="0"/>
-              </a:spcBef>
-              <a:spcAft>
-                <a:spcPts val="0"/>
-              </a:spcAft>
-              <a:buClr>
-                <a:srgbClr val="000000"/>
-              </a:buClr>
-              <a:buSzPct val="100000"/>
-              <a:buFont typeface="Arial"/>
-              <a:buChar char="○"/>
-            </a:pPr>
-            <a:r>
-              <a:rPr lang="en">
-                <a:solidFill>
-                  <a:srgbClr val="000000"/>
-                </a:solidFill>
-                <a:latin typeface="Arial"/>
-                <a:ea typeface="Arial"/>
-                <a:cs typeface="Arial"/>
-                <a:sym typeface="Arial"/>
-              </a:rPr>
-              <a:t>“You do not have any itineraries yet”</a:t>
-            </a:r>
-            <a:endParaRPr>
-              <a:solidFill>
-                <a:srgbClr val="000000"/>
-              </a:solidFill>
-              <a:latin typeface="Arial"/>
-              <a:ea typeface="Arial"/>
-              <a:cs typeface="Arial"/>
-              <a:sym typeface="Arial"/>
-            </a:endParaRPr>
-          </a:p>
-          <a:p>
-            <a:pPr indent="-293211" lvl="1" marL="914400" rtl="0" algn="l">
-              <a:spcBef>
-                <a:spcPts val="0"/>
-              </a:spcBef>
-              <a:spcAft>
-                <a:spcPts val="0"/>
-              </a:spcAft>
-              <a:buClr>
-                <a:srgbClr val="000000"/>
-              </a:buClr>
-              <a:buSzPct val="100000"/>
-              <a:buFont typeface="Arial"/>
-              <a:buChar char="○"/>
-            </a:pPr>
-            <a:r>
-              <a:rPr lang="en">
-                <a:solidFill>
-                  <a:srgbClr val="000000"/>
-                </a:solidFill>
-                <a:latin typeface="Arial"/>
-                <a:ea typeface="Arial"/>
-                <a:cs typeface="Arial"/>
-                <a:sym typeface="Arial"/>
-              </a:rPr>
-              <a:t>List of itineraries</a:t>
-            </a:r>
-            <a:endParaRPr>
-              <a:solidFill>
-                <a:srgbClr val="000000"/>
-              </a:solidFill>
-              <a:latin typeface="Arial"/>
-              <a:ea typeface="Arial"/>
-              <a:cs typeface="Arial"/>
-              <a:sym typeface="Arial"/>
-            </a:endParaRPr>
-          </a:p>
-          <a:p>
-            <a:pPr indent="-293211" lvl="2" marL="1371600" rtl="0" algn="l">
-              <a:spcBef>
-                <a:spcPts val="0"/>
-              </a:spcBef>
-              <a:spcAft>
-                <a:spcPts val="0"/>
-              </a:spcAft>
-              <a:buClr>
-                <a:srgbClr val="000000"/>
-              </a:buClr>
-              <a:buSzPct val="100000"/>
-              <a:buFont typeface="Arial"/>
-              <a:buChar char="■"/>
-            </a:pPr>
-            <a:r>
-              <a:rPr lang="en">
-                <a:solidFill>
-                  <a:srgbClr val="000000"/>
-                </a:solidFill>
-                <a:latin typeface="Arial"/>
-                <a:ea typeface="Arial"/>
-                <a:cs typeface="Arial"/>
-                <a:sym typeface="Arial"/>
-              </a:rPr>
-              <a:t>Card like</a:t>
-            </a:r>
-            <a:endParaRPr>
-              <a:solidFill>
-                <a:srgbClr val="000000"/>
-              </a:solidFill>
-              <a:latin typeface="Arial"/>
-              <a:ea typeface="Arial"/>
-              <a:cs typeface="Arial"/>
-              <a:sym typeface="Arial"/>
-            </a:endParaRPr>
-          </a:p>
-          <a:p>
-            <a:pPr indent="-293211" lvl="3" marL="1828800" rtl="0" algn="l">
-              <a:spcBef>
-                <a:spcPts val="0"/>
-              </a:spcBef>
-              <a:spcAft>
-                <a:spcPts val="0"/>
-              </a:spcAft>
-              <a:buClr>
-                <a:srgbClr val="000000"/>
-              </a:buClr>
-              <a:buSzPct val="100000"/>
-              <a:buFont typeface="Arial"/>
-              <a:buChar char="●"/>
-            </a:pPr>
-            <a:r>
-              <a:rPr lang="en">
-                <a:solidFill>
-                  <a:srgbClr val="000000"/>
-                </a:solidFill>
-                <a:latin typeface="Arial"/>
-                <a:ea typeface="Arial"/>
-                <a:cs typeface="Arial"/>
-                <a:sym typeface="Arial"/>
-              </a:rPr>
-              <a:t>Default of 9</a:t>
-            </a:r>
-            <a:endParaRPr>
-              <a:solidFill>
-                <a:srgbClr val="000000"/>
-              </a:solidFill>
-              <a:latin typeface="Arial"/>
-              <a:ea typeface="Arial"/>
-              <a:cs typeface="Arial"/>
-              <a:sym typeface="Arial"/>
-            </a:endParaRPr>
-          </a:p>
-          <a:p>
-            <a:pPr indent="-293211" lvl="3" marL="1828800" rtl="0" algn="l">
-              <a:spcBef>
-                <a:spcPts val="0"/>
-              </a:spcBef>
-              <a:spcAft>
-                <a:spcPts val="0"/>
-              </a:spcAft>
-              <a:buClr>
-                <a:srgbClr val="000000"/>
-              </a:buClr>
-              <a:buSzPct val="100000"/>
-              <a:buFont typeface="Arial"/>
-              <a:buChar char="●"/>
-            </a:pPr>
-            <a:r>
-              <a:rPr lang="en">
-                <a:solidFill>
-                  <a:srgbClr val="000000"/>
-                </a:solidFill>
-                <a:latin typeface="Arial"/>
-                <a:ea typeface="Arial"/>
-                <a:cs typeface="Arial"/>
-                <a:sym typeface="Arial"/>
-              </a:rPr>
-              <a:t>Start date</a:t>
-            </a:r>
-            <a:endParaRPr>
-              <a:solidFill>
-                <a:srgbClr val="000000"/>
-              </a:solidFill>
-              <a:latin typeface="Arial"/>
-              <a:ea typeface="Arial"/>
-              <a:cs typeface="Arial"/>
-              <a:sym typeface="Arial"/>
-            </a:endParaRPr>
-          </a:p>
-          <a:p>
-            <a:pPr indent="-293211" lvl="3" marL="1828800" rtl="0" algn="l">
-              <a:spcBef>
-                <a:spcPts val="0"/>
-              </a:spcBef>
-              <a:spcAft>
-                <a:spcPts val="0"/>
-              </a:spcAft>
-              <a:buClr>
-                <a:srgbClr val="000000"/>
-              </a:buClr>
-              <a:buSzPct val="100000"/>
-              <a:buFont typeface="Arial"/>
-              <a:buChar char="●"/>
-            </a:pPr>
-            <a:r>
-              <a:rPr lang="en">
-                <a:solidFill>
-                  <a:srgbClr val="000000"/>
-                </a:solidFill>
-                <a:latin typeface="Arial"/>
-                <a:ea typeface="Arial"/>
-                <a:cs typeface="Arial"/>
-                <a:sym typeface="Arial"/>
-              </a:rPr>
-              <a:t>End date</a:t>
-            </a:r>
-            <a:endParaRPr>
-              <a:solidFill>
-                <a:srgbClr val="000000"/>
-              </a:solidFill>
-              <a:latin typeface="Arial"/>
-              <a:ea typeface="Arial"/>
-              <a:cs typeface="Arial"/>
-              <a:sym typeface="Arial"/>
-            </a:endParaRPr>
-          </a:p>
-          <a:p>
-            <a:pPr indent="-293211" lvl="1" marL="914400" rtl="0" algn="l">
-              <a:spcBef>
-                <a:spcPts val="0"/>
-              </a:spcBef>
-              <a:spcAft>
-                <a:spcPts val="0"/>
-              </a:spcAft>
-              <a:buClr>
-                <a:srgbClr val="000000"/>
-              </a:buClr>
-              <a:buSzPct val="100000"/>
-              <a:buFont typeface="Arial"/>
-              <a:buChar char="○"/>
-            </a:pPr>
-            <a:r>
-              <a:rPr lang="en">
-                <a:solidFill>
-                  <a:srgbClr val="000000"/>
-                </a:solidFill>
-                <a:latin typeface="Arial"/>
-                <a:ea typeface="Arial"/>
-                <a:cs typeface="Arial"/>
-                <a:sym typeface="Arial"/>
-              </a:rPr>
-              <a:t>Expanded itinerary has a calendar view</a:t>
-            </a:r>
-            <a:endParaRPr>
-              <a:solidFill>
-                <a:srgbClr val="000000"/>
-              </a:solidFill>
-              <a:latin typeface="Arial"/>
-              <a:ea typeface="Arial"/>
-              <a:cs typeface="Arial"/>
-              <a:sym typeface="Arial"/>
-            </a:endParaRPr>
-          </a:p>
-          <a:p>
-            <a:pPr indent="-293211" lvl="1" marL="914400" rtl="0" algn="l">
-              <a:spcBef>
-                <a:spcPts val="0"/>
-              </a:spcBef>
-              <a:spcAft>
-                <a:spcPts val="0"/>
-              </a:spcAft>
-              <a:buClr>
-                <a:srgbClr val="000000"/>
-              </a:buClr>
-              <a:buSzPct val="100000"/>
-              <a:buFont typeface="Arial"/>
-              <a:buChar char="○"/>
-            </a:pPr>
-            <a:r>
-              <a:rPr lang="en">
-                <a:solidFill>
-                  <a:srgbClr val="000000"/>
-                </a:solidFill>
-                <a:latin typeface="Arial"/>
-                <a:ea typeface="Arial"/>
-                <a:cs typeface="Arial"/>
-                <a:sym typeface="Arial"/>
-              </a:rPr>
-              <a:t>Bullet points on each day</a:t>
-            </a:r>
-            <a:endParaRPr>
-              <a:solidFill>
-                <a:srgbClr val="000000"/>
-              </a:solidFill>
-              <a:latin typeface="Arial"/>
-              <a:ea typeface="Arial"/>
-              <a:cs typeface="Arial"/>
-              <a:sym typeface="Arial"/>
-            </a:endParaRPr>
-          </a:p>
-          <a:p>
-            <a:pPr indent="-293211" lvl="1" marL="914400" rtl="0" algn="l">
-              <a:spcBef>
-                <a:spcPts val="0"/>
-              </a:spcBef>
-              <a:spcAft>
-                <a:spcPts val="0"/>
-              </a:spcAft>
-              <a:buClr>
-                <a:srgbClr val="000000"/>
-              </a:buClr>
-              <a:buSzPct val="100000"/>
-              <a:buFont typeface="Arial"/>
-              <a:buChar char="○"/>
-            </a:pPr>
-            <a:r>
-              <a:rPr lang="en">
-                <a:solidFill>
-                  <a:srgbClr val="000000"/>
-                </a:solidFill>
-                <a:latin typeface="Arial"/>
-                <a:ea typeface="Arial"/>
-                <a:cs typeface="Arial"/>
-                <a:sym typeface="Arial"/>
-              </a:rPr>
-              <a:t>Expandable day</a:t>
-            </a:r>
-            <a:endParaRPr>
-              <a:solidFill>
-                <a:srgbClr val="000000"/>
-              </a:solidFill>
-              <a:latin typeface="Arial"/>
-              <a:ea typeface="Arial"/>
-              <a:cs typeface="Arial"/>
-              <a:sym typeface="Arial"/>
-            </a:endParaRPr>
-          </a:p>
-          <a:p>
-            <a:pPr indent="-293211" lvl="2" marL="1371600" rtl="0" algn="l">
-              <a:spcBef>
-                <a:spcPts val="0"/>
-              </a:spcBef>
-              <a:spcAft>
-                <a:spcPts val="0"/>
-              </a:spcAft>
-              <a:buClr>
-                <a:srgbClr val="000000"/>
-              </a:buClr>
-              <a:buSzPct val="100000"/>
-              <a:buFont typeface="Arial"/>
-              <a:buChar char="■"/>
-            </a:pPr>
-            <a:r>
-              <a:rPr lang="en">
-                <a:solidFill>
-                  <a:srgbClr val="000000"/>
-                </a:solidFill>
-                <a:latin typeface="Arial"/>
-                <a:ea typeface="Arial"/>
-                <a:cs typeface="Arial"/>
-                <a:sym typeface="Arial"/>
-              </a:rPr>
-              <a:t>Edit mode button</a:t>
-            </a:r>
-            <a:endParaRPr>
-              <a:solidFill>
-                <a:srgbClr val="000000"/>
-              </a:solidFill>
-              <a:latin typeface="Arial"/>
-              <a:ea typeface="Arial"/>
-              <a:cs typeface="Arial"/>
-              <a:sym typeface="Arial"/>
-            </a:endParaRPr>
-          </a:p>
-          <a:p>
-            <a:pPr indent="-293211" lvl="3" marL="1828800" rtl="0" algn="l">
-              <a:spcBef>
-                <a:spcPts val="0"/>
-              </a:spcBef>
-              <a:spcAft>
-                <a:spcPts val="0"/>
-              </a:spcAft>
-              <a:buClr>
-                <a:srgbClr val="000000"/>
-              </a:buClr>
-              <a:buSzPct val="100000"/>
-              <a:buFont typeface="Arial"/>
-              <a:buChar char="●"/>
-            </a:pPr>
-            <a:r>
-              <a:rPr lang="en">
-                <a:solidFill>
-                  <a:srgbClr val="000000"/>
-                </a:solidFill>
-                <a:latin typeface="Arial"/>
-                <a:ea typeface="Arial"/>
-                <a:cs typeface="Arial"/>
-                <a:sym typeface="Arial"/>
-              </a:rPr>
-              <a:t>Select events</a:t>
-            </a:r>
-            <a:endParaRPr>
-              <a:solidFill>
-                <a:srgbClr val="000000"/>
-              </a:solidFill>
-              <a:latin typeface="Arial"/>
-              <a:ea typeface="Arial"/>
-              <a:cs typeface="Arial"/>
-              <a:sym typeface="Arial"/>
-            </a:endParaRPr>
-          </a:p>
-          <a:p>
-            <a:pPr indent="-293211" lvl="4" marL="2286000" rtl="0" algn="l">
-              <a:spcBef>
-                <a:spcPts val="0"/>
-              </a:spcBef>
-              <a:spcAft>
-                <a:spcPts val="0"/>
-              </a:spcAft>
-              <a:buClr>
-                <a:srgbClr val="000000"/>
-              </a:buClr>
-              <a:buSzPct val="100000"/>
-              <a:buFont typeface="Arial"/>
-              <a:buChar char="○"/>
-            </a:pPr>
-            <a:r>
-              <a:rPr lang="en">
-                <a:solidFill>
-                  <a:srgbClr val="000000"/>
-                </a:solidFill>
-                <a:latin typeface="Arial"/>
-                <a:ea typeface="Arial"/>
-                <a:cs typeface="Arial"/>
-                <a:sym typeface="Arial"/>
-              </a:rPr>
-              <a:t>Move </a:t>
-            </a:r>
-            <a:endParaRPr>
-              <a:solidFill>
-                <a:srgbClr val="000000"/>
-              </a:solidFill>
-              <a:latin typeface="Arial"/>
-              <a:ea typeface="Arial"/>
-              <a:cs typeface="Arial"/>
-              <a:sym typeface="Arial"/>
-            </a:endParaRPr>
-          </a:p>
-          <a:p>
-            <a:pPr indent="-293211" lvl="4" marL="2286000" rtl="0" algn="l">
-              <a:spcBef>
-                <a:spcPts val="0"/>
-              </a:spcBef>
-              <a:spcAft>
-                <a:spcPts val="0"/>
-              </a:spcAft>
-              <a:buClr>
-                <a:srgbClr val="000000"/>
-              </a:buClr>
-              <a:buSzPct val="100000"/>
-              <a:buFont typeface="Arial"/>
-              <a:buChar char="○"/>
-            </a:pPr>
-            <a:r>
-              <a:rPr lang="en">
-                <a:solidFill>
-                  <a:srgbClr val="000000"/>
-                </a:solidFill>
-                <a:latin typeface="Arial"/>
-                <a:ea typeface="Arial"/>
-                <a:cs typeface="Arial"/>
-                <a:sym typeface="Arial"/>
-              </a:rPr>
-              <a:t>Delete</a:t>
-            </a:r>
-            <a:endParaRPr>
-              <a:solidFill>
-                <a:srgbClr val="000000"/>
-              </a:solidFill>
-              <a:latin typeface="Arial"/>
-              <a:ea typeface="Arial"/>
-              <a:cs typeface="Arial"/>
-              <a:sym typeface="Arial"/>
-            </a:endParaRPr>
-          </a:p>
-          <a:p>
-            <a:pPr indent="-293211" lvl="5" marL="2743200" rtl="0" algn="l">
-              <a:spcBef>
-                <a:spcPts val="0"/>
-              </a:spcBef>
-              <a:spcAft>
-                <a:spcPts val="0"/>
-              </a:spcAft>
-              <a:buClr>
-                <a:srgbClr val="000000"/>
-              </a:buClr>
-              <a:buSzPct val="100000"/>
-              <a:buFont typeface="Arial"/>
-              <a:buChar char="■"/>
-            </a:pPr>
-            <a:r>
-              <a:rPr lang="en">
-                <a:solidFill>
-                  <a:srgbClr val="000000"/>
-                </a:solidFill>
-                <a:latin typeface="Arial"/>
-                <a:ea typeface="Arial"/>
-                <a:cs typeface="Arial"/>
-                <a:sym typeface="Arial"/>
-              </a:rPr>
-              <a:t>Warning</a:t>
-            </a:r>
-            <a:endParaRPr/>
-          </a:p>
-        </p:txBody>
-      </p:sp>
+      </p:pic>
     </p:spTree>
   </p:cSld>
   <p:clrMapOvr>
@@ -12705,7 +13178,7 @@
   <p:cSld>
     <p:spTree>
       <p:nvGrpSpPr>
-        <p:cNvPr id="164" name="Shape 164"/>
+        <p:cNvPr id="165" name="Shape 165"/>
         <p:cNvGrpSpPr/>
         <p:nvPr/>
       </p:nvGrpSpPr>
@@ -12719,7 +13192,7 @@
       </p:grpSpPr>
       <p:sp>
         <p:nvSpPr>
-          <p:cNvPr id="165" name="Google Shape;165;p19"/>
+          <p:cNvPr id="166" name="Google Shape;166;p19"/>
           <p:cNvSpPr txBox="1"/>
           <p:nvPr>
             <p:ph type="title"/>
@@ -12740,7 +13213,7 @@
           </a:bodyPr>
           <a:lstStyle/>
           <a:p>
-            <a:pPr indent="0" lvl="0" marL="0" rtl="0" algn="l">
+            <a:pPr indent="0" lvl="0" marL="0" rtl="0" algn="ctr">
               <a:spcBef>
                 <a:spcPts val="0"/>
               </a:spcBef>
@@ -12751,287 +13224,40 @@
             </a:pPr>
             <a:r>
               <a:rPr lang="en"/>
-              <a:t>React</a:t>
+              <a:t>Itinerary Details Page Cont.</a:t>
             </a:r>
             <a:endParaRPr/>
           </a:p>
         </p:txBody>
       </p:sp>
-      <p:sp>
-        <p:nvSpPr>
-          <p:cNvPr id="166" name="Google Shape;166;p19"/>
-          <p:cNvSpPr txBox="1"/>
-          <p:nvPr>
-            <p:ph idx="1" type="body"/>
-          </p:nvPr>
-        </p:nvSpPr>
+      <p:pic>
+        <p:nvPicPr>
+          <p:cNvPr id="167" name="Google Shape;167;p19"/>
+          <p:cNvPicPr preferRelativeResize="0"/>
+          <p:nvPr/>
+        </p:nvPicPr>
+        <p:blipFill>
+          <a:blip r:embed="rId3">
+            <a:alphaModFix/>
+          </a:blip>
+          <a:stretch>
+            <a:fillRect/>
+          </a:stretch>
+        </p:blipFill>
         <p:spPr>
           <a:xfrm>
-            <a:off x="819150" y="1990725"/>
-            <a:ext cx="7505700" cy="2448000"/>
+            <a:off x="1509175" y="1614100"/>
+            <a:ext cx="6125646" cy="3038500"/>
           </a:xfrm>
           <a:prstGeom prst="rect">
             <a:avLst/>
           </a:prstGeom>
+          <a:noFill/>
+          <a:ln>
+            <a:noFill/>
+          </a:ln>
         </p:spPr>
-        <p:txBody>
-          <a:bodyPr anchorCtr="0" anchor="t" bIns="91425" lIns="91425" spcFirstLastPara="1" rIns="91425" wrap="square" tIns="91425">
-            <a:normAutofit/>
-          </a:bodyPr>
-          <a:lstStyle/>
-          <a:p>
-            <a:pPr indent="-298450" lvl="0" marL="457200" rtl="0" algn="l">
-              <a:spcBef>
-                <a:spcPts val="0"/>
-              </a:spcBef>
-              <a:spcAft>
-                <a:spcPts val="0"/>
-              </a:spcAft>
-              <a:buClr>
-                <a:srgbClr val="000000"/>
-              </a:buClr>
-              <a:buSzPts val="1100"/>
-              <a:buFont typeface="Arial"/>
-              <a:buChar char="●"/>
-            </a:pPr>
-            <a:r>
-              <a:rPr lang="en" sz="1100">
-                <a:solidFill>
-                  <a:srgbClr val="000000"/>
-                </a:solidFill>
-                <a:latin typeface="Arial"/>
-                <a:ea typeface="Arial"/>
-                <a:cs typeface="Arial"/>
-                <a:sym typeface="Arial"/>
-              </a:rPr>
-              <a:t>React</a:t>
-            </a:r>
-            <a:endParaRPr sz="1100">
-              <a:solidFill>
-                <a:srgbClr val="000000"/>
-              </a:solidFill>
-              <a:latin typeface="Arial"/>
-              <a:ea typeface="Arial"/>
-              <a:cs typeface="Arial"/>
-              <a:sym typeface="Arial"/>
-            </a:endParaRPr>
-          </a:p>
-          <a:p>
-            <a:pPr indent="-298450" lvl="1" marL="914400" rtl="0" algn="l">
-              <a:spcBef>
-                <a:spcPts val="0"/>
-              </a:spcBef>
-              <a:spcAft>
-                <a:spcPts val="0"/>
-              </a:spcAft>
-              <a:buClr>
-                <a:srgbClr val="000000"/>
-              </a:buClr>
-              <a:buSzPts val="1100"/>
-              <a:buFont typeface="Arial"/>
-              <a:buChar char="○"/>
-            </a:pPr>
-            <a:r>
-              <a:rPr lang="en">
-                <a:solidFill>
-                  <a:srgbClr val="000000"/>
-                </a:solidFill>
-                <a:latin typeface="Arial"/>
-                <a:ea typeface="Arial"/>
-                <a:cs typeface="Arial"/>
-                <a:sym typeface="Arial"/>
-              </a:rPr>
-              <a:t>Physical framework of project</a:t>
-            </a:r>
-            <a:endParaRPr>
-              <a:solidFill>
-                <a:srgbClr val="000000"/>
-              </a:solidFill>
-              <a:latin typeface="Arial"/>
-              <a:ea typeface="Arial"/>
-              <a:cs typeface="Arial"/>
-              <a:sym typeface="Arial"/>
-            </a:endParaRPr>
-          </a:p>
-          <a:p>
-            <a:pPr indent="-298450" lvl="2" marL="1371600" rtl="0" algn="l">
-              <a:spcBef>
-                <a:spcPts val="0"/>
-              </a:spcBef>
-              <a:spcAft>
-                <a:spcPts val="0"/>
-              </a:spcAft>
-              <a:buClr>
-                <a:srgbClr val="000000"/>
-              </a:buClr>
-              <a:buSzPts val="1100"/>
-              <a:buFont typeface="Arial"/>
-              <a:buChar char="■"/>
-            </a:pPr>
-            <a:r>
-              <a:rPr lang="en">
-                <a:solidFill>
-                  <a:srgbClr val="000000"/>
-                </a:solidFill>
-                <a:latin typeface="Arial"/>
-                <a:ea typeface="Arial"/>
-                <a:cs typeface="Arial"/>
-                <a:sym typeface="Arial"/>
-              </a:rPr>
-              <a:t>Sign in</a:t>
-            </a:r>
-            <a:endParaRPr>
-              <a:solidFill>
-                <a:srgbClr val="000000"/>
-              </a:solidFill>
-              <a:latin typeface="Arial"/>
-              <a:ea typeface="Arial"/>
-              <a:cs typeface="Arial"/>
-              <a:sym typeface="Arial"/>
-            </a:endParaRPr>
-          </a:p>
-          <a:p>
-            <a:pPr indent="-298450" lvl="2" marL="1371600" rtl="0" algn="l">
-              <a:spcBef>
-                <a:spcPts val="0"/>
-              </a:spcBef>
-              <a:spcAft>
-                <a:spcPts val="0"/>
-              </a:spcAft>
-              <a:buClr>
-                <a:srgbClr val="000000"/>
-              </a:buClr>
-              <a:buSzPts val="1100"/>
-              <a:buFont typeface="Arial"/>
-              <a:buChar char="■"/>
-            </a:pPr>
-            <a:r>
-              <a:rPr lang="en">
-                <a:solidFill>
-                  <a:srgbClr val="000000"/>
-                </a:solidFill>
-                <a:latin typeface="Arial"/>
-                <a:ea typeface="Arial"/>
-                <a:cs typeface="Arial"/>
-                <a:sym typeface="Arial"/>
-              </a:rPr>
-              <a:t>Sing out</a:t>
-            </a:r>
-            <a:endParaRPr>
-              <a:solidFill>
-                <a:srgbClr val="000000"/>
-              </a:solidFill>
-              <a:latin typeface="Arial"/>
-              <a:ea typeface="Arial"/>
-              <a:cs typeface="Arial"/>
-              <a:sym typeface="Arial"/>
-            </a:endParaRPr>
-          </a:p>
-          <a:p>
-            <a:pPr indent="-298450" lvl="2" marL="1371600" rtl="0" algn="l">
-              <a:spcBef>
-                <a:spcPts val="0"/>
-              </a:spcBef>
-              <a:spcAft>
-                <a:spcPts val="0"/>
-              </a:spcAft>
-              <a:buClr>
-                <a:srgbClr val="000000"/>
-              </a:buClr>
-              <a:buSzPts val="1100"/>
-              <a:buFont typeface="Arial"/>
-              <a:buChar char="■"/>
-            </a:pPr>
-            <a:r>
-              <a:rPr lang="en">
-                <a:solidFill>
-                  <a:srgbClr val="000000"/>
-                </a:solidFill>
-                <a:latin typeface="Arial"/>
-                <a:ea typeface="Arial"/>
-                <a:cs typeface="Arial"/>
-                <a:sym typeface="Arial"/>
-              </a:rPr>
-              <a:t>Home</a:t>
-            </a:r>
-            <a:endParaRPr>
-              <a:solidFill>
-                <a:srgbClr val="000000"/>
-              </a:solidFill>
-              <a:latin typeface="Arial"/>
-              <a:ea typeface="Arial"/>
-              <a:cs typeface="Arial"/>
-              <a:sym typeface="Arial"/>
-            </a:endParaRPr>
-          </a:p>
-          <a:p>
-            <a:pPr indent="-298450" lvl="2" marL="1371600" rtl="0" algn="l">
-              <a:spcBef>
-                <a:spcPts val="0"/>
-              </a:spcBef>
-              <a:spcAft>
-                <a:spcPts val="0"/>
-              </a:spcAft>
-              <a:buClr>
-                <a:srgbClr val="000000"/>
-              </a:buClr>
-              <a:buSzPts val="1100"/>
-              <a:buFont typeface="Arial"/>
-              <a:buChar char="■"/>
-            </a:pPr>
-            <a:r>
-              <a:rPr lang="en">
-                <a:solidFill>
-                  <a:srgbClr val="000000"/>
-                </a:solidFill>
-                <a:latin typeface="Arial"/>
-                <a:ea typeface="Arial"/>
-                <a:cs typeface="Arial"/>
-                <a:sym typeface="Arial"/>
-              </a:rPr>
-              <a:t>Create Itineraries</a:t>
-            </a:r>
-            <a:endParaRPr>
-              <a:solidFill>
-                <a:srgbClr val="000000"/>
-              </a:solidFill>
-              <a:latin typeface="Arial"/>
-              <a:ea typeface="Arial"/>
-              <a:cs typeface="Arial"/>
-              <a:sym typeface="Arial"/>
-            </a:endParaRPr>
-          </a:p>
-          <a:p>
-            <a:pPr indent="-298450" lvl="2" marL="1371600" rtl="0" algn="l">
-              <a:spcBef>
-                <a:spcPts val="0"/>
-              </a:spcBef>
-              <a:spcAft>
-                <a:spcPts val="0"/>
-              </a:spcAft>
-              <a:buClr>
-                <a:srgbClr val="000000"/>
-              </a:buClr>
-              <a:buSzPts val="1100"/>
-              <a:buFont typeface="Arial"/>
-              <a:buChar char="■"/>
-            </a:pPr>
-            <a:r>
-              <a:rPr lang="en">
-                <a:solidFill>
-                  <a:srgbClr val="000000"/>
-                </a:solidFill>
-                <a:latin typeface="Arial"/>
-                <a:ea typeface="Arial"/>
-                <a:cs typeface="Arial"/>
-                <a:sym typeface="Arial"/>
-              </a:rPr>
-              <a:t>List Itineraries</a:t>
-            </a:r>
-            <a:endParaRPr/>
-          </a:p>
-        </p:txBody>
-      </p:sp>
+      </p:pic>
     </p:spTree>
   </p:cSld>
   <p:clrMapOvr>
@@ -13045,7 +13271,7 @@
   <p:cSld>
     <p:spTree>
       <p:nvGrpSpPr>
-        <p:cNvPr id="170" name="Shape 170"/>
+        <p:cNvPr id="171" name="Shape 171"/>
         <p:cNvGrpSpPr/>
         <p:nvPr/>
       </p:nvGrpSpPr>
@@ -13059,7 +13285,7 @@
       </p:grpSpPr>
       <p:sp>
         <p:nvSpPr>
-          <p:cNvPr id="171" name="Google Shape;171;p20"/>
+          <p:cNvPr id="172" name="Google Shape;172;p20"/>
           <p:cNvSpPr txBox="1"/>
           <p:nvPr>
             <p:ph type="title"/>
@@ -13080,7 +13306,7 @@
           </a:bodyPr>
           <a:lstStyle/>
           <a:p>
-            <a:pPr indent="0" lvl="0" marL="0" rtl="0" algn="l">
+            <a:pPr indent="0" lvl="0" marL="0" rtl="0" algn="ctr">
               <a:spcBef>
                 <a:spcPts val="0"/>
               </a:spcBef>
@@ -13091,324 +13317,68 @@
             </a:pPr>
             <a:r>
               <a:rPr lang="en"/>
-              <a:t>Supabase and Vercel</a:t>
+              <a:t>Create Itinerary</a:t>
             </a:r>
             <a:endParaRPr/>
           </a:p>
         </p:txBody>
       </p:sp>
-      <p:sp>
-        <p:nvSpPr>
-          <p:cNvPr id="172" name="Google Shape;172;p20"/>
-          <p:cNvSpPr txBox="1"/>
-          <p:nvPr>
-            <p:ph idx="1" type="body"/>
-          </p:nvPr>
-        </p:nvSpPr>
+      <p:pic>
+        <p:nvPicPr>
+          <p:cNvPr id="173" name="Google Shape;173;p20"/>
+          <p:cNvPicPr preferRelativeResize="0"/>
+          <p:nvPr/>
+        </p:nvPicPr>
+        <p:blipFill>
+          <a:blip r:embed="rId3">
+            <a:alphaModFix/>
+          </a:blip>
+          <a:stretch>
+            <a:fillRect/>
+          </a:stretch>
+        </p:blipFill>
         <p:spPr>
           <a:xfrm>
-            <a:off x="819150" y="1990725"/>
-            <a:ext cx="7505700" cy="2448000"/>
+            <a:off x="4449725" y="2064025"/>
+            <a:ext cx="4433549" cy="2834175"/>
           </a:xfrm>
           <a:prstGeom prst="rect">
             <a:avLst/>
           </a:prstGeom>
+          <a:noFill/>
+          <a:ln>
+            <a:noFill/>
+          </a:ln>
         </p:spPr>
-        <p:txBody>
-          <a:bodyPr anchorCtr="0" anchor="t" bIns="91425" lIns="91425" spcFirstLastPara="1" rIns="91425" wrap="square" tIns="91425">
-            <a:normAutofit/>
-          </a:bodyPr>
-          <a:lstStyle/>
-          <a:p>
-            <a:pPr indent="-298450" lvl="1" marL="914400" rtl="0" algn="l">
-              <a:spcBef>
-                <a:spcPts val="0"/>
-              </a:spcBef>
-              <a:spcAft>
-                <a:spcPts val="0"/>
-              </a:spcAft>
-              <a:buClr>
-                <a:srgbClr val="000000"/>
-              </a:buClr>
-              <a:buSzPts val="1100"/>
-              <a:buFont typeface="Arial"/>
-              <a:buChar char="○"/>
-            </a:pPr>
-            <a:r>
-              <a:rPr lang="en">
-                <a:solidFill>
-                  <a:srgbClr val="000000"/>
-                </a:solidFill>
-                <a:latin typeface="Arial"/>
-                <a:ea typeface="Arial"/>
-                <a:cs typeface="Arial"/>
-                <a:sym typeface="Arial"/>
-              </a:rPr>
-              <a:t>Connecting the Physical framework to the database</a:t>
-            </a:r>
-            <a:endParaRPr>
-              <a:solidFill>
-                <a:srgbClr val="000000"/>
-              </a:solidFill>
-              <a:latin typeface="Arial"/>
-              <a:ea typeface="Arial"/>
-              <a:cs typeface="Arial"/>
-              <a:sym typeface="Arial"/>
-            </a:endParaRPr>
-          </a:p>
-          <a:p>
-            <a:pPr indent="-298450" lvl="2" marL="1371600" rtl="0" algn="l">
-              <a:spcBef>
-                <a:spcPts val="0"/>
-              </a:spcBef>
-              <a:spcAft>
-                <a:spcPts val="0"/>
-              </a:spcAft>
-              <a:buClr>
-                <a:srgbClr val="000000"/>
-              </a:buClr>
-              <a:buSzPts val="1100"/>
-              <a:buFont typeface="Arial"/>
-              <a:buChar char="■"/>
-            </a:pPr>
-            <a:r>
-              <a:rPr lang="en">
-                <a:solidFill>
-                  <a:srgbClr val="000000"/>
-                </a:solidFill>
-                <a:latin typeface="Arial"/>
-                <a:ea typeface="Arial"/>
-                <a:cs typeface="Arial"/>
-                <a:sym typeface="Arial"/>
-              </a:rPr>
-              <a:t>User data</a:t>
-            </a:r>
-            <a:endParaRPr>
-              <a:solidFill>
-                <a:srgbClr val="000000"/>
-              </a:solidFill>
-              <a:latin typeface="Arial"/>
-              <a:ea typeface="Arial"/>
-              <a:cs typeface="Arial"/>
-              <a:sym typeface="Arial"/>
-            </a:endParaRPr>
-          </a:p>
-          <a:p>
-            <a:pPr indent="-298450" lvl="3" marL="1828800" rtl="0" algn="l">
-              <a:spcBef>
-                <a:spcPts val="0"/>
-              </a:spcBef>
-              <a:spcAft>
-                <a:spcPts val="0"/>
-              </a:spcAft>
-              <a:buClr>
-                <a:srgbClr val="000000"/>
-              </a:buClr>
-              <a:buSzPts val="1100"/>
-              <a:buFont typeface="Arial"/>
-              <a:buChar char="●"/>
-            </a:pPr>
-            <a:r>
-              <a:rPr lang="en">
-                <a:solidFill>
-                  <a:srgbClr val="000000"/>
-                </a:solidFill>
-                <a:latin typeface="Arial"/>
-                <a:ea typeface="Arial"/>
-                <a:cs typeface="Arial"/>
-                <a:sym typeface="Arial"/>
-              </a:rPr>
-              <a:t>Location</a:t>
-            </a:r>
-            <a:endParaRPr>
-              <a:solidFill>
-                <a:srgbClr val="000000"/>
-              </a:solidFill>
-              <a:latin typeface="Arial"/>
-              <a:ea typeface="Arial"/>
-              <a:cs typeface="Arial"/>
-              <a:sym typeface="Arial"/>
-            </a:endParaRPr>
-          </a:p>
-          <a:p>
-            <a:pPr indent="-298450" lvl="3" marL="1828800" rtl="0" algn="l">
-              <a:spcBef>
-                <a:spcPts val="0"/>
-              </a:spcBef>
-              <a:spcAft>
-                <a:spcPts val="0"/>
-              </a:spcAft>
-              <a:buClr>
-                <a:srgbClr val="000000"/>
-              </a:buClr>
-              <a:buSzPts val="1100"/>
-              <a:buFont typeface="Arial"/>
-              <a:buChar char="●"/>
-            </a:pPr>
-            <a:r>
-              <a:rPr lang="en">
-                <a:solidFill>
-                  <a:srgbClr val="000000"/>
-                </a:solidFill>
-                <a:latin typeface="Arial"/>
-                <a:ea typeface="Arial"/>
-                <a:cs typeface="Arial"/>
-                <a:sym typeface="Arial"/>
-              </a:rPr>
-              <a:t>Name</a:t>
-            </a:r>
-            <a:endParaRPr>
-              <a:solidFill>
-                <a:srgbClr val="000000"/>
-              </a:solidFill>
-              <a:latin typeface="Arial"/>
-              <a:ea typeface="Arial"/>
-              <a:cs typeface="Arial"/>
-              <a:sym typeface="Arial"/>
-            </a:endParaRPr>
-          </a:p>
-          <a:p>
-            <a:pPr indent="-298450" lvl="3" marL="1828800" rtl="0" algn="l">
-              <a:spcBef>
-                <a:spcPts val="0"/>
-              </a:spcBef>
-              <a:spcAft>
-                <a:spcPts val="0"/>
-              </a:spcAft>
-              <a:buClr>
-                <a:srgbClr val="000000"/>
-              </a:buClr>
-              <a:buSzPts val="1100"/>
-              <a:buFont typeface="Arial"/>
-              <a:buChar char="●"/>
-            </a:pPr>
-            <a:r>
-              <a:rPr lang="en">
-                <a:solidFill>
-                  <a:srgbClr val="000000"/>
-                </a:solidFill>
-                <a:latin typeface="Arial"/>
-                <a:ea typeface="Arial"/>
-                <a:cs typeface="Arial"/>
-                <a:sym typeface="Arial"/>
-              </a:rPr>
-              <a:t>Numer of itineraries</a:t>
-            </a:r>
-            <a:endParaRPr>
-              <a:solidFill>
-                <a:srgbClr val="000000"/>
-              </a:solidFill>
-              <a:latin typeface="Arial"/>
-              <a:ea typeface="Arial"/>
-              <a:cs typeface="Arial"/>
-              <a:sym typeface="Arial"/>
-            </a:endParaRPr>
-          </a:p>
-          <a:p>
-            <a:pPr indent="-298450" lvl="4" marL="2286000" rtl="0" algn="l">
-              <a:spcBef>
-                <a:spcPts val="0"/>
-              </a:spcBef>
-              <a:spcAft>
-                <a:spcPts val="0"/>
-              </a:spcAft>
-              <a:buClr>
-                <a:srgbClr val="000000"/>
-              </a:buClr>
-              <a:buSzPts val="1100"/>
-              <a:buFont typeface="Arial"/>
-              <a:buChar char="○"/>
-            </a:pPr>
-            <a:r>
-              <a:rPr lang="en">
-                <a:solidFill>
-                  <a:srgbClr val="000000"/>
-                </a:solidFill>
-                <a:latin typeface="Arial"/>
-                <a:ea typeface="Arial"/>
-                <a:cs typeface="Arial"/>
-                <a:sym typeface="Arial"/>
-              </a:rPr>
-              <a:t>Names of itineraries</a:t>
-            </a:r>
-            <a:endParaRPr>
-              <a:solidFill>
-                <a:srgbClr val="000000"/>
-              </a:solidFill>
-              <a:latin typeface="Arial"/>
-              <a:ea typeface="Arial"/>
-              <a:cs typeface="Arial"/>
-              <a:sym typeface="Arial"/>
-            </a:endParaRPr>
-          </a:p>
-          <a:p>
-            <a:pPr indent="-298450" lvl="4" marL="2286000" rtl="0" algn="l">
-              <a:spcBef>
-                <a:spcPts val="0"/>
-              </a:spcBef>
-              <a:spcAft>
-                <a:spcPts val="0"/>
-              </a:spcAft>
-              <a:buClr>
-                <a:srgbClr val="000000"/>
-              </a:buClr>
-              <a:buSzPts val="1100"/>
-              <a:buFont typeface="Arial"/>
-              <a:buChar char="○"/>
-            </a:pPr>
-            <a:r>
-              <a:rPr lang="en">
-                <a:solidFill>
-                  <a:srgbClr val="000000"/>
-                </a:solidFill>
-                <a:latin typeface="Arial"/>
-                <a:ea typeface="Arial"/>
-                <a:cs typeface="Arial"/>
-                <a:sym typeface="Arial"/>
-              </a:rPr>
-              <a:t>Details in itineraries</a:t>
-            </a:r>
-            <a:endParaRPr>
-              <a:solidFill>
-                <a:srgbClr val="000000"/>
-              </a:solidFill>
-              <a:latin typeface="Arial"/>
-              <a:ea typeface="Arial"/>
-              <a:cs typeface="Arial"/>
-              <a:sym typeface="Arial"/>
-            </a:endParaRPr>
-          </a:p>
-          <a:p>
-            <a:pPr indent="-298450" lvl="1" marL="914400" rtl="0" algn="l">
-              <a:spcBef>
-                <a:spcPts val="0"/>
-              </a:spcBef>
-              <a:spcAft>
-                <a:spcPts val="0"/>
-              </a:spcAft>
-              <a:buClr>
-                <a:srgbClr val="000000"/>
-              </a:buClr>
-              <a:buSzPts val="1100"/>
-              <a:buFont typeface="Arial"/>
-              <a:buChar char="○"/>
-            </a:pPr>
-            <a:r>
-              <a:rPr lang="en">
-                <a:solidFill>
-                  <a:srgbClr val="000000"/>
-                </a:solidFill>
-                <a:latin typeface="Arial"/>
-                <a:ea typeface="Arial"/>
-                <a:cs typeface="Arial"/>
-                <a:sym typeface="Arial"/>
-              </a:rPr>
-              <a:t>Connecting both to the web</a:t>
-            </a:r>
-            <a:endParaRPr b="1"/>
-          </a:p>
-        </p:txBody>
-      </p:sp>
+      </p:pic>
+      <p:pic>
+        <p:nvPicPr>
+          <p:cNvPr id="174" name="Google Shape;174;p20"/>
+          <p:cNvPicPr preferRelativeResize="0"/>
+          <p:nvPr/>
+        </p:nvPicPr>
+        <p:blipFill>
+          <a:blip r:embed="rId4">
+            <a:alphaModFix/>
+          </a:blip>
+          <a:stretch>
+            <a:fillRect/>
+          </a:stretch>
+        </p:blipFill>
+        <p:spPr>
+          <a:xfrm>
+            <a:off x="261275" y="2064025"/>
+            <a:ext cx="4142250" cy="2834176"/>
+          </a:xfrm>
+          <a:prstGeom prst="rect">
+            <a:avLst/>
+          </a:prstGeom>
+          <a:noFill/>
+          <a:ln>
+            <a:noFill/>
+          </a:ln>
+        </p:spPr>
+      </p:pic>
     </p:spTree>
   </p:cSld>
   <p:clrMapOvr>
@@ -13422,7 +13392,7 @@
   <p:cSld>
     <p:spTree>
       <p:nvGrpSpPr>
-        <p:cNvPr id="176" name="Shape 176"/>
+        <p:cNvPr id="178" name="Shape 178"/>
         <p:cNvGrpSpPr/>
         <p:nvPr/>
       </p:nvGrpSpPr>
@@ -13436,7 +13406,7 @@
       </p:grpSpPr>
       <p:sp>
         <p:nvSpPr>
-          <p:cNvPr id="177" name="Google Shape;177;p21"/>
+          <p:cNvPr id="179" name="Google Shape;179;p21"/>
           <p:cNvSpPr txBox="1"/>
           <p:nvPr>
             <p:ph type="title"/>
@@ -13457,7 +13427,7 @@
           </a:bodyPr>
           <a:lstStyle/>
           <a:p>
-            <a:pPr indent="0" lvl="0" marL="0" rtl="0" algn="l">
+            <a:pPr indent="0" lvl="0" marL="0" rtl="0" algn="ctr">
               <a:spcBef>
                 <a:spcPts val="0"/>
               </a:spcBef>
@@ -13468,324 +13438,40 @@
             </a:pPr>
             <a:r>
               <a:rPr lang="en"/>
-              <a:t>Complete</a:t>
+              <a:t>Place Details Modal</a:t>
             </a:r>
             <a:endParaRPr/>
           </a:p>
         </p:txBody>
       </p:sp>
-      <p:sp>
-        <p:nvSpPr>
-          <p:cNvPr id="178" name="Google Shape;178;p21"/>
-          <p:cNvSpPr txBox="1"/>
-          <p:nvPr>
-            <p:ph idx="1" type="body"/>
-          </p:nvPr>
-        </p:nvSpPr>
+      <p:pic>
+        <p:nvPicPr>
+          <p:cNvPr id="180" name="Google Shape;180;p21"/>
+          <p:cNvPicPr preferRelativeResize="0"/>
+          <p:nvPr/>
+        </p:nvPicPr>
+        <p:blipFill>
+          <a:blip r:embed="rId3">
+            <a:alphaModFix/>
+          </a:blip>
+          <a:stretch>
+            <a:fillRect/>
+          </a:stretch>
+        </p:blipFill>
         <p:spPr>
           <a:xfrm>
-            <a:off x="819150" y="1990725"/>
-            <a:ext cx="7505700" cy="2448000"/>
+            <a:off x="1791675" y="1457025"/>
+            <a:ext cx="4944650" cy="3401350"/>
           </a:xfrm>
           <a:prstGeom prst="rect">
             <a:avLst/>
           </a:prstGeom>
+          <a:noFill/>
+          <a:ln>
+            <a:noFill/>
+          </a:ln>
         </p:spPr>
-        <p:txBody>
-          <a:bodyPr anchorCtr="0" anchor="t" bIns="91425" lIns="91425" spcFirstLastPara="1" rIns="91425" wrap="square" tIns="91425">
-            <a:normAutofit/>
-          </a:bodyPr>
-          <a:lstStyle/>
-          <a:p>
-            <a:pPr indent="-298450" lvl="0" marL="457200" rtl="0" algn="l">
-              <a:spcBef>
-                <a:spcPts val="0"/>
-              </a:spcBef>
-              <a:spcAft>
-                <a:spcPts val="0"/>
-              </a:spcAft>
-              <a:buClr>
-                <a:srgbClr val="000000"/>
-              </a:buClr>
-              <a:buSzPts val="1100"/>
-              <a:buFont typeface="Arial"/>
-              <a:buChar char="●"/>
-            </a:pPr>
-            <a:r>
-              <a:rPr lang="en" sz="1100">
-                <a:solidFill>
-                  <a:srgbClr val="000000"/>
-                </a:solidFill>
-                <a:latin typeface="Arial"/>
-                <a:ea typeface="Arial"/>
-                <a:cs typeface="Arial"/>
-                <a:sym typeface="Arial"/>
-              </a:rPr>
-              <a:t>Sign in page</a:t>
-            </a:r>
-            <a:endParaRPr sz="1100">
-              <a:solidFill>
-                <a:srgbClr val="000000"/>
-              </a:solidFill>
-              <a:latin typeface="Arial"/>
-              <a:ea typeface="Arial"/>
-              <a:cs typeface="Arial"/>
-              <a:sym typeface="Arial"/>
-            </a:endParaRPr>
-          </a:p>
-          <a:p>
-            <a:pPr indent="-298450" lvl="1" marL="914400" rtl="0" algn="l">
-              <a:spcBef>
-                <a:spcPts val="0"/>
-              </a:spcBef>
-              <a:spcAft>
-                <a:spcPts val="0"/>
-              </a:spcAft>
-              <a:buClr>
-                <a:srgbClr val="000000"/>
-              </a:buClr>
-              <a:buSzPts val="1100"/>
-              <a:buFont typeface="Arial"/>
-              <a:buChar char="○"/>
-            </a:pPr>
-            <a:r>
-              <a:rPr lang="en">
-                <a:solidFill>
-                  <a:srgbClr val="000000"/>
-                </a:solidFill>
-                <a:latin typeface="Arial"/>
-                <a:ea typeface="Arial"/>
-                <a:cs typeface="Arial"/>
-                <a:sym typeface="Arial"/>
-              </a:rPr>
-              <a:t>Google sign in</a:t>
-            </a:r>
-            <a:endParaRPr>
-              <a:solidFill>
-                <a:srgbClr val="000000"/>
-              </a:solidFill>
-              <a:latin typeface="Arial"/>
-              <a:ea typeface="Arial"/>
-              <a:cs typeface="Arial"/>
-              <a:sym typeface="Arial"/>
-            </a:endParaRPr>
-          </a:p>
-          <a:p>
-            <a:pPr indent="-298450" lvl="0" marL="457200" rtl="0" algn="l">
-              <a:spcBef>
-                <a:spcPts val="0"/>
-              </a:spcBef>
-              <a:spcAft>
-                <a:spcPts val="0"/>
-              </a:spcAft>
-              <a:buClr>
-                <a:srgbClr val="000000"/>
-              </a:buClr>
-              <a:buSzPts val="1100"/>
-              <a:buFont typeface="Arial"/>
-              <a:buChar char="●"/>
-            </a:pPr>
-            <a:r>
-              <a:rPr lang="en" sz="1100">
-                <a:solidFill>
-                  <a:srgbClr val="000000"/>
-                </a:solidFill>
-                <a:latin typeface="Arial"/>
-                <a:ea typeface="Arial"/>
-                <a:cs typeface="Arial"/>
-                <a:sym typeface="Arial"/>
-              </a:rPr>
-              <a:t>Sign out feature button</a:t>
-            </a:r>
-            <a:endParaRPr sz="1100">
-              <a:solidFill>
-                <a:srgbClr val="000000"/>
-              </a:solidFill>
-              <a:latin typeface="Arial"/>
-              <a:ea typeface="Arial"/>
-              <a:cs typeface="Arial"/>
-              <a:sym typeface="Arial"/>
-            </a:endParaRPr>
-          </a:p>
-          <a:p>
-            <a:pPr indent="-298450" lvl="0" marL="457200" rtl="0" algn="l">
-              <a:spcBef>
-                <a:spcPts val="0"/>
-              </a:spcBef>
-              <a:spcAft>
-                <a:spcPts val="0"/>
-              </a:spcAft>
-              <a:buClr>
-                <a:srgbClr val="000000"/>
-              </a:buClr>
-              <a:buSzPts val="1100"/>
-              <a:buFont typeface="Arial"/>
-              <a:buChar char="●"/>
-            </a:pPr>
-            <a:r>
-              <a:rPr lang="en" sz="1100">
-                <a:solidFill>
-                  <a:srgbClr val="000000"/>
-                </a:solidFill>
-                <a:latin typeface="Arial"/>
-                <a:ea typeface="Arial"/>
-                <a:cs typeface="Arial"/>
-                <a:sym typeface="Arial"/>
-              </a:rPr>
-              <a:t>Home page: Empty page component </a:t>
-            </a:r>
-            <a:endParaRPr sz="1100">
-              <a:solidFill>
-                <a:srgbClr val="000000"/>
-              </a:solidFill>
-              <a:latin typeface="Arial"/>
-              <a:ea typeface="Arial"/>
-              <a:cs typeface="Arial"/>
-              <a:sym typeface="Arial"/>
-            </a:endParaRPr>
-          </a:p>
-          <a:p>
-            <a:pPr indent="-298450" lvl="0" marL="457200" rtl="0" algn="l">
-              <a:spcBef>
-                <a:spcPts val="0"/>
-              </a:spcBef>
-              <a:spcAft>
-                <a:spcPts val="0"/>
-              </a:spcAft>
-              <a:buClr>
-                <a:srgbClr val="000000"/>
-              </a:buClr>
-              <a:buSzPts val="1100"/>
-              <a:buFont typeface="Arial"/>
-              <a:buChar char="●"/>
-            </a:pPr>
-            <a:r>
-              <a:rPr lang="en" sz="1100">
-                <a:solidFill>
-                  <a:srgbClr val="000000"/>
-                </a:solidFill>
-                <a:latin typeface="Arial"/>
-                <a:ea typeface="Arial"/>
-                <a:cs typeface="Arial"/>
-                <a:sym typeface="Arial"/>
-              </a:rPr>
-              <a:t>List itineraries page: Empty page component </a:t>
-            </a:r>
-            <a:endParaRPr sz="1100">
-              <a:solidFill>
-                <a:srgbClr val="000000"/>
-              </a:solidFill>
-              <a:latin typeface="Arial"/>
-              <a:ea typeface="Arial"/>
-              <a:cs typeface="Arial"/>
-              <a:sym typeface="Arial"/>
-            </a:endParaRPr>
-          </a:p>
-          <a:p>
-            <a:pPr indent="-298450" lvl="0" marL="457200" rtl="0" algn="l">
-              <a:spcBef>
-                <a:spcPts val="0"/>
-              </a:spcBef>
-              <a:spcAft>
-                <a:spcPts val="0"/>
-              </a:spcAft>
-              <a:buClr>
-                <a:srgbClr val="000000"/>
-              </a:buClr>
-              <a:buSzPts val="1100"/>
-              <a:buFont typeface="Arial"/>
-              <a:buChar char="●"/>
-            </a:pPr>
-            <a:r>
-              <a:rPr lang="en" sz="1100">
-                <a:solidFill>
-                  <a:srgbClr val="000000"/>
-                </a:solidFill>
-                <a:latin typeface="Arial"/>
-                <a:ea typeface="Arial"/>
-                <a:cs typeface="Arial"/>
-                <a:sym typeface="Arial"/>
-              </a:rPr>
-              <a:t>List of itineraries: Card like component </a:t>
-            </a:r>
-            <a:endParaRPr sz="1100">
-              <a:solidFill>
-                <a:srgbClr val="000000"/>
-              </a:solidFill>
-              <a:latin typeface="Arial"/>
-              <a:ea typeface="Arial"/>
-              <a:cs typeface="Arial"/>
-              <a:sym typeface="Arial"/>
-            </a:endParaRPr>
-          </a:p>
-          <a:p>
-            <a:pPr indent="-298450" lvl="0" marL="457200" rtl="0" algn="l">
-              <a:spcBef>
-                <a:spcPts val="0"/>
-              </a:spcBef>
-              <a:spcAft>
-                <a:spcPts val="0"/>
-              </a:spcAft>
-              <a:buClr>
-                <a:srgbClr val="000000"/>
-              </a:buClr>
-              <a:buSzPts val="1100"/>
-              <a:buFont typeface="Arial"/>
-              <a:buChar char="●"/>
-            </a:pPr>
-            <a:r>
-              <a:rPr lang="en" sz="1100">
-                <a:solidFill>
-                  <a:srgbClr val="000000"/>
-                </a:solidFill>
-                <a:latin typeface="Arial"/>
-                <a:ea typeface="Arial"/>
-                <a:cs typeface="Arial"/>
-                <a:sym typeface="Arial"/>
-              </a:rPr>
-              <a:t>Bullet points of itinerary card</a:t>
-            </a:r>
-            <a:endParaRPr sz="1100">
-              <a:solidFill>
-                <a:srgbClr val="000000"/>
-              </a:solidFill>
-              <a:latin typeface="Arial"/>
-              <a:ea typeface="Arial"/>
-              <a:cs typeface="Arial"/>
-              <a:sym typeface="Arial"/>
-            </a:endParaRPr>
-          </a:p>
-          <a:p>
-            <a:pPr indent="-298450" lvl="0" marL="457200" rtl="0" algn="l">
-              <a:spcBef>
-                <a:spcPts val="0"/>
-              </a:spcBef>
-              <a:spcAft>
-                <a:spcPts val="0"/>
-              </a:spcAft>
-              <a:buClr>
-                <a:srgbClr val="000000"/>
-              </a:buClr>
-              <a:buSzPts val="1100"/>
-              <a:buFont typeface="Arial"/>
-              <a:buChar char="●"/>
-            </a:pPr>
-            <a:r>
-              <a:rPr lang="en" sz="1100">
-                <a:solidFill>
-                  <a:srgbClr val="000000"/>
-                </a:solidFill>
-                <a:latin typeface="Arial"/>
-                <a:ea typeface="Arial"/>
-                <a:cs typeface="Arial"/>
-                <a:sym typeface="Arial"/>
-              </a:rPr>
-              <a:t>Expandable itinerary card</a:t>
-            </a:r>
-            <a:endParaRPr/>
-          </a:p>
-        </p:txBody>
-      </p:sp>
+      </p:pic>
     </p:spTree>
   </p:cSld>
   <p:clrMapOvr>

--- a/Documents/Progress Update/Project Update.pptx
+++ b/Documents/Progress Update/Project Update.pptx
@@ -27,16 +27,17 @@
     <p:sldId id="272" r:id="rId22"/>
     <p:sldId id="273" r:id="rId23"/>
     <p:sldId id="274" r:id="rId24"/>
+    <p:sldId id="275" r:id="rId25"/>
   </p:sldIdLst>
   <p:sldSz cy="5143500" cx="9144000"/>
   <p:notesSz cx="6858000" cy="9144000"/>
   <p:embeddedFontLst>
     <p:embeddedFont>
       <p:font typeface="Nunito"/>
-      <p:regular r:id="rId25"/>
-      <p:bold r:id="rId26"/>
-      <p:italic r:id="rId27"/>
-      <p:boldItalic r:id="rId28"/>
+      <p:regular r:id="rId26"/>
+      <p:bold r:id="rId27"/>
+      <p:italic r:id="rId28"/>
+      <p:boldItalic r:id="rId29"/>
     </p:embeddedFont>
   </p:embeddedFontLst>
   <p:defaultTextStyle>
@@ -831,7 +832,7 @@
       </p:grpSpPr>
       <p:sp>
         <p:nvSpPr>
-          <p:cNvPr id="182" name="Google Shape;182;g39f9ecad944_0_55:notes"/>
+          <p:cNvPr id="182" name="Google Shape;182;g39f9ecad944_0_45:notes"/>
           <p:cNvSpPr/>
           <p:nvPr>
             <p:ph idx="2" type="sldImg"/>
@@ -866,7 +867,7 @@
       </p:sp>
       <p:sp>
         <p:nvSpPr>
-          <p:cNvPr id="183" name="Google Shape;183;g39f9ecad944_0_55:notes"/>
+          <p:cNvPr id="183" name="Google Shape;183;g39f9ecad944_0_45:notes"/>
           <p:cNvSpPr txBox="1"/>
           <p:nvPr>
             <p:ph idx="1" type="body"/>
@@ -930,7 +931,7 @@
       </p:grpSpPr>
       <p:sp>
         <p:nvSpPr>
-          <p:cNvPr id="188" name="Google Shape;188;g39f9ecad944_0_60:notes"/>
+          <p:cNvPr id="188" name="Google Shape;188;g39f9ecad944_0_55:notes"/>
           <p:cNvSpPr/>
           <p:nvPr>
             <p:ph idx="2" type="sldImg"/>
@@ -965,7 +966,7 @@
       </p:sp>
       <p:sp>
         <p:nvSpPr>
-          <p:cNvPr id="189" name="Google Shape;189;g39f9ecad944_0_60:notes"/>
+          <p:cNvPr id="189" name="Google Shape;189;g39f9ecad944_0_55:notes"/>
           <p:cNvSpPr txBox="1"/>
           <p:nvPr>
             <p:ph idx="1" type="body"/>
@@ -1029,7 +1030,7 @@
       </p:grpSpPr>
       <p:sp>
         <p:nvSpPr>
-          <p:cNvPr id="194" name="Google Shape;194;g39f9ecad944_0_9:notes"/>
+          <p:cNvPr id="194" name="Google Shape;194;g39f9ecad944_0_60:notes"/>
           <p:cNvSpPr/>
           <p:nvPr>
             <p:ph idx="2" type="sldImg"/>
@@ -1064,7 +1065,7 @@
       </p:sp>
       <p:sp>
         <p:nvSpPr>
-          <p:cNvPr id="195" name="Google Shape;195;g39f9ecad944_0_9:notes"/>
+          <p:cNvPr id="195" name="Google Shape;195;g39f9ecad944_0_60:notes"/>
           <p:cNvSpPr txBox="1"/>
           <p:nvPr>
             <p:ph idx="1" type="body"/>
@@ -1114,7 +1115,7 @@
   <p:cSld>
     <p:spTree>
       <p:nvGrpSpPr>
-        <p:cNvPr id="198" name="Shape 198"/>
+        <p:cNvPr id="199" name="Shape 199"/>
         <p:cNvGrpSpPr/>
         <p:nvPr/>
       </p:nvGrpSpPr>
@@ -1128,7 +1129,7 @@
       </p:grpSpPr>
       <p:sp>
         <p:nvSpPr>
-          <p:cNvPr id="199" name="Google Shape;199;g39f9ecad944_0_50:notes"/>
+          <p:cNvPr id="200" name="Google Shape;200;g39f9ecad944_0_9:notes"/>
           <p:cNvSpPr/>
           <p:nvPr>
             <p:ph idx="2" type="sldImg"/>
@@ -1163,7 +1164,7 @@
       </p:sp>
       <p:sp>
         <p:nvSpPr>
-          <p:cNvPr id="200" name="Google Shape;200;g39f9ecad944_0_50:notes"/>
+          <p:cNvPr id="201" name="Google Shape;201;g39f9ecad944_0_9:notes"/>
           <p:cNvSpPr txBox="1"/>
           <p:nvPr>
             <p:ph idx="1" type="body"/>
@@ -1227,7 +1228,7 @@
       </p:grpSpPr>
       <p:sp>
         <p:nvSpPr>
-          <p:cNvPr id="205" name="Google Shape;205;g39d45391ef2_0_654:notes"/>
+          <p:cNvPr id="205" name="Google Shape;205;g39f9ecad944_0_50:notes"/>
           <p:cNvSpPr/>
           <p:nvPr>
             <p:ph idx="2" type="sldImg"/>
@@ -1262,7 +1263,7 @@
       </p:sp>
       <p:sp>
         <p:nvSpPr>
-          <p:cNvPr id="206" name="Google Shape;206;g39d45391ef2_0_654:notes"/>
+          <p:cNvPr id="206" name="Google Shape;206;g39f9ecad944_0_50:notes"/>
           <p:cNvSpPr txBox="1"/>
           <p:nvPr>
             <p:ph idx="1" type="body"/>
@@ -1326,7 +1327,7 @@
       </p:grpSpPr>
       <p:sp>
         <p:nvSpPr>
-          <p:cNvPr id="211" name="Google Shape;211;g39f9ecad944_0_13:notes"/>
+          <p:cNvPr id="211" name="Google Shape;211;g39d45391ef2_0_654:notes"/>
           <p:cNvSpPr/>
           <p:nvPr>
             <p:ph idx="2" type="sldImg"/>
@@ -1361,7 +1362,7 @@
       </p:sp>
       <p:sp>
         <p:nvSpPr>
-          <p:cNvPr id="212" name="Google Shape;212;g39f9ecad944_0_13:notes"/>
+          <p:cNvPr id="212" name="Google Shape;212;g39d45391ef2_0_654:notes"/>
           <p:cNvSpPr txBox="1"/>
           <p:nvPr>
             <p:ph idx="1" type="body"/>
@@ -1411,7 +1412,7 @@
   <p:cSld>
     <p:spTree>
       <p:nvGrpSpPr>
-        <p:cNvPr id="215" name="Shape 215"/>
+        <p:cNvPr id="216" name="Shape 216"/>
         <p:cNvGrpSpPr/>
         <p:nvPr/>
       </p:nvGrpSpPr>
@@ -1425,7 +1426,7 @@
       </p:grpSpPr>
       <p:sp>
         <p:nvSpPr>
-          <p:cNvPr id="216" name="Google Shape;216;g39d45391ef2_0_649:notes"/>
+          <p:cNvPr id="217" name="Google Shape;217;g39f9ecad944_0_13:notes"/>
           <p:cNvSpPr/>
           <p:nvPr>
             <p:ph idx="2" type="sldImg"/>
@@ -1460,7 +1461,7 @@
       </p:sp>
       <p:sp>
         <p:nvSpPr>
-          <p:cNvPr id="217" name="Google Shape;217;g39d45391ef2_0_649:notes"/>
+          <p:cNvPr id="218" name="Google Shape;218;g39f9ecad944_0_13:notes"/>
           <p:cNvSpPr txBox="1"/>
           <p:nvPr>
             <p:ph idx="1" type="body"/>
@@ -1524,7 +1525,7 @@
       </p:grpSpPr>
       <p:sp>
         <p:nvSpPr>
-          <p:cNvPr id="222" name="Google Shape;222;g39f9ecad944_0_17:notes"/>
+          <p:cNvPr id="222" name="Google Shape;222;g39d45391ef2_0_649:notes"/>
           <p:cNvSpPr/>
           <p:nvPr>
             <p:ph idx="2" type="sldImg"/>
@@ -1559,7 +1560,7 @@
       </p:sp>
       <p:sp>
         <p:nvSpPr>
-          <p:cNvPr id="223" name="Google Shape;223;g39f9ecad944_0_17:notes"/>
+          <p:cNvPr id="223" name="Google Shape;223;g39d45391ef2_0_649:notes"/>
           <p:cNvSpPr txBox="1"/>
           <p:nvPr>
             <p:ph idx="1" type="body"/>
@@ -1609,7 +1610,7 @@
   <p:cSld>
     <p:spTree>
       <p:nvGrpSpPr>
-        <p:cNvPr id="226" name="Shape 226"/>
+        <p:cNvPr id="227" name="Shape 227"/>
         <p:cNvGrpSpPr/>
         <p:nvPr/>
       </p:nvGrpSpPr>
@@ -1623,7 +1624,7 @@
       </p:grpSpPr>
       <p:sp>
         <p:nvSpPr>
-          <p:cNvPr id="227" name="Google Shape;227;g39f9ecad944_0_69:notes"/>
+          <p:cNvPr id="228" name="Google Shape;228;g39f9ecad944_0_17:notes"/>
           <p:cNvSpPr/>
           <p:nvPr>
             <p:ph idx="2" type="sldImg"/>
@@ -1658,7 +1659,7 @@
       </p:sp>
       <p:sp>
         <p:nvSpPr>
-          <p:cNvPr id="228" name="Google Shape;228;g39f9ecad944_0_69:notes"/>
+          <p:cNvPr id="229" name="Google Shape;229;g39f9ecad944_0_17:notes"/>
           <p:cNvSpPr txBox="1"/>
           <p:nvPr>
             <p:ph idx="1" type="body"/>
@@ -1722,7 +1723,7 @@
       </p:grpSpPr>
       <p:sp>
         <p:nvSpPr>
-          <p:cNvPr id="233" name="Google Shape;233;g39f9ecad944_0_74:notes"/>
+          <p:cNvPr id="233" name="Google Shape;233;g39f9ecad944_0_69:notes"/>
           <p:cNvSpPr/>
           <p:nvPr>
             <p:ph idx="2" type="sldImg"/>
@@ -1757,7 +1758,7 @@
       </p:sp>
       <p:sp>
         <p:nvSpPr>
-          <p:cNvPr id="234" name="Google Shape;234;g39f9ecad944_0_74:notes"/>
+          <p:cNvPr id="234" name="Google Shape;234;g39f9ecad944_0_69:notes"/>
           <p:cNvSpPr txBox="1"/>
           <p:nvPr>
             <p:ph idx="1" type="body"/>
@@ -1821,7 +1822,7 @@
       </p:grpSpPr>
       <p:sp>
         <p:nvSpPr>
-          <p:cNvPr id="131" name="Google Shape;131;g39f9ecad944_0_0:notes"/>
+          <p:cNvPr id="131" name="Google Shape;131;g39fe27d94de_0_5:notes"/>
           <p:cNvSpPr/>
           <p:nvPr>
             <p:ph idx="2" type="sldImg"/>
@@ -1856,7 +1857,7 @@
       </p:sp>
       <p:sp>
         <p:nvSpPr>
-          <p:cNvPr id="132" name="Google Shape;132;g39f9ecad944_0_0:notes"/>
+          <p:cNvPr id="132" name="Google Shape;132;g39fe27d94de_0_5:notes"/>
           <p:cNvSpPr txBox="1"/>
           <p:nvPr>
             <p:ph idx="1" type="body"/>
@@ -1901,12 +1902,12 @@
 </p:notes>
 </file>
 
-<file path=ppt/notesSlides/notesSlide3.xml><?xml version="1.0" encoding="utf-8"?>
+<file path=ppt/notesSlides/notesSlide20.xml><?xml version="1.0" encoding="utf-8"?>
 <p:notes xmlns:a="http://schemas.openxmlformats.org/drawingml/2006/main" xmlns:r="http://schemas.openxmlformats.org/officeDocument/2006/relationships" xmlns:mc="http://schemas.openxmlformats.org/markup-compatibility/2006" xmlns:mv="urn:schemas-microsoft-com:mac:vml" xmlns:p="http://schemas.openxmlformats.org/presentationml/2006/main" xmlns:c="http://schemas.openxmlformats.org/drawingml/2006/chart" xmlns:dgm="http://schemas.openxmlformats.org/drawingml/2006/diagram" xmlns:o="urn:schemas-microsoft-com:office:office" xmlns:v="urn:schemas-microsoft-com:vml" xmlns:pvml="urn:schemas-microsoft-com:office:powerpoint" xmlns:com="http://schemas.openxmlformats.org/drawingml/2006/compatibility" xmlns:p14="http://schemas.microsoft.com/office/powerpoint/2010/main" xmlns:p15="http://schemas.microsoft.com/office/powerpoint/2012/main" xmlns:ahyp="http://schemas.microsoft.com/office/drawing/2018/hyperlinkcolor" showMasterPhAnim="0" showMasterSp="0">
   <p:cSld>
     <p:spTree>
       <p:nvGrpSpPr>
-        <p:cNvPr id="135" name="Shape 135"/>
+        <p:cNvPr id="238" name="Shape 238"/>
         <p:cNvGrpSpPr/>
         <p:nvPr/>
       </p:nvGrpSpPr>
@@ -1920,7 +1921,7 @@
       </p:grpSpPr>
       <p:sp>
         <p:nvSpPr>
-          <p:cNvPr id="136" name="Google Shape;136;g39f18eb2018_0_0:notes"/>
+          <p:cNvPr id="239" name="Google Shape;239;g39f9ecad944_0_74:notes"/>
           <p:cNvSpPr/>
           <p:nvPr>
             <p:ph idx="2" type="sldImg"/>
@@ -1955,7 +1956,7 @@
       </p:sp>
       <p:sp>
         <p:nvSpPr>
-          <p:cNvPr id="137" name="Google Shape;137;g39f18eb2018_0_0:notes"/>
+          <p:cNvPr id="240" name="Google Shape;240;g39f9ecad944_0_74:notes"/>
           <p:cNvSpPr txBox="1"/>
           <p:nvPr>
             <p:ph idx="1" type="body"/>
@@ -2000,12 +2001,12 @@
 </p:notes>
 </file>
 
-<file path=ppt/notesSlides/notesSlide4.xml><?xml version="1.0" encoding="utf-8"?>
+<file path=ppt/notesSlides/notesSlide3.xml><?xml version="1.0" encoding="utf-8"?>
 <p:notes xmlns:a="http://schemas.openxmlformats.org/drawingml/2006/main" xmlns:r="http://schemas.openxmlformats.org/officeDocument/2006/relationships" xmlns:mc="http://schemas.openxmlformats.org/markup-compatibility/2006" xmlns:mv="urn:schemas-microsoft-com:mac:vml" xmlns:p="http://schemas.openxmlformats.org/presentationml/2006/main" xmlns:c="http://schemas.openxmlformats.org/drawingml/2006/chart" xmlns:dgm="http://schemas.openxmlformats.org/drawingml/2006/diagram" xmlns:o="urn:schemas-microsoft-com:office:office" xmlns:v="urn:schemas-microsoft-com:vml" xmlns:pvml="urn:schemas-microsoft-com:office:powerpoint" xmlns:com="http://schemas.openxmlformats.org/drawingml/2006/compatibility" xmlns:p14="http://schemas.microsoft.com/office/powerpoint/2010/main" xmlns:p15="http://schemas.microsoft.com/office/powerpoint/2012/main" xmlns:ahyp="http://schemas.microsoft.com/office/drawing/2018/hyperlinkcolor" showMasterPhAnim="0" showMasterSp="0">
   <p:cSld>
     <p:spTree>
       <p:nvGrpSpPr>
-        <p:cNvPr id="143" name="Shape 143"/>
+        <p:cNvPr id="136" name="Shape 136"/>
         <p:cNvGrpSpPr/>
         <p:nvPr/>
       </p:nvGrpSpPr>
@@ -2019,7 +2020,7 @@
       </p:grpSpPr>
       <p:sp>
         <p:nvSpPr>
-          <p:cNvPr id="144" name="Google Shape;144;g39f9ecad944_0_5:notes"/>
+          <p:cNvPr id="137" name="Google Shape;137;g39f9ecad944_0_0:notes"/>
           <p:cNvSpPr/>
           <p:nvPr>
             <p:ph idx="2" type="sldImg"/>
@@ -2054,7 +2055,7 @@
       </p:sp>
       <p:sp>
         <p:nvSpPr>
-          <p:cNvPr id="145" name="Google Shape;145;g39f9ecad944_0_5:notes"/>
+          <p:cNvPr id="138" name="Google Shape;138;g39f9ecad944_0_0:notes"/>
           <p:cNvSpPr txBox="1"/>
           <p:nvPr>
             <p:ph idx="1" type="body"/>
@@ -2099,12 +2100,12 @@
 </p:notes>
 </file>
 
-<file path=ppt/notesSlides/notesSlide5.xml><?xml version="1.0" encoding="utf-8"?>
+<file path=ppt/notesSlides/notesSlide4.xml><?xml version="1.0" encoding="utf-8"?>
 <p:notes xmlns:a="http://schemas.openxmlformats.org/drawingml/2006/main" xmlns:r="http://schemas.openxmlformats.org/officeDocument/2006/relationships" xmlns:mc="http://schemas.openxmlformats.org/markup-compatibility/2006" xmlns:mv="urn:schemas-microsoft-com:mac:vml" xmlns:p="http://schemas.openxmlformats.org/presentationml/2006/main" xmlns:c="http://schemas.openxmlformats.org/drawingml/2006/chart" xmlns:dgm="http://schemas.openxmlformats.org/drawingml/2006/diagram" xmlns:o="urn:schemas-microsoft-com:office:office" xmlns:v="urn:schemas-microsoft-com:vml" xmlns:pvml="urn:schemas-microsoft-com:office:powerpoint" xmlns:com="http://schemas.openxmlformats.org/drawingml/2006/compatibility" xmlns:p14="http://schemas.microsoft.com/office/powerpoint/2010/main" xmlns:p15="http://schemas.microsoft.com/office/powerpoint/2012/main" xmlns:ahyp="http://schemas.microsoft.com/office/drawing/2018/hyperlinkcolor" showMasterPhAnim="0" showMasterSp="0">
   <p:cSld>
     <p:spTree>
       <p:nvGrpSpPr>
-        <p:cNvPr id="148" name="Shape 148"/>
+        <p:cNvPr id="141" name="Shape 141"/>
         <p:cNvGrpSpPr/>
         <p:nvPr/>
       </p:nvGrpSpPr>
@@ -2118,7 +2119,7 @@
       </p:grpSpPr>
       <p:sp>
         <p:nvSpPr>
-          <p:cNvPr id="149" name="Google Shape;149;g39d45391ef2_0_607:notes"/>
+          <p:cNvPr id="142" name="Google Shape;142;g39f18eb2018_0_0:notes"/>
           <p:cNvSpPr/>
           <p:nvPr>
             <p:ph idx="2" type="sldImg"/>
@@ -2153,7 +2154,7 @@
       </p:sp>
       <p:sp>
         <p:nvSpPr>
-          <p:cNvPr id="150" name="Google Shape;150;g39d45391ef2_0_607:notes"/>
+          <p:cNvPr id="143" name="Google Shape;143;g39f18eb2018_0_0:notes"/>
           <p:cNvSpPr txBox="1"/>
           <p:nvPr>
             <p:ph idx="1" type="body"/>
@@ -2198,12 +2199,12 @@
 </p:notes>
 </file>
 
-<file path=ppt/notesSlides/notesSlide6.xml><?xml version="1.0" encoding="utf-8"?>
+<file path=ppt/notesSlides/notesSlide5.xml><?xml version="1.0" encoding="utf-8"?>
 <p:notes xmlns:a="http://schemas.openxmlformats.org/drawingml/2006/main" xmlns:r="http://schemas.openxmlformats.org/officeDocument/2006/relationships" xmlns:mc="http://schemas.openxmlformats.org/markup-compatibility/2006" xmlns:mv="urn:schemas-microsoft-com:mac:vml" xmlns:p="http://schemas.openxmlformats.org/presentationml/2006/main" xmlns:c="http://schemas.openxmlformats.org/drawingml/2006/chart" xmlns:dgm="http://schemas.openxmlformats.org/drawingml/2006/diagram" xmlns:o="urn:schemas-microsoft-com:office:office" xmlns:v="urn:schemas-microsoft-com:vml" xmlns:pvml="urn:schemas-microsoft-com:office:powerpoint" xmlns:com="http://schemas.openxmlformats.org/drawingml/2006/compatibility" xmlns:p14="http://schemas.microsoft.com/office/powerpoint/2010/main" xmlns:p15="http://schemas.microsoft.com/office/powerpoint/2012/main" xmlns:ahyp="http://schemas.microsoft.com/office/drawing/2018/hyperlinkcolor" showMasterPhAnim="0" showMasterSp="0">
   <p:cSld>
     <p:spTree>
       <p:nvGrpSpPr>
-        <p:cNvPr id="156" name="Shape 156"/>
+        <p:cNvPr id="149" name="Shape 149"/>
         <p:cNvGrpSpPr/>
         <p:nvPr/>
       </p:nvGrpSpPr>
@@ -2217,7 +2218,7 @@
       </p:grpSpPr>
       <p:sp>
         <p:nvSpPr>
-          <p:cNvPr id="157" name="Google Shape;157;g39f9ecad944_0_26:notes"/>
+          <p:cNvPr id="150" name="Google Shape;150;g39f9ecad944_0_5:notes"/>
           <p:cNvSpPr/>
           <p:nvPr>
             <p:ph idx="2" type="sldImg"/>
@@ -2252,7 +2253,106 @@
       </p:sp>
       <p:sp>
         <p:nvSpPr>
-          <p:cNvPr id="158" name="Google Shape;158;g39f9ecad944_0_26:notes"/>
+          <p:cNvPr id="151" name="Google Shape;151;g39f9ecad944_0_5:notes"/>
+          <p:cNvSpPr txBox="1"/>
+          <p:nvPr>
+            <p:ph idx="1" type="body"/>
+          </p:nvPr>
+        </p:nvSpPr>
+        <p:spPr>
+          <a:xfrm>
+            <a:off x="685800" y="4343400"/>
+            <a:ext cx="5486400" cy="4114800"/>
+          </a:xfrm>
+          <a:prstGeom prst="rect">
+            <a:avLst/>
+          </a:prstGeom>
+        </p:spPr>
+        <p:txBody>
+          <a:bodyPr anchorCtr="0" anchor="t" bIns="91425" lIns="91425" spcFirstLastPara="1" rIns="91425" wrap="square" tIns="91425">
+            <a:noAutofit/>
+          </a:bodyPr>
+          <a:lstStyle/>
+          <a:p>
+            <a:pPr indent="0" lvl="0" marL="0" rtl="0" algn="l">
+              <a:spcBef>
+                <a:spcPts val="0"/>
+              </a:spcBef>
+              <a:spcAft>
+                <a:spcPts val="0"/>
+              </a:spcAft>
+              <a:buNone/>
+            </a:pPr>
+            <a:r>
+              <a:t/>
+            </a:r>
+            <a:endParaRPr/>
+          </a:p>
+        </p:txBody>
+      </p:sp>
+    </p:spTree>
+  </p:cSld>
+  <p:clrMapOvr>
+    <a:masterClrMapping/>
+  </p:clrMapOvr>
+</p:notes>
+</file>
+
+<file path=ppt/notesSlides/notesSlide6.xml><?xml version="1.0" encoding="utf-8"?>
+<p:notes xmlns:a="http://schemas.openxmlformats.org/drawingml/2006/main" xmlns:r="http://schemas.openxmlformats.org/officeDocument/2006/relationships" xmlns:mc="http://schemas.openxmlformats.org/markup-compatibility/2006" xmlns:mv="urn:schemas-microsoft-com:mac:vml" xmlns:p="http://schemas.openxmlformats.org/presentationml/2006/main" xmlns:c="http://schemas.openxmlformats.org/drawingml/2006/chart" xmlns:dgm="http://schemas.openxmlformats.org/drawingml/2006/diagram" xmlns:o="urn:schemas-microsoft-com:office:office" xmlns:v="urn:schemas-microsoft-com:vml" xmlns:pvml="urn:schemas-microsoft-com:office:powerpoint" xmlns:com="http://schemas.openxmlformats.org/drawingml/2006/compatibility" xmlns:p14="http://schemas.microsoft.com/office/powerpoint/2010/main" xmlns:p15="http://schemas.microsoft.com/office/powerpoint/2012/main" xmlns:ahyp="http://schemas.microsoft.com/office/drawing/2018/hyperlinkcolor" showMasterPhAnim="0" showMasterSp="0">
+  <p:cSld>
+    <p:spTree>
+      <p:nvGrpSpPr>
+        <p:cNvPr id="154" name="Shape 154"/>
+        <p:cNvGrpSpPr/>
+        <p:nvPr/>
+      </p:nvGrpSpPr>
+      <p:grpSpPr>
+        <a:xfrm>
+          <a:off x="0" y="0"/>
+          <a:ext cx="0" cy="0"/>
+          <a:chOff x="0" y="0"/>
+          <a:chExt cx="0" cy="0"/>
+        </a:xfrm>
+      </p:grpSpPr>
+      <p:sp>
+        <p:nvSpPr>
+          <p:cNvPr id="155" name="Google Shape;155;g39d45391ef2_0_607:notes"/>
+          <p:cNvSpPr/>
+          <p:nvPr>
+            <p:ph idx="2" type="sldImg"/>
+          </p:nvPr>
+        </p:nvSpPr>
+        <p:spPr>
+          <a:xfrm>
+            <a:off x="381300" y="685800"/>
+            <a:ext cx="6096000" cy="3429000"/>
+          </a:xfrm>
+          <a:custGeom>
+            <a:rect b="b" l="l" r="r" t="t"/>
+            <a:pathLst>
+              <a:path extrusionOk="0" h="120000" w="120000">
+                <a:moveTo>
+                  <a:pt x="0" y="0"/>
+                </a:moveTo>
+                <a:lnTo>
+                  <a:pt x="120000" y="0"/>
+                </a:lnTo>
+                <a:lnTo>
+                  <a:pt x="120000" y="120000"/>
+                </a:lnTo>
+                <a:lnTo>
+                  <a:pt x="0" y="120000"/>
+                </a:lnTo>
+                <a:close/>
+              </a:path>
+            </a:pathLst>
+          </a:custGeom>
+        </p:spPr>
+      </p:sp>
+      <p:sp>
+        <p:nvSpPr>
+          <p:cNvPr id="156" name="Google Shape;156;g39d45391ef2_0_607:notes"/>
           <p:cNvSpPr txBox="1"/>
           <p:nvPr>
             <p:ph idx="1" type="body"/>
@@ -2316,7 +2416,7 @@
       </p:grpSpPr>
       <p:sp>
         <p:nvSpPr>
-          <p:cNvPr id="163" name="Google Shape;163;g39f9ecad944_0_32:notes"/>
+          <p:cNvPr id="163" name="Google Shape;163;g39f9ecad944_0_26:notes"/>
           <p:cNvSpPr/>
           <p:nvPr>
             <p:ph idx="2" type="sldImg"/>
@@ -2351,7 +2451,7 @@
       </p:sp>
       <p:sp>
         <p:nvSpPr>
-          <p:cNvPr id="164" name="Google Shape;164;g39f9ecad944_0_32:notes"/>
+          <p:cNvPr id="164" name="Google Shape;164;g39f9ecad944_0_26:notes"/>
           <p:cNvSpPr txBox="1"/>
           <p:nvPr>
             <p:ph idx="1" type="body"/>
@@ -2415,7 +2515,7 @@
       </p:grpSpPr>
       <p:sp>
         <p:nvSpPr>
-          <p:cNvPr id="169" name="Google Shape;169;g39f9ecad944_0_39:notes"/>
+          <p:cNvPr id="169" name="Google Shape;169;g39f9ecad944_0_32:notes"/>
           <p:cNvSpPr/>
           <p:nvPr>
             <p:ph idx="2" type="sldImg"/>
@@ -2450,7 +2550,7 @@
       </p:sp>
       <p:sp>
         <p:nvSpPr>
-          <p:cNvPr id="170" name="Google Shape;170;g39f9ecad944_0_39:notes"/>
+          <p:cNvPr id="170" name="Google Shape;170;g39f9ecad944_0_32:notes"/>
           <p:cNvSpPr txBox="1"/>
           <p:nvPr>
             <p:ph idx="1" type="body"/>
@@ -2500,7 +2600,7 @@
   <p:cSld>
     <p:spTree>
       <p:nvGrpSpPr>
-        <p:cNvPr id="175" name="Shape 175"/>
+        <p:cNvPr id="174" name="Shape 174"/>
         <p:cNvGrpSpPr/>
         <p:nvPr/>
       </p:nvGrpSpPr>
@@ -2514,7 +2614,7 @@
       </p:grpSpPr>
       <p:sp>
         <p:nvSpPr>
-          <p:cNvPr id="176" name="Google Shape;176;g39f9ecad944_0_45:notes"/>
+          <p:cNvPr id="175" name="Google Shape;175;g39f9ecad944_0_39:notes"/>
           <p:cNvSpPr/>
           <p:nvPr>
             <p:ph idx="2" type="sldImg"/>
@@ -2549,7 +2649,7 @@
       </p:sp>
       <p:sp>
         <p:nvSpPr>
-          <p:cNvPr id="177" name="Google Shape;177;g39f9ecad944_0_45:notes"/>
+          <p:cNvPr id="176" name="Google Shape;176;g39f9ecad944_0_39:notes"/>
           <p:cNvSpPr txBox="1"/>
           <p:nvPr>
             <p:ph idx="1" type="body"/>
@@ -10860,7 +10960,7 @@
             </a:pPr>
             <a:r>
               <a:rPr lang="en"/>
-              <a:t>Itinerary List</a:t>
+              <a:t>Place Details Modal</a:t>
             </a:r>
             <a:endParaRPr/>
           </a:p>
@@ -10882,8 +10982,8 @@
         </p:blipFill>
         <p:spPr>
           <a:xfrm>
-            <a:off x="812625" y="1700400"/>
-            <a:ext cx="7518760" cy="3038500"/>
+            <a:off x="1791675" y="1457025"/>
+            <a:ext cx="4944650" cy="3401350"/>
           </a:xfrm>
           <a:prstGeom prst="rect">
             <a:avLst/>
@@ -10953,7 +11053,7 @@
             </a:pPr>
             <a:r>
               <a:rPr lang="en"/>
-              <a:t>Itinerary Details Modal</a:t>
+              <a:t>Itinerary List</a:t>
             </a:r>
             <a:endParaRPr/>
           </a:p>
@@ -10975,8 +11075,8 @@
         </p:blipFill>
         <p:spPr>
           <a:xfrm>
-            <a:off x="1551862" y="1619500"/>
-            <a:ext cx="6040276" cy="2907674"/>
+            <a:off x="812625" y="1700400"/>
+            <a:ext cx="7518760" cy="3038500"/>
           </a:xfrm>
           <a:prstGeom prst="rect">
             <a:avLst/>
@@ -11022,15 +11122,15 @@
         </p:nvSpPr>
         <p:spPr>
           <a:xfrm>
-            <a:off x="1888684" y="1746100"/>
-            <a:ext cx="5377500" cy="1646100"/>
+            <a:off x="819150" y="845600"/>
+            <a:ext cx="7505700" cy="954600"/>
           </a:xfrm>
           <a:prstGeom prst="rect">
             <a:avLst/>
           </a:prstGeom>
         </p:spPr>
         <p:txBody>
-          <a:bodyPr anchorCtr="0" anchor="ctr" bIns="91425" lIns="91425" spcFirstLastPara="1" rIns="91425" wrap="square" tIns="91425">
+          <a:bodyPr anchorCtr="0" anchor="t" bIns="91425" lIns="91425" spcFirstLastPara="1" rIns="91425" wrap="square" tIns="91425">
             <a:normAutofit/>
           </a:bodyPr>
           <a:lstStyle/>
@@ -11046,12 +11146,40 @@
             </a:pPr>
             <a:r>
               <a:rPr lang="en"/>
-              <a:t>Items that are Partially Complete</a:t>
+              <a:t>Itinerary Details Modal</a:t>
             </a:r>
             <a:endParaRPr/>
           </a:p>
         </p:txBody>
       </p:sp>
+      <p:pic>
+        <p:nvPicPr>
+          <p:cNvPr id="198" name="Google Shape;198;p24"/>
+          <p:cNvPicPr preferRelativeResize="0"/>
+          <p:nvPr/>
+        </p:nvPicPr>
+        <p:blipFill>
+          <a:blip r:embed="rId3">
+            <a:alphaModFix/>
+          </a:blip>
+          <a:stretch>
+            <a:fillRect/>
+          </a:stretch>
+        </p:blipFill>
+        <p:spPr>
+          <a:xfrm>
+            <a:off x="1551862" y="1619500"/>
+            <a:ext cx="6040276" cy="2907674"/>
+          </a:xfrm>
+          <a:prstGeom prst="rect">
+            <a:avLst/>
+          </a:prstGeom>
+          <a:noFill/>
+          <a:ln>
+            <a:noFill/>
+          </a:ln>
+        </p:spPr>
+      </p:pic>
     </p:spTree>
   </p:cSld>
   <p:clrMapOvr>
@@ -11065,7 +11193,7 @@
   <p:cSld>
     <p:spTree>
       <p:nvGrpSpPr>
-        <p:cNvPr id="201" name="Shape 201"/>
+        <p:cNvPr id="202" name="Shape 202"/>
         <p:cNvGrpSpPr/>
         <p:nvPr/>
       </p:nvGrpSpPr>
@@ -11079,7 +11207,7 @@
       </p:grpSpPr>
       <p:sp>
         <p:nvSpPr>
-          <p:cNvPr id="202" name="Google Shape;202;p25"/>
+          <p:cNvPr id="203" name="Google Shape;203;p25"/>
           <p:cNvSpPr txBox="1"/>
           <p:nvPr>
             <p:ph type="title"/>
@@ -11087,15 +11215,15 @@
         </p:nvSpPr>
         <p:spPr>
           <a:xfrm>
-            <a:off x="819150" y="845600"/>
-            <a:ext cx="7505700" cy="954600"/>
+            <a:off x="1888684" y="1746100"/>
+            <a:ext cx="5377500" cy="1646100"/>
           </a:xfrm>
           <a:prstGeom prst="rect">
             <a:avLst/>
           </a:prstGeom>
         </p:spPr>
         <p:txBody>
-          <a:bodyPr anchorCtr="0" anchor="t" bIns="91425" lIns="91425" spcFirstLastPara="1" rIns="91425" wrap="square" tIns="91425">
+          <a:bodyPr anchorCtr="0" anchor="ctr" bIns="91425" lIns="91425" spcFirstLastPara="1" rIns="91425" wrap="square" tIns="91425">
             <a:normAutofit/>
           </a:bodyPr>
           <a:lstStyle/>
@@ -11111,40 +11239,12 @@
             </a:pPr>
             <a:r>
               <a:rPr lang="en"/>
-              <a:t>Home Page</a:t>
+              <a:t>Items that are Partially Complete</a:t>
             </a:r>
             <a:endParaRPr/>
           </a:p>
         </p:txBody>
       </p:sp>
-      <p:pic>
-        <p:nvPicPr>
-          <p:cNvPr id="203" name="Google Shape;203;p25"/>
-          <p:cNvPicPr preferRelativeResize="0"/>
-          <p:nvPr/>
-        </p:nvPicPr>
-        <p:blipFill>
-          <a:blip r:embed="rId3">
-            <a:alphaModFix/>
-          </a:blip>
-          <a:stretch>
-            <a:fillRect/>
-          </a:stretch>
-        </p:blipFill>
-        <p:spPr>
-          <a:xfrm>
-            <a:off x="357525" y="1923450"/>
-            <a:ext cx="8428948" cy="2673324"/>
-          </a:xfrm>
-          <a:prstGeom prst="rect">
-            <a:avLst/>
-          </a:prstGeom>
-          <a:noFill/>
-          <a:ln>
-            <a:noFill/>
-          </a:ln>
-        </p:spPr>
-      </p:pic>
     </p:spTree>
   </p:cSld>
   <p:clrMapOvr>
@@ -11204,200 +11304,40 @@
             </a:pPr>
             <a:r>
               <a:rPr lang="en"/>
-              <a:t>Partially Complete Items</a:t>
+              <a:t>Home Page</a:t>
             </a:r>
             <a:endParaRPr/>
           </a:p>
         </p:txBody>
       </p:sp>
-      <p:sp>
-        <p:nvSpPr>
+      <p:pic>
+        <p:nvPicPr>
           <p:cNvPr id="209" name="Google Shape;209;p26"/>
-          <p:cNvSpPr txBox="1"/>
-          <p:nvPr>
-            <p:ph idx="1" type="body"/>
-          </p:nvPr>
-        </p:nvSpPr>
+          <p:cNvPicPr preferRelativeResize="0"/>
+          <p:nvPr/>
+        </p:nvPicPr>
+        <p:blipFill>
+          <a:blip r:embed="rId3">
+            <a:alphaModFix/>
+          </a:blip>
+          <a:stretch>
+            <a:fillRect/>
+          </a:stretch>
+        </p:blipFill>
         <p:spPr>
           <a:xfrm>
-            <a:off x="819150" y="1990725"/>
-            <a:ext cx="7505700" cy="2448000"/>
+            <a:off x="357525" y="1923450"/>
+            <a:ext cx="8428948" cy="2673324"/>
           </a:xfrm>
           <a:prstGeom prst="rect">
             <a:avLst/>
           </a:prstGeom>
+          <a:noFill/>
+          <a:ln>
+            <a:noFill/>
+          </a:ln>
         </p:spPr>
-        <p:txBody>
-          <a:bodyPr anchorCtr="0" anchor="t" bIns="91425" lIns="91425" spcFirstLastPara="1" rIns="91425" wrap="square" tIns="91425">
-            <a:normAutofit/>
-          </a:bodyPr>
-          <a:lstStyle/>
-          <a:p>
-            <a:pPr indent="-311150" lvl="0" marL="457200" rtl="0" algn="l">
-              <a:spcBef>
-                <a:spcPts val="0"/>
-              </a:spcBef>
-              <a:spcAft>
-                <a:spcPts val="0"/>
-              </a:spcAft>
-              <a:buClr>
-                <a:srgbClr val="000000"/>
-              </a:buClr>
-              <a:buSzPts val="1300"/>
-              <a:buFont typeface="Arial"/>
-              <a:buChar char="●"/>
-            </a:pPr>
-            <a:r>
-              <a:rPr lang="en"/>
-              <a:t>Create Itinerary</a:t>
-            </a:r>
-            <a:endParaRPr/>
-          </a:p>
-          <a:p>
-            <a:pPr indent="-304800" lvl="1" marL="914400" rtl="0" algn="l">
-              <a:spcBef>
-                <a:spcPts val="0"/>
-              </a:spcBef>
-              <a:spcAft>
-                <a:spcPts val="0"/>
-              </a:spcAft>
-              <a:buClr>
-                <a:srgbClr val="000000"/>
-              </a:buClr>
-              <a:buSzPts val="1200"/>
-              <a:buFont typeface="Arial"/>
-              <a:buChar char="○"/>
-            </a:pPr>
-            <a:r>
-              <a:rPr lang="en" sz="1200"/>
-              <a:t>UI and form validation rules still being polished and tuned.</a:t>
-            </a:r>
-            <a:endParaRPr sz="1200"/>
-          </a:p>
-          <a:p>
-            <a:pPr indent="-311150" lvl="0" marL="457200" rtl="0" algn="l">
-              <a:spcBef>
-                <a:spcPts val="0"/>
-              </a:spcBef>
-              <a:spcAft>
-                <a:spcPts val="0"/>
-              </a:spcAft>
-              <a:buClr>
-                <a:srgbClr val="000000"/>
-              </a:buClr>
-              <a:buSzPts val="1300"/>
-              <a:buFont typeface="Arial"/>
-              <a:buChar char="●"/>
-            </a:pPr>
-            <a:r>
-              <a:rPr lang="en"/>
-              <a:t>Itinerary Details Page</a:t>
-            </a:r>
-            <a:endParaRPr/>
-          </a:p>
-          <a:p>
-            <a:pPr indent="-304800" lvl="1" marL="914400" rtl="0" algn="l">
-              <a:spcBef>
-                <a:spcPts val="0"/>
-              </a:spcBef>
-              <a:spcAft>
-                <a:spcPts val="0"/>
-              </a:spcAft>
-              <a:buClr>
-                <a:srgbClr val="000000"/>
-              </a:buClr>
-              <a:buSzPts val="1200"/>
-              <a:buFont typeface="Arial"/>
-              <a:buChar char="○"/>
-            </a:pPr>
-            <a:r>
-              <a:rPr lang="en" sz="1200"/>
-              <a:t>Left side category nav bar complete, still need to implement the right side bar with current itinerary view.</a:t>
-            </a:r>
-            <a:endParaRPr sz="1200"/>
-          </a:p>
-          <a:p>
-            <a:pPr indent="-304800" lvl="0" marL="457200" rtl="0" algn="l">
-              <a:spcBef>
-                <a:spcPts val="0"/>
-              </a:spcBef>
-              <a:spcAft>
-                <a:spcPts val="0"/>
-              </a:spcAft>
-              <a:buSzPts val="1200"/>
-              <a:buChar char="●"/>
-            </a:pPr>
-            <a:r>
-              <a:rPr lang="en" sz="1200"/>
-              <a:t>View Itinerary</a:t>
-            </a:r>
-            <a:endParaRPr sz="1200"/>
-          </a:p>
-          <a:p>
-            <a:pPr indent="-304800" lvl="1" marL="914400" rtl="0" algn="l">
-              <a:spcBef>
-                <a:spcPts val="0"/>
-              </a:spcBef>
-              <a:spcAft>
-                <a:spcPts val="0"/>
-              </a:spcAft>
-              <a:buSzPts val="1200"/>
-              <a:buChar char="○"/>
-            </a:pPr>
-            <a:r>
-              <a:rPr lang="en" sz="1200"/>
-              <a:t>Modal to display an itinerary scheduled locations in a calendar and hourly view still needs to be done</a:t>
-            </a:r>
-            <a:endParaRPr sz="1200"/>
-          </a:p>
-          <a:p>
-            <a:pPr indent="-311150" lvl="0" marL="457200" rtl="0" algn="l">
-              <a:spcBef>
-                <a:spcPts val="0"/>
-              </a:spcBef>
-              <a:spcAft>
-                <a:spcPts val="0"/>
-              </a:spcAft>
-              <a:buClr>
-                <a:srgbClr val="000000"/>
-              </a:buClr>
-              <a:buSzPts val="1300"/>
-              <a:buFont typeface="Arial"/>
-              <a:buChar char="●"/>
-            </a:pPr>
-            <a:r>
-              <a:rPr lang="en"/>
-              <a:t>Account Drop Down</a:t>
-            </a:r>
-            <a:endParaRPr/>
-          </a:p>
-          <a:p>
-            <a:pPr indent="-311150" lvl="1" marL="914400" rtl="0" algn="l">
-              <a:spcBef>
-                <a:spcPts val="0"/>
-              </a:spcBef>
-              <a:spcAft>
-                <a:spcPts val="0"/>
-              </a:spcAft>
-              <a:buClr>
-                <a:srgbClr val="000000"/>
-              </a:buClr>
-              <a:buSzPts val="1300"/>
-              <a:buFont typeface="Arial"/>
-              <a:buChar char="○"/>
-            </a:pPr>
-            <a:r>
-              <a:rPr lang="en" sz="1200"/>
-              <a:t>The sign out is implemented. The drop down menu for account with user email and current location with sign out still needs implemented </a:t>
-            </a:r>
-            <a:r>
-              <a:rPr lang="en" sz="1300"/>
-              <a:t> </a:t>
-            </a:r>
-            <a:endParaRPr sz="1300"/>
-          </a:p>
-        </p:txBody>
-      </p:sp>
+      </p:pic>
     </p:spTree>
   </p:cSld>
   <p:clrMapOvr>
@@ -11433,6 +11373,259 @@
         </p:nvSpPr>
         <p:spPr>
           <a:xfrm>
+            <a:off x="819150" y="845600"/>
+            <a:ext cx="7505700" cy="954600"/>
+          </a:xfrm>
+          <a:prstGeom prst="rect">
+            <a:avLst/>
+          </a:prstGeom>
+        </p:spPr>
+        <p:txBody>
+          <a:bodyPr anchorCtr="0" anchor="t" bIns="91425" lIns="91425" spcFirstLastPara="1" rIns="91425" wrap="square" tIns="91425">
+            <a:normAutofit/>
+          </a:bodyPr>
+          <a:lstStyle/>
+          <a:p>
+            <a:pPr indent="0" lvl="0" marL="0" rtl="0" algn="ctr">
+              <a:spcBef>
+                <a:spcPts val="0"/>
+              </a:spcBef>
+              <a:spcAft>
+                <a:spcPts val="0"/>
+              </a:spcAft>
+              <a:buNone/>
+            </a:pPr>
+            <a:r>
+              <a:rPr lang="en"/>
+              <a:t>Partially Complete Items</a:t>
+            </a:r>
+            <a:endParaRPr/>
+          </a:p>
+        </p:txBody>
+      </p:sp>
+      <p:sp>
+        <p:nvSpPr>
+          <p:cNvPr id="215" name="Google Shape;215;p27"/>
+          <p:cNvSpPr txBox="1"/>
+          <p:nvPr>
+            <p:ph idx="1" type="body"/>
+          </p:nvPr>
+        </p:nvSpPr>
+        <p:spPr>
+          <a:xfrm>
+            <a:off x="819150" y="1990725"/>
+            <a:ext cx="7505700" cy="2448000"/>
+          </a:xfrm>
+          <a:prstGeom prst="rect">
+            <a:avLst/>
+          </a:prstGeom>
+        </p:spPr>
+        <p:txBody>
+          <a:bodyPr anchorCtr="0" anchor="t" bIns="91425" lIns="91425" spcFirstLastPara="1" rIns="91425" wrap="square" tIns="91425">
+            <a:normAutofit/>
+          </a:bodyPr>
+          <a:lstStyle/>
+          <a:p>
+            <a:pPr indent="-311150" lvl="0" marL="457200" rtl="0" algn="l">
+              <a:spcBef>
+                <a:spcPts val="0"/>
+              </a:spcBef>
+              <a:spcAft>
+                <a:spcPts val="0"/>
+              </a:spcAft>
+              <a:buClr>
+                <a:srgbClr val="000000"/>
+              </a:buClr>
+              <a:buSzPts val="1300"/>
+              <a:buFont typeface="Arial"/>
+              <a:buChar char="●"/>
+            </a:pPr>
+            <a:r>
+              <a:rPr lang="en"/>
+              <a:t>Create Itinerary</a:t>
+            </a:r>
+            <a:endParaRPr/>
+          </a:p>
+          <a:p>
+            <a:pPr indent="-304800" lvl="1" marL="914400" rtl="0" algn="l">
+              <a:spcBef>
+                <a:spcPts val="0"/>
+              </a:spcBef>
+              <a:spcAft>
+                <a:spcPts val="0"/>
+              </a:spcAft>
+              <a:buClr>
+                <a:srgbClr val="000000"/>
+              </a:buClr>
+              <a:buSzPts val="1200"/>
+              <a:buFont typeface="Arial"/>
+              <a:buChar char="○"/>
+            </a:pPr>
+            <a:r>
+              <a:rPr lang="en" sz="1200"/>
+              <a:t>UI and form validation rules still being polished and tuned.</a:t>
+            </a:r>
+            <a:endParaRPr sz="1200"/>
+          </a:p>
+          <a:p>
+            <a:pPr indent="-311150" lvl="0" marL="457200" rtl="0" algn="l">
+              <a:spcBef>
+                <a:spcPts val="0"/>
+              </a:spcBef>
+              <a:spcAft>
+                <a:spcPts val="0"/>
+              </a:spcAft>
+              <a:buClr>
+                <a:srgbClr val="000000"/>
+              </a:buClr>
+              <a:buSzPts val="1300"/>
+              <a:buFont typeface="Arial"/>
+              <a:buChar char="●"/>
+            </a:pPr>
+            <a:r>
+              <a:rPr lang="en"/>
+              <a:t>Itinerary Details Page</a:t>
+            </a:r>
+            <a:endParaRPr/>
+          </a:p>
+          <a:p>
+            <a:pPr indent="-304800" lvl="1" marL="914400" rtl="0" algn="l">
+              <a:spcBef>
+                <a:spcPts val="0"/>
+              </a:spcBef>
+              <a:spcAft>
+                <a:spcPts val="0"/>
+              </a:spcAft>
+              <a:buClr>
+                <a:srgbClr val="000000"/>
+              </a:buClr>
+              <a:buSzPts val="1200"/>
+              <a:buFont typeface="Arial"/>
+              <a:buChar char="○"/>
+            </a:pPr>
+            <a:r>
+              <a:rPr lang="en" sz="1200"/>
+              <a:t>Left side category nav bar complete, still need to implement the right side bar with current itinerary view.</a:t>
+            </a:r>
+            <a:endParaRPr sz="1200"/>
+          </a:p>
+          <a:p>
+            <a:pPr indent="-304800" lvl="0" marL="457200" rtl="0" algn="l">
+              <a:spcBef>
+                <a:spcPts val="0"/>
+              </a:spcBef>
+              <a:spcAft>
+                <a:spcPts val="0"/>
+              </a:spcAft>
+              <a:buSzPts val="1200"/>
+              <a:buChar char="●"/>
+            </a:pPr>
+            <a:r>
+              <a:rPr lang="en" sz="1200"/>
+              <a:t>View Itinerary</a:t>
+            </a:r>
+            <a:endParaRPr sz="1200"/>
+          </a:p>
+          <a:p>
+            <a:pPr indent="-304800" lvl="1" marL="914400" rtl="0" algn="l">
+              <a:spcBef>
+                <a:spcPts val="0"/>
+              </a:spcBef>
+              <a:spcAft>
+                <a:spcPts val="0"/>
+              </a:spcAft>
+              <a:buSzPts val="1200"/>
+              <a:buChar char="○"/>
+            </a:pPr>
+            <a:r>
+              <a:rPr lang="en" sz="1200"/>
+              <a:t>Modal to display an itinerary scheduled locations in a calendar and hourly view still needs to be done</a:t>
+            </a:r>
+            <a:endParaRPr sz="1200"/>
+          </a:p>
+          <a:p>
+            <a:pPr indent="-311150" lvl="0" marL="457200" rtl="0" algn="l">
+              <a:spcBef>
+                <a:spcPts val="0"/>
+              </a:spcBef>
+              <a:spcAft>
+                <a:spcPts val="0"/>
+              </a:spcAft>
+              <a:buClr>
+                <a:srgbClr val="000000"/>
+              </a:buClr>
+              <a:buSzPts val="1300"/>
+              <a:buFont typeface="Arial"/>
+              <a:buChar char="●"/>
+            </a:pPr>
+            <a:r>
+              <a:rPr lang="en"/>
+              <a:t>Account Drop Down</a:t>
+            </a:r>
+            <a:endParaRPr/>
+          </a:p>
+          <a:p>
+            <a:pPr indent="-311150" lvl="1" marL="914400" rtl="0" algn="l">
+              <a:spcBef>
+                <a:spcPts val="0"/>
+              </a:spcBef>
+              <a:spcAft>
+                <a:spcPts val="0"/>
+              </a:spcAft>
+              <a:buClr>
+                <a:srgbClr val="000000"/>
+              </a:buClr>
+              <a:buSzPts val="1300"/>
+              <a:buFont typeface="Arial"/>
+              <a:buChar char="○"/>
+            </a:pPr>
+            <a:r>
+              <a:rPr lang="en" sz="1200"/>
+              <a:t>The sign out is implemented. The drop down menu for account with user email and current location with sign out still needs implemented </a:t>
+            </a:r>
+            <a:r>
+              <a:rPr lang="en" sz="1300"/>
+              <a:t> </a:t>
+            </a:r>
+            <a:endParaRPr sz="1300"/>
+          </a:p>
+        </p:txBody>
+      </p:sp>
+    </p:spTree>
+  </p:cSld>
+  <p:clrMapOvr>
+    <a:masterClrMapping/>
+  </p:clrMapOvr>
+</p:sld>
+</file>
+
+<file path=ppt/slides/slide16.xml><?xml version="1.0" encoding="utf-8"?>
+<p:sld xmlns:a="http://schemas.openxmlformats.org/drawingml/2006/main" xmlns:r="http://schemas.openxmlformats.org/officeDocument/2006/relationships" xmlns:mc="http://schemas.openxmlformats.org/markup-compatibility/2006" xmlns:mv="urn:schemas-microsoft-com:mac:vml" xmlns:p="http://schemas.openxmlformats.org/presentationml/2006/main" xmlns:c="http://schemas.openxmlformats.org/drawingml/2006/chart" xmlns:dgm="http://schemas.openxmlformats.org/drawingml/2006/diagram" xmlns:o="urn:schemas-microsoft-com:office:office" xmlns:v="urn:schemas-microsoft-com:vml" xmlns:pvml="urn:schemas-microsoft-com:office:powerpoint" xmlns:com="http://schemas.openxmlformats.org/drawingml/2006/compatibility" xmlns:p14="http://schemas.microsoft.com/office/powerpoint/2010/main" xmlns:p15="http://schemas.microsoft.com/office/powerpoint/2012/main" xmlns:ahyp="http://schemas.microsoft.com/office/drawing/2018/hyperlinkcolor">
+  <p:cSld>
+    <p:spTree>
+      <p:nvGrpSpPr>
+        <p:cNvPr id="219" name="Shape 219"/>
+        <p:cNvGrpSpPr/>
+        <p:nvPr/>
+      </p:nvGrpSpPr>
+      <p:grpSpPr>
+        <a:xfrm>
+          <a:off x="0" y="0"/>
+          <a:ext cx="0" cy="0"/>
+          <a:chOff x="0" y="0"/>
+          <a:chExt cx="0" cy="0"/>
+        </a:xfrm>
+      </p:grpSpPr>
+      <p:sp>
+        <p:nvSpPr>
+          <p:cNvPr id="220" name="Google Shape;220;p28"/>
+          <p:cNvSpPr txBox="1"/>
+          <p:nvPr>
+            <p:ph type="title"/>
+          </p:nvPr>
+        </p:nvSpPr>
+        <p:spPr>
+          <a:xfrm>
             <a:off x="1888684" y="1746100"/>
             <a:ext cx="5377500" cy="1646100"/>
           </a:xfrm>
@@ -11471,12 +11664,12 @@
 </p:sld>
 </file>
 
-<file path=ppt/slides/slide16.xml><?xml version="1.0" encoding="utf-8"?>
+<file path=ppt/slides/slide17.xml><?xml version="1.0" encoding="utf-8"?>
 <p:sld xmlns:a="http://schemas.openxmlformats.org/drawingml/2006/main" xmlns:r="http://schemas.openxmlformats.org/officeDocument/2006/relationships" xmlns:mc="http://schemas.openxmlformats.org/markup-compatibility/2006" xmlns:mv="urn:schemas-microsoft-com:mac:vml" xmlns:p="http://schemas.openxmlformats.org/presentationml/2006/main" xmlns:c="http://schemas.openxmlformats.org/drawingml/2006/chart" xmlns:dgm="http://schemas.openxmlformats.org/drawingml/2006/diagram" xmlns:o="urn:schemas-microsoft-com:office:office" xmlns:v="urn:schemas-microsoft-com:vml" xmlns:pvml="urn:schemas-microsoft-com:office:powerpoint" xmlns:com="http://schemas.openxmlformats.org/drawingml/2006/compatibility" xmlns:p14="http://schemas.microsoft.com/office/powerpoint/2010/main" xmlns:p15="http://schemas.microsoft.com/office/powerpoint/2012/main" xmlns:ahyp="http://schemas.microsoft.com/office/drawing/2018/hyperlinkcolor">
   <p:cSld>
     <p:spTree>
       <p:nvGrpSpPr>
-        <p:cNvPr id="218" name="Shape 218"/>
+        <p:cNvPr id="224" name="Shape 224"/>
         <p:cNvGrpSpPr/>
         <p:nvPr/>
       </p:nvGrpSpPr>
@@ -11490,7 +11683,7 @@
       </p:grpSpPr>
       <p:sp>
         <p:nvSpPr>
-          <p:cNvPr id="219" name="Google Shape;219;p28"/>
+          <p:cNvPr id="225" name="Google Shape;225;p29"/>
           <p:cNvSpPr txBox="1"/>
           <p:nvPr>
             <p:ph type="title"/>
@@ -11530,7 +11723,7 @@
       </p:sp>
       <p:sp>
         <p:nvSpPr>
-          <p:cNvPr id="220" name="Google Shape;220;p28"/>
+          <p:cNvPr id="226" name="Google Shape;226;p29"/>
           <p:cNvSpPr txBox="1"/>
           <p:nvPr>
             <p:ph idx="1" type="body"/>
@@ -11903,12 +12096,12 @@
 </p:sld>
 </file>
 
-<file path=ppt/slides/slide17.xml><?xml version="1.0" encoding="utf-8"?>
+<file path=ppt/slides/slide18.xml><?xml version="1.0" encoding="utf-8"?>
 <p:sld xmlns:a="http://schemas.openxmlformats.org/drawingml/2006/main" xmlns:r="http://schemas.openxmlformats.org/officeDocument/2006/relationships" xmlns:mc="http://schemas.openxmlformats.org/markup-compatibility/2006" xmlns:mv="urn:schemas-microsoft-com:mac:vml" xmlns:p="http://schemas.openxmlformats.org/presentationml/2006/main" xmlns:c="http://schemas.openxmlformats.org/drawingml/2006/chart" xmlns:dgm="http://schemas.openxmlformats.org/drawingml/2006/diagram" xmlns:o="urn:schemas-microsoft-com:office:office" xmlns:v="urn:schemas-microsoft-com:vml" xmlns:pvml="urn:schemas-microsoft-com:office:powerpoint" xmlns:com="http://schemas.openxmlformats.org/drawingml/2006/compatibility" xmlns:p14="http://schemas.microsoft.com/office/powerpoint/2010/main" xmlns:p15="http://schemas.microsoft.com/office/powerpoint/2012/main" xmlns:ahyp="http://schemas.microsoft.com/office/drawing/2018/hyperlinkcolor">
   <p:cSld>
     <p:spTree>
       <p:nvGrpSpPr>
-        <p:cNvPr id="224" name="Shape 224"/>
+        <p:cNvPr id="230" name="Shape 230"/>
         <p:cNvGrpSpPr/>
         <p:nvPr/>
       </p:nvGrpSpPr>
@@ -11922,7 +12115,7 @@
       </p:grpSpPr>
       <p:sp>
         <p:nvSpPr>
-          <p:cNvPr id="225" name="Google Shape;225;p29"/>
+          <p:cNvPr id="231" name="Google Shape;231;p30"/>
           <p:cNvSpPr txBox="1"/>
           <p:nvPr>
             <p:ph type="title"/>
@@ -11968,12 +12161,12 @@
 </p:sld>
 </file>
 
-<file path=ppt/slides/slide18.xml><?xml version="1.0" encoding="utf-8"?>
+<file path=ppt/slides/slide19.xml><?xml version="1.0" encoding="utf-8"?>
 <p:sld xmlns:a="http://schemas.openxmlformats.org/drawingml/2006/main" xmlns:r="http://schemas.openxmlformats.org/officeDocument/2006/relationships" xmlns:mc="http://schemas.openxmlformats.org/markup-compatibility/2006" xmlns:mv="urn:schemas-microsoft-com:mac:vml" xmlns:p="http://schemas.openxmlformats.org/presentationml/2006/main" xmlns:c="http://schemas.openxmlformats.org/drawingml/2006/chart" xmlns:dgm="http://schemas.openxmlformats.org/drawingml/2006/diagram" xmlns:o="urn:schemas-microsoft-com:office:office" xmlns:v="urn:schemas-microsoft-com:vml" xmlns:pvml="urn:schemas-microsoft-com:office:powerpoint" xmlns:com="http://schemas.openxmlformats.org/drawingml/2006/compatibility" xmlns:p14="http://schemas.microsoft.com/office/powerpoint/2010/main" xmlns:p15="http://schemas.microsoft.com/office/powerpoint/2012/main" xmlns:ahyp="http://schemas.microsoft.com/office/drawing/2018/hyperlinkcolor">
   <p:cSld>
     <p:spTree>
       <p:nvGrpSpPr>
-        <p:cNvPr id="229" name="Shape 229"/>
+        <p:cNvPr id="235" name="Shape 235"/>
         <p:cNvGrpSpPr/>
         <p:nvPr/>
       </p:nvGrpSpPr>
@@ -11987,7 +12180,7 @@
       </p:grpSpPr>
       <p:sp>
         <p:nvSpPr>
-          <p:cNvPr id="230" name="Google Shape;230;p30"/>
+          <p:cNvPr id="236" name="Google Shape;236;p31"/>
           <p:cNvSpPr txBox="1"/>
           <p:nvPr>
             <p:ph type="title"/>
@@ -12027,7 +12220,7 @@
       </p:sp>
       <p:sp>
         <p:nvSpPr>
-          <p:cNvPr id="231" name="Google Shape;231;p30"/>
+          <p:cNvPr id="237" name="Google Shape;237;p31"/>
           <p:cNvSpPr txBox="1"/>
           <p:nvPr>
             <p:ph idx="1" type="body"/>
@@ -12460,71 +12653,6 @@
 </p:sld>
 </file>
 
-<file path=ppt/slides/slide19.xml><?xml version="1.0" encoding="utf-8"?>
-<p:sld xmlns:a="http://schemas.openxmlformats.org/drawingml/2006/main" xmlns:r="http://schemas.openxmlformats.org/officeDocument/2006/relationships" xmlns:mc="http://schemas.openxmlformats.org/markup-compatibility/2006" xmlns:mv="urn:schemas-microsoft-com:mac:vml" xmlns:p="http://schemas.openxmlformats.org/presentationml/2006/main" xmlns:c="http://schemas.openxmlformats.org/drawingml/2006/chart" xmlns:dgm="http://schemas.openxmlformats.org/drawingml/2006/diagram" xmlns:o="urn:schemas-microsoft-com:office:office" xmlns:v="urn:schemas-microsoft-com:vml" xmlns:pvml="urn:schemas-microsoft-com:office:powerpoint" xmlns:com="http://schemas.openxmlformats.org/drawingml/2006/compatibility" xmlns:p14="http://schemas.microsoft.com/office/powerpoint/2010/main" xmlns:p15="http://schemas.microsoft.com/office/powerpoint/2012/main" xmlns:ahyp="http://schemas.microsoft.com/office/drawing/2018/hyperlinkcolor">
-  <p:cSld>
-    <p:spTree>
-      <p:nvGrpSpPr>
-        <p:cNvPr id="235" name="Shape 235"/>
-        <p:cNvGrpSpPr/>
-        <p:nvPr/>
-      </p:nvGrpSpPr>
-      <p:grpSpPr>
-        <a:xfrm>
-          <a:off x="0" y="0"/>
-          <a:ext cx="0" cy="0"/>
-          <a:chOff x="0" y="0"/>
-          <a:chExt cx="0" cy="0"/>
-        </a:xfrm>
-      </p:grpSpPr>
-      <p:sp>
-        <p:nvSpPr>
-          <p:cNvPr id="236" name="Google Shape;236;p31"/>
-          <p:cNvSpPr txBox="1"/>
-          <p:nvPr>
-            <p:ph type="title"/>
-          </p:nvPr>
-        </p:nvSpPr>
-        <p:spPr>
-          <a:xfrm>
-            <a:off x="1888684" y="1746100"/>
-            <a:ext cx="5377500" cy="1646100"/>
-          </a:xfrm>
-          <a:prstGeom prst="rect">
-            <a:avLst/>
-          </a:prstGeom>
-        </p:spPr>
-        <p:txBody>
-          <a:bodyPr anchorCtr="0" anchor="ctr" bIns="91425" lIns="91425" spcFirstLastPara="1" rIns="91425" wrap="square" tIns="91425">
-            <a:normAutofit/>
-          </a:bodyPr>
-          <a:lstStyle/>
-          <a:p>
-            <a:pPr indent="0" lvl="0" marL="0" rtl="0" algn="ctr">
-              <a:spcBef>
-                <a:spcPts val="0"/>
-              </a:spcBef>
-              <a:spcAft>
-                <a:spcPts val="0"/>
-              </a:spcAft>
-              <a:buNone/>
-            </a:pPr>
-            <a:r>
-              <a:rPr lang="en"/>
-              <a:t>Questions</a:t>
-            </a:r>
-            <a:endParaRPr/>
-          </a:p>
-        </p:txBody>
-      </p:sp>
-    </p:spTree>
-  </p:cSld>
-  <p:clrMapOvr>
-    <a:masterClrMapping/>
-  </p:clrMapOvr>
-</p:sld>
-</file>
-
 <file path=ppt/slides/slide2.xml><?xml version="1.0" encoding="utf-8"?>
 <p:sld xmlns:a="http://schemas.openxmlformats.org/drawingml/2006/main" xmlns:r="http://schemas.openxmlformats.org/officeDocument/2006/relationships" xmlns:mc="http://schemas.openxmlformats.org/markup-compatibility/2006" xmlns:mv="urn:schemas-microsoft-com:mac:vml" xmlns:p="http://schemas.openxmlformats.org/presentationml/2006/main" xmlns:c="http://schemas.openxmlformats.org/drawingml/2006/chart" xmlns:dgm="http://schemas.openxmlformats.org/drawingml/2006/diagram" xmlns:o="urn:schemas-microsoft-com:office:office" xmlns:v="urn:schemas-microsoft-com:vml" xmlns:pvml="urn:schemas-microsoft-com:office:powerpoint" xmlns:com="http://schemas.openxmlformats.org/drawingml/2006/compatibility" xmlns:p14="http://schemas.microsoft.com/office/powerpoint/2010/main" xmlns:p15="http://schemas.microsoft.com/office/powerpoint/2012/main" xmlns:ahyp="http://schemas.microsoft.com/office/drawing/2018/hyperlinkcolor">
   <p:cSld>
@@ -12552,6 +12680,211 @@
         </p:nvSpPr>
         <p:spPr>
           <a:xfrm>
+            <a:off x="819150" y="845600"/>
+            <a:ext cx="7505700" cy="954600"/>
+          </a:xfrm>
+          <a:prstGeom prst="rect">
+            <a:avLst/>
+          </a:prstGeom>
+        </p:spPr>
+        <p:txBody>
+          <a:bodyPr anchorCtr="0" anchor="t" bIns="91425" lIns="91425" spcFirstLastPara="1" rIns="91425" wrap="square" tIns="91425">
+            <a:normAutofit/>
+          </a:bodyPr>
+          <a:lstStyle/>
+          <a:p>
+            <a:pPr indent="0" lvl="0" marL="0" rtl="0" algn="l">
+              <a:spcBef>
+                <a:spcPts val="0"/>
+              </a:spcBef>
+              <a:spcAft>
+                <a:spcPts val="0"/>
+              </a:spcAft>
+              <a:buNone/>
+            </a:pPr>
+            <a:r>
+              <a:rPr lang="en"/>
+              <a:t>Disclaimer and Refresher</a:t>
+            </a:r>
+            <a:endParaRPr/>
+          </a:p>
+        </p:txBody>
+      </p:sp>
+      <p:sp>
+        <p:nvSpPr>
+          <p:cNvPr id="135" name="Google Shape;135;p14"/>
+          <p:cNvSpPr txBox="1"/>
+          <p:nvPr>
+            <p:ph idx="1" type="body"/>
+          </p:nvPr>
+        </p:nvSpPr>
+        <p:spPr>
+          <a:xfrm>
+            <a:off x="819150" y="1990725"/>
+            <a:ext cx="7505700" cy="2448000"/>
+          </a:xfrm>
+          <a:prstGeom prst="rect">
+            <a:avLst/>
+          </a:prstGeom>
+        </p:spPr>
+        <p:txBody>
+          <a:bodyPr anchorCtr="0" anchor="t" bIns="91425" lIns="91425" spcFirstLastPara="1" rIns="91425" wrap="square" tIns="91425">
+            <a:normAutofit/>
+          </a:bodyPr>
+          <a:lstStyle/>
+          <a:p>
+            <a:pPr indent="-311150" lvl="0" marL="457200" rtl="0" algn="l">
+              <a:spcBef>
+                <a:spcPts val="0"/>
+              </a:spcBef>
+              <a:spcAft>
+                <a:spcPts val="0"/>
+              </a:spcAft>
+              <a:buSzPts val="1300"/>
+              <a:buChar char="●"/>
+            </a:pPr>
+            <a:r>
+              <a:rPr lang="en"/>
+              <a:t>Research Required</a:t>
+            </a:r>
+            <a:endParaRPr/>
+          </a:p>
+          <a:p>
+            <a:pPr indent="-311150" lvl="0" marL="457200" rtl="0" algn="l">
+              <a:spcBef>
+                <a:spcPts val="0"/>
+              </a:spcBef>
+              <a:spcAft>
+                <a:spcPts val="0"/>
+              </a:spcAft>
+              <a:buSzPts val="1300"/>
+              <a:buChar char="●"/>
+            </a:pPr>
+            <a:r>
+              <a:rPr lang="en"/>
+              <a:t>Experimenting</a:t>
+            </a:r>
+            <a:endParaRPr/>
+          </a:p>
+          <a:p>
+            <a:pPr indent="-311150" lvl="0" marL="457200" rtl="0" algn="l">
+              <a:spcBef>
+                <a:spcPts val="0"/>
+              </a:spcBef>
+              <a:spcAft>
+                <a:spcPts val="0"/>
+              </a:spcAft>
+              <a:buSzPts val="1300"/>
+              <a:buChar char="●"/>
+            </a:pPr>
+            <a:r>
+              <a:rPr lang="en"/>
+              <a:t>Original Promise</a:t>
+            </a:r>
+            <a:endParaRPr/>
+          </a:p>
+        </p:txBody>
+      </p:sp>
+    </p:spTree>
+  </p:cSld>
+  <p:clrMapOvr>
+    <a:masterClrMapping/>
+  </p:clrMapOvr>
+</p:sld>
+</file>
+
+<file path=ppt/slides/slide20.xml><?xml version="1.0" encoding="utf-8"?>
+<p:sld xmlns:a="http://schemas.openxmlformats.org/drawingml/2006/main" xmlns:r="http://schemas.openxmlformats.org/officeDocument/2006/relationships" xmlns:mc="http://schemas.openxmlformats.org/markup-compatibility/2006" xmlns:mv="urn:schemas-microsoft-com:mac:vml" xmlns:p="http://schemas.openxmlformats.org/presentationml/2006/main" xmlns:c="http://schemas.openxmlformats.org/drawingml/2006/chart" xmlns:dgm="http://schemas.openxmlformats.org/drawingml/2006/diagram" xmlns:o="urn:schemas-microsoft-com:office:office" xmlns:v="urn:schemas-microsoft-com:vml" xmlns:pvml="urn:schemas-microsoft-com:office:powerpoint" xmlns:com="http://schemas.openxmlformats.org/drawingml/2006/compatibility" xmlns:p14="http://schemas.microsoft.com/office/powerpoint/2010/main" xmlns:p15="http://schemas.microsoft.com/office/powerpoint/2012/main" xmlns:ahyp="http://schemas.microsoft.com/office/drawing/2018/hyperlinkcolor">
+  <p:cSld>
+    <p:spTree>
+      <p:nvGrpSpPr>
+        <p:cNvPr id="241" name="Shape 241"/>
+        <p:cNvGrpSpPr/>
+        <p:nvPr/>
+      </p:nvGrpSpPr>
+      <p:grpSpPr>
+        <a:xfrm>
+          <a:off x="0" y="0"/>
+          <a:ext cx="0" cy="0"/>
+          <a:chOff x="0" y="0"/>
+          <a:chExt cx="0" cy="0"/>
+        </a:xfrm>
+      </p:grpSpPr>
+      <p:sp>
+        <p:nvSpPr>
+          <p:cNvPr id="242" name="Google Shape;242;p32"/>
+          <p:cNvSpPr txBox="1"/>
+          <p:nvPr>
+            <p:ph type="title"/>
+          </p:nvPr>
+        </p:nvSpPr>
+        <p:spPr>
+          <a:xfrm>
+            <a:off x="1888684" y="1746100"/>
+            <a:ext cx="5377500" cy="1646100"/>
+          </a:xfrm>
+          <a:prstGeom prst="rect">
+            <a:avLst/>
+          </a:prstGeom>
+        </p:spPr>
+        <p:txBody>
+          <a:bodyPr anchorCtr="0" anchor="ctr" bIns="91425" lIns="91425" spcFirstLastPara="1" rIns="91425" wrap="square" tIns="91425">
+            <a:normAutofit/>
+          </a:bodyPr>
+          <a:lstStyle/>
+          <a:p>
+            <a:pPr indent="0" lvl="0" marL="0" rtl="0" algn="ctr">
+              <a:spcBef>
+                <a:spcPts val="0"/>
+              </a:spcBef>
+              <a:spcAft>
+                <a:spcPts val="0"/>
+              </a:spcAft>
+              <a:buNone/>
+            </a:pPr>
+            <a:r>
+              <a:rPr lang="en"/>
+              <a:t>Questions</a:t>
+            </a:r>
+            <a:endParaRPr/>
+          </a:p>
+        </p:txBody>
+      </p:sp>
+    </p:spTree>
+  </p:cSld>
+  <p:clrMapOvr>
+    <a:masterClrMapping/>
+  </p:clrMapOvr>
+</p:sld>
+</file>
+
+<file path=ppt/slides/slide3.xml><?xml version="1.0" encoding="utf-8"?>
+<p:sld xmlns:a="http://schemas.openxmlformats.org/drawingml/2006/main" xmlns:r="http://schemas.openxmlformats.org/officeDocument/2006/relationships" xmlns:mc="http://schemas.openxmlformats.org/markup-compatibility/2006" xmlns:mv="urn:schemas-microsoft-com:mac:vml" xmlns:p="http://schemas.openxmlformats.org/presentationml/2006/main" xmlns:c="http://schemas.openxmlformats.org/drawingml/2006/chart" xmlns:dgm="http://schemas.openxmlformats.org/drawingml/2006/diagram" xmlns:o="urn:schemas-microsoft-com:office:office" xmlns:v="urn:schemas-microsoft-com:vml" xmlns:pvml="urn:schemas-microsoft-com:office:powerpoint" xmlns:com="http://schemas.openxmlformats.org/drawingml/2006/compatibility" xmlns:p14="http://schemas.microsoft.com/office/powerpoint/2010/main" xmlns:p15="http://schemas.microsoft.com/office/powerpoint/2012/main" xmlns:ahyp="http://schemas.microsoft.com/office/drawing/2018/hyperlinkcolor">
+  <p:cSld>
+    <p:spTree>
+      <p:nvGrpSpPr>
+        <p:cNvPr id="139" name="Shape 139"/>
+        <p:cNvGrpSpPr/>
+        <p:nvPr/>
+      </p:nvGrpSpPr>
+      <p:grpSpPr>
+        <a:xfrm>
+          <a:off x="0" y="0"/>
+          <a:ext cx="0" cy="0"/>
+          <a:chOff x="0" y="0"/>
+          <a:chExt cx="0" cy="0"/>
+        </a:xfrm>
+      </p:grpSpPr>
+      <p:sp>
+        <p:nvSpPr>
+          <p:cNvPr id="140" name="Google Shape;140;p15"/>
+          <p:cNvSpPr txBox="1"/>
+          <p:nvPr>
+            <p:ph type="title"/>
+          </p:nvPr>
+        </p:nvSpPr>
+        <p:spPr>
+          <a:xfrm>
             <a:off x="1888684" y="1746100"/>
             <a:ext cx="5377500" cy="1646100"/>
           </a:xfrm>
@@ -12594,12 +12927,12 @@
 </p:sld>
 </file>
 
-<file path=ppt/slides/slide3.xml><?xml version="1.0" encoding="utf-8"?>
+<file path=ppt/slides/slide4.xml><?xml version="1.0" encoding="utf-8"?>
 <p:sld xmlns:a="http://schemas.openxmlformats.org/drawingml/2006/main" xmlns:r="http://schemas.openxmlformats.org/officeDocument/2006/relationships" xmlns:mc="http://schemas.openxmlformats.org/markup-compatibility/2006" xmlns:mv="urn:schemas-microsoft-com:mac:vml" xmlns:p="http://schemas.openxmlformats.org/presentationml/2006/main" xmlns:c="http://schemas.openxmlformats.org/drawingml/2006/chart" xmlns:dgm="http://schemas.openxmlformats.org/drawingml/2006/diagram" xmlns:o="urn:schemas-microsoft-com:office:office" xmlns:v="urn:schemas-microsoft-com:vml" xmlns:pvml="urn:schemas-microsoft-com:office:powerpoint" xmlns:com="http://schemas.openxmlformats.org/drawingml/2006/compatibility" xmlns:p14="http://schemas.microsoft.com/office/powerpoint/2010/main" xmlns:p15="http://schemas.microsoft.com/office/powerpoint/2012/main" xmlns:ahyp="http://schemas.microsoft.com/office/drawing/2018/hyperlinkcolor">
   <p:cSld>
     <p:spTree>
       <p:nvGrpSpPr>
-        <p:cNvPr id="138" name="Shape 138"/>
+        <p:cNvPr id="144" name="Shape 144"/>
         <p:cNvGrpSpPr/>
         <p:nvPr/>
       </p:nvGrpSpPr>
@@ -12613,7 +12946,7 @@
       </p:grpSpPr>
       <p:sp>
         <p:nvSpPr>
-          <p:cNvPr id="139" name="Google Shape;139;p15"/>
+          <p:cNvPr id="145" name="Google Shape;145;p16"/>
           <p:cNvSpPr txBox="1"/>
           <p:nvPr>
             <p:ph type="title"/>
@@ -12668,7 +13001,7 @@
       </p:sp>
       <p:sp>
         <p:nvSpPr>
-          <p:cNvPr id="140" name="Google Shape;140;p15"/>
+          <p:cNvPr id="146" name="Google Shape;146;p16"/>
           <p:cNvSpPr txBox="1"/>
           <p:nvPr>
             <p:ph idx="1" type="body"/>
@@ -12676,8 +13009,8 @@
         </p:nvSpPr>
         <p:spPr>
           <a:xfrm>
-            <a:off x="819150" y="1990725"/>
-            <a:ext cx="7505700" cy="2448000"/>
+            <a:off x="819150" y="1449100"/>
+            <a:ext cx="7505700" cy="2989500"/>
           </a:xfrm>
           <a:prstGeom prst="rect">
             <a:avLst/>
@@ -12748,6 +13081,23 @@
             <a:endParaRPr/>
           </a:p>
           <a:p>
+            <a:pPr indent="-311150" lvl="0" marL="457200" rtl="0" algn="l">
+              <a:spcBef>
+                <a:spcPts val="0"/>
+              </a:spcBef>
+              <a:spcAft>
+                <a:spcPts val="0"/>
+              </a:spcAft>
+              <a:buSzPts val="1300"/>
+              <a:buChar char="●"/>
+            </a:pPr>
+            <a:r>
+              <a:rPr lang="en"/>
+              <a:t>View Itinerary-&gt; Itinerary List</a:t>
+            </a:r>
+            <a:endParaRPr/>
+          </a:p>
+          <a:p>
             <a:pPr indent="0" lvl="0" marL="0" rtl="0" algn="l">
               <a:spcBef>
                 <a:spcPts val="1200"/>
@@ -12766,7 +13116,7 @@
       </p:sp>
       <p:pic>
         <p:nvPicPr>
-          <p:cNvPr id="141" name="Google Shape;141;p15"/>
+          <p:cNvPr id="147" name="Google Shape;147;p16"/>
           <p:cNvPicPr preferRelativeResize="0"/>
           <p:nvPr/>
         </p:nvPicPr>
@@ -12794,7 +13144,7 @@
       </p:pic>
       <p:pic>
         <p:nvPicPr>
-          <p:cNvPr id="142" name="Google Shape;142;p15"/>
+          <p:cNvPr id="148" name="Google Shape;148;p16"/>
           <p:cNvPicPr preferRelativeResize="0"/>
           <p:nvPr/>
         </p:nvPicPr>
@@ -12828,12 +13178,12 @@
 </p:sld>
 </file>
 
-<file path=ppt/slides/slide4.xml><?xml version="1.0" encoding="utf-8"?>
+<file path=ppt/slides/slide5.xml><?xml version="1.0" encoding="utf-8"?>
 <p:sld xmlns:a="http://schemas.openxmlformats.org/drawingml/2006/main" xmlns:r="http://schemas.openxmlformats.org/officeDocument/2006/relationships" xmlns:mc="http://schemas.openxmlformats.org/markup-compatibility/2006" xmlns:mv="urn:schemas-microsoft-com:mac:vml" xmlns:p="http://schemas.openxmlformats.org/presentationml/2006/main" xmlns:c="http://schemas.openxmlformats.org/drawingml/2006/chart" xmlns:dgm="http://schemas.openxmlformats.org/drawingml/2006/diagram" xmlns:o="urn:schemas-microsoft-com:office:office" xmlns:v="urn:schemas-microsoft-com:vml" xmlns:pvml="urn:schemas-microsoft-com:office:powerpoint" xmlns:com="http://schemas.openxmlformats.org/drawingml/2006/compatibility" xmlns:p14="http://schemas.microsoft.com/office/powerpoint/2010/main" xmlns:p15="http://schemas.microsoft.com/office/powerpoint/2012/main" xmlns:ahyp="http://schemas.microsoft.com/office/drawing/2018/hyperlinkcolor">
   <p:cSld>
     <p:spTree>
       <p:nvGrpSpPr>
-        <p:cNvPr id="146" name="Shape 146"/>
+        <p:cNvPr id="152" name="Shape 152"/>
         <p:cNvGrpSpPr/>
         <p:nvPr/>
       </p:nvGrpSpPr>
@@ -12847,7 +13197,7 @@
       </p:grpSpPr>
       <p:sp>
         <p:nvSpPr>
-          <p:cNvPr id="147" name="Google Shape;147;p16"/>
+          <p:cNvPr id="153" name="Google Shape;153;p17"/>
           <p:cNvSpPr txBox="1"/>
           <p:nvPr>
             <p:ph type="title"/>
@@ -12893,12 +13243,12 @@
 </p:sld>
 </file>
 
-<file path=ppt/slides/slide5.xml><?xml version="1.0" encoding="utf-8"?>
+<file path=ppt/slides/slide6.xml><?xml version="1.0" encoding="utf-8"?>
 <p:sld xmlns:a="http://schemas.openxmlformats.org/drawingml/2006/main" xmlns:r="http://schemas.openxmlformats.org/officeDocument/2006/relationships" xmlns:mc="http://schemas.openxmlformats.org/markup-compatibility/2006" xmlns:mv="urn:schemas-microsoft-com:mac:vml" xmlns:p="http://schemas.openxmlformats.org/presentationml/2006/main" xmlns:c="http://schemas.openxmlformats.org/drawingml/2006/chart" xmlns:dgm="http://schemas.openxmlformats.org/drawingml/2006/diagram" xmlns:o="urn:schemas-microsoft-com:office:office" xmlns:v="urn:schemas-microsoft-com:vml" xmlns:pvml="urn:schemas-microsoft-com:office:powerpoint" xmlns:com="http://schemas.openxmlformats.org/drawingml/2006/compatibility" xmlns:p14="http://schemas.microsoft.com/office/powerpoint/2010/main" xmlns:p15="http://schemas.microsoft.com/office/powerpoint/2012/main" xmlns:ahyp="http://schemas.microsoft.com/office/drawing/2018/hyperlinkcolor">
   <p:cSld>
     <p:spTree>
       <p:nvGrpSpPr>
-        <p:cNvPr id="151" name="Shape 151"/>
+        <p:cNvPr id="157" name="Shape 157"/>
         <p:cNvGrpSpPr/>
         <p:nvPr/>
       </p:nvGrpSpPr>
@@ -12912,7 +13262,7 @@
       </p:grpSpPr>
       <p:sp>
         <p:nvSpPr>
-          <p:cNvPr id="152" name="Google Shape;152;p17"/>
+          <p:cNvPr id="158" name="Google Shape;158;p18"/>
           <p:cNvSpPr txBox="1"/>
           <p:nvPr>
             <p:ph type="title"/>
@@ -12952,7 +13302,7 @@
       </p:sp>
       <p:sp>
         <p:nvSpPr>
-          <p:cNvPr id="153" name="Google Shape;153;p17"/>
+          <p:cNvPr id="159" name="Google Shape;159;p18"/>
           <p:cNvSpPr txBox="1"/>
           <p:nvPr>
             <p:ph idx="1" type="body"/>
@@ -13018,7 +13368,7 @@
       </p:sp>
       <p:pic>
         <p:nvPicPr>
-          <p:cNvPr id="154" name="Google Shape;154;p17"/>
+          <p:cNvPr id="160" name="Google Shape;160;p18"/>
           <p:cNvPicPr preferRelativeResize="0"/>
           <p:nvPr/>
         </p:nvPicPr>
@@ -13046,7 +13396,7 @@
       </p:pic>
       <p:pic>
         <p:nvPicPr>
-          <p:cNvPr id="155" name="Google Shape;155;p17"/>
+          <p:cNvPr id="161" name="Google Shape;161;p18"/>
           <p:cNvPicPr preferRelativeResize="0"/>
           <p:nvPr/>
         </p:nvPicPr>
@@ -13062,99 +13412,6 @@
           <a:xfrm>
             <a:off x="3227200" y="2512050"/>
             <a:ext cx="5241324" cy="2203200"/>
-          </a:xfrm>
-          <a:prstGeom prst="rect">
-            <a:avLst/>
-          </a:prstGeom>
-          <a:noFill/>
-          <a:ln>
-            <a:noFill/>
-          </a:ln>
-        </p:spPr>
-      </p:pic>
-    </p:spTree>
-  </p:cSld>
-  <p:clrMapOvr>
-    <a:masterClrMapping/>
-  </p:clrMapOvr>
-</p:sld>
-</file>
-
-<file path=ppt/slides/slide6.xml><?xml version="1.0" encoding="utf-8"?>
-<p:sld xmlns:a="http://schemas.openxmlformats.org/drawingml/2006/main" xmlns:r="http://schemas.openxmlformats.org/officeDocument/2006/relationships" xmlns:mc="http://schemas.openxmlformats.org/markup-compatibility/2006" xmlns:mv="urn:schemas-microsoft-com:mac:vml" xmlns:p="http://schemas.openxmlformats.org/presentationml/2006/main" xmlns:c="http://schemas.openxmlformats.org/drawingml/2006/chart" xmlns:dgm="http://schemas.openxmlformats.org/drawingml/2006/diagram" xmlns:o="urn:schemas-microsoft-com:office:office" xmlns:v="urn:schemas-microsoft-com:vml" xmlns:pvml="urn:schemas-microsoft-com:office:powerpoint" xmlns:com="http://schemas.openxmlformats.org/drawingml/2006/compatibility" xmlns:p14="http://schemas.microsoft.com/office/powerpoint/2010/main" xmlns:p15="http://schemas.microsoft.com/office/powerpoint/2012/main" xmlns:ahyp="http://schemas.microsoft.com/office/drawing/2018/hyperlinkcolor">
-  <p:cSld>
-    <p:spTree>
-      <p:nvGrpSpPr>
-        <p:cNvPr id="159" name="Shape 159"/>
-        <p:cNvGrpSpPr/>
-        <p:nvPr/>
-      </p:nvGrpSpPr>
-      <p:grpSpPr>
-        <a:xfrm>
-          <a:off x="0" y="0"/>
-          <a:ext cx="0" cy="0"/>
-          <a:chOff x="0" y="0"/>
-          <a:chExt cx="0" cy="0"/>
-        </a:xfrm>
-      </p:grpSpPr>
-      <p:sp>
-        <p:nvSpPr>
-          <p:cNvPr id="160" name="Google Shape;160;p18"/>
-          <p:cNvSpPr txBox="1"/>
-          <p:nvPr>
-            <p:ph type="title"/>
-          </p:nvPr>
-        </p:nvSpPr>
-        <p:spPr>
-          <a:xfrm>
-            <a:off x="819150" y="845600"/>
-            <a:ext cx="7505700" cy="954600"/>
-          </a:xfrm>
-          <a:prstGeom prst="rect">
-            <a:avLst/>
-          </a:prstGeom>
-        </p:spPr>
-        <p:txBody>
-          <a:bodyPr anchorCtr="0" anchor="t" bIns="91425" lIns="91425" spcFirstLastPara="1" rIns="91425" wrap="square" tIns="91425">
-            <a:normAutofit/>
-          </a:bodyPr>
-          <a:lstStyle/>
-          <a:p>
-            <a:pPr indent="0" lvl="0" marL="0" rtl="0" algn="ctr">
-              <a:spcBef>
-                <a:spcPts val="0"/>
-              </a:spcBef>
-              <a:spcAft>
-                <a:spcPts val="0"/>
-              </a:spcAft>
-              <a:buNone/>
-            </a:pPr>
-            <a:r>
-              <a:rPr lang="en"/>
-              <a:t>Itinerary Details Page</a:t>
-            </a:r>
-            <a:endParaRPr/>
-          </a:p>
-        </p:txBody>
-      </p:sp>
-      <p:pic>
-        <p:nvPicPr>
-          <p:cNvPr id="161" name="Google Shape;161;p18"/>
-          <p:cNvPicPr preferRelativeResize="0"/>
-          <p:nvPr/>
-        </p:nvPicPr>
-        <p:blipFill>
-          <a:blip r:embed="rId3">
-            <a:alphaModFix/>
-          </a:blip>
-          <a:stretch>
-            <a:fillRect/>
-          </a:stretch>
-        </p:blipFill>
-        <p:spPr>
-          <a:xfrm>
-            <a:off x="1672313" y="1640700"/>
-            <a:ext cx="5799385" cy="3038500"/>
           </a:xfrm>
           <a:prstGeom prst="rect">
             <a:avLst/>
@@ -13224,7 +13481,7 @@
             </a:pPr>
             <a:r>
               <a:rPr lang="en"/>
-              <a:t>Itinerary Details Page Cont.</a:t>
+              <a:t>Itinerary Details Page</a:t>
             </a:r>
             <a:endParaRPr/>
           </a:p>
@@ -13246,8 +13503,8 @@
         </p:blipFill>
         <p:spPr>
           <a:xfrm>
-            <a:off x="1509175" y="1614100"/>
-            <a:ext cx="6125646" cy="3038500"/>
+            <a:off x="1672313" y="1640700"/>
+            <a:ext cx="5799385" cy="3038500"/>
           </a:xfrm>
           <a:prstGeom prst="rect">
             <a:avLst/>
@@ -13317,7 +13574,7 @@
             </a:pPr>
             <a:r>
               <a:rPr lang="en"/>
-              <a:t>Create Itinerary</a:t>
+              <a:t>Itinerary Details Page Cont.</a:t>
             </a:r>
             <a:endParaRPr/>
           </a:p>
@@ -13339,36 +13596,8 @@
         </p:blipFill>
         <p:spPr>
           <a:xfrm>
-            <a:off x="4449725" y="2064025"/>
-            <a:ext cx="4433549" cy="2834175"/>
-          </a:xfrm>
-          <a:prstGeom prst="rect">
-            <a:avLst/>
-          </a:prstGeom>
-          <a:noFill/>
-          <a:ln>
-            <a:noFill/>
-          </a:ln>
-        </p:spPr>
-      </p:pic>
-      <p:pic>
-        <p:nvPicPr>
-          <p:cNvPr id="174" name="Google Shape;174;p20"/>
-          <p:cNvPicPr preferRelativeResize="0"/>
-          <p:nvPr/>
-        </p:nvPicPr>
-        <p:blipFill>
-          <a:blip r:embed="rId4">
-            <a:alphaModFix/>
-          </a:blip>
-          <a:stretch>
-            <a:fillRect/>
-          </a:stretch>
-        </p:blipFill>
-        <p:spPr>
-          <a:xfrm>
-            <a:off x="261275" y="2064025"/>
-            <a:ext cx="4142250" cy="2834176"/>
+            <a:off x="1509175" y="1614100"/>
+            <a:ext cx="6125646" cy="3038500"/>
           </a:xfrm>
           <a:prstGeom prst="rect">
             <a:avLst/>
@@ -13392,7 +13621,7 @@
   <p:cSld>
     <p:spTree>
       <p:nvGrpSpPr>
-        <p:cNvPr id="178" name="Shape 178"/>
+        <p:cNvPr id="177" name="Shape 177"/>
         <p:cNvGrpSpPr/>
         <p:nvPr/>
       </p:nvGrpSpPr>
@@ -13406,7 +13635,7 @@
       </p:grpSpPr>
       <p:sp>
         <p:nvSpPr>
-          <p:cNvPr id="179" name="Google Shape;179;p21"/>
+          <p:cNvPr id="178" name="Google Shape;178;p21"/>
           <p:cNvSpPr txBox="1"/>
           <p:nvPr>
             <p:ph type="title"/>
@@ -13438,7 +13667,7 @@
             </a:pPr>
             <a:r>
               <a:rPr lang="en"/>
-              <a:t>Place Details Modal</a:t>
+              <a:t>Create Itinerary</a:t>
             </a:r>
             <a:endParaRPr/>
           </a:p>
@@ -13446,7 +13675,7 @@
       </p:sp>
       <p:pic>
         <p:nvPicPr>
-          <p:cNvPr id="180" name="Google Shape;180;p21"/>
+          <p:cNvPr id="179" name="Google Shape;179;p21"/>
           <p:cNvPicPr preferRelativeResize="0"/>
           <p:nvPr/>
         </p:nvPicPr>
@@ -13460,8 +13689,36 @@
         </p:blipFill>
         <p:spPr>
           <a:xfrm>
-            <a:off x="1791675" y="1457025"/>
-            <a:ext cx="4944650" cy="3401350"/>
+            <a:off x="4449725" y="2064025"/>
+            <a:ext cx="4433549" cy="2834175"/>
+          </a:xfrm>
+          <a:prstGeom prst="rect">
+            <a:avLst/>
+          </a:prstGeom>
+          <a:noFill/>
+          <a:ln>
+            <a:noFill/>
+          </a:ln>
+        </p:spPr>
+      </p:pic>
+      <p:pic>
+        <p:nvPicPr>
+          <p:cNvPr id="180" name="Google Shape;180;p21"/>
+          <p:cNvPicPr preferRelativeResize="0"/>
+          <p:nvPr/>
+        </p:nvPicPr>
+        <p:blipFill>
+          <a:blip r:embed="rId4">
+            <a:alphaModFix/>
+          </a:blip>
+          <a:stretch>
+            <a:fillRect/>
+          </a:stretch>
+        </p:blipFill>
+        <p:spPr>
+          <a:xfrm>
+            <a:off x="261275" y="2064025"/>
+            <a:ext cx="4142250" cy="2834176"/>
           </a:xfrm>
           <a:prstGeom prst="rect">
             <a:avLst/>

--- a/Documents/Progress Update/Project Update.pptx
+++ b/Documents/Progress Update/Project Update.pptx
@@ -10982,7 +10982,7 @@
         </p:blipFill>
         <p:spPr>
           <a:xfrm>
-            <a:off x="1791675" y="1457025"/>
+            <a:off x="2099675" y="1486000"/>
             <a:ext cx="4944650" cy="3401350"/>
           </a:xfrm>
           <a:prstGeom prst="rect">
@@ -11168,8 +11168,8 @@
         </p:blipFill>
         <p:spPr>
           <a:xfrm>
-            <a:off x="1551862" y="1619500"/>
-            <a:ext cx="6040276" cy="2907674"/>
+            <a:off x="438150" y="1951799"/>
+            <a:ext cx="8267700" cy="1924050"/>
           </a:xfrm>
           <a:prstGeom prst="rect">
             <a:avLst/>
@@ -13596,7 +13596,7 @@
         </p:blipFill>
         <p:spPr>
           <a:xfrm>
-            <a:off x="1509175" y="1614100"/>
+            <a:off x="1284600" y="1628575"/>
             <a:ext cx="6125646" cy="3038500"/>
           </a:xfrm>
           <a:prstGeom prst="rect">
